--- a/KAPHS.pptx
+++ b/KAPHS.pptx
@@ -6637,7 +6637,7 @@
         </p:blipFill>
         <p:spPr>
           <a:xfrm>
-            <a:off x="0" y="224479"/>
+            <a:off x="0" y="156385"/>
             <a:ext cx="4863057" cy="3242038"/>
           </a:xfrm>
         </p:spPr>
@@ -6670,8 +6670,80 @@
         </p:blipFill>
         <p:spPr>
           <a:xfrm>
-            <a:off x="4397677" y="224479"/>
+            <a:off x="4397677" y="156385"/>
             <a:ext cx="4863056" cy="3242038"/>
+          </a:xfrm>
+          <a:prstGeom prst="rect">
+            <a:avLst/>
+          </a:prstGeom>
+        </p:spPr>
+      </p:pic>
+      <p:pic>
+        <p:nvPicPr>
+          <p:cNvPr id="5" name="Obrázek 4">
+            <a:extLst>
+              <a:ext uri="{FF2B5EF4-FFF2-40B4-BE49-F238E27FC236}">
+                <a16:creationId xmlns:a16="http://schemas.microsoft.com/office/drawing/2014/main" id="{BC6D32F7-DAE4-B52B-C329-FE277C06FA2C}"/>
+              </a:ext>
+            </a:extLst>
+          </p:cNvPr>
+          <p:cNvPicPr>
+            <a:picLocks noChangeAspect="1"/>
+          </p:cNvPicPr>
+          <p:nvPr/>
+        </p:nvPicPr>
+        <p:blipFill>
+          <a:blip r:embed="rId4">
+            <a:extLst>
+              <a:ext uri="{28A0092B-C50C-407E-A947-70E740481C1C}">
+                <a14:useLocalDpi xmlns:a14="http://schemas.microsoft.com/office/drawing/2010/main" val="0"/>
+              </a:ext>
+            </a:extLst>
+          </a:blip>
+          <a:stretch>
+            <a:fillRect/>
+          </a:stretch>
+        </p:blipFill>
+        <p:spPr>
+          <a:xfrm>
+            <a:off x="-2773" y="3466517"/>
+            <a:ext cx="4865400" cy="3243600"/>
+          </a:xfrm>
+          <a:prstGeom prst="rect">
+            <a:avLst/>
+          </a:prstGeom>
+        </p:spPr>
+      </p:pic>
+      <p:pic>
+        <p:nvPicPr>
+          <p:cNvPr id="7" name="Obrázek 6">
+            <a:extLst>
+              <a:ext uri="{FF2B5EF4-FFF2-40B4-BE49-F238E27FC236}">
+                <a16:creationId xmlns:a16="http://schemas.microsoft.com/office/drawing/2014/main" id="{501B29D4-6F42-220E-5860-D4ED094C06E5}"/>
+              </a:ext>
+            </a:extLst>
+          </p:cNvPr>
+          <p:cNvPicPr>
+            <a:picLocks noChangeAspect="1"/>
+          </p:cNvPicPr>
+          <p:nvPr/>
+        </p:nvPicPr>
+        <p:blipFill>
+          <a:blip r:embed="rId5">
+            <a:extLst>
+              <a:ext uri="{28A0092B-C50C-407E-A947-70E740481C1C}">
+                <a14:useLocalDpi xmlns:a14="http://schemas.microsoft.com/office/drawing/2010/main" val="0"/>
+              </a:ext>
+            </a:extLst>
+          </a:blip>
+          <a:stretch>
+            <a:fillRect/>
+          </a:stretch>
+        </p:blipFill>
+        <p:spPr>
+          <a:xfrm>
+            <a:off x="4397677" y="3466517"/>
+            <a:ext cx="4865400" cy="3243600"/>
           </a:xfrm>
           <a:prstGeom prst="rect">
             <a:avLst/>
@@ -6914,6 +6986,30 @@
               <a:rPr lang="cs-CZ" dirty="0"/>
               <a:t>Výsledek: „lístky“ obsahující objekty jen jedné kategorie</a:t>
             </a:r>
+          </a:p>
+          <a:p>
+            <a:endParaRPr lang="cs-CZ" dirty="0"/>
+          </a:p>
+          <a:p>
+            <a:r>
+              <a:rPr lang="cs-CZ" dirty="0"/>
+              <a:t>Je vidět na základě kterých proměnných se algoritmus rozhoduje</a:t>
+            </a:r>
+          </a:p>
+          <a:p>
+            <a:endParaRPr lang="cs-CZ" dirty="0"/>
+          </a:p>
+          <a:p>
+            <a:endParaRPr lang="cs-CZ" dirty="0"/>
+          </a:p>
+          <a:p>
+            <a:r>
+              <a:rPr lang="cs-CZ" dirty="0"/>
+              <a:t>Sem nakreslit strom z pythonu</a:t>
+            </a:r>
+          </a:p>
+          <a:p>
+            <a:endParaRPr lang="cs-CZ" dirty="0"/>
           </a:p>
         </p:txBody>
       </p:sp>
@@ -10235,8 +10331,8 @@
             </a:p>
           </p:txBody>
         </p:sp>
-        <mc:AlternateContent xmlns:mc="http://schemas.openxmlformats.org/markup-compatibility/2006">
-          <mc:Choice xmlns:p14="http://schemas.microsoft.com/office/powerpoint/2010/main" Requires="p14">
+        <mc:AlternateContent xmlns:mc="http://schemas.openxmlformats.org/markup-compatibility/2006" xmlns:p14="http://schemas.microsoft.com/office/powerpoint/2010/main">
+          <mc:Choice Requires="p14">
             <p:contentPart p14:bwMode="auto" r:id="rId3">
               <p14:nvContentPartPr>
                 <p14:cNvPr id="17" name="Rukopis 16">
@@ -10255,7 +10351,7 @@
               </p14:xfrm>
             </p:contentPart>
           </mc:Choice>
-          <mc:Fallback>
+          <mc:Fallback xmlns="">
             <p:pic>
               <p:nvPicPr>
                 <p:cNvPr id="17" name="Rukopis 16">
@@ -10286,8 +10382,8 @@
             </p:pic>
           </mc:Fallback>
         </mc:AlternateContent>
-        <mc:AlternateContent xmlns:mc="http://schemas.openxmlformats.org/markup-compatibility/2006">
-          <mc:Choice xmlns:p14="http://schemas.microsoft.com/office/powerpoint/2010/main" Requires="p14">
+        <mc:AlternateContent xmlns:mc="http://schemas.openxmlformats.org/markup-compatibility/2006" xmlns:p14="http://schemas.microsoft.com/office/powerpoint/2010/main">
+          <mc:Choice Requires="p14">
             <p:contentPart p14:bwMode="auto" r:id="rId5">
               <p14:nvContentPartPr>
                 <p14:cNvPr id="19" name="Rukopis 18">
@@ -10306,7 +10402,7 @@
               </p14:xfrm>
             </p:contentPart>
           </mc:Choice>
-          <mc:Fallback>
+          <mc:Fallback xmlns="">
             <p:pic>
               <p:nvPicPr>
                 <p:cNvPr id="19" name="Rukopis 18">
@@ -10337,8 +10433,8 @@
             </p:pic>
           </mc:Fallback>
         </mc:AlternateContent>
-        <mc:AlternateContent xmlns:mc="http://schemas.openxmlformats.org/markup-compatibility/2006">
-          <mc:Choice xmlns:p14="http://schemas.microsoft.com/office/powerpoint/2010/main" Requires="p14">
+        <mc:AlternateContent xmlns:mc="http://schemas.openxmlformats.org/markup-compatibility/2006" xmlns:p14="http://schemas.microsoft.com/office/powerpoint/2010/main">
+          <mc:Choice Requires="p14">
             <p:contentPart p14:bwMode="auto" r:id="rId7">
               <p14:nvContentPartPr>
                 <p14:cNvPr id="20" name="Rukopis 19">
@@ -10357,7 +10453,7 @@
               </p14:xfrm>
             </p:contentPart>
           </mc:Choice>
-          <mc:Fallback>
+          <mc:Fallback xmlns="">
             <p:pic>
               <p:nvPicPr>
                 <p:cNvPr id="20" name="Rukopis 19">
@@ -10388,8 +10484,8 @@
             </p:pic>
           </mc:Fallback>
         </mc:AlternateContent>
-        <mc:AlternateContent xmlns:mc="http://schemas.openxmlformats.org/markup-compatibility/2006">
-          <mc:Choice xmlns:p14="http://schemas.microsoft.com/office/powerpoint/2010/main" Requires="p14">
+        <mc:AlternateContent xmlns:mc="http://schemas.openxmlformats.org/markup-compatibility/2006" xmlns:p14="http://schemas.microsoft.com/office/powerpoint/2010/main">
+          <mc:Choice Requires="p14">
             <p:contentPart p14:bwMode="auto" r:id="rId9">
               <p14:nvContentPartPr>
                 <p14:cNvPr id="22" name="Rukopis 21">
@@ -10408,7 +10504,7 @@
               </p14:xfrm>
             </p:contentPart>
           </mc:Choice>
-          <mc:Fallback>
+          <mc:Fallback xmlns="">
             <p:pic>
               <p:nvPicPr>
                 <p:cNvPr id="22" name="Rukopis 21">
@@ -10439,8 +10535,8 @@
             </p:pic>
           </mc:Fallback>
         </mc:AlternateContent>
-        <mc:AlternateContent xmlns:mc="http://schemas.openxmlformats.org/markup-compatibility/2006">
-          <mc:Choice xmlns:p14="http://schemas.microsoft.com/office/powerpoint/2010/main" Requires="p14">
+        <mc:AlternateContent xmlns:mc="http://schemas.openxmlformats.org/markup-compatibility/2006" xmlns:p14="http://schemas.microsoft.com/office/powerpoint/2010/main">
+          <mc:Choice Requires="p14">
             <p:contentPart p14:bwMode="auto" r:id="rId11">
               <p14:nvContentPartPr>
                 <p14:cNvPr id="23" name="Rukopis 22">
@@ -10459,7 +10555,7 @@
               </p14:xfrm>
             </p:contentPart>
           </mc:Choice>
-          <mc:Fallback>
+          <mc:Fallback xmlns="">
             <p:pic>
               <p:nvPicPr>
                 <p:cNvPr id="23" name="Rukopis 22">
@@ -12306,6 +12402,15 @@
 </file>
 
 <file path=customXml/item1.xml><?xml version="1.0" encoding="utf-8"?>
+<?mso-contentType ?>
+<FormTemplates xmlns="http://schemas.microsoft.com/sharepoint/v3/contenttype/forms">
+  <Display>DocumentLibraryForm</Display>
+  <Edit>DocumentLibraryForm</Edit>
+  <New>DocumentLibraryForm</New>
+</FormTemplates>
+</file>
+
+<file path=customXml/item2.xml><?xml version="1.0" encoding="utf-8"?>
 <ct:contentTypeSchema xmlns:ct="http://schemas.microsoft.com/office/2006/metadata/contentType" xmlns:ma="http://schemas.microsoft.com/office/2006/metadata/properties/metaAttributes" ct:_="" ma:_="" ma:contentTypeName="Document" ma:contentTypeID="0x0101008A8BAC94BA468D488F31B2478A655CDC" ma:contentTypeVersion="2" ma:contentTypeDescription="Create a new document." ma:contentTypeScope="" ma:versionID="ee33a842da3844a56f5f7ee8bb88b81c">
   <xsd:schema xmlns:xsd="http://www.w3.org/2001/XMLSchema" xmlns:xs="http://www.w3.org/2001/XMLSchema" xmlns:p="http://schemas.microsoft.com/office/2006/metadata/properties" xmlns:ns2="76d5652a-9cd3-465f-98c7-aa8090bd65c7" targetNamespace="http://schemas.microsoft.com/office/2006/metadata/properties" ma:root="true" ma:fieldsID="0e2306b8fccc60975f3c3727b2649f8a" ns2:_="">
     <xsd:import namespace="76d5652a-9cd3-465f-98c7-aa8090bd65c7"/>
@@ -12437,15 +12542,6 @@
 </ct:contentTypeSchema>
 </file>
 
-<file path=customXml/item2.xml><?xml version="1.0" encoding="utf-8"?>
-<?mso-contentType ?>
-<FormTemplates xmlns="http://schemas.microsoft.com/sharepoint/v3/contenttype/forms">
-  <Display>DocumentLibraryForm</Display>
-  <Edit>DocumentLibraryForm</Edit>
-  <New>DocumentLibraryForm</New>
-</FormTemplates>
-</file>
-
 <file path=customXml/item3.xml><?xml version="1.0" encoding="utf-8"?>
 <p:properties xmlns:p="http://schemas.microsoft.com/office/2006/metadata/properties" xmlns:xsi="http://www.w3.org/2001/XMLSchema-instance" xmlns:pc="http://schemas.microsoft.com/office/infopath/2007/PartnerControls">
   <documentManagement/>
@@ -12453,6 +12549,14 @@
 </file>
 
 <file path=customXml/itemProps1.xml><?xml version="1.0" encoding="utf-8"?>
+<ds:datastoreItem xmlns:ds="http://schemas.openxmlformats.org/officeDocument/2006/customXml" ds:itemID="{E36D0F24-56E8-4504-AA48-3EBCB5D54AD9}">
+  <ds:schemaRefs>
+    <ds:schemaRef ds:uri="http://schemas.microsoft.com/sharepoint/v3/contenttype/forms"/>
+  </ds:schemaRefs>
+</ds:datastoreItem>
+</file>
+
+<file path=customXml/itemProps2.xml><?xml version="1.0" encoding="utf-8"?>
 <ds:datastoreItem xmlns:ds="http://schemas.openxmlformats.org/officeDocument/2006/customXml" ds:itemID="{4EC91D47-DB37-41CD-95CA-CBBE4BBBFBDA}">
   <ds:schemaRefs>
     <ds:schemaRef ds:uri="http://schemas.microsoft.com/office/2006/metadata/contentType"/>
@@ -12470,14 +12574,6 @@
 </ds:datastoreItem>
 </file>
 
-<file path=customXml/itemProps2.xml><?xml version="1.0" encoding="utf-8"?>
-<ds:datastoreItem xmlns:ds="http://schemas.openxmlformats.org/officeDocument/2006/customXml" ds:itemID="{E36D0F24-56E8-4504-AA48-3EBCB5D54AD9}">
-  <ds:schemaRefs>
-    <ds:schemaRef ds:uri="http://schemas.microsoft.com/sharepoint/v3/contenttype/forms"/>
-  </ds:schemaRefs>
-</ds:datastoreItem>
-</file>
-
 <file path=customXml/itemProps3.xml><?xml version="1.0" encoding="utf-8"?>
 <ds:datastoreItem xmlns:ds="http://schemas.openxmlformats.org/officeDocument/2006/customXml" ds:itemID="{87FC99D9-F6DD-436D-99C9-1C611E60EF54}">
   <ds:schemaRefs>

--- a/KAPHS.pptx
+++ b/KAPHS.pptx
@@ -5,10 +5,10 @@
     <p:sldMasterId id="2147483657" r:id="rId4"/>
   </p:sldMasterIdLst>
   <p:notesMasterIdLst>
-    <p:notesMasterId r:id="rId25"/>
+    <p:notesMasterId r:id="rId26"/>
   </p:notesMasterIdLst>
   <p:handoutMasterIdLst>
-    <p:handoutMasterId r:id="rId26"/>
+    <p:handoutMasterId r:id="rId27"/>
   </p:handoutMasterIdLst>
   <p:sldIdLst>
     <p:sldId id="256" r:id="rId5"/>
@@ -23,14 +23,15 @@
     <p:sldId id="275" r:id="rId14"/>
     <p:sldId id="279" r:id="rId15"/>
     <p:sldId id="276" r:id="rId16"/>
-    <p:sldId id="277" r:id="rId17"/>
-    <p:sldId id="278" r:id="rId18"/>
-    <p:sldId id="268" r:id="rId19"/>
-    <p:sldId id="269" r:id="rId20"/>
-    <p:sldId id="270" r:id="rId21"/>
-    <p:sldId id="280" r:id="rId22"/>
-    <p:sldId id="267" r:id="rId23"/>
-    <p:sldId id="262" r:id="rId24"/>
+    <p:sldId id="281" r:id="rId17"/>
+    <p:sldId id="277" r:id="rId18"/>
+    <p:sldId id="278" r:id="rId19"/>
+    <p:sldId id="268" r:id="rId20"/>
+    <p:sldId id="269" r:id="rId21"/>
+    <p:sldId id="270" r:id="rId22"/>
+    <p:sldId id="280" r:id="rId23"/>
+    <p:sldId id="267" r:id="rId24"/>
+    <p:sldId id="262" r:id="rId25"/>
   </p:sldIdLst>
   <p:sldSz cx="9144000" cy="6858000" type="screen4x3"/>
   <p:notesSz cx="6858000" cy="9144000"/>
@@ -176,6 +177,7 @@
             <p14:sldId id="275"/>
             <p14:sldId id="279"/>
             <p14:sldId id="276"/>
+            <p14:sldId id="281"/>
             <p14:sldId id="277"/>
             <p14:sldId id="278"/>
             <p14:sldId id="268"/>
@@ -261,6 +263,6435 @@
     <p1510:client id="{BFB0C81B-4118-8C75-589D-F0520D5CC567}" v="24" dt="2022-10-18T16:38:11.757"/>
   </p1510:revLst>
 </p1510:revInfo>
+</file>
+
+<file path=ppt/diagrams/colors1.xml><?xml version="1.0" encoding="utf-8"?>
+<dgm:colorsDef xmlns:dgm="http://schemas.openxmlformats.org/drawingml/2006/diagram" xmlns:a="http://schemas.openxmlformats.org/drawingml/2006/main" uniqueId="urn:microsoft.com/office/officeart/2005/8/colors/accent0_1">
+  <dgm:title val=""/>
+  <dgm:desc val=""/>
+  <dgm:catLst>
+    <dgm:cat type="mainScheme" pri="10100"/>
+  </dgm:catLst>
+  <dgm:styleLbl name="node0">
+    <dgm:fillClrLst meth="repeat">
+      <a:schemeClr val="lt1"/>
+    </dgm:fillClrLst>
+    <dgm:linClrLst meth="repeat">
+      <a:schemeClr val="dk1">
+        <a:shade val="80000"/>
+      </a:schemeClr>
+    </dgm:linClrLst>
+    <dgm:effectClrLst/>
+    <dgm:txLinClrLst/>
+    <dgm:txFillClrLst meth="repeat">
+      <a:schemeClr val="dk1"/>
+    </dgm:txFillClrLst>
+    <dgm:txEffectClrLst/>
+  </dgm:styleLbl>
+  <dgm:styleLbl name="node1">
+    <dgm:fillClrLst meth="repeat">
+      <a:schemeClr val="lt1"/>
+    </dgm:fillClrLst>
+    <dgm:linClrLst meth="repeat">
+      <a:schemeClr val="dk1">
+        <a:shade val="80000"/>
+      </a:schemeClr>
+    </dgm:linClrLst>
+    <dgm:effectClrLst/>
+    <dgm:txLinClrLst/>
+    <dgm:txFillClrLst meth="repeat">
+      <a:schemeClr val="dk1"/>
+    </dgm:txFillClrLst>
+    <dgm:txEffectClrLst/>
+  </dgm:styleLbl>
+  <dgm:styleLbl name="alignNode1">
+    <dgm:fillClrLst meth="repeat">
+      <a:schemeClr val="lt1"/>
+    </dgm:fillClrLst>
+    <dgm:linClrLst meth="repeat">
+      <a:schemeClr val="dk1">
+        <a:shade val="80000"/>
+      </a:schemeClr>
+    </dgm:linClrLst>
+    <dgm:effectClrLst/>
+    <dgm:txLinClrLst/>
+    <dgm:txFillClrLst meth="repeat">
+      <a:schemeClr val="dk1"/>
+    </dgm:txFillClrLst>
+    <dgm:txEffectClrLst/>
+  </dgm:styleLbl>
+  <dgm:styleLbl name="lnNode1">
+    <dgm:fillClrLst meth="repeat">
+      <a:schemeClr val="lt1"/>
+    </dgm:fillClrLst>
+    <dgm:linClrLst meth="repeat">
+      <a:schemeClr val="dk1">
+        <a:shade val="80000"/>
+      </a:schemeClr>
+    </dgm:linClrLst>
+    <dgm:effectClrLst/>
+    <dgm:txLinClrLst/>
+    <dgm:txFillClrLst meth="repeat">
+      <a:schemeClr val="dk1"/>
+    </dgm:txFillClrLst>
+    <dgm:txEffectClrLst/>
+  </dgm:styleLbl>
+  <dgm:styleLbl name="vennNode1">
+    <dgm:fillClrLst meth="repeat">
+      <a:schemeClr val="lt1">
+        <a:alpha val="50000"/>
+      </a:schemeClr>
+    </dgm:fillClrLst>
+    <dgm:linClrLst meth="repeat">
+      <a:schemeClr val="dk1">
+        <a:shade val="80000"/>
+      </a:schemeClr>
+    </dgm:linClrLst>
+    <dgm:effectClrLst/>
+    <dgm:txLinClrLst/>
+    <dgm:txFillClrLst/>
+    <dgm:txEffectClrLst/>
+  </dgm:styleLbl>
+  <dgm:styleLbl name="node2">
+    <dgm:fillClrLst meth="repeat">
+      <a:schemeClr val="lt1"/>
+    </dgm:fillClrLst>
+    <dgm:linClrLst meth="repeat">
+      <a:schemeClr val="dk1">
+        <a:shade val="80000"/>
+      </a:schemeClr>
+    </dgm:linClrLst>
+    <dgm:effectClrLst/>
+    <dgm:txLinClrLst/>
+    <dgm:txFillClrLst meth="repeat">
+      <a:schemeClr val="dk1"/>
+    </dgm:txFillClrLst>
+    <dgm:txEffectClrLst/>
+  </dgm:styleLbl>
+  <dgm:styleLbl name="node3">
+    <dgm:fillClrLst meth="repeat">
+      <a:schemeClr val="lt1"/>
+    </dgm:fillClrLst>
+    <dgm:linClrLst meth="repeat">
+      <a:schemeClr val="dk1">
+        <a:shade val="80000"/>
+      </a:schemeClr>
+    </dgm:linClrLst>
+    <dgm:effectClrLst/>
+    <dgm:txLinClrLst/>
+    <dgm:txFillClrLst meth="repeat">
+      <a:schemeClr val="dk1"/>
+    </dgm:txFillClrLst>
+    <dgm:txEffectClrLst/>
+  </dgm:styleLbl>
+  <dgm:styleLbl name="node4">
+    <dgm:fillClrLst meth="repeat">
+      <a:schemeClr val="lt1"/>
+    </dgm:fillClrLst>
+    <dgm:linClrLst meth="repeat">
+      <a:schemeClr val="dk1">
+        <a:shade val="80000"/>
+      </a:schemeClr>
+    </dgm:linClrLst>
+    <dgm:effectClrLst/>
+    <dgm:txLinClrLst/>
+    <dgm:txFillClrLst meth="repeat">
+      <a:schemeClr val="dk1"/>
+    </dgm:txFillClrLst>
+    <dgm:txEffectClrLst/>
+  </dgm:styleLbl>
+  <dgm:styleLbl name="fgImgPlace1">
+    <dgm:fillClrLst meth="repeat">
+      <a:schemeClr val="dk1">
+        <a:tint val="40000"/>
+      </a:schemeClr>
+    </dgm:fillClrLst>
+    <dgm:linClrLst meth="repeat">
+      <a:schemeClr val="dk1">
+        <a:shade val="80000"/>
+      </a:schemeClr>
+    </dgm:linClrLst>
+    <dgm:effectClrLst/>
+    <dgm:txLinClrLst/>
+    <dgm:txFillClrLst meth="repeat">
+      <a:schemeClr val="lt1"/>
+    </dgm:txFillClrLst>
+    <dgm:txEffectClrLst/>
+  </dgm:styleLbl>
+  <dgm:styleLbl name="alignImgPlace1">
+    <dgm:fillClrLst meth="repeat">
+      <a:schemeClr val="dk1">
+        <a:tint val="40000"/>
+      </a:schemeClr>
+    </dgm:fillClrLst>
+    <dgm:linClrLst meth="repeat">
+      <a:schemeClr val="dk1">
+        <a:shade val="80000"/>
+      </a:schemeClr>
+    </dgm:linClrLst>
+    <dgm:effectClrLst/>
+    <dgm:txLinClrLst/>
+    <dgm:txFillClrLst meth="repeat">
+      <a:schemeClr val="lt1"/>
+    </dgm:txFillClrLst>
+    <dgm:txEffectClrLst/>
+  </dgm:styleLbl>
+  <dgm:styleLbl name="bgImgPlace1">
+    <dgm:fillClrLst meth="repeat">
+      <a:schemeClr val="dk1">
+        <a:tint val="40000"/>
+      </a:schemeClr>
+    </dgm:fillClrLst>
+    <dgm:linClrLst meth="repeat">
+      <a:schemeClr val="dk1">
+        <a:shade val="80000"/>
+      </a:schemeClr>
+    </dgm:linClrLst>
+    <dgm:effectClrLst/>
+    <dgm:txLinClrLst/>
+    <dgm:txFillClrLst meth="repeat">
+      <a:schemeClr val="lt1"/>
+    </dgm:txFillClrLst>
+    <dgm:txEffectClrLst/>
+  </dgm:styleLbl>
+  <dgm:styleLbl name="sibTrans2D1">
+    <dgm:fillClrLst meth="repeat">
+      <a:schemeClr val="dk1">
+        <a:tint val="60000"/>
+      </a:schemeClr>
+    </dgm:fillClrLst>
+    <dgm:linClrLst meth="repeat">
+      <a:schemeClr val="dk1">
+        <a:tint val="60000"/>
+      </a:schemeClr>
+    </dgm:linClrLst>
+    <dgm:effectClrLst/>
+    <dgm:txLinClrLst/>
+    <dgm:txFillClrLst meth="repeat">
+      <a:schemeClr val="dk1"/>
+    </dgm:txFillClrLst>
+    <dgm:txEffectClrLst/>
+  </dgm:styleLbl>
+  <dgm:styleLbl name="fgSibTrans2D1">
+    <dgm:fillClrLst meth="repeat">
+      <a:schemeClr val="dk1">
+        <a:tint val="60000"/>
+      </a:schemeClr>
+    </dgm:fillClrLst>
+    <dgm:linClrLst meth="repeat">
+      <a:schemeClr val="dk1">
+        <a:tint val="60000"/>
+      </a:schemeClr>
+    </dgm:linClrLst>
+    <dgm:effectClrLst/>
+    <dgm:txLinClrLst/>
+    <dgm:txFillClrLst meth="repeat">
+      <a:schemeClr val="dk1"/>
+    </dgm:txFillClrLst>
+    <dgm:txEffectClrLst/>
+  </dgm:styleLbl>
+  <dgm:styleLbl name="bgSibTrans2D1">
+    <dgm:fillClrLst meth="repeat">
+      <a:schemeClr val="dk1">
+        <a:tint val="60000"/>
+      </a:schemeClr>
+    </dgm:fillClrLst>
+    <dgm:linClrLst meth="repeat">
+      <a:schemeClr val="dk1">
+        <a:tint val="60000"/>
+      </a:schemeClr>
+    </dgm:linClrLst>
+    <dgm:effectClrLst/>
+    <dgm:txLinClrLst/>
+    <dgm:txFillClrLst meth="repeat">
+      <a:schemeClr val="dk1"/>
+    </dgm:txFillClrLst>
+    <dgm:txEffectClrLst/>
+  </dgm:styleLbl>
+  <dgm:styleLbl name="sibTrans1D1">
+    <dgm:fillClrLst meth="repeat">
+      <a:schemeClr val="dk1"/>
+    </dgm:fillClrLst>
+    <dgm:linClrLst meth="repeat">
+      <a:schemeClr val="dk1"/>
+    </dgm:linClrLst>
+    <dgm:effectClrLst/>
+    <dgm:txLinClrLst/>
+    <dgm:txFillClrLst meth="repeat">
+      <a:schemeClr val="tx1"/>
+    </dgm:txFillClrLst>
+    <dgm:txEffectClrLst/>
+  </dgm:styleLbl>
+  <dgm:styleLbl name="callout">
+    <dgm:fillClrLst meth="repeat">
+      <a:schemeClr val="dk1"/>
+    </dgm:fillClrLst>
+    <dgm:linClrLst meth="repeat">
+      <a:schemeClr val="dk1"/>
+    </dgm:linClrLst>
+    <dgm:effectClrLst/>
+    <dgm:txLinClrLst/>
+    <dgm:txFillClrLst meth="repeat">
+      <a:schemeClr val="tx1"/>
+    </dgm:txFillClrLst>
+    <dgm:txEffectClrLst/>
+  </dgm:styleLbl>
+  <dgm:styleLbl name="asst0">
+    <dgm:fillClrLst meth="repeat">
+      <a:schemeClr val="lt1"/>
+    </dgm:fillClrLst>
+    <dgm:linClrLst meth="repeat">
+      <a:schemeClr val="dk1">
+        <a:shade val="80000"/>
+      </a:schemeClr>
+    </dgm:linClrLst>
+    <dgm:effectClrLst/>
+    <dgm:txLinClrLst/>
+    <dgm:txFillClrLst meth="repeat">
+      <a:schemeClr val="dk1"/>
+    </dgm:txFillClrLst>
+    <dgm:txEffectClrLst/>
+  </dgm:styleLbl>
+  <dgm:styleLbl name="asst1">
+    <dgm:fillClrLst meth="repeat">
+      <a:schemeClr val="lt1"/>
+    </dgm:fillClrLst>
+    <dgm:linClrLst meth="repeat">
+      <a:schemeClr val="dk1">
+        <a:shade val="80000"/>
+      </a:schemeClr>
+    </dgm:linClrLst>
+    <dgm:effectClrLst/>
+    <dgm:txLinClrLst/>
+    <dgm:txFillClrLst meth="repeat">
+      <a:schemeClr val="dk1"/>
+    </dgm:txFillClrLst>
+    <dgm:txEffectClrLst/>
+  </dgm:styleLbl>
+  <dgm:styleLbl name="asst2">
+    <dgm:fillClrLst meth="repeat">
+      <a:schemeClr val="lt1"/>
+    </dgm:fillClrLst>
+    <dgm:linClrLst meth="repeat">
+      <a:schemeClr val="dk1">
+        <a:shade val="80000"/>
+      </a:schemeClr>
+    </dgm:linClrLst>
+    <dgm:effectClrLst/>
+    <dgm:txLinClrLst/>
+    <dgm:txFillClrLst meth="repeat">
+      <a:schemeClr val="dk1"/>
+    </dgm:txFillClrLst>
+    <dgm:txEffectClrLst/>
+  </dgm:styleLbl>
+  <dgm:styleLbl name="asst3">
+    <dgm:fillClrLst meth="repeat">
+      <a:schemeClr val="lt1"/>
+    </dgm:fillClrLst>
+    <dgm:linClrLst meth="repeat">
+      <a:schemeClr val="dk1">
+        <a:shade val="80000"/>
+      </a:schemeClr>
+    </dgm:linClrLst>
+    <dgm:effectClrLst/>
+    <dgm:txLinClrLst/>
+    <dgm:txFillClrLst meth="repeat">
+      <a:schemeClr val="dk1"/>
+    </dgm:txFillClrLst>
+    <dgm:txEffectClrLst/>
+  </dgm:styleLbl>
+  <dgm:styleLbl name="asst4">
+    <dgm:fillClrLst meth="repeat">
+      <a:schemeClr val="lt1"/>
+    </dgm:fillClrLst>
+    <dgm:linClrLst meth="repeat">
+      <a:schemeClr val="dk1">
+        <a:shade val="80000"/>
+      </a:schemeClr>
+    </dgm:linClrLst>
+    <dgm:effectClrLst/>
+    <dgm:txLinClrLst/>
+    <dgm:txFillClrLst meth="repeat">
+      <a:schemeClr val="dk1"/>
+    </dgm:txFillClrLst>
+    <dgm:txEffectClrLst/>
+  </dgm:styleLbl>
+  <dgm:styleLbl name="parChTrans2D1">
+    <dgm:fillClrLst meth="repeat">
+      <a:schemeClr val="dk1">
+        <a:tint val="60000"/>
+      </a:schemeClr>
+    </dgm:fillClrLst>
+    <dgm:linClrLst meth="repeat">
+      <a:schemeClr val="dk1">
+        <a:tint val="60000"/>
+      </a:schemeClr>
+    </dgm:linClrLst>
+    <dgm:effectClrLst/>
+    <dgm:txLinClrLst/>
+    <dgm:txFillClrLst/>
+    <dgm:txEffectClrLst/>
+  </dgm:styleLbl>
+  <dgm:styleLbl name="parChTrans2D2">
+    <dgm:fillClrLst meth="repeat">
+      <a:schemeClr val="dk1"/>
+    </dgm:fillClrLst>
+    <dgm:linClrLst meth="repeat">
+      <a:schemeClr val="dk1"/>
+    </dgm:linClrLst>
+    <dgm:effectClrLst/>
+    <dgm:txLinClrLst/>
+    <dgm:txFillClrLst/>
+    <dgm:txEffectClrLst/>
+  </dgm:styleLbl>
+  <dgm:styleLbl name="parChTrans2D3">
+    <dgm:fillClrLst meth="repeat">
+      <a:schemeClr val="dk1"/>
+    </dgm:fillClrLst>
+    <dgm:linClrLst meth="repeat">
+      <a:schemeClr val="dk1"/>
+    </dgm:linClrLst>
+    <dgm:effectClrLst/>
+    <dgm:txLinClrLst/>
+    <dgm:txFillClrLst/>
+    <dgm:txEffectClrLst/>
+  </dgm:styleLbl>
+  <dgm:styleLbl name="parChTrans2D4">
+    <dgm:fillClrLst meth="repeat">
+      <a:schemeClr val="dk1"/>
+    </dgm:fillClrLst>
+    <dgm:linClrLst meth="repeat">
+      <a:schemeClr val="dk1"/>
+    </dgm:linClrLst>
+    <dgm:effectClrLst/>
+    <dgm:txLinClrLst/>
+    <dgm:txFillClrLst meth="repeat">
+      <a:schemeClr val="lt1"/>
+    </dgm:txFillClrLst>
+    <dgm:txEffectClrLst/>
+  </dgm:styleLbl>
+  <dgm:styleLbl name="parChTrans1D1">
+    <dgm:fillClrLst meth="repeat">
+      <a:schemeClr val="dk1"/>
+    </dgm:fillClrLst>
+    <dgm:linClrLst meth="repeat">
+      <a:schemeClr val="dk1">
+        <a:shade val="60000"/>
+      </a:schemeClr>
+    </dgm:linClrLst>
+    <dgm:effectClrLst/>
+    <dgm:txLinClrLst/>
+    <dgm:txFillClrLst meth="repeat">
+      <a:schemeClr val="tx1"/>
+    </dgm:txFillClrLst>
+    <dgm:txEffectClrLst/>
+  </dgm:styleLbl>
+  <dgm:styleLbl name="parChTrans1D2">
+    <dgm:fillClrLst meth="repeat">
+      <a:schemeClr val="dk1"/>
+    </dgm:fillClrLst>
+    <dgm:linClrLst meth="repeat">
+      <a:schemeClr val="dk1">
+        <a:shade val="60000"/>
+      </a:schemeClr>
+    </dgm:linClrLst>
+    <dgm:effectClrLst/>
+    <dgm:txLinClrLst/>
+    <dgm:txFillClrLst meth="repeat">
+      <a:schemeClr val="tx1"/>
+    </dgm:txFillClrLst>
+    <dgm:txEffectClrLst/>
+  </dgm:styleLbl>
+  <dgm:styleLbl name="parChTrans1D3">
+    <dgm:fillClrLst meth="repeat">
+      <a:schemeClr val="dk1"/>
+    </dgm:fillClrLst>
+    <dgm:linClrLst meth="repeat">
+      <a:schemeClr val="dk1">
+        <a:shade val="80000"/>
+      </a:schemeClr>
+    </dgm:linClrLst>
+    <dgm:effectClrLst/>
+    <dgm:txLinClrLst/>
+    <dgm:txFillClrLst meth="repeat">
+      <a:schemeClr val="tx1"/>
+    </dgm:txFillClrLst>
+    <dgm:txEffectClrLst/>
+  </dgm:styleLbl>
+  <dgm:styleLbl name="parChTrans1D4">
+    <dgm:fillClrLst meth="repeat">
+      <a:schemeClr val="dk1"/>
+    </dgm:fillClrLst>
+    <dgm:linClrLst meth="repeat">
+      <a:schemeClr val="dk1">
+        <a:shade val="80000"/>
+      </a:schemeClr>
+    </dgm:linClrLst>
+    <dgm:effectClrLst/>
+    <dgm:txLinClrLst/>
+    <dgm:txFillClrLst meth="repeat">
+      <a:schemeClr val="tx1"/>
+    </dgm:txFillClrLst>
+    <dgm:txEffectClrLst/>
+  </dgm:styleLbl>
+  <dgm:styleLbl name="fgAcc1">
+    <dgm:fillClrLst meth="repeat">
+      <a:schemeClr val="dk1">
+        <a:alpha val="90000"/>
+        <a:tint val="40000"/>
+      </a:schemeClr>
+    </dgm:fillClrLst>
+    <dgm:linClrLst meth="repeat">
+      <a:schemeClr val="dk1"/>
+    </dgm:linClrLst>
+    <dgm:effectClrLst/>
+    <dgm:txLinClrLst/>
+    <dgm:txFillClrLst meth="repeat">
+      <a:schemeClr val="dk1"/>
+    </dgm:txFillClrLst>
+    <dgm:txEffectClrLst/>
+  </dgm:styleLbl>
+  <dgm:styleLbl name="conFgAcc1">
+    <dgm:fillClrLst meth="repeat">
+      <a:schemeClr val="dk1">
+        <a:alpha val="90000"/>
+        <a:tint val="40000"/>
+      </a:schemeClr>
+    </dgm:fillClrLst>
+    <dgm:linClrLst meth="repeat">
+      <a:schemeClr val="dk1"/>
+    </dgm:linClrLst>
+    <dgm:effectClrLst/>
+    <dgm:txLinClrLst/>
+    <dgm:txFillClrLst meth="repeat">
+      <a:schemeClr val="dk1"/>
+    </dgm:txFillClrLst>
+    <dgm:txEffectClrLst/>
+  </dgm:styleLbl>
+  <dgm:styleLbl name="alignAcc1">
+    <dgm:fillClrLst meth="repeat">
+      <a:schemeClr val="dk1">
+        <a:alpha val="90000"/>
+        <a:tint val="40000"/>
+      </a:schemeClr>
+    </dgm:fillClrLst>
+    <dgm:linClrLst meth="repeat">
+      <a:schemeClr val="dk1"/>
+    </dgm:linClrLst>
+    <dgm:effectClrLst/>
+    <dgm:txLinClrLst/>
+    <dgm:txFillClrLst meth="repeat">
+      <a:schemeClr val="dk1"/>
+    </dgm:txFillClrLst>
+    <dgm:txEffectClrLst/>
+  </dgm:styleLbl>
+  <dgm:styleLbl name="trAlignAcc1">
+    <dgm:fillClrLst meth="repeat">
+      <a:schemeClr val="dk1">
+        <a:alpha val="40000"/>
+        <a:tint val="40000"/>
+      </a:schemeClr>
+    </dgm:fillClrLst>
+    <dgm:linClrLst meth="repeat">
+      <a:schemeClr val="dk1"/>
+    </dgm:linClrLst>
+    <dgm:effectClrLst/>
+    <dgm:txLinClrLst/>
+    <dgm:txFillClrLst meth="repeat">
+      <a:schemeClr val="dk1"/>
+    </dgm:txFillClrLst>
+    <dgm:txEffectClrLst/>
+  </dgm:styleLbl>
+  <dgm:styleLbl name="bgAcc1">
+    <dgm:fillClrLst meth="repeat">
+      <a:schemeClr val="dk1">
+        <a:alpha val="90000"/>
+        <a:tint val="40000"/>
+      </a:schemeClr>
+    </dgm:fillClrLst>
+    <dgm:linClrLst meth="repeat">
+      <a:schemeClr val="dk1"/>
+    </dgm:linClrLst>
+    <dgm:effectClrLst/>
+    <dgm:txLinClrLst/>
+    <dgm:txFillClrLst meth="repeat">
+      <a:schemeClr val="dk1"/>
+    </dgm:txFillClrLst>
+    <dgm:txEffectClrLst/>
+  </dgm:styleLbl>
+  <dgm:styleLbl name="solidFgAcc1">
+    <dgm:fillClrLst meth="repeat">
+      <a:schemeClr val="lt1"/>
+    </dgm:fillClrLst>
+    <dgm:linClrLst meth="repeat">
+      <a:schemeClr val="dk1"/>
+    </dgm:linClrLst>
+    <dgm:effectClrLst/>
+    <dgm:txLinClrLst/>
+    <dgm:txFillClrLst meth="repeat">
+      <a:schemeClr val="dk1"/>
+    </dgm:txFillClrLst>
+    <dgm:txEffectClrLst/>
+  </dgm:styleLbl>
+  <dgm:styleLbl name="solidAlignAcc1">
+    <dgm:fillClrLst meth="repeat">
+      <a:schemeClr val="lt1"/>
+    </dgm:fillClrLst>
+    <dgm:linClrLst meth="repeat">
+      <a:schemeClr val="dk1"/>
+    </dgm:linClrLst>
+    <dgm:effectClrLst/>
+    <dgm:txLinClrLst/>
+    <dgm:txFillClrLst meth="repeat">
+      <a:schemeClr val="dk1"/>
+    </dgm:txFillClrLst>
+    <dgm:txEffectClrLst/>
+  </dgm:styleLbl>
+  <dgm:styleLbl name="solidBgAcc1">
+    <dgm:fillClrLst meth="repeat">
+      <a:schemeClr val="lt1"/>
+    </dgm:fillClrLst>
+    <dgm:linClrLst meth="repeat">
+      <a:schemeClr val="dk1"/>
+    </dgm:linClrLst>
+    <dgm:effectClrLst/>
+    <dgm:txLinClrLst/>
+    <dgm:txFillClrLst meth="repeat">
+      <a:schemeClr val="dk1"/>
+    </dgm:txFillClrLst>
+    <dgm:txEffectClrLst/>
+  </dgm:styleLbl>
+  <dgm:styleLbl name="fgAccFollowNode1">
+    <dgm:fillClrLst meth="repeat">
+      <a:schemeClr val="lt1">
+        <a:alpha val="90000"/>
+        <a:tint val="40000"/>
+      </a:schemeClr>
+    </dgm:fillClrLst>
+    <dgm:linClrLst meth="repeat">
+      <a:schemeClr val="dk1">
+        <a:alpha val="90000"/>
+      </a:schemeClr>
+    </dgm:linClrLst>
+    <dgm:effectClrLst/>
+    <dgm:txLinClrLst/>
+    <dgm:txFillClrLst meth="repeat">
+      <a:schemeClr val="dk1"/>
+    </dgm:txFillClrLst>
+    <dgm:txEffectClrLst/>
+  </dgm:styleLbl>
+  <dgm:styleLbl name="alignAccFollowNode1">
+    <dgm:fillClrLst meth="repeat">
+      <a:schemeClr val="lt1">
+        <a:alpha val="90000"/>
+        <a:tint val="40000"/>
+      </a:schemeClr>
+    </dgm:fillClrLst>
+    <dgm:linClrLst meth="repeat">
+      <a:schemeClr val="dk1">
+        <a:alpha val="90000"/>
+      </a:schemeClr>
+    </dgm:linClrLst>
+    <dgm:effectClrLst/>
+    <dgm:txLinClrLst/>
+    <dgm:txFillClrLst meth="repeat">
+      <a:schemeClr val="dk1"/>
+    </dgm:txFillClrLst>
+    <dgm:txEffectClrLst/>
+  </dgm:styleLbl>
+  <dgm:styleLbl name="bgAccFollowNode1">
+    <dgm:fillClrLst meth="repeat">
+      <a:schemeClr val="lt1">
+        <a:alpha val="90000"/>
+        <a:tint val="40000"/>
+      </a:schemeClr>
+    </dgm:fillClrLst>
+    <dgm:linClrLst meth="repeat">
+      <a:schemeClr val="dk1">
+        <a:alpha val="90000"/>
+      </a:schemeClr>
+    </dgm:linClrLst>
+    <dgm:effectClrLst/>
+    <dgm:txLinClrLst/>
+    <dgm:txFillClrLst meth="repeat">
+      <a:schemeClr val="dk1"/>
+    </dgm:txFillClrLst>
+    <dgm:txEffectClrLst/>
+  </dgm:styleLbl>
+  <dgm:styleLbl name="fgAcc0">
+    <dgm:fillClrLst meth="repeat">
+      <a:schemeClr val="dk1">
+        <a:alpha val="90000"/>
+        <a:tint val="40000"/>
+      </a:schemeClr>
+    </dgm:fillClrLst>
+    <dgm:linClrLst meth="repeat">
+      <a:schemeClr val="dk1"/>
+    </dgm:linClrLst>
+    <dgm:effectClrLst/>
+    <dgm:txLinClrLst/>
+    <dgm:txFillClrLst meth="repeat">
+      <a:schemeClr val="dk1"/>
+    </dgm:txFillClrLst>
+    <dgm:txEffectClrLst/>
+  </dgm:styleLbl>
+  <dgm:styleLbl name="fgAcc2">
+    <dgm:fillClrLst meth="repeat">
+      <a:schemeClr val="dk1">
+        <a:alpha val="90000"/>
+        <a:tint val="40000"/>
+      </a:schemeClr>
+    </dgm:fillClrLst>
+    <dgm:linClrLst meth="repeat">
+      <a:schemeClr val="dk1"/>
+    </dgm:linClrLst>
+    <dgm:effectClrLst/>
+    <dgm:txLinClrLst/>
+    <dgm:txFillClrLst meth="repeat">
+      <a:schemeClr val="dk1"/>
+    </dgm:txFillClrLst>
+    <dgm:txEffectClrLst/>
+  </dgm:styleLbl>
+  <dgm:styleLbl name="fgAcc3">
+    <dgm:fillClrLst meth="repeat">
+      <a:schemeClr val="dk1">
+        <a:alpha val="90000"/>
+        <a:tint val="40000"/>
+      </a:schemeClr>
+    </dgm:fillClrLst>
+    <dgm:linClrLst meth="repeat">
+      <a:schemeClr val="dk1"/>
+    </dgm:linClrLst>
+    <dgm:effectClrLst/>
+    <dgm:txLinClrLst/>
+    <dgm:txFillClrLst meth="repeat">
+      <a:schemeClr val="dk1"/>
+    </dgm:txFillClrLst>
+    <dgm:txEffectClrLst/>
+  </dgm:styleLbl>
+  <dgm:styleLbl name="fgAcc4">
+    <dgm:fillClrLst meth="repeat">
+      <a:schemeClr val="dk1">
+        <a:alpha val="90000"/>
+        <a:tint val="40000"/>
+      </a:schemeClr>
+    </dgm:fillClrLst>
+    <dgm:linClrLst meth="repeat">
+      <a:schemeClr val="dk1"/>
+    </dgm:linClrLst>
+    <dgm:effectClrLst/>
+    <dgm:txLinClrLst/>
+    <dgm:txFillClrLst meth="repeat">
+      <a:schemeClr val="dk1"/>
+    </dgm:txFillClrLst>
+    <dgm:txEffectClrLst/>
+  </dgm:styleLbl>
+  <dgm:styleLbl name="bgShp">
+    <dgm:fillClrLst meth="repeat">
+      <a:schemeClr val="dk1">
+        <a:tint val="40000"/>
+      </a:schemeClr>
+    </dgm:fillClrLst>
+    <dgm:linClrLst meth="repeat">
+      <a:schemeClr val="dk1"/>
+    </dgm:linClrLst>
+    <dgm:effectClrLst/>
+    <dgm:txLinClrLst/>
+    <dgm:txFillClrLst meth="repeat">
+      <a:schemeClr val="dk1"/>
+    </dgm:txFillClrLst>
+    <dgm:txEffectClrLst/>
+  </dgm:styleLbl>
+  <dgm:styleLbl name="dkBgShp">
+    <dgm:fillClrLst meth="repeat">
+      <a:schemeClr val="dk1">
+        <a:shade val="80000"/>
+      </a:schemeClr>
+    </dgm:fillClrLst>
+    <dgm:linClrLst meth="repeat">
+      <a:schemeClr val="dk1"/>
+    </dgm:linClrLst>
+    <dgm:effectClrLst/>
+    <dgm:txLinClrLst/>
+    <dgm:txFillClrLst meth="repeat">
+      <a:schemeClr val="lt1"/>
+    </dgm:txFillClrLst>
+    <dgm:txEffectClrLst/>
+  </dgm:styleLbl>
+  <dgm:styleLbl name="trBgShp">
+    <dgm:fillClrLst meth="repeat">
+      <a:schemeClr val="dk1">
+        <a:tint val="50000"/>
+        <a:alpha val="40000"/>
+      </a:schemeClr>
+    </dgm:fillClrLst>
+    <dgm:linClrLst meth="repeat">
+      <a:schemeClr val="dk1"/>
+    </dgm:linClrLst>
+    <dgm:effectClrLst/>
+    <dgm:txLinClrLst/>
+    <dgm:txFillClrLst meth="repeat">
+      <a:schemeClr val="lt1"/>
+    </dgm:txFillClrLst>
+    <dgm:txEffectClrLst/>
+  </dgm:styleLbl>
+  <dgm:styleLbl name="fgShp">
+    <dgm:fillClrLst meth="repeat">
+      <a:schemeClr val="dk1">
+        <a:tint val="60000"/>
+      </a:schemeClr>
+    </dgm:fillClrLst>
+    <dgm:linClrLst meth="repeat">
+      <a:schemeClr val="lt1"/>
+    </dgm:linClrLst>
+    <dgm:effectClrLst/>
+    <dgm:txLinClrLst/>
+    <dgm:txFillClrLst meth="repeat">
+      <a:schemeClr val="dk1"/>
+    </dgm:txFillClrLst>
+    <dgm:txEffectClrLst/>
+  </dgm:styleLbl>
+  <dgm:styleLbl name="revTx">
+    <dgm:fillClrLst meth="repeat">
+      <a:schemeClr val="lt1">
+        <a:alpha val="0"/>
+      </a:schemeClr>
+    </dgm:fillClrLst>
+    <dgm:linClrLst meth="repeat">
+      <a:schemeClr val="dk1">
+        <a:alpha val="0"/>
+      </a:schemeClr>
+    </dgm:linClrLst>
+    <dgm:effectClrLst/>
+    <dgm:txLinClrLst/>
+    <dgm:txFillClrLst meth="repeat">
+      <a:schemeClr val="tx1"/>
+    </dgm:txFillClrLst>
+    <dgm:txEffectClrLst/>
+  </dgm:styleLbl>
+</dgm:colorsDef>
+</file>
+
+<file path=ppt/diagrams/data1.xml><?xml version="1.0" encoding="utf-8"?>
+<dgm:dataModel xmlns:dgm="http://schemas.openxmlformats.org/drawingml/2006/diagram" xmlns:a="http://schemas.openxmlformats.org/drawingml/2006/main">
+  <dgm:ptLst>
+    <dgm:pt modelId="{6D2CC768-3E33-4F7B-95A6-F8B5D99FAAB6}" type="doc">
+      <dgm:prSet loTypeId="urn:microsoft.com/office/officeart/2005/8/layout/orgChart1" loCatId="hierarchy" qsTypeId="urn:microsoft.com/office/officeart/2005/8/quickstyle/simple1" qsCatId="simple" csTypeId="urn:microsoft.com/office/officeart/2005/8/colors/accent0_1" csCatId="mainScheme" phldr="1"/>
+      <dgm:spPr/>
+      <dgm:t>
+        <a:bodyPr/>
+        <a:lstStyle/>
+        <a:p>
+          <a:endParaRPr lang="cs-CZ"/>
+        </a:p>
+      </dgm:t>
+    </dgm:pt>
+    <dgm:pt modelId="{DF234495-D462-42A0-AD2A-5683F2B37171}">
+      <dgm:prSet phldrT="[Text]"/>
+      <dgm:spPr/>
+      <dgm:t>
+        <a:bodyPr/>
+        <a:lstStyle/>
+        <a:p>
+          <a:r>
+            <a:rPr lang="cs-CZ" dirty="0"/>
+            <a:t>V675 &lt;= 0,549</a:t>
+          </a:r>
+        </a:p>
+        <a:p>
+          <a:r>
+            <a:rPr lang="cs-CZ" dirty="0"/>
+            <a:t>100 %  TECH</a:t>
+          </a:r>
+        </a:p>
+      </dgm:t>
+    </dgm:pt>
+    <dgm:pt modelId="{CB73BD98-86F0-4BC0-9721-B443A628322C}" type="parTrans" cxnId="{313D5FCE-CFD6-45CE-9A91-D2A250EAAC3A}">
+      <dgm:prSet/>
+      <dgm:spPr/>
+      <dgm:t>
+        <a:bodyPr/>
+        <a:lstStyle/>
+        <a:p>
+          <a:endParaRPr lang="cs-CZ"/>
+        </a:p>
+      </dgm:t>
+    </dgm:pt>
+    <dgm:pt modelId="{467FD0CC-0A50-4784-BB0B-BCDF7B94CA7B}" type="sibTrans" cxnId="{313D5FCE-CFD6-45CE-9A91-D2A250EAAC3A}">
+      <dgm:prSet/>
+      <dgm:spPr/>
+      <dgm:t>
+        <a:bodyPr/>
+        <a:lstStyle/>
+        <a:p>
+          <a:endParaRPr lang="cs-CZ"/>
+        </a:p>
+      </dgm:t>
+    </dgm:pt>
+    <dgm:pt modelId="{0163EB49-FD8B-4057-AC00-7F54FB328CBE}" type="asst">
+      <dgm:prSet phldrT="[Text]"/>
+      <dgm:spPr/>
+      <dgm:t>
+        <a:bodyPr/>
+        <a:lstStyle/>
+        <a:p>
+          <a:r>
+            <a:rPr lang="cs-CZ" dirty="0"/>
+            <a:t>V475 &lt;= 0,569</a:t>
+          </a:r>
+        </a:p>
+        <a:p>
+          <a:r>
+            <a:rPr lang="cs-CZ" dirty="0"/>
+            <a:t>56,1 % TECH</a:t>
+          </a:r>
+        </a:p>
+      </dgm:t>
+    </dgm:pt>
+    <dgm:pt modelId="{B5B65DA0-0BD3-4E5F-9DC2-F6A326B05AB3}" type="parTrans" cxnId="{70679979-E9C3-440B-A52C-272552E9B30C}">
+      <dgm:prSet/>
+      <dgm:spPr/>
+      <dgm:t>
+        <a:bodyPr/>
+        <a:lstStyle/>
+        <a:p>
+          <a:endParaRPr lang="cs-CZ"/>
+        </a:p>
+      </dgm:t>
+    </dgm:pt>
+    <dgm:pt modelId="{0959CC11-EB38-487F-8FE7-16057A5F67B9}" type="sibTrans" cxnId="{70679979-E9C3-440B-A52C-272552E9B30C}">
+      <dgm:prSet/>
+      <dgm:spPr/>
+      <dgm:t>
+        <a:bodyPr/>
+        <a:lstStyle/>
+        <a:p>
+          <a:endParaRPr lang="cs-CZ"/>
+        </a:p>
+      </dgm:t>
+    </dgm:pt>
+    <dgm:pt modelId="{6B07255D-5A6B-4CD4-A55D-0F2A9238D38E}" type="asst">
+      <dgm:prSet phldrT="[Text]"/>
+      <dgm:spPr/>
+      <dgm:t>
+        <a:bodyPr/>
+        <a:lstStyle/>
+        <a:p>
+          <a:r>
+            <a:rPr lang="cs-CZ" dirty="0"/>
+            <a:t>X &lt;= 311,5</a:t>
+          </a:r>
+        </a:p>
+        <a:p>
+          <a:r>
+            <a:rPr lang="cs-CZ" dirty="0"/>
+            <a:t>10,7 % DRY</a:t>
+          </a:r>
+        </a:p>
+      </dgm:t>
+    </dgm:pt>
+    <dgm:pt modelId="{F6E2B095-DACD-4B3F-94C2-5E60879F7B9D}" type="parTrans" cxnId="{492DBFD6-6272-4247-A75B-3BEF9ACCBE60}">
+      <dgm:prSet/>
+      <dgm:spPr/>
+      <dgm:t>
+        <a:bodyPr/>
+        <a:lstStyle/>
+        <a:p>
+          <a:endParaRPr lang="cs-CZ"/>
+        </a:p>
+      </dgm:t>
+    </dgm:pt>
+    <dgm:pt modelId="{C09D2DF2-A793-4FC7-9625-D831D600D95D}" type="sibTrans" cxnId="{492DBFD6-6272-4247-A75B-3BEF9ACCBE60}">
+      <dgm:prSet/>
+      <dgm:spPr/>
+      <dgm:t>
+        <a:bodyPr/>
+        <a:lstStyle/>
+        <a:p>
+          <a:endParaRPr lang="cs-CZ"/>
+        </a:p>
+      </dgm:t>
+    </dgm:pt>
+    <dgm:pt modelId="{2CE0E597-FAB2-46AE-9A33-45BF2988F003}" type="asst">
+      <dgm:prSet phldrT="[Text]"/>
+      <dgm:spPr/>
+      <dgm:t>
+        <a:bodyPr/>
+        <a:lstStyle/>
+        <a:p>
+          <a:r>
+            <a:rPr lang="cs-CZ" dirty="0"/>
+            <a:t>V790 &lt;= 0,868</a:t>
+          </a:r>
+        </a:p>
+        <a:p>
+          <a:r>
+            <a:rPr lang="cs-CZ" dirty="0"/>
+            <a:t>22,0 % GREEN</a:t>
+          </a:r>
+        </a:p>
+      </dgm:t>
+    </dgm:pt>
+    <dgm:pt modelId="{EDF1ED98-AFC7-4E5E-A55D-E58CFFF4B062}" type="parTrans" cxnId="{4B5E72CF-9568-40C8-A29E-245C0D759C53}">
+      <dgm:prSet/>
+      <dgm:spPr/>
+      <dgm:t>
+        <a:bodyPr/>
+        <a:lstStyle/>
+        <a:p>
+          <a:endParaRPr lang="cs-CZ"/>
+        </a:p>
+      </dgm:t>
+    </dgm:pt>
+    <dgm:pt modelId="{B72A75BD-AA85-4958-86D3-120D856CC03C}" type="sibTrans" cxnId="{4B5E72CF-9568-40C8-A29E-245C0D759C53}">
+      <dgm:prSet/>
+      <dgm:spPr/>
+      <dgm:t>
+        <a:bodyPr/>
+        <a:lstStyle/>
+        <a:p>
+          <a:endParaRPr lang="cs-CZ"/>
+        </a:p>
+      </dgm:t>
+    </dgm:pt>
+    <dgm:pt modelId="{6D674622-31E7-419C-BB18-37CFBEFB29C7}" type="asst">
+      <dgm:prSet phldrT="[Text]"/>
+      <dgm:spPr/>
+      <dgm:t>
+        <a:bodyPr/>
+        <a:lstStyle/>
+        <a:p>
+          <a:r>
+            <a:rPr lang="cs-CZ" dirty="0"/>
+            <a:t>X &lt;= 163,5</a:t>
+          </a:r>
+        </a:p>
+        <a:p>
+          <a:r>
+            <a:rPr lang="cs-CZ" dirty="0"/>
+            <a:t>21,9 % BLUE</a:t>
+          </a:r>
+        </a:p>
+      </dgm:t>
+    </dgm:pt>
+    <dgm:pt modelId="{5C802B50-3E94-41E1-A30D-E793CC9C105C}" type="parTrans" cxnId="{0A0E3BB6-22DF-4474-ACFD-876FADD29480}">
+      <dgm:prSet/>
+      <dgm:spPr/>
+      <dgm:t>
+        <a:bodyPr/>
+        <a:lstStyle/>
+        <a:p>
+          <a:endParaRPr lang="cs-CZ"/>
+        </a:p>
+      </dgm:t>
+    </dgm:pt>
+    <dgm:pt modelId="{E5A84827-EEA3-49C4-BB63-992DEF7D06E8}" type="sibTrans" cxnId="{0A0E3BB6-22DF-4474-ACFD-876FADD29480}">
+      <dgm:prSet/>
+      <dgm:spPr/>
+      <dgm:t>
+        <a:bodyPr/>
+        <a:lstStyle/>
+        <a:p>
+          <a:endParaRPr lang="cs-CZ"/>
+        </a:p>
+      </dgm:t>
+    </dgm:pt>
+    <dgm:pt modelId="{46743970-796F-4F7A-A879-ADB4B152B014}" type="asst">
+      <dgm:prSet phldrT="[Text]"/>
+      <dgm:spPr/>
+      <dgm:t>
+        <a:bodyPr/>
+        <a:lstStyle/>
+        <a:p>
+          <a:r>
+            <a:rPr lang="cs-CZ" dirty="0"/>
+            <a:t>V460 &lt;= 0,632</a:t>
+          </a:r>
+        </a:p>
+        <a:p>
+          <a:r>
+            <a:rPr lang="cs-CZ" dirty="0"/>
+            <a:t>45,4 % TECH</a:t>
+          </a:r>
+        </a:p>
+      </dgm:t>
+    </dgm:pt>
+    <dgm:pt modelId="{D3F5677A-55E8-4E29-8629-90D63FBC49C9}" type="parTrans" cxnId="{ADBDE8B8-7A93-4D02-B0CC-57B42A910BC7}">
+      <dgm:prSet/>
+      <dgm:spPr/>
+      <dgm:t>
+        <a:bodyPr/>
+        <a:lstStyle/>
+        <a:p>
+          <a:endParaRPr lang="cs-CZ"/>
+        </a:p>
+      </dgm:t>
+    </dgm:pt>
+    <dgm:pt modelId="{571A0C92-7731-459A-94F1-223C6CB65501}" type="sibTrans" cxnId="{ADBDE8B8-7A93-4D02-B0CC-57B42A910BC7}">
+      <dgm:prSet/>
+      <dgm:spPr/>
+      <dgm:t>
+        <a:bodyPr/>
+        <a:lstStyle/>
+        <a:p>
+          <a:endParaRPr lang="cs-CZ"/>
+        </a:p>
+      </dgm:t>
+    </dgm:pt>
+    <dgm:pt modelId="{EA268864-36F6-452A-A767-9892797D6AF5}" type="asst">
+      <dgm:prSet phldrT="[Text]"/>
+      <dgm:spPr/>
+      <dgm:t>
+        <a:bodyPr/>
+        <a:lstStyle/>
+        <a:p>
+          <a:r>
+            <a:rPr lang="cs-CZ" dirty="0"/>
+            <a:t>9,5 % SOIL</a:t>
+          </a:r>
+        </a:p>
+      </dgm:t>
+    </dgm:pt>
+    <dgm:pt modelId="{64709110-64A0-4BE1-8579-9BEE5E5FD8EC}" type="parTrans" cxnId="{9A5DE1D9-36F8-41BC-B3F8-382143CE61B1}">
+      <dgm:prSet/>
+      <dgm:spPr/>
+      <dgm:t>
+        <a:bodyPr/>
+        <a:lstStyle/>
+        <a:p>
+          <a:endParaRPr lang="cs-CZ"/>
+        </a:p>
+      </dgm:t>
+    </dgm:pt>
+    <dgm:pt modelId="{C4318188-F621-47FC-BB02-F62E3C63C068}" type="sibTrans" cxnId="{9A5DE1D9-36F8-41BC-B3F8-382143CE61B1}">
+      <dgm:prSet/>
+      <dgm:spPr/>
+      <dgm:t>
+        <a:bodyPr/>
+        <a:lstStyle/>
+        <a:p>
+          <a:endParaRPr lang="cs-CZ"/>
+        </a:p>
+      </dgm:t>
+    </dgm:pt>
+    <dgm:pt modelId="{549BD181-C7E1-47DE-9DE4-E174C8210AB5}" type="asst">
+      <dgm:prSet phldrT="[Text]"/>
+      <dgm:spPr/>
+      <dgm:t>
+        <a:bodyPr/>
+        <a:lstStyle/>
+        <a:p>
+          <a:r>
+            <a:rPr lang="cs-CZ" dirty="0"/>
+            <a:t>12,5 % GREEN</a:t>
+          </a:r>
+        </a:p>
+      </dgm:t>
+    </dgm:pt>
+    <dgm:pt modelId="{7A7270D0-5BBE-45AA-86C3-A365F4B25194}" type="parTrans" cxnId="{56F7304F-A261-4F38-9FA0-1720770C24E7}">
+      <dgm:prSet/>
+      <dgm:spPr/>
+      <dgm:t>
+        <a:bodyPr/>
+        <a:lstStyle/>
+        <a:p>
+          <a:endParaRPr lang="cs-CZ"/>
+        </a:p>
+      </dgm:t>
+    </dgm:pt>
+    <dgm:pt modelId="{BD1CA624-50F8-4F3D-9F01-316712061745}" type="sibTrans" cxnId="{56F7304F-A261-4F38-9FA0-1720770C24E7}">
+      <dgm:prSet/>
+      <dgm:spPr/>
+      <dgm:t>
+        <a:bodyPr/>
+        <a:lstStyle/>
+        <a:p>
+          <a:endParaRPr lang="cs-CZ"/>
+        </a:p>
+      </dgm:t>
+    </dgm:pt>
+    <dgm:pt modelId="{A2B72887-7123-41B6-9F6A-F1256837E2D3}" type="asst">
+      <dgm:prSet phldrT="[Text]"/>
+      <dgm:spPr/>
+      <dgm:t>
+        <a:bodyPr/>
+        <a:lstStyle/>
+        <a:p>
+          <a:r>
+            <a:rPr lang="cs-CZ" dirty="0"/>
+            <a:t>0,5 % TECH</a:t>
+          </a:r>
+        </a:p>
+      </dgm:t>
+    </dgm:pt>
+    <dgm:pt modelId="{167D689C-6FC3-4E94-9252-9FE04CC6BD47}" type="parTrans" cxnId="{3F55E2B2-C629-416F-9D08-5638E8A038EC}">
+      <dgm:prSet/>
+      <dgm:spPr/>
+      <dgm:t>
+        <a:bodyPr/>
+        <a:lstStyle/>
+        <a:p>
+          <a:endParaRPr lang="cs-CZ"/>
+        </a:p>
+      </dgm:t>
+    </dgm:pt>
+    <dgm:pt modelId="{2F0DEE1A-AC43-4D43-B1DB-025505CABF79}" type="sibTrans" cxnId="{3F55E2B2-C629-416F-9D08-5638E8A038EC}">
+      <dgm:prSet/>
+      <dgm:spPr/>
+      <dgm:t>
+        <a:bodyPr/>
+        <a:lstStyle/>
+        <a:p>
+          <a:endParaRPr lang="cs-CZ"/>
+        </a:p>
+      </dgm:t>
+    </dgm:pt>
+    <dgm:pt modelId="{3440F6BD-5F24-474A-88FA-70C3A00269C6}" type="asst">
+      <dgm:prSet phldrT="[Text]"/>
+      <dgm:spPr/>
+      <dgm:t>
+        <a:bodyPr/>
+        <a:lstStyle/>
+        <a:p>
+          <a:r>
+            <a:rPr lang="cs-CZ" dirty="0"/>
+            <a:t>21,4 % BLUE</a:t>
+          </a:r>
+        </a:p>
+      </dgm:t>
+    </dgm:pt>
+    <dgm:pt modelId="{0ABFBE63-C952-47B6-BE4B-E379BA6F1C49}" type="parTrans" cxnId="{34D96D9F-D2E0-4637-8B72-41AF4C27C424}">
+      <dgm:prSet/>
+      <dgm:spPr/>
+      <dgm:t>
+        <a:bodyPr/>
+        <a:lstStyle/>
+        <a:p>
+          <a:endParaRPr lang="cs-CZ"/>
+        </a:p>
+      </dgm:t>
+    </dgm:pt>
+    <dgm:pt modelId="{BAE4B5DE-D808-4C3F-B002-4966285D4F86}" type="sibTrans" cxnId="{34D96D9F-D2E0-4637-8B72-41AF4C27C424}">
+      <dgm:prSet/>
+      <dgm:spPr/>
+      <dgm:t>
+        <a:bodyPr/>
+        <a:lstStyle/>
+        <a:p>
+          <a:endParaRPr lang="cs-CZ"/>
+        </a:p>
+      </dgm:t>
+    </dgm:pt>
+    <dgm:pt modelId="{8C295AA0-4D6B-4843-90C3-D45AED6D2771}" type="asst">
+      <dgm:prSet phldrT="[Text]"/>
+      <dgm:spPr/>
+      <dgm:t>
+        <a:bodyPr/>
+        <a:lstStyle/>
+        <a:p>
+          <a:r>
+            <a:rPr lang="cs-CZ" dirty="0"/>
+            <a:t>7,5 % DRY</a:t>
+          </a:r>
+        </a:p>
+      </dgm:t>
+    </dgm:pt>
+    <dgm:pt modelId="{F0CB39DE-3F95-4A98-8FFE-020DDF04E6D9}" type="parTrans" cxnId="{D8660ED6-B732-4ED7-B4F6-1CD60F710E00}">
+      <dgm:prSet/>
+      <dgm:spPr/>
+      <dgm:t>
+        <a:bodyPr/>
+        <a:lstStyle/>
+        <a:p>
+          <a:endParaRPr lang="cs-CZ"/>
+        </a:p>
+      </dgm:t>
+    </dgm:pt>
+    <dgm:pt modelId="{1F7F2966-7EAD-44F0-9C3F-C84E808414EA}" type="sibTrans" cxnId="{D8660ED6-B732-4ED7-B4F6-1CD60F710E00}">
+      <dgm:prSet/>
+      <dgm:spPr/>
+      <dgm:t>
+        <a:bodyPr/>
+        <a:lstStyle/>
+        <a:p>
+          <a:endParaRPr lang="cs-CZ"/>
+        </a:p>
+      </dgm:t>
+    </dgm:pt>
+    <dgm:pt modelId="{C355AB5B-AF32-49D6-A0A8-A7A06CD31FE5}" type="asst">
+      <dgm:prSet phldrT="[Text]"/>
+      <dgm:spPr/>
+      <dgm:t>
+        <a:bodyPr/>
+        <a:lstStyle/>
+        <a:p>
+          <a:r>
+            <a:rPr lang="cs-CZ" dirty="0"/>
+            <a:t>3,2 % TECH</a:t>
+          </a:r>
+        </a:p>
+      </dgm:t>
+    </dgm:pt>
+    <dgm:pt modelId="{CB7996D3-FA75-456F-8FE1-424652045669}" type="parTrans" cxnId="{5B484EA2-ED2B-498A-B80D-AEA7FBDA7610}">
+      <dgm:prSet/>
+      <dgm:spPr/>
+      <dgm:t>
+        <a:bodyPr/>
+        <a:lstStyle/>
+        <a:p>
+          <a:endParaRPr lang="cs-CZ"/>
+        </a:p>
+      </dgm:t>
+    </dgm:pt>
+    <dgm:pt modelId="{CA4E5523-78E1-436B-8C86-B6F15841CA34}" type="sibTrans" cxnId="{5B484EA2-ED2B-498A-B80D-AEA7FBDA7610}">
+      <dgm:prSet/>
+      <dgm:spPr/>
+      <dgm:t>
+        <a:bodyPr/>
+        <a:lstStyle/>
+        <a:p>
+          <a:endParaRPr lang="cs-CZ"/>
+        </a:p>
+      </dgm:t>
+    </dgm:pt>
+    <dgm:pt modelId="{A7FB965F-1B64-497E-A625-86C6397C32B7}" type="asst">
+      <dgm:prSet phldrT="[Text]"/>
+      <dgm:spPr/>
+      <dgm:t>
+        <a:bodyPr/>
+        <a:lstStyle/>
+        <a:p>
+          <a:r>
+            <a:rPr lang="cs-CZ" dirty="0"/>
+            <a:t>1,0 % TECH</a:t>
+          </a:r>
+        </a:p>
+      </dgm:t>
+    </dgm:pt>
+    <dgm:pt modelId="{94D5115E-F57A-40FE-9EE1-6604678FAA5D}" type="parTrans" cxnId="{859DC1D3-708B-4FBE-972F-58CBBB83BDD8}">
+      <dgm:prSet/>
+      <dgm:spPr/>
+      <dgm:t>
+        <a:bodyPr/>
+        <a:lstStyle/>
+        <a:p>
+          <a:endParaRPr lang="cs-CZ"/>
+        </a:p>
+      </dgm:t>
+    </dgm:pt>
+    <dgm:pt modelId="{9CE244F4-66E3-431C-BACA-0703FC6111A1}" type="sibTrans" cxnId="{859DC1D3-708B-4FBE-972F-58CBBB83BDD8}">
+      <dgm:prSet/>
+      <dgm:spPr/>
+      <dgm:t>
+        <a:bodyPr/>
+        <a:lstStyle/>
+        <a:p>
+          <a:endParaRPr lang="cs-CZ"/>
+        </a:p>
+      </dgm:t>
+    </dgm:pt>
+    <dgm:pt modelId="{D23D289F-A7C0-4CBE-8653-19C97B999058}" type="asst">
+      <dgm:prSet phldrT="[Text]"/>
+      <dgm:spPr/>
+      <dgm:t>
+        <a:bodyPr/>
+        <a:lstStyle/>
+        <a:p>
+          <a:r>
+            <a:rPr lang="cs-CZ" dirty="0"/>
+            <a:t>44,4 % TECH</a:t>
+          </a:r>
+        </a:p>
+      </dgm:t>
+    </dgm:pt>
+    <dgm:pt modelId="{15954394-30B9-4560-8FBF-FA3A739237A6}" type="parTrans" cxnId="{5A1CBC47-80DB-4497-A3F2-0AC140701258}">
+      <dgm:prSet/>
+      <dgm:spPr/>
+      <dgm:t>
+        <a:bodyPr/>
+        <a:lstStyle/>
+        <a:p>
+          <a:endParaRPr lang="cs-CZ"/>
+        </a:p>
+      </dgm:t>
+    </dgm:pt>
+    <dgm:pt modelId="{6D5969AD-FA9C-4D2C-B5BC-F59EA5CB63FF}" type="sibTrans" cxnId="{5A1CBC47-80DB-4497-A3F2-0AC140701258}">
+      <dgm:prSet/>
+      <dgm:spPr/>
+      <dgm:t>
+        <a:bodyPr/>
+        <a:lstStyle/>
+        <a:p>
+          <a:endParaRPr lang="cs-CZ"/>
+        </a:p>
+      </dgm:t>
+    </dgm:pt>
+    <dgm:pt modelId="{F35B1FDE-1D32-409D-8869-C586FCFB3EE3}" type="asst">
+      <dgm:prSet phldrT="[Text]"/>
+      <dgm:spPr/>
+      <dgm:t>
+        <a:bodyPr/>
+        <a:lstStyle/>
+        <a:p>
+          <a:r>
+            <a:rPr lang="cs-CZ" dirty="0"/>
+            <a:t>V475 &lt;= 0,479</a:t>
+          </a:r>
+        </a:p>
+        <a:p>
+          <a:r>
+            <a:rPr lang="cs-CZ" dirty="0"/>
+            <a:t>43,9 % BLUE</a:t>
+          </a:r>
+        </a:p>
+      </dgm:t>
+    </dgm:pt>
+    <dgm:pt modelId="{CBCDE04E-C8A9-4E01-9877-A86E0FEBDBC2}" type="sibTrans" cxnId="{1AE2DC3E-4DE1-464A-8541-E2BF43BBF256}">
+      <dgm:prSet/>
+      <dgm:spPr/>
+      <dgm:t>
+        <a:bodyPr/>
+        <a:lstStyle/>
+        <a:p>
+          <a:endParaRPr lang="cs-CZ"/>
+        </a:p>
+      </dgm:t>
+    </dgm:pt>
+    <dgm:pt modelId="{F67F4AE5-CB72-4D1B-9129-E00C218F8A04}" type="parTrans" cxnId="{1AE2DC3E-4DE1-464A-8541-E2BF43BBF256}">
+      <dgm:prSet/>
+      <dgm:spPr/>
+      <dgm:t>
+        <a:bodyPr/>
+        <a:lstStyle/>
+        <a:p>
+          <a:endParaRPr lang="cs-CZ"/>
+        </a:p>
+      </dgm:t>
+    </dgm:pt>
+    <dgm:pt modelId="{7CB0A49C-AE85-4912-BFE7-C55FF1B33E47}" type="pres">
+      <dgm:prSet presAssocID="{6D2CC768-3E33-4F7B-95A6-F8B5D99FAAB6}" presName="hierChild1" presStyleCnt="0">
+        <dgm:presLayoutVars>
+          <dgm:orgChart val="1"/>
+          <dgm:chPref val="1"/>
+          <dgm:dir/>
+          <dgm:animOne val="branch"/>
+          <dgm:animLvl val="lvl"/>
+          <dgm:resizeHandles/>
+        </dgm:presLayoutVars>
+      </dgm:prSet>
+      <dgm:spPr/>
+    </dgm:pt>
+    <dgm:pt modelId="{EC19E403-E9A4-45FC-9A18-7CA221071416}" type="pres">
+      <dgm:prSet presAssocID="{DF234495-D462-42A0-AD2A-5683F2B37171}" presName="hierRoot1" presStyleCnt="0">
+        <dgm:presLayoutVars>
+          <dgm:hierBranch val="init"/>
+        </dgm:presLayoutVars>
+      </dgm:prSet>
+      <dgm:spPr/>
+    </dgm:pt>
+    <dgm:pt modelId="{340A4ADC-C838-4AC7-B1FB-58AF0D0FFB8E}" type="pres">
+      <dgm:prSet presAssocID="{DF234495-D462-42A0-AD2A-5683F2B37171}" presName="rootComposite1" presStyleCnt="0"/>
+      <dgm:spPr/>
+    </dgm:pt>
+    <dgm:pt modelId="{5CACC183-9DB5-4E47-976D-49A4EAAB878B}" type="pres">
+      <dgm:prSet presAssocID="{DF234495-D462-42A0-AD2A-5683F2B37171}" presName="rootText1" presStyleLbl="node0" presStyleIdx="0" presStyleCnt="1">
+        <dgm:presLayoutVars>
+          <dgm:chPref val="3"/>
+        </dgm:presLayoutVars>
+      </dgm:prSet>
+      <dgm:spPr/>
+    </dgm:pt>
+    <dgm:pt modelId="{D7CA673E-1956-4CB6-9FE0-7DB114FFF39B}" type="pres">
+      <dgm:prSet presAssocID="{DF234495-D462-42A0-AD2A-5683F2B37171}" presName="rootConnector1" presStyleLbl="node1" presStyleIdx="0" presStyleCnt="0"/>
+      <dgm:spPr/>
+    </dgm:pt>
+    <dgm:pt modelId="{9959B6FA-D86A-4F21-BCDB-E46A45C60B82}" type="pres">
+      <dgm:prSet presAssocID="{DF234495-D462-42A0-AD2A-5683F2B37171}" presName="hierChild2" presStyleCnt="0"/>
+      <dgm:spPr/>
+    </dgm:pt>
+    <dgm:pt modelId="{82CE7623-D3B7-4715-B87E-A166A24A2581}" type="pres">
+      <dgm:prSet presAssocID="{DF234495-D462-42A0-AD2A-5683F2B37171}" presName="hierChild3" presStyleCnt="0"/>
+      <dgm:spPr/>
+    </dgm:pt>
+    <dgm:pt modelId="{176C78C6-B520-4CD3-AA08-B146EA5B0019}" type="pres">
+      <dgm:prSet presAssocID="{F67F4AE5-CB72-4D1B-9129-E00C218F8A04}" presName="Name111" presStyleLbl="parChTrans1D2" presStyleIdx="0" presStyleCnt="2"/>
+      <dgm:spPr/>
+    </dgm:pt>
+    <dgm:pt modelId="{3CE6103A-6632-497B-B24E-FA8EFB81AE27}" type="pres">
+      <dgm:prSet presAssocID="{F35B1FDE-1D32-409D-8869-C586FCFB3EE3}" presName="hierRoot3" presStyleCnt="0">
+        <dgm:presLayoutVars>
+          <dgm:hierBranch val="init"/>
+        </dgm:presLayoutVars>
+      </dgm:prSet>
+      <dgm:spPr/>
+    </dgm:pt>
+    <dgm:pt modelId="{CF2794E0-071B-424C-831D-C78C290E5F6F}" type="pres">
+      <dgm:prSet presAssocID="{F35B1FDE-1D32-409D-8869-C586FCFB3EE3}" presName="rootComposite3" presStyleCnt="0"/>
+      <dgm:spPr/>
+    </dgm:pt>
+    <dgm:pt modelId="{D432FF6F-D866-45BD-9C83-87B73B58484C}" type="pres">
+      <dgm:prSet presAssocID="{F35B1FDE-1D32-409D-8869-C586FCFB3EE3}" presName="rootText3" presStyleLbl="asst1" presStyleIdx="0" presStyleCnt="14" custLinFactNeighborX="-40505" custLinFactNeighborY="0">
+        <dgm:presLayoutVars>
+          <dgm:chPref val="3"/>
+        </dgm:presLayoutVars>
+      </dgm:prSet>
+      <dgm:spPr/>
+    </dgm:pt>
+    <dgm:pt modelId="{13094441-FAFE-4A43-B4B7-C5ABDBC0F3F1}" type="pres">
+      <dgm:prSet presAssocID="{F35B1FDE-1D32-409D-8869-C586FCFB3EE3}" presName="rootConnector3" presStyleLbl="asst1" presStyleIdx="0" presStyleCnt="14"/>
+      <dgm:spPr/>
+    </dgm:pt>
+    <dgm:pt modelId="{C8AB06A3-7230-4142-8016-709E8FA77C27}" type="pres">
+      <dgm:prSet presAssocID="{F35B1FDE-1D32-409D-8869-C586FCFB3EE3}" presName="hierChild6" presStyleCnt="0"/>
+      <dgm:spPr/>
+    </dgm:pt>
+    <dgm:pt modelId="{EDA66EF0-AD88-4D0C-9D36-B60CFAFEB007}" type="pres">
+      <dgm:prSet presAssocID="{F35B1FDE-1D32-409D-8869-C586FCFB3EE3}" presName="hierChild7" presStyleCnt="0"/>
+      <dgm:spPr/>
+    </dgm:pt>
+    <dgm:pt modelId="{B3598354-D6C2-4A7B-BA63-37376C84C98C}" type="pres">
+      <dgm:prSet presAssocID="{EDF1ED98-AFC7-4E5E-A55D-E58CFFF4B062}" presName="Name111" presStyleLbl="parChTrans1D3" presStyleIdx="0" presStyleCnt="4"/>
+      <dgm:spPr/>
+    </dgm:pt>
+    <dgm:pt modelId="{246CF9CF-DEA9-4C7A-85F1-CD2D0336AD1E}" type="pres">
+      <dgm:prSet presAssocID="{2CE0E597-FAB2-46AE-9A33-45BF2988F003}" presName="hierRoot3" presStyleCnt="0">
+        <dgm:presLayoutVars>
+          <dgm:hierBranch val="init"/>
+        </dgm:presLayoutVars>
+      </dgm:prSet>
+      <dgm:spPr/>
+    </dgm:pt>
+    <dgm:pt modelId="{734FBBE4-DB48-4EC5-9869-8ABAFB287AA1}" type="pres">
+      <dgm:prSet presAssocID="{2CE0E597-FAB2-46AE-9A33-45BF2988F003}" presName="rootComposite3" presStyleCnt="0"/>
+      <dgm:spPr/>
+    </dgm:pt>
+    <dgm:pt modelId="{E1955E00-F1E7-49F2-B6B1-AE9A49CEC10A}" type="pres">
+      <dgm:prSet presAssocID="{2CE0E597-FAB2-46AE-9A33-45BF2988F003}" presName="rootText3" presStyleLbl="asst1" presStyleIdx="1" presStyleCnt="14">
+        <dgm:presLayoutVars>
+          <dgm:chPref val="3"/>
+        </dgm:presLayoutVars>
+      </dgm:prSet>
+      <dgm:spPr/>
+    </dgm:pt>
+    <dgm:pt modelId="{1FA18BD3-A70A-4C10-8FAD-71202FDF9301}" type="pres">
+      <dgm:prSet presAssocID="{2CE0E597-FAB2-46AE-9A33-45BF2988F003}" presName="rootConnector3" presStyleLbl="asst1" presStyleIdx="1" presStyleCnt="14"/>
+      <dgm:spPr/>
+    </dgm:pt>
+    <dgm:pt modelId="{5E1E3181-90C4-40E2-98F4-2DA46BB25208}" type="pres">
+      <dgm:prSet presAssocID="{2CE0E597-FAB2-46AE-9A33-45BF2988F003}" presName="hierChild6" presStyleCnt="0"/>
+      <dgm:spPr/>
+    </dgm:pt>
+    <dgm:pt modelId="{D518F0B3-EDA7-4A97-B427-DF1F87B5B97E}" type="pres">
+      <dgm:prSet presAssocID="{2CE0E597-FAB2-46AE-9A33-45BF2988F003}" presName="hierChild7" presStyleCnt="0"/>
+      <dgm:spPr/>
+    </dgm:pt>
+    <dgm:pt modelId="{B3002096-2867-45D6-8069-2D466B5EC252}" type="pres">
+      <dgm:prSet presAssocID="{64709110-64A0-4BE1-8579-9BEE5E5FD8EC}" presName="Name111" presStyleLbl="parChTrans1D4" presStyleIdx="0" presStyleCnt="8"/>
+      <dgm:spPr/>
+    </dgm:pt>
+    <dgm:pt modelId="{9540C59D-C9D0-4561-9324-FB41BBC79445}" type="pres">
+      <dgm:prSet presAssocID="{EA268864-36F6-452A-A767-9892797D6AF5}" presName="hierRoot3" presStyleCnt="0">
+        <dgm:presLayoutVars>
+          <dgm:hierBranch val="init"/>
+        </dgm:presLayoutVars>
+      </dgm:prSet>
+      <dgm:spPr/>
+    </dgm:pt>
+    <dgm:pt modelId="{B3F65FBE-1252-4229-A08B-40F9BB65D664}" type="pres">
+      <dgm:prSet presAssocID="{EA268864-36F6-452A-A767-9892797D6AF5}" presName="rootComposite3" presStyleCnt="0"/>
+      <dgm:spPr/>
+    </dgm:pt>
+    <dgm:pt modelId="{37F41527-BE7B-4687-BF8F-C3353C994091}" type="pres">
+      <dgm:prSet presAssocID="{EA268864-36F6-452A-A767-9892797D6AF5}" presName="rootText3" presStyleLbl="asst1" presStyleIdx="2" presStyleCnt="14">
+        <dgm:presLayoutVars>
+          <dgm:chPref val="3"/>
+        </dgm:presLayoutVars>
+      </dgm:prSet>
+      <dgm:spPr/>
+    </dgm:pt>
+    <dgm:pt modelId="{6EFE46E0-F517-414E-B8DF-959A0A699652}" type="pres">
+      <dgm:prSet presAssocID="{EA268864-36F6-452A-A767-9892797D6AF5}" presName="rootConnector3" presStyleLbl="asst1" presStyleIdx="2" presStyleCnt="14"/>
+      <dgm:spPr/>
+    </dgm:pt>
+    <dgm:pt modelId="{E324A8F9-EE5D-43DC-B8FD-C3B4CF3BF2D0}" type="pres">
+      <dgm:prSet presAssocID="{EA268864-36F6-452A-A767-9892797D6AF5}" presName="hierChild6" presStyleCnt="0"/>
+      <dgm:spPr/>
+    </dgm:pt>
+    <dgm:pt modelId="{22F82BFD-9421-4BE6-8CAF-90CC4DF2049A}" type="pres">
+      <dgm:prSet presAssocID="{EA268864-36F6-452A-A767-9892797D6AF5}" presName="hierChild7" presStyleCnt="0"/>
+      <dgm:spPr/>
+    </dgm:pt>
+    <dgm:pt modelId="{240D1F81-E605-4E7F-8169-A1172ED9846F}" type="pres">
+      <dgm:prSet presAssocID="{7A7270D0-5BBE-45AA-86C3-A365F4B25194}" presName="Name111" presStyleLbl="parChTrans1D4" presStyleIdx="1" presStyleCnt="8"/>
+      <dgm:spPr/>
+    </dgm:pt>
+    <dgm:pt modelId="{0B92E0CC-36AA-4A8D-A717-A4B6DB3962F1}" type="pres">
+      <dgm:prSet presAssocID="{549BD181-C7E1-47DE-9DE4-E174C8210AB5}" presName="hierRoot3" presStyleCnt="0">
+        <dgm:presLayoutVars>
+          <dgm:hierBranch val="init"/>
+        </dgm:presLayoutVars>
+      </dgm:prSet>
+      <dgm:spPr/>
+    </dgm:pt>
+    <dgm:pt modelId="{6F76240C-FE04-4B64-8752-833FC10531F9}" type="pres">
+      <dgm:prSet presAssocID="{549BD181-C7E1-47DE-9DE4-E174C8210AB5}" presName="rootComposite3" presStyleCnt="0"/>
+      <dgm:spPr/>
+    </dgm:pt>
+    <dgm:pt modelId="{658B21A5-0E22-4E2A-A939-3E53F69BD1E7}" type="pres">
+      <dgm:prSet presAssocID="{549BD181-C7E1-47DE-9DE4-E174C8210AB5}" presName="rootText3" presStyleLbl="asst1" presStyleIdx="3" presStyleCnt="14">
+        <dgm:presLayoutVars>
+          <dgm:chPref val="3"/>
+        </dgm:presLayoutVars>
+      </dgm:prSet>
+      <dgm:spPr/>
+    </dgm:pt>
+    <dgm:pt modelId="{53CCC991-5DA8-4C77-9FA7-2C5083F56496}" type="pres">
+      <dgm:prSet presAssocID="{549BD181-C7E1-47DE-9DE4-E174C8210AB5}" presName="rootConnector3" presStyleLbl="asst1" presStyleIdx="3" presStyleCnt="14"/>
+      <dgm:spPr/>
+    </dgm:pt>
+    <dgm:pt modelId="{67AED89F-AFCA-4F76-8ACB-5E89C92896DA}" type="pres">
+      <dgm:prSet presAssocID="{549BD181-C7E1-47DE-9DE4-E174C8210AB5}" presName="hierChild6" presStyleCnt="0"/>
+      <dgm:spPr/>
+    </dgm:pt>
+    <dgm:pt modelId="{35857221-42FA-45AD-BD62-6F4A087E90F0}" type="pres">
+      <dgm:prSet presAssocID="{549BD181-C7E1-47DE-9DE4-E174C8210AB5}" presName="hierChild7" presStyleCnt="0"/>
+      <dgm:spPr/>
+    </dgm:pt>
+    <dgm:pt modelId="{148F80BB-6684-4E62-8F6E-7FF0311EA8E1}" type="pres">
+      <dgm:prSet presAssocID="{5C802B50-3E94-41E1-A30D-E793CC9C105C}" presName="Name111" presStyleLbl="parChTrans1D3" presStyleIdx="1" presStyleCnt="4"/>
+      <dgm:spPr/>
+    </dgm:pt>
+    <dgm:pt modelId="{403CB6D2-2E6B-48C5-8BA0-B05D6BEAA54A}" type="pres">
+      <dgm:prSet presAssocID="{6D674622-31E7-419C-BB18-37CFBEFB29C7}" presName="hierRoot3" presStyleCnt="0">
+        <dgm:presLayoutVars>
+          <dgm:hierBranch val="init"/>
+        </dgm:presLayoutVars>
+      </dgm:prSet>
+      <dgm:spPr/>
+    </dgm:pt>
+    <dgm:pt modelId="{9992C12C-DD2A-4E40-9034-9065071A5C77}" type="pres">
+      <dgm:prSet presAssocID="{6D674622-31E7-419C-BB18-37CFBEFB29C7}" presName="rootComposite3" presStyleCnt="0"/>
+      <dgm:spPr/>
+    </dgm:pt>
+    <dgm:pt modelId="{7D9EC23C-6F8B-4B5C-B55B-8BB1131B12B3}" type="pres">
+      <dgm:prSet presAssocID="{6D674622-31E7-419C-BB18-37CFBEFB29C7}" presName="rootText3" presStyleLbl="asst1" presStyleIdx="4" presStyleCnt="14">
+        <dgm:presLayoutVars>
+          <dgm:chPref val="3"/>
+        </dgm:presLayoutVars>
+      </dgm:prSet>
+      <dgm:spPr/>
+    </dgm:pt>
+    <dgm:pt modelId="{CE10EB13-53E0-40B6-A3AC-4B2476C9964D}" type="pres">
+      <dgm:prSet presAssocID="{6D674622-31E7-419C-BB18-37CFBEFB29C7}" presName="rootConnector3" presStyleLbl="asst1" presStyleIdx="4" presStyleCnt="14"/>
+      <dgm:spPr/>
+    </dgm:pt>
+    <dgm:pt modelId="{C5567ADB-A83F-4C5B-AFDF-2943BC6F1034}" type="pres">
+      <dgm:prSet presAssocID="{6D674622-31E7-419C-BB18-37CFBEFB29C7}" presName="hierChild6" presStyleCnt="0"/>
+      <dgm:spPr/>
+    </dgm:pt>
+    <dgm:pt modelId="{544848E6-201D-49BA-B605-36BC8D556FA3}" type="pres">
+      <dgm:prSet presAssocID="{6D674622-31E7-419C-BB18-37CFBEFB29C7}" presName="hierChild7" presStyleCnt="0"/>
+      <dgm:spPr/>
+    </dgm:pt>
+    <dgm:pt modelId="{0CAE7EAD-69D8-4563-ACAD-C4E5A11B6CD4}" type="pres">
+      <dgm:prSet presAssocID="{167D689C-6FC3-4E94-9252-9FE04CC6BD47}" presName="Name111" presStyleLbl="parChTrans1D4" presStyleIdx="2" presStyleCnt="8"/>
+      <dgm:spPr/>
+    </dgm:pt>
+    <dgm:pt modelId="{EE91C983-9195-4392-AF5B-D98B75460070}" type="pres">
+      <dgm:prSet presAssocID="{A2B72887-7123-41B6-9F6A-F1256837E2D3}" presName="hierRoot3" presStyleCnt="0">
+        <dgm:presLayoutVars>
+          <dgm:hierBranch val="init"/>
+        </dgm:presLayoutVars>
+      </dgm:prSet>
+      <dgm:spPr/>
+    </dgm:pt>
+    <dgm:pt modelId="{8B9F85F0-F23F-49A7-A772-D27187AE51F4}" type="pres">
+      <dgm:prSet presAssocID="{A2B72887-7123-41B6-9F6A-F1256837E2D3}" presName="rootComposite3" presStyleCnt="0"/>
+      <dgm:spPr/>
+    </dgm:pt>
+    <dgm:pt modelId="{FFA77138-7C6B-4E8F-96A7-FBF936A961B9}" type="pres">
+      <dgm:prSet presAssocID="{A2B72887-7123-41B6-9F6A-F1256837E2D3}" presName="rootText3" presStyleLbl="asst1" presStyleIdx="5" presStyleCnt="14">
+        <dgm:presLayoutVars>
+          <dgm:chPref val="3"/>
+        </dgm:presLayoutVars>
+      </dgm:prSet>
+      <dgm:spPr/>
+    </dgm:pt>
+    <dgm:pt modelId="{027547FB-36D7-414F-924B-47485B8DB0CC}" type="pres">
+      <dgm:prSet presAssocID="{A2B72887-7123-41B6-9F6A-F1256837E2D3}" presName="rootConnector3" presStyleLbl="asst1" presStyleIdx="5" presStyleCnt="14"/>
+      <dgm:spPr/>
+    </dgm:pt>
+    <dgm:pt modelId="{768D4ACA-7265-48A0-891C-ED3B2A292746}" type="pres">
+      <dgm:prSet presAssocID="{A2B72887-7123-41B6-9F6A-F1256837E2D3}" presName="hierChild6" presStyleCnt="0"/>
+      <dgm:spPr/>
+    </dgm:pt>
+    <dgm:pt modelId="{7B369AB1-72FF-4660-ACE7-7C452D23FA15}" type="pres">
+      <dgm:prSet presAssocID="{A2B72887-7123-41B6-9F6A-F1256837E2D3}" presName="hierChild7" presStyleCnt="0"/>
+      <dgm:spPr/>
+    </dgm:pt>
+    <dgm:pt modelId="{701355B2-AD5B-4471-8CFA-CBBE73437DC3}" type="pres">
+      <dgm:prSet presAssocID="{0ABFBE63-C952-47B6-BE4B-E379BA6F1C49}" presName="Name111" presStyleLbl="parChTrans1D4" presStyleIdx="3" presStyleCnt="8"/>
+      <dgm:spPr/>
+    </dgm:pt>
+    <dgm:pt modelId="{132D7EA8-6DE6-47B1-9654-2FF99101D312}" type="pres">
+      <dgm:prSet presAssocID="{3440F6BD-5F24-474A-88FA-70C3A00269C6}" presName="hierRoot3" presStyleCnt="0">
+        <dgm:presLayoutVars>
+          <dgm:hierBranch val="init"/>
+        </dgm:presLayoutVars>
+      </dgm:prSet>
+      <dgm:spPr/>
+    </dgm:pt>
+    <dgm:pt modelId="{A0A46F81-E73C-4029-879C-71CCDC35025B}" type="pres">
+      <dgm:prSet presAssocID="{3440F6BD-5F24-474A-88FA-70C3A00269C6}" presName="rootComposite3" presStyleCnt="0"/>
+      <dgm:spPr/>
+    </dgm:pt>
+    <dgm:pt modelId="{B05913EA-5DCF-4BE4-A07D-EBF0956CDFCC}" type="pres">
+      <dgm:prSet presAssocID="{3440F6BD-5F24-474A-88FA-70C3A00269C6}" presName="rootText3" presStyleLbl="asst1" presStyleIdx="6" presStyleCnt="14">
+        <dgm:presLayoutVars>
+          <dgm:chPref val="3"/>
+        </dgm:presLayoutVars>
+      </dgm:prSet>
+      <dgm:spPr/>
+    </dgm:pt>
+    <dgm:pt modelId="{77415BF9-DE9D-48C4-A846-494E6EF8EE97}" type="pres">
+      <dgm:prSet presAssocID="{3440F6BD-5F24-474A-88FA-70C3A00269C6}" presName="rootConnector3" presStyleLbl="asst1" presStyleIdx="6" presStyleCnt="14"/>
+      <dgm:spPr/>
+    </dgm:pt>
+    <dgm:pt modelId="{AD3D2FA2-B604-4EF9-8EBF-B30948A1000A}" type="pres">
+      <dgm:prSet presAssocID="{3440F6BD-5F24-474A-88FA-70C3A00269C6}" presName="hierChild6" presStyleCnt="0"/>
+      <dgm:spPr/>
+    </dgm:pt>
+    <dgm:pt modelId="{58B32939-4F86-4F01-958D-A62658D39CA1}" type="pres">
+      <dgm:prSet presAssocID="{3440F6BD-5F24-474A-88FA-70C3A00269C6}" presName="hierChild7" presStyleCnt="0"/>
+      <dgm:spPr/>
+    </dgm:pt>
+    <dgm:pt modelId="{CAFB129D-63EF-4F62-BAB8-23BF81CE42F4}" type="pres">
+      <dgm:prSet presAssocID="{B5B65DA0-0BD3-4E5F-9DC2-F6A326B05AB3}" presName="Name111" presStyleLbl="parChTrans1D2" presStyleIdx="1" presStyleCnt="2"/>
+      <dgm:spPr/>
+    </dgm:pt>
+    <dgm:pt modelId="{ED501AF7-4F65-4517-98DB-AD0C96CC3910}" type="pres">
+      <dgm:prSet presAssocID="{0163EB49-FD8B-4057-AC00-7F54FB328CBE}" presName="hierRoot3" presStyleCnt="0">
+        <dgm:presLayoutVars>
+          <dgm:hierBranch val="init"/>
+        </dgm:presLayoutVars>
+      </dgm:prSet>
+      <dgm:spPr/>
+    </dgm:pt>
+    <dgm:pt modelId="{BDC2095E-52C1-429C-AD2D-09F19B8648EB}" type="pres">
+      <dgm:prSet presAssocID="{0163EB49-FD8B-4057-AC00-7F54FB328CBE}" presName="rootComposite3" presStyleCnt="0"/>
+      <dgm:spPr/>
+    </dgm:pt>
+    <dgm:pt modelId="{2EC4DB48-1859-4E9A-B760-1A9C10F157D4}" type="pres">
+      <dgm:prSet presAssocID="{0163EB49-FD8B-4057-AC00-7F54FB328CBE}" presName="rootText3" presStyleLbl="asst1" presStyleIdx="7" presStyleCnt="14">
+        <dgm:presLayoutVars>
+          <dgm:chPref val="3"/>
+        </dgm:presLayoutVars>
+      </dgm:prSet>
+      <dgm:spPr/>
+    </dgm:pt>
+    <dgm:pt modelId="{09887A68-2D49-40F8-9F9B-52DB5840B25B}" type="pres">
+      <dgm:prSet presAssocID="{0163EB49-FD8B-4057-AC00-7F54FB328CBE}" presName="rootConnector3" presStyleLbl="asst1" presStyleIdx="7" presStyleCnt="14"/>
+      <dgm:spPr/>
+    </dgm:pt>
+    <dgm:pt modelId="{0863B438-7D11-46C5-949A-0CF5E495C16C}" type="pres">
+      <dgm:prSet presAssocID="{0163EB49-FD8B-4057-AC00-7F54FB328CBE}" presName="hierChild6" presStyleCnt="0"/>
+      <dgm:spPr/>
+    </dgm:pt>
+    <dgm:pt modelId="{3B0EAE57-3192-4561-9B8C-3DBF01D91EF1}" type="pres">
+      <dgm:prSet presAssocID="{0163EB49-FD8B-4057-AC00-7F54FB328CBE}" presName="hierChild7" presStyleCnt="0"/>
+      <dgm:spPr/>
+    </dgm:pt>
+    <dgm:pt modelId="{966D76F2-A9A2-4076-9380-C39D47F82B01}" type="pres">
+      <dgm:prSet presAssocID="{F6E2B095-DACD-4B3F-94C2-5E60879F7B9D}" presName="Name111" presStyleLbl="parChTrans1D3" presStyleIdx="2" presStyleCnt="4"/>
+      <dgm:spPr/>
+    </dgm:pt>
+    <dgm:pt modelId="{A9492E78-A36A-4C40-B827-14C8E48C59A9}" type="pres">
+      <dgm:prSet presAssocID="{6B07255D-5A6B-4CD4-A55D-0F2A9238D38E}" presName="hierRoot3" presStyleCnt="0">
+        <dgm:presLayoutVars>
+          <dgm:hierBranch val="init"/>
+        </dgm:presLayoutVars>
+      </dgm:prSet>
+      <dgm:spPr/>
+    </dgm:pt>
+    <dgm:pt modelId="{AA6E1334-112C-4CB1-A392-C9C5950E27DA}" type="pres">
+      <dgm:prSet presAssocID="{6B07255D-5A6B-4CD4-A55D-0F2A9238D38E}" presName="rootComposite3" presStyleCnt="0"/>
+      <dgm:spPr/>
+    </dgm:pt>
+    <dgm:pt modelId="{87D7A803-3C33-4ECD-8295-7578CF5A526E}" type="pres">
+      <dgm:prSet presAssocID="{6B07255D-5A6B-4CD4-A55D-0F2A9238D38E}" presName="rootText3" presStyleLbl="asst1" presStyleIdx="8" presStyleCnt="14">
+        <dgm:presLayoutVars>
+          <dgm:chPref val="3"/>
+        </dgm:presLayoutVars>
+      </dgm:prSet>
+      <dgm:spPr/>
+    </dgm:pt>
+    <dgm:pt modelId="{80167625-3586-4C55-ACBB-B7ADEE49E391}" type="pres">
+      <dgm:prSet presAssocID="{6B07255D-5A6B-4CD4-A55D-0F2A9238D38E}" presName="rootConnector3" presStyleLbl="asst1" presStyleIdx="8" presStyleCnt="14"/>
+      <dgm:spPr/>
+    </dgm:pt>
+    <dgm:pt modelId="{E3BC665E-7270-4D24-ADF3-9FA457F9FA05}" type="pres">
+      <dgm:prSet presAssocID="{6B07255D-5A6B-4CD4-A55D-0F2A9238D38E}" presName="hierChild6" presStyleCnt="0"/>
+      <dgm:spPr/>
+    </dgm:pt>
+    <dgm:pt modelId="{E229DA1B-F99F-4976-B3B4-73408FD8CB0D}" type="pres">
+      <dgm:prSet presAssocID="{6B07255D-5A6B-4CD4-A55D-0F2A9238D38E}" presName="hierChild7" presStyleCnt="0"/>
+      <dgm:spPr/>
+    </dgm:pt>
+    <dgm:pt modelId="{B3116614-74BB-4C02-9007-2E3F673F839B}" type="pres">
+      <dgm:prSet presAssocID="{F0CB39DE-3F95-4A98-8FFE-020DDF04E6D9}" presName="Name111" presStyleLbl="parChTrans1D4" presStyleIdx="4" presStyleCnt="8"/>
+      <dgm:spPr/>
+    </dgm:pt>
+    <dgm:pt modelId="{A8E068D9-7840-4165-9A75-BF7975C52D84}" type="pres">
+      <dgm:prSet presAssocID="{8C295AA0-4D6B-4843-90C3-D45AED6D2771}" presName="hierRoot3" presStyleCnt="0">
+        <dgm:presLayoutVars>
+          <dgm:hierBranch val="init"/>
+        </dgm:presLayoutVars>
+      </dgm:prSet>
+      <dgm:spPr/>
+    </dgm:pt>
+    <dgm:pt modelId="{64E1AE92-AF54-40EB-A91D-B83C68F6D02C}" type="pres">
+      <dgm:prSet presAssocID="{8C295AA0-4D6B-4843-90C3-D45AED6D2771}" presName="rootComposite3" presStyleCnt="0"/>
+      <dgm:spPr/>
+    </dgm:pt>
+    <dgm:pt modelId="{0C88E0C5-9A04-441D-8C3A-BE90E4F663F5}" type="pres">
+      <dgm:prSet presAssocID="{8C295AA0-4D6B-4843-90C3-D45AED6D2771}" presName="rootText3" presStyleLbl="asst1" presStyleIdx="9" presStyleCnt="14">
+        <dgm:presLayoutVars>
+          <dgm:chPref val="3"/>
+        </dgm:presLayoutVars>
+      </dgm:prSet>
+      <dgm:spPr/>
+    </dgm:pt>
+    <dgm:pt modelId="{BD90EC25-3BD4-41BE-A553-3DED4C733589}" type="pres">
+      <dgm:prSet presAssocID="{8C295AA0-4D6B-4843-90C3-D45AED6D2771}" presName="rootConnector3" presStyleLbl="asst1" presStyleIdx="9" presStyleCnt="14"/>
+      <dgm:spPr/>
+    </dgm:pt>
+    <dgm:pt modelId="{419CCD56-51C9-43F3-A900-C159CC98B614}" type="pres">
+      <dgm:prSet presAssocID="{8C295AA0-4D6B-4843-90C3-D45AED6D2771}" presName="hierChild6" presStyleCnt="0"/>
+      <dgm:spPr/>
+    </dgm:pt>
+    <dgm:pt modelId="{C8CA321A-1943-4B8A-A564-6E1F7462BA2A}" type="pres">
+      <dgm:prSet presAssocID="{8C295AA0-4D6B-4843-90C3-D45AED6D2771}" presName="hierChild7" presStyleCnt="0"/>
+      <dgm:spPr/>
+    </dgm:pt>
+    <dgm:pt modelId="{5E270EDD-E070-4168-808D-E5A31CAB39DF}" type="pres">
+      <dgm:prSet presAssocID="{CB7996D3-FA75-456F-8FE1-424652045669}" presName="Name111" presStyleLbl="parChTrans1D4" presStyleIdx="5" presStyleCnt="8"/>
+      <dgm:spPr/>
+    </dgm:pt>
+    <dgm:pt modelId="{08D3B834-44EA-4016-B17C-5A931C90E442}" type="pres">
+      <dgm:prSet presAssocID="{C355AB5B-AF32-49D6-A0A8-A7A06CD31FE5}" presName="hierRoot3" presStyleCnt="0">
+        <dgm:presLayoutVars>
+          <dgm:hierBranch val="init"/>
+        </dgm:presLayoutVars>
+      </dgm:prSet>
+      <dgm:spPr/>
+    </dgm:pt>
+    <dgm:pt modelId="{189151BC-A733-4565-9CDC-AA3622FEE4B2}" type="pres">
+      <dgm:prSet presAssocID="{C355AB5B-AF32-49D6-A0A8-A7A06CD31FE5}" presName="rootComposite3" presStyleCnt="0"/>
+      <dgm:spPr/>
+    </dgm:pt>
+    <dgm:pt modelId="{D7FFEBC9-F48C-4D09-B37A-0031D79C7B82}" type="pres">
+      <dgm:prSet presAssocID="{C355AB5B-AF32-49D6-A0A8-A7A06CD31FE5}" presName="rootText3" presStyleLbl="asst1" presStyleIdx="10" presStyleCnt="14">
+        <dgm:presLayoutVars>
+          <dgm:chPref val="3"/>
+        </dgm:presLayoutVars>
+      </dgm:prSet>
+      <dgm:spPr/>
+    </dgm:pt>
+    <dgm:pt modelId="{9597DDAC-B6D1-424E-B55C-03DCFAA9B786}" type="pres">
+      <dgm:prSet presAssocID="{C355AB5B-AF32-49D6-A0A8-A7A06CD31FE5}" presName="rootConnector3" presStyleLbl="asst1" presStyleIdx="10" presStyleCnt="14"/>
+      <dgm:spPr/>
+    </dgm:pt>
+    <dgm:pt modelId="{FF78D9B0-BCE1-414D-9948-D85B2DECA8BF}" type="pres">
+      <dgm:prSet presAssocID="{C355AB5B-AF32-49D6-A0A8-A7A06CD31FE5}" presName="hierChild6" presStyleCnt="0"/>
+      <dgm:spPr/>
+    </dgm:pt>
+    <dgm:pt modelId="{1B7F9457-905C-454C-AB49-90E3FE92A442}" type="pres">
+      <dgm:prSet presAssocID="{C355AB5B-AF32-49D6-A0A8-A7A06CD31FE5}" presName="hierChild7" presStyleCnt="0"/>
+      <dgm:spPr/>
+    </dgm:pt>
+    <dgm:pt modelId="{FE793A0D-4283-4210-A83E-BE1396128707}" type="pres">
+      <dgm:prSet presAssocID="{D3F5677A-55E8-4E29-8629-90D63FBC49C9}" presName="Name111" presStyleLbl="parChTrans1D3" presStyleIdx="3" presStyleCnt="4"/>
+      <dgm:spPr/>
+    </dgm:pt>
+    <dgm:pt modelId="{858D828A-D737-4452-925D-AC814A8E88FB}" type="pres">
+      <dgm:prSet presAssocID="{46743970-796F-4F7A-A879-ADB4B152B014}" presName="hierRoot3" presStyleCnt="0">
+        <dgm:presLayoutVars>
+          <dgm:hierBranch val="init"/>
+        </dgm:presLayoutVars>
+      </dgm:prSet>
+      <dgm:spPr/>
+    </dgm:pt>
+    <dgm:pt modelId="{6BE0E2FC-F603-4E39-9BA4-2C67A8B850C2}" type="pres">
+      <dgm:prSet presAssocID="{46743970-796F-4F7A-A879-ADB4B152B014}" presName="rootComposite3" presStyleCnt="0"/>
+      <dgm:spPr/>
+    </dgm:pt>
+    <dgm:pt modelId="{4191F868-E4B9-4CD3-8035-0656BB7B25C6}" type="pres">
+      <dgm:prSet presAssocID="{46743970-796F-4F7A-A879-ADB4B152B014}" presName="rootText3" presStyleLbl="asst1" presStyleIdx="11" presStyleCnt="14">
+        <dgm:presLayoutVars>
+          <dgm:chPref val="3"/>
+        </dgm:presLayoutVars>
+      </dgm:prSet>
+      <dgm:spPr/>
+    </dgm:pt>
+    <dgm:pt modelId="{CF0D9248-D255-4730-B941-08D8505D8807}" type="pres">
+      <dgm:prSet presAssocID="{46743970-796F-4F7A-A879-ADB4B152B014}" presName="rootConnector3" presStyleLbl="asst1" presStyleIdx="11" presStyleCnt="14"/>
+      <dgm:spPr/>
+    </dgm:pt>
+    <dgm:pt modelId="{B717321C-D85F-49BC-8193-3E7E2C837107}" type="pres">
+      <dgm:prSet presAssocID="{46743970-796F-4F7A-A879-ADB4B152B014}" presName="hierChild6" presStyleCnt="0"/>
+      <dgm:spPr/>
+    </dgm:pt>
+    <dgm:pt modelId="{0D7A6DCF-1DBE-496F-B406-C4DCF23EB34A}" type="pres">
+      <dgm:prSet presAssocID="{46743970-796F-4F7A-A879-ADB4B152B014}" presName="hierChild7" presStyleCnt="0"/>
+      <dgm:spPr/>
+    </dgm:pt>
+    <dgm:pt modelId="{69061E62-2D4D-41E6-AE76-C24509733244}" type="pres">
+      <dgm:prSet presAssocID="{94D5115E-F57A-40FE-9EE1-6604678FAA5D}" presName="Name111" presStyleLbl="parChTrans1D4" presStyleIdx="6" presStyleCnt="8"/>
+      <dgm:spPr/>
+    </dgm:pt>
+    <dgm:pt modelId="{0D8875DC-1A85-42CA-96D7-C1918BA58D75}" type="pres">
+      <dgm:prSet presAssocID="{A7FB965F-1B64-497E-A625-86C6397C32B7}" presName="hierRoot3" presStyleCnt="0">
+        <dgm:presLayoutVars>
+          <dgm:hierBranch val="init"/>
+        </dgm:presLayoutVars>
+      </dgm:prSet>
+      <dgm:spPr/>
+    </dgm:pt>
+    <dgm:pt modelId="{29AF3D8C-A040-4051-A57E-8ED97FA7D361}" type="pres">
+      <dgm:prSet presAssocID="{A7FB965F-1B64-497E-A625-86C6397C32B7}" presName="rootComposite3" presStyleCnt="0"/>
+      <dgm:spPr/>
+    </dgm:pt>
+    <dgm:pt modelId="{E25C63F8-79C2-4428-981E-9C8DE12C9A7E}" type="pres">
+      <dgm:prSet presAssocID="{A7FB965F-1B64-497E-A625-86C6397C32B7}" presName="rootText3" presStyleLbl="asst1" presStyleIdx="12" presStyleCnt="14">
+        <dgm:presLayoutVars>
+          <dgm:chPref val="3"/>
+        </dgm:presLayoutVars>
+      </dgm:prSet>
+      <dgm:spPr/>
+    </dgm:pt>
+    <dgm:pt modelId="{9DC969DA-3E1A-4C93-9DB4-67512C08ADBC}" type="pres">
+      <dgm:prSet presAssocID="{A7FB965F-1B64-497E-A625-86C6397C32B7}" presName="rootConnector3" presStyleLbl="asst1" presStyleIdx="12" presStyleCnt="14"/>
+      <dgm:spPr/>
+    </dgm:pt>
+    <dgm:pt modelId="{CAEC5407-CC80-4A31-A3DC-F6084EDE7084}" type="pres">
+      <dgm:prSet presAssocID="{A7FB965F-1B64-497E-A625-86C6397C32B7}" presName="hierChild6" presStyleCnt="0"/>
+      <dgm:spPr/>
+    </dgm:pt>
+    <dgm:pt modelId="{B15DDE2A-A59B-4573-99DF-BDF26F86DE25}" type="pres">
+      <dgm:prSet presAssocID="{A7FB965F-1B64-497E-A625-86C6397C32B7}" presName="hierChild7" presStyleCnt="0"/>
+      <dgm:spPr/>
+    </dgm:pt>
+    <dgm:pt modelId="{F9AD43D6-A6D4-49B9-BA3A-6B090E59A794}" type="pres">
+      <dgm:prSet presAssocID="{15954394-30B9-4560-8FBF-FA3A739237A6}" presName="Name111" presStyleLbl="parChTrans1D4" presStyleIdx="7" presStyleCnt="8"/>
+      <dgm:spPr/>
+    </dgm:pt>
+    <dgm:pt modelId="{55FCE68E-2C34-4D3A-9967-45F2E6CCC5F3}" type="pres">
+      <dgm:prSet presAssocID="{D23D289F-A7C0-4CBE-8653-19C97B999058}" presName="hierRoot3" presStyleCnt="0">
+        <dgm:presLayoutVars>
+          <dgm:hierBranch val="init"/>
+        </dgm:presLayoutVars>
+      </dgm:prSet>
+      <dgm:spPr/>
+    </dgm:pt>
+    <dgm:pt modelId="{CCA71B52-1CC9-4E5C-A485-9F07C0C37486}" type="pres">
+      <dgm:prSet presAssocID="{D23D289F-A7C0-4CBE-8653-19C97B999058}" presName="rootComposite3" presStyleCnt="0"/>
+      <dgm:spPr/>
+    </dgm:pt>
+    <dgm:pt modelId="{EB3F80F7-7EF5-4331-8E24-D336342F0E06}" type="pres">
+      <dgm:prSet presAssocID="{D23D289F-A7C0-4CBE-8653-19C97B999058}" presName="rootText3" presStyleLbl="asst1" presStyleIdx="13" presStyleCnt="14">
+        <dgm:presLayoutVars>
+          <dgm:chPref val="3"/>
+        </dgm:presLayoutVars>
+      </dgm:prSet>
+      <dgm:spPr/>
+    </dgm:pt>
+    <dgm:pt modelId="{090338D9-6B05-43BA-AA10-71C3C7381F7F}" type="pres">
+      <dgm:prSet presAssocID="{D23D289F-A7C0-4CBE-8653-19C97B999058}" presName="rootConnector3" presStyleLbl="asst1" presStyleIdx="13" presStyleCnt="14"/>
+      <dgm:spPr/>
+    </dgm:pt>
+    <dgm:pt modelId="{75824266-85D1-4A3E-A188-470A8EF5924C}" type="pres">
+      <dgm:prSet presAssocID="{D23D289F-A7C0-4CBE-8653-19C97B999058}" presName="hierChild6" presStyleCnt="0"/>
+      <dgm:spPr/>
+    </dgm:pt>
+    <dgm:pt modelId="{241C7C51-7AA9-4EE7-9B4E-600175FE6D11}" type="pres">
+      <dgm:prSet presAssocID="{D23D289F-A7C0-4CBE-8653-19C97B999058}" presName="hierChild7" presStyleCnt="0"/>
+      <dgm:spPr/>
+    </dgm:pt>
+  </dgm:ptLst>
+  <dgm:cxnLst>
+    <dgm:cxn modelId="{F066200E-E168-48F2-84C0-82A924339656}" type="presOf" srcId="{A7FB965F-1B64-497E-A625-86C6397C32B7}" destId="{E25C63F8-79C2-4428-981E-9C8DE12C9A7E}" srcOrd="0" destOrd="0" presId="urn:microsoft.com/office/officeart/2005/8/layout/orgChart1"/>
+    <dgm:cxn modelId="{02202910-6D73-41BB-8AA5-5AA8BE1FD4B7}" type="presOf" srcId="{B5B65DA0-0BD3-4E5F-9DC2-F6A326B05AB3}" destId="{CAFB129D-63EF-4F62-BAB8-23BF81CE42F4}" srcOrd="0" destOrd="0" presId="urn:microsoft.com/office/officeart/2005/8/layout/orgChart1"/>
+    <dgm:cxn modelId="{578AB513-B06E-4A4F-94FA-1F2DE96804D5}" type="presOf" srcId="{C355AB5B-AF32-49D6-A0A8-A7A06CD31FE5}" destId="{9597DDAC-B6D1-424E-B55C-03DCFAA9B786}" srcOrd="1" destOrd="0" presId="urn:microsoft.com/office/officeart/2005/8/layout/orgChart1"/>
+    <dgm:cxn modelId="{F9C1DC13-503C-4135-B05B-3BD5F2317CC2}" type="presOf" srcId="{D23D289F-A7C0-4CBE-8653-19C97B999058}" destId="{090338D9-6B05-43BA-AA10-71C3C7381F7F}" srcOrd="1" destOrd="0" presId="urn:microsoft.com/office/officeart/2005/8/layout/orgChart1"/>
+    <dgm:cxn modelId="{7F7D8018-C295-4236-AD65-0E8733D15271}" type="presOf" srcId="{549BD181-C7E1-47DE-9DE4-E174C8210AB5}" destId="{53CCC991-5DA8-4C77-9FA7-2C5083F56496}" srcOrd="1" destOrd="0" presId="urn:microsoft.com/office/officeart/2005/8/layout/orgChart1"/>
+    <dgm:cxn modelId="{F22C422C-8CBE-4DD9-B601-8B2F73AACEE1}" type="presOf" srcId="{6D674622-31E7-419C-BB18-37CFBEFB29C7}" destId="{CE10EB13-53E0-40B6-A3AC-4B2476C9964D}" srcOrd="1" destOrd="0" presId="urn:microsoft.com/office/officeart/2005/8/layout/orgChart1"/>
+    <dgm:cxn modelId="{F302E133-3077-4C35-A6C6-CD58F5D73A45}" type="presOf" srcId="{46743970-796F-4F7A-A879-ADB4B152B014}" destId="{CF0D9248-D255-4730-B941-08D8505D8807}" srcOrd="1" destOrd="0" presId="urn:microsoft.com/office/officeart/2005/8/layout/orgChart1"/>
+    <dgm:cxn modelId="{1B88C634-B384-49C6-B4F2-B1EA67FF7912}" type="presOf" srcId="{D3F5677A-55E8-4E29-8629-90D63FBC49C9}" destId="{FE793A0D-4283-4210-A83E-BE1396128707}" srcOrd="0" destOrd="0" presId="urn:microsoft.com/office/officeart/2005/8/layout/orgChart1"/>
+    <dgm:cxn modelId="{7B5E7E35-CFA7-4C6A-88C9-EF596438ECB4}" type="presOf" srcId="{167D689C-6FC3-4E94-9252-9FE04CC6BD47}" destId="{0CAE7EAD-69D8-4563-ACAD-C4E5A11B6CD4}" srcOrd="0" destOrd="0" presId="urn:microsoft.com/office/officeart/2005/8/layout/orgChart1"/>
+    <dgm:cxn modelId="{038DA73A-DB0A-4445-B122-DD5BAE643142}" type="presOf" srcId="{F6E2B095-DACD-4B3F-94C2-5E60879F7B9D}" destId="{966D76F2-A9A2-4076-9380-C39D47F82B01}" srcOrd="0" destOrd="0" presId="urn:microsoft.com/office/officeart/2005/8/layout/orgChart1"/>
+    <dgm:cxn modelId="{EFDA423B-2314-4858-857E-6638B7FD252E}" type="presOf" srcId="{3440F6BD-5F24-474A-88FA-70C3A00269C6}" destId="{77415BF9-DE9D-48C4-A846-494E6EF8EE97}" srcOrd="1" destOrd="0" presId="urn:microsoft.com/office/officeart/2005/8/layout/orgChart1"/>
+    <dgm:cxn modelId="{1AE2DC3E-4DE1-464A-8541-E2BF43BBF256}" srcId="{DF234495-D462-42A0-AD2A-5683F2B37171}" destId="{F35B1FDE-1D32-409D-8869-C586FCFB3EE3}" srcOrd="0" destOrd="0" parTransId="{F67F4AE5-CB72-4D1B-9129-E00C218F8A04}" sibTransId="{CBCDE04E-C8A9-4E01-9877-A86E0FEBDBC2}"/>
+    <dgm:cxn modelId="{E9D8E540-8A95-4FC4-BF20-A2D4CE5222D8}" type="presOf" srcId="{0163EB49-FD8B-4057-AC00-7F54FB328CBE}" destId="{09887A68-2D49-40F8-9F9B-52DB5840B25B}" srcOrd="1" destOrd="0" presId="urn:microsoft.com/office/officeart/2005/8/layout/orgChart1"/>
+    <dgm:cxn modelId="{65522F41-8B5F-463D-8BEB-5FD142CB7766}" type="presOf" srcId="{A7FB965F-1B64-497E-A625-86C6397C32B7}" destId="{9DC969DA-3E1A-4C93-9DB4-67512C08ADBC}" srcOrd="1" destOrd="0" presId="urn:microsoft.com/office/officeart/2005/8/layout/orgChart1"/>
+    <dgm:cxn modelId="{D55CE542-4BA8-4367-94AB-CEDDDAFD81D6}" type="presOf" srcId="{8C295AA0-4D6B-4843-90C3-D45AED6D2771}" destId="{0C88E0C5-9A04-441D-8C3A-BE90E4F663F5}" srcOrd="0" destOrd="0" presId="urn:microsoft.com/office/officeart/2005/8/layout/orgChart1"/>
+    <dgm:cxn modelId="{0E40D066-4A58-4709-80D5-16A3919DAE65}" type="presOf" srcId="{3440F6BD-5F24-474A-88FA-70C3A00269C6}" destId="{B05913EA-5DCF-4BE4-A07D-EBF0956CDFCC}" srcOrd="0" destOrd="0" presId="urn:microsoft.com/office/officeart/2005/8/layout/orgChart1"/>
+    <dgm:cxn modelId="{FB824847-1DBE-46F3-8C5E-489771398B3E}" type="presOf" srcId="{549BD181-C7E1-47DE-9DE4-E174C8210AB5}" destId="{658B21A5-0E22-4E2A-A939-3E53F69BD1E7}" srcOrd="0" destOrd="0" presId="urn:microsoft.com/office/officeart/2005/8/layout/orgChart1"/>
+    <dgm:cxn modelId="{B4498467-87E0-42F3-A1F2-104A5B375F38}" type="presOf" srcId="{2CE0E597-FAB2-46AE-9A33-45BF2988F003}" destId="{E1955E00-F1E7-49F2-B6B1-AE9A49CEC10A}" srcOrd="0" destOrd="0" presId="urn:microsoft.com/office/officeart/2005/8/layout/orgChart1"/>
+    <dgm:cxn modelId="{5A1CBC47-80DB-4497-A3F2-0AC140701258}" srcId="{46743970-796F-4F7A-A879-ADB4B152B014}" destId="{D23D289F-A7C0-4CBE-8653-19C97B999058}" srcOrd="1" destOrd="0" parTransId="{15954394-30B9-4560-8FBF-FA3A739237A6}" sibTransId="{6D5969AD-FA9C-4D2C-B5BC-F59EA5CB63FF}"/>
+    <dgm:cxn modelId="{CB7D036C-1BA9-4EF2-AAC5-DEE41C4EA2DD}" type="presOf" srcId="{EA268864-36F6-452A-A767-9892797D6AF5}" destId="{37F41527-BE7B-4687-BF8F-C3353C994091}" srcOrd="0" destOrd="0" presId="urn:microsoft.com/office/officeart/2005/8/layout/orgChart1"/>
+    <dgm:cxn modelId="{567B0C4D-8126-4C06-8FFC-58AABD923BBA}" type="presOf" srcId="{94D5115E-F57A-40FE-9EE1-6604678FAA5D}" destId="{69061E62-2D4D-41E6-AE76-C24509733244}" srcOrd="0" destOrd="0" presId="urn:microsoft.com/office/officeart/2005/8/layout/orgChart1"/>
+    <dgm:cxn modelId="{07F5294D-E50E-4309-A4CC-AEEFB67065C2}" type="presOf" srcId="{6D2CC768-3E33-4F7B-95A6-F8B5D99FAAB6}" destId="{7CB0A49C-AE85-4912-BFE7-C55FF1B33E47}" srcOrd="0" destOrd="0" presId="urn:microsoft.com/office/officeart/2005/8/layout/orgChart1"/>
+    <dgm:cxn modelId="{4DF31A4E-1BC9-4AA9-BEB5-76FF8908DA03}" type="presOf" srcId="{F35B1FDE-1D32-409D-8869-C586FCFB3EE3}" destId="{13094441-FAFE-4A43-B4B7-C5ABDBC0F3F1}" srcOrd="1" destOrd="0" presId="urn:microsoft.com/office/officeart/2005/8/layout/orgChart1"/>
+    <dgm:cxn modelId="{742C4E6E-D217-439B-9019-7BDA2B7CCC0C}" type="presOf" srcId="{F67F4AE5-CB72-4D1B-9129-E00C218F8A04}" destId="{176C78C6-B520-4CD3-AA08-B146EA5B0019}" srcOrd="0" destOrd="0" presId="urn:microsoft.com/office/officeart/2005/8/layout/orgChart1"/>
+    <dgm:cxn modelId="{56F7304F-A261-4F38-9FA0-1720770C24E7}" srcId="{2CE0E597-FAB2-46AE-9A33-45BF2988F003}" destId="{549BD181-C7E1-47DE-9DE4-E174C8210AB5}" srcOrd="1" destOrd="0" parTransId="{7A7270D0-5BBE-45AA-86C3-A365F4B25194}" sibTransId="{BD1CA624-50F8-4F3D-9F01-316712061745}"/>
+    <dgm:cxn modelId="{0FADC56F-5436-4BC2-8BB3-00515E639012}" type="presOf" srcId="{CB7996D3-FA75-456F-8FE1-424652045669}" destId="{5E270EDD-E070-4168-808D-E5A31CAB39DF}" srcOrd="0" destOrd="0" presId="urn:microsoft.com/office/officeart/2005/8/layout/orgChart1"/>
+    <dgm:cxn modelId="{76FD3154-6627-4190-B018-9F3AF1A02800}" type="presOf" srcId="{EDF1ED98-AFC7-4E5E-A55D-E58CFFF4B062}" destId="{B3598354-D6C2-4A7B-BA63-37376C84C98C}" srcOrd="0" destOrd="0" presId="urn:microsoft.com/office/officeart/2005/8/layout/orgChart1"/>
+    <dgm:cxn modelId="{70679979-E9C3-440B-A52C-272552E9B30C}" srcId="{DF234495-D462-42A0-AD2A-5683F2B37171}" destId="{0163EB49-FD8B-4057-AC00-7F54FB328CBE}" srcOrd="1" destOrd="0" parTransId="{B5B65DA0-0BD3-4E5F-9DC2-F6A326B05AB3}" sibTransId="{0959CC11-EB38-487F-8FE7-16057A5F67B9}"/>
+    <dgm:cxn modelId="{62D9AF7C-9F95-4FE3-9E58-061DDBEE146E}" type="presOf" srcId="{46743970-796F-4F7A-A879-ADB4B152B014}" destId="{4191F868-E4B9-4CD3-8035-0656BB7B25C6}" srcOrd="0" destOrd="0" presId="urn:microsoft.com/office/officeart/2005/8/layout/orgChart1"/>
+    <dgm:cxn modelId="{1C761381-E060-472F-8C02-0DE2E4CDCFCF}" type="presOf" srcId="{0ABFBE63-C952-47B6-BE4B-E379BA6F1C49}" destId="{701355B2-AD5B-4471-8CFA-CBBE73437DC3}" srcOrd="0" destOrd="0" presId="urn:microsoft.com/office/officeart/2005/8/layout/orgChart1"/>
+    <dgm:cxn modelId="{615CDF83-D0A8-44F3-89F3-692FCAB71DE8}" type="presOf" srcId="{6B07255D-5A6B-4CD4-A55D-0F2A9238D38E}" destId="{80167625-3586-4C55-ACBB-B7ADEE49E391}" srcOrd="1" destOrd="0" presId="urn:microsoft.com/office/officeart/2005/8/layout/orgChart1"/>
+    <dgm:cxn modelId="{8917638D-7A81-4750-8DDB-3B61CD6D4986}" type="presOf" srcId="{2CE0E597-FAB2-46AE-9A33-45BF2988F003}" destId="{1FA18BD3-A70A-4C10-8FAD-71202FDF9301}" srcOrd="1" destOrd="0" presId="urn:microsoft.com/office/officeart/2005/8/layout/orgChart1"/>
+    <dgm:cxn modelId="{779AAF93-C335-48FB-BC3D-C8D2C4FA746E}" type="presOf" srcId="{C355AB5B-AF32-49D6-A0A8-A7A06CD31FE5}" destId="{D7FFEBC9-F48C-4D09-B37A-0031D79C7B82}" srcOrd="0" destOrd="0" presId="urn:microsoft.com/office/officeart/2005/8/layout/orgChart1"/>
+    <dgm:cxn modelId="{C56B4E9C-BA22-4619-B43C-D4A17AEF7C6E}" type="presOf" srcId="{7A7270D0-5BBE-45AA-86C3-A365F4B25194}" destId="{240D1F81-E605-4E7F-8169-A1172ED9846F}" srcOrd="0" destOrd="0" presId="urn:microsoft.com/office/officeart/2005/8/layout/orgChart1"/>
+    <dgm:cxn modelId="{34D96D9F-D2E0-4637-8B72-41AF4C27C424}" srcId="{6D674622-31E7-419C-BB18-37CFBEFB29C7}" destId="{3440F6BD-5F24-474A-88FA-70C3A00269C6}" srcOrd="1" destOrd="0" parTransId="{0ABFBE63-C952-47B6-BE4B-E379BA6F1C49}" sibTransId="{BAE4B5DE-D808-4C3F-B002-4966285D4F86}"/>
+    <dgm:cxn modelId="{5B484EA2-ED2B-498A-B80D-AEA7FBDA7610}" srcId="{6B07255D-5A6B-4CD4-A55D-0F2A9238D38E}" destId="{C355AB5B-AF32-49D6-A0A8-A7A06CD31FE5}" srcOrd="1" destOrd="0" parTransId="{CB7996D3-FA75-456F-8FE1-424652045669}" sibTransId="{CA4E5523-78E1-436B-8C86-B6F15841CA34}"/>
+    <dgm:cxn modelId="{18B4DAA6-BA50-407D-9111-F32335E3EA2C}" type="presOf" srcId="{0163EB49-FD8B-4057-AC00-7F54FB328CBE}" destId="{2EC4DB48-1859-4E9A-B760-1A9C10F157D4}" srcOrd="0" destOrd="0" presId="urn:microsoft.com/office/officeart/2005/8/layout/orgChart1"/>
+    <dgm:cxn modelId="{9BE469AD-CEB6-431C-AE1C-E239C58EFADD}" type="presOf" srcId="{D23D289F-A7C0-4CBE-8653-19C97B999058}" destId="{EB3F80F7-7EF5-4331-8E24-D336342F0E06}" srcOrd="0" destOrd="0" presId="urn:microsoft.com/office/officeart/2005/8/layout/orgChart1"/>
+    <dgm:cxn modelId="{5F0C3AAE-8089-4354-8FA5-84A74C747F4C}" type="presOf" srcId="{DF234495-D462-42A0-AD2A-5683F2B37171}" destId="{D7CA673E-1956-4CB6-9FE0-7DB114FFF39B}" srcOrd="1" destOrd="0" presId="urn:microsoft.com/office/officeart/2005/8/layout/orgChart1"/>
+    <dgm:cxn modelId="{3F55E2B2-C629-416F-9D08-5638E8A038EC}" srcId="{6D674622-31E7-419C-BB18-37CFBEFB29C7}" destId="{A2B72887-7123-41B6-9F6A-F1256837E2D3}" srcOrd="0" destOrd="0" parTransId="{167D689C-6FC3-4E94-9252-9FE04CC6BD47}" sibTransId="{2F0DEE1A-AC43-4D43-B1DB-025505CABF79}"/>
+    <dgm:cxn modelId="{0A0E3BB6-22DF-4474-ACFD-876FADD29480}" srcId="{F35B1FDE-1D32-409D-8869-C586FCFB3EE3}" destId="{6D674622-31E7-419C-BB18-37CFBEFB29C7}" srcOrd="1" destOrd="0" parTransId="{5C802B50-3E94-41E1-A30D-E793CC9C105C}" sibTransId="{E5A84827-EEA3-49C4-BB63-992DEF7D06E8}"/>
+    <dgm:cxn modelId="{39E202B8-7CBD-4864-AB19-38D72E3A4322}" type="presOf" srcId="{6B07255D-5A6B-4CD4-A55D-0F2A9238D38E}" destId="{87D7A803-3C33-4ECD-8295-7578CF5A526E}" srcOrd="0" destOrd="0" presId="urn:microsoft.com/office/officeart/2005/8/layout/orgChart1"/>
+    <dgm:cxn modelId="{ADBDE8B8-7A93-4D02-B0CC-57B42A910BC7}" srcId="{0163EB49-FD8B-4057-AC00-7F54FB328CBE}" destId="{46743970-796F-4F7A-A879-ADB4B152B014}" srcOrd="1" destOrd="0" parTransId="{D3F5677A-55E8-4E29-8629-90D63FBC49C9}" sibTransId="{571A0C92-7731-459A-94F1-223C6CB65501}"/>
+    <dgm:cxn modelId="{55EAFABF-153B-425F-A914-268BEA9D08AA}" type="presOf" srcId="{F35B1FDE-1D32-409D-8869-C586FCFB3EE3}" destId="{D432FF6F-D866-45BD-9C83-87B73B58484C}" srcOrd="0" destOrd="0" presId="urn:microsoft.com/office/officeart/2005/8/layout/orgChart1"/>
+    <dgm:cxn modelId="{5D6D8CC2-2D32-46CF-84CC-7752FD4C4DF7}" type="presOf" srcId="{5C802B50-3E94-41E1-A30D-E793CC9C105C}" destId="{148F80BB-6684-4E62-8F6E-7FF0311EA8E1}" srcOrd="0" destOrd="0" presId="urn:microsoft.com/office/officeart/2005/8/layout/orgChart1"/>
+    <dgm:cxn modelId="{313D5FCE-CFD6-45CE-9A91-D2A250EAAC3A}" srcId="{6D2CC768-3E33-4F7B-95A6-F8B5D99FAAB6}" destId="{DF234495-D462-42A0-AD2A-5683F2B37171}" srcOrd="0" destOrd="0" parTransId="{CB73BD98-86F0-4BC0-9721-B443A628322C}" sibTransId="{467FD0CC-0A50-4784-BB0B-BCDF7B94CA7B}"/>
+    <dgm:cxn modelId="{D9C9A4CE-07F6-44A8-AFE9-C052AE44ACA9}" type="presOf" srcId="{8C295AA0-4D6B-4843-90C3-D45AED6D2771}" destId="{BD90EC25-3BD4-41BE-A553-3DED4C733589}" srcOrd="1" destOrd="0" presId="urn:microsoft.com/office/officeart/2005/8/layout/orgChart1"/>
+    <dgm:cxn modelId="{4B5E72CF-9568-40C8-A29E-245C0D759C53}" srcId="{F35B1FDE-1D32-409D-8869-C586FCFB3EE3}" destId="{2CE0E597-FAB2-46AE-9A33-45BF2988F003}" srcOrd="0" destOrd="0" parTransId="{EDF1ED98-AFC7-4E5E-A55D-E58CFFF4B062}" sibTransId="{B72A75BD-AA85-4958-86D3-120D856CC03C}"/>
+    <dgm:cxn modelId="{B7C99CCF-DC62-40A3-B77E-213C83B14564}" type="presOf" srcId="{15954394-30B9-4560-8FBF-FA3A739237A6}" destId="{F9AD43D6-A6D4-49B9-BA3A-6B090E59A794}" srcOrd="0" destOrd="0" presId="urn:microsoft.com/office/officeart/2005/8/layout/orgChart1"/>
+    <dgm:cxn modelId="{859DC1D3-708B-4FBE-972F-58CBBB83BDD8}" srcId="{46743970-796F-4F7A-A879-ADB4B152B014}" destId="{A7FB965F-1B64-497E-A625-86C6397C32B7}" srcOrd="0" destOrd="0" parTransId="{94D5115E-F57A-40FE-9EE1-6604678FAA5D}" sibTransId="{9CE244F4-66E3-431C-BACA-0703FC6111A1}"/>
+    <dgm:cxn modelId="{19E673D5-37C5-4C4E-AAE8-A0573E24E0D3}" type="presOf" srcId="{EA268864-36F6-452A-A767-9892797D6AF5}" destId="{6EFE46E0-F517-414E-B8DF-959A0A699652}" srcOrd="1" destOrd="0" presId="urn:microsoft.com/office/officeart/2005/8/layout/orgChart1"/>
+    <dgm:cxn modelId="{D8660ED6-B732-4ED7-B4F6-1CD60F710E00}" srcId="{6B07255D-5A6B-4CD4-A55D-0F2A9238D38E}" destId="{8C295AA0-4D6B-4843-90C3-D45AED6D2771}" srcOrd="0" destOrd="0" parTransId="{F0CB39DE-3F95-4A98-8FFE-020DDF04E6D9}" sibTransId="{1F7F2966-7EAD-44F0-9C3F-C84E808414EA}"/>
+    <dgm:cxn modelId="{492DBFD6-6272-4247-A75B-3BEF9ACCBE60}" srcId="{0163EB49-FD8B-4057-AC00-7F54FB328CBE}" destId="{6B07255D-5A6B-4CD4-A55D-0F2A9238D38E}" srcOrd="0" destOrd="0" parTransId="{F6E2B095-DACD-4B3F-94C2-5E60879F7B9D}" sibTransId="{C09D2DF2-A793-4FC7-9625-D831D600D95D}"/>
+    <dgm:cxn modelId="{9A5DE1D9-36F8-41BC-B3F8-382143CE61B1}" srcId="{2CE0E597-FAB2-46AE-9A33-45BF2988F003}" destId="{EA268864-36F6-452A-A767-9892797D6AF5}" srcOrd="0" destOrd="0" parTransId="{64709110-64A0-4BE1-8579-9BEE5E5FD8EC}" sibTransId="{C4318188-F621-47FC-BB02-F62E3C63C068}"/>
+    <dgm:cxn modelId="{434D38DA-C7D3-4102-B5A3-F21B5DFD415C}" type="presOf" srcId="{A2B72887-7123-41B6-9F6A-F1256837E2D3}" destId="{FFA77138-7C6B-4E8F-96A7-FBF936A961B9}" srcOrd="0" destOrd="0" presId="urn:microsoft.com/office/officeart/2005/8/layout/orgChart1"/>
+    <dgm:cxn modelId="{C95112E8-FE3B-4D51-B760-BA45DC755006}" type="presOf" srcId="{DF234495-D462-42A0-AD2A-5683F2B37171}" destId="{5CACC183-9DB5-4E47-976D-49A4EAAB878B}" srcOrd="0" destOrd="0" presId="urn:microsoft.com/office/officeart/2005/8/layout/orgChart1"/>
+    <dgm:cxn modelId="{4F44ABEF-89FC-4D6A-ADB5-F41534BC9F74}" type="presOf" srcId="{A2B72887-7123-41B6-9F6A-F1256837E2D3}" destId="{027547FB-36D7-414F-924B-47485B8DB0CC}" srcOrd="1" destOrd="0" presId="urn:microsoft.com/office/officeart/2005/8/layout/orgChart1"/>
+    <dgm:cxn modelId="{F323A0F6-C51C-4E49-96D8-F656ADDE37FA}" type="presOf" srcId="{6D674622-31E7-419C-BB18-37CFBEFB29C7}" destId="{7D9EC23C-6F8B-4B5C-B55B-8BB1131B12B3}" srcOrd="0" destOrd="0" presId="urn:microsoft.com/office/officeart/2005/8/layout/orgChart1"/>
+    <dgm:cxn modelId="{E04DA2F6-5C54-4D49-8F9E-3E7D580A1157}" type="presOf" srcId="{F0CB39DE-3F95-4A98-8FFE-020DDF04E6D9}" destId="{B3116614-74BB-4C02-9007-2E3F673F839B}" srcOrd="0" destOrd="0" presId="urn:microsoft.com/office/officeart/2005/8/layout/orgChart1"/>
+    <dgm:cxn modelId="{3757DAF8-CA57-4C7E-BE6A-87F9441F8E7F}" type="presOf" srcId="{64709110-64A0-4BE1-8579-9BEE5E5FD8EC}" destId="{B3002096-2867-45D6-8069-2D466B5EC252}" srcOrd="0" destOrd="0" presId="urn:microsoft.com/office/officeart/2005/8/layout/orgChart1"/>
+    <dgm:cxn modelId="{BFDE37B9-F10B-470A-9426-F1111C0F34ED}" type="presParOf" srcId="{7CB0A49C-AE85-4912-BFE7-C55FF1B33E47}" destId="{EC19E403-E9A4-45FC-9A18-7CA221071416}" srcOrd="0" destOrd="0" presId="urn:microsoft.com/office/officeart/2005/8/layout/orgChart1"/>
+    <dgm:cxn modelId="{187608FD-55F0-407E-8620-59847409A223}" type="presParOf" srcId="{EC19E403-E9A4-45FC-9A18-7CA221071416}" destId="{340A4ADC-C838-4AC7-B1FB-58AF0D0FFB8E}" srcOrd="0" destOrd="0" presId="urn:microsoft.com/office/officeart/2005/8/layout/orgChart1"/>
+    <dgm:cxn modelId="{1326A85E-B575-4AE7-92DC-A5F95C2D1B63}" type="presParOf" srcId="{340A4ADC-C838-4AC7-B1FB-58AF0D0FFB8E}" destId="{5CACC183-9DB5-4E47-976D-49A4EAAB878B}" srcOrd="0" destOrd="0" presId="urn:microsoft.com/office/officeart/2005/8/layout/orgChart1"/>
+    <dgm:cxn modelId="{7F1A777F-E3AD-45C4-A96F-0BEFEE62AFE6}" type="presParOf" srcId="{340A4ADC-C838-4AC7-B1FB-58AF0D0FFB8E}" destId="{D7CA673E-1956-4CB6-9FE0-7DB114FFF39B}" srcOrd="1" destOrd="0" presId="urn:microsoft.com/office/officeart/2005/8/layout/orgChart1"/>
+    <dgm:cxn modelId="{27987626-CCA8-421A-9C44-D8383F8DB65E}" type="presParOf" srcId="{EC19E403-E9A4-45FC-9A18-7CA221071416}" destId="{9959B6FA-D86A-4F21-BCDB-E46A45C60B82}" srcOrd="1" destOrd="0" presId="urn:microsoft.com/office/officeart/2005/8/layout/orgChart1"/>
+    <dgm:cxn modelId="{13608036-8D17-4234-8740-F672CE21170F}" type="presParOf" srcId="{EC19E403-E9A4-45FC-9A18-7CA221071416}" destId="{82CE7623-D3B7-4715-B87E-A166A24A2581}" srcOrd="2" destOrd="0" presId="urn:microsoft.com/office/officeart/2005/8/layout/orgChart1"/>
+    <dgm:cxn modelId="{EE924D6F-64F1-4AA1-84A6-6A815E9BEF68}" type="presParOf" srcId="{82CE7623-D3B7-4715-B87E-A166A24A2581}" destId="{176C78C6-B520-4CD3-AA08-B146EA5B0019}" srcOrd="0" destOrd="0" presId="urn:microsoft.com/office/officeart/2005/8/layout/orgChart1"/>
+    <dgm:cxn modelId="{CC563231-D5AE-47CC-B5EE-DC124F5B7611}" type="presParOf" srcId="{82CE7623-D3B7-4715-B87E-A166A24A2581}" destId="{3CE6103A-6632-497B-B24E-FA8EFB81AE27}" srcOrd="1" destOrd="0" presId="urn:microsoft.com/office/officeart/2005/8/layout/orgChart1"/>
+    <dgm:cxn modelId="{4BA48C5A-2BB0-4E14-864C-A4DA4E057BE2}" type="presParOf" srcId="{3CE6103A-6632-497B-B24E-FA8EFB81AE27}" destId="{CF2794E0-071B-424C-831D-C78C290E5F6F}" srcOrd="0" destOrd="0" presId="urn:microsoft.com/office/officeart/2005/8/layout/orgChart1"/>
+    <dgm:cxn modelId="{B7F41D3B-10F7-4798-BD5E-C2E6F4113429}" type="presParOf" srcId="{CF2794E0-071B-424C-831D-C78C290E5F6F}" destId="{D432FF6F-D866-45BD-9C83-87B73B58484C}" srcOrd="0" destOrd="0" presId="urn:microsoft.com/office/officeart/2005/8/layout/orgChart1"/>
+    <dgm:cxn modelId="{CD0A4EF1-2041-4F31-8E48-0FAC54F75BE0}" type="presParOf" srcId="{CF2794E0-071B-424C-831D-C78C290E5F6F}" destId="{13094441-FAFE-4A43-B4B7-C5ABDBC0F3F1}" srcOrd="1" destOrd="0" presId="urn:microsoft.com/office/officeart/2005/8/layout/orgChart1"/>
+    <dgm:cxn modelId="{0504F9D6-2B0C-4C8B-BD11-A2680D2E06BE}" type="presParOf" srcId="{3CE6103A-6632-497B-B24E-FA8EFB81AE27}" destId="{C8AB06A3-7230-4142-8016-709E8FA77C27}" srcOrd="1" destOrd="0" presId="urn:microsoft.com/office/officeart/2005/8/layout/orgChart1"/>
+    <dgm:cxn modelId="{64C93007-8C99-47AC-86AA-21FD74E70E54}" type="presParOf" srcId="{3CE6103A-6632-497B-B24E-FA8EFB81AE27}" destId="{EDA66EF0-AD88-4D0C-9D36-B60CFAFEB007}" srcOrd="2" destOrd="0" presId="urn:microsoft.com/office/officeart/2005/8/layout/orgChart1"/>
+    <dgm:cxn modelId="{B5C9E098-9F74-40A2-BBE0-833E8BFE822B}" type="presParOf" srcId="{EDA66EF0-AD88-4D0C-9D36-B60CFAFEB007}" destId="{B3598354-D6C2-4A7B-BA63-37376C84C98C}" srcOrd="0" destOrd="0" presId="urn:microsoft.com/office/officeart/2005/8/layout/orgChart1"/>
+    <dgm:cxn modelId="{74BFF616-9981-471A-8A55-608104609867}" type="presParOf" srcId="{EDA66EF0-AD88-4D0C-9D36-B60CFAFEB007}" destId="{246CF9CF-DEA9-4C7A-85F1-CD2D0336AD1E}" srcOrd="1" destOrd="0" presId="urn:microsoft.com/office/officeart/2005/8/layout/orgChart1"/>
+    <dgm:cxn modelId="{63C69792-A679-4607-94A9-CD981F3DA5D5}" type="presParOf" srcId="{246CF9CF-DEA9-4C7A-85F1-CD2D0336AD1E}" destId="{734FBBE4-DB48-4EC5-9869-8ABAFB287AA1}" srcOrd="0" destOrd="0" presId="urn:microsoft.com/office/officeart/2005/8/layout/orgChart1"/>
+    <dgm:cxn modelId="{81AE9404-91DC-42AB-96A9-7E51ED018070}" type="presParOf" srcId="{734FBBE4-DB48-4EC5-9869-8ABAFB287AA1}" destId="{E1955E00-F1E7-49F2-B6B1-AE9A49CEC10A}" srcOrd="0" destOrd="0" presId="urn:microsoft.com/office/officeart/2005/8/layout/orgChart1"/>
+    <dgm:cxn modelId="{07ECEA18-1188-41BA-845B-C6AA19120959}" type="presParOf" srcId="{734FBBE4-DB48-4EC5-9869-8ABAFB287AA1}" destId="{1FA18BD3-A70A-4C10-8FAD-71202FDF9301}" srcOrd="1" destOrd="0" presId="urn:microsoft.com/office/officeart/2005/8/layout/orgChart1"/>
+    <dgm:cxn modelId="{E86E9350-12AD-4AE2-8EA8-363E61C2636C}" type="presParOf" srcId="{246CF9CF-DEA9-4C7A-85F1-CD2D0336AD1E}" destId="{5E1E3181-90C4-40E2-98F4-2DA46BB25208}" srcOrd="1" destOrd="0" presId="urn:microsoft.com/office/officeart/2005/8/layout/orgChart1"/>
+    <dgm:cxn modelId="{0A3B094A-FB0E-4411-B3A4-EEC649C0134D}" type="presParOf" srcId="{246CF9CF-DEA9-4C7A-85F1-CD2D0336AD1E}" destId="{D518F0B3-EDA7-4A97-B427-DF1F87B5B97E}" srcOrd="2" destOrd="0" presId="urn:microsoft.com/office/officeart/2005/8/layout/orgChart1"/>
+    <dgm:cxn modelId="{1098943B-6523-4E2C-899E-2F0D71C2F45E}" type="presParOf" srcId="{D518F0B3-EDA7-4A97-B427-DF1F87B5B97E}" destId="{B3002096-2867-45D6-8069-2D466B5EC252}" srcOrd="0" destOrd="0" presId="urn:microsoft.com/office/officeart/2005/8/layout/orgChart1"/>
+    <dgm:cxn modelId="{E08E855D-E948-4C6C-8BC4-D9E60C2F2DDB}" type="presParOf" srcId="{D518F0B3-EDA7-4A97-B427-DF1F87B5B97E}" destId="{9540C59D-C9D0-4561-9324-FB41BBC79445}" srcOrd="1" destOrd="0" presId="urn:microsoft.com/office/officeart/2005/8/layout/orgChart1"/>
+    <dgm:cxn modelId="{8A50B885-6008-49E1-9F3D-7F3EE61D9928}" type="presParOf" srcId="{9540C59D-C9D0-4561-9324-FB41BBC79445}" destId="{B3F65FBE-1252-4229-A08B-40F9BB65D664}" srcOrd="0" destOrd="0" presId="urn:microsoft.com/office/officeart/2005/8/layout/orgChart1"/>
+    <dgm:cxn modelId="{5940DBAB-164A-4279-BFFD-E1FE1D14C37D}" type="presParOf" srcId="{B3F65FBE-1252-4229-A08B-40F9BB65D664}" destId="{37F41527-BE7B-4687-BF8F-C3353C994091}" srcOrd="0" destOrd="0" presId="urn:microsoft.com/office/officeart/2005/8/layout/orgChart1"/>
+    <dgm:cxn modelId="{F1FE3046-4842-4E36-882A-5183B615A3BD}" type="presParOf" srcId="{B3F65FBE-1252-4229-A08B-40F9BB65D664}" destId="{6EFE46E0-F517-414E-B8DF-959A0A699652}" srcOrd="1" destOrd="0" presId="urn:microsoft.com/office/officeart/2005/8/layout/orgChart1"/>
+    <dgm:cxn modelId="{3296C9C9-C326-4A9C-AC9A-2FABF9C539E9}" type="presParOf" srcId="{9540C59D-C9D0-4561-9324-FB41BBC79445}" destId="{E324A8F9-EE5D-43DC-B8FD-C3B4CF3BF2D0}" srcOrd="1" destOrd="0" presId="urn:microsoft.com/office/officeart/2005/8/layout/orgChart1"/>
+    <dgm:cxn modelId="{173777D9-4060-42AA-8382-5565EC5F16A0}" type="presParOf" srcId="{9540C59D-C9D0-4561-9324-FB41BBC79445}" destId="{22F82BFD-9421-4BE6-8CAF-90CC4DF2049A}" srcOrd="2" destOrd="0" presId="urn:microsoft.com/office/officeart/2005/8/layout/orgChart1"/>
+    <dgm:cxn modelId="{52EF5FB8-CE2D-4BB6-9090-4EB2D3609542}" type="presParOf" srcId="{D518F0B3-EDA7-4A97-B427-DF1F87B5B97E}" destId="{240D1F81-E605-4E7F-8169-A1172ED9846F}" srcOrd="2" destOrd="0" presId="urn:microsoft.com/office/officeart/2005/8/layout/orgChart1"/>
+    <dgm:cxn modelId="{975E2088-59B5-4C8F-BD18-40B265A80218}" type="presParOf" srcId="{D518F0B3-EDA7-4A97-B427-DF1F87B5B97E}" destId="{0B92E0CC-36AA-4A8D-A717-A4B6DB3962F1}" srcOrd="3" destOrd="0" presId="urn:microsoft.com/office/officeart/2005/8/layout/orgChart1"/>
+    <dgm:cxn modelId="{54E97CFC-93BC-47B3-8EDE-5E1E7CF7EACD}" type="presParOf" srcId="{0B92E0CC-36AA-4A8D-A717-A4B6DB3962F1}" destId="{6F76240C-FE04-4B64-8752-833FC10531F9}" srcOrd="0" destOrd="0" presId="urn:microsoft.com/office/officeart/2005/8/layout/orgChart1"/>
+    <dgm:cxn modelId="{FF7D5116-D403-4265-A046-03CA32D2F72D}" type="presParOf" srcId="{6F76240C-FE04-4B64-8752-833FC10531F9}" destId="{658B21A5-0E22-4E2A-A939-3E53F69BD1E7}" srcOrd="0" destOrd="0" presId="urn:microsoft.com/office/officeart/2005/8/layout/orgChart1"/>
+    <dgm:cxn modelId="{6BE0DF9A-5A6A-4695-802E-4FAF8B2BDE59}" type="presParOf" srcId="{6F76240C-FE04-4B64-8752-833FC10531F9}" destId="{53CCC991-5DA8-4C77-9FA7-2C5083F56496}" srcOrd="1" destOrd="0" presId="urn:microsoft.com/office/officeart/2005/8/layout/orgChart1"/>
+    <dgm:cxn modelId="{8733401C-0C19-4DCF-8D05-4377D7943934}" type="presParOf" srcId="{0B92E0CC-36AA-4A8D-A717-A4B6DB3962F1}" destId="{67AED89F-AFCA-4F76-8ACB-5E89C92896DA}" srcOrd="1" destOrd="0" presId="urn:microsoft.com/office/officeart/2005/8/layout/orgChart1"/>
+    <dgm:cxn modelId="{FF377C22-4692-496A-81B2-81533B0CD812}" type="presParOf" srcId="{0B92E0CC-36AA-4A8D-A717-A4B6DB3962F1}" destId="{35857221-42FA-45AD-BD62-6F4A087E90F0}" srcOrd="2" destOrd="0" presId="urn:microsoft.com/office/officeart/2005/8/layout/orgChart1"/>
+    <dgm:cxn modelId="{ECFD9CF9-4578-41F7-8971-45BAAB22AF2B}" type="presParOf" srcId="{EDA66EF0-AD88-4D0C-9D36-B60CFAFEB007}" destId="{148F80BB-6684-4E62-8F6E-7FF0311EA8E1}" srcOrd="2" destOrd="0" presId="urn:microsoft.com/office/officeart/2005/8/layout/orgChart1"/>
+    <dgm:cxn modelId="{8A53FBB1-1327-45C1-81F9-1C3EC3998176}" type="presParOf" srcId="{EDA66EF0-AD88-4D0C-9D36-B60CFAFEB007}" destId="{403CB6D2-2E6B-48C5-8BA0-B05D6BEAA54A}" srcOrd="3" destOrd="0" presId="urn:microsoft.com/office/officeart/2005/8/layout/orgChart1"/>
+    <dgm:cxn modelId="{0AFBA123-3D6C-4372-8BED-0A14FC4FCD9E}" type="presParOf" srcId="{403CB6D2-2E6B-48C5-8BA0-B05D6BEAA54A}" destId="{9992C12C-DD2A-4E40-9034-9065071A5C77}" srcOrd="0" destOrd="0" presId="urn:microsoft.com/office/officeart/2005/8/layout/orgChart1"/>
+    <dgm:cxn modelId="{D1165ABB-4616-4AC7-A27E-684AD14465E6}" type="presParOf" srcId="{9992C12C-DD2A-4E40-9034-9065071A5C77}" destId="{7D9EC23C-6F8B-4B5C-B55B-8BB1131B12B3}" srcOrd="0" destOrd="0" presId="urn:microsoft.com/office/officeart/2005/8/layout/orgChart1"/>
+    <dgm:cxn modelId="{6BF8E8A0-54F4-4BA6-822B-1DC1CB4603FE}" type="presParOf" srcId="{9992C12C-DD2A-4E40-9034-9065071A5C77}" destId="{CE10EB13-53E0-40B6-A3AC-4B2476C9964D}" srcOrd="1" destOrd="0" presId="urn:microsoft.com/office/officeart/2005/8/layout/orgChart1"/>
+    <dgm:cxn modelId="{99A509F8-63D8-44E4-BB13-FDE4A16CDB53}" type="presParOf" srcId="{403CB6D2-2E6B-48C5-8BA0-B05D6BEAA54A}" destId="{C5567ADB-A83F-4C5B-AFDF-2943BC6F1034}" srcOrd="1" destOrd="0" presId="urn:microsoft.com/office/officeart/2005/8/layout/orgChart1"/>
+    <dgm:cxn modelId="{54B29871-5125-4831-86F7-1C4EEFDBD279}" type="presParOf" srcId="{403CB6D2-2E6B-48C5-8BA0-B05D6BEAA54A}" destId="{544848E6-201D-49BA-B605-36BC8D556FA3}" srcOrd="2" destOrd="0" presId="urn:microsoft.com/office/officeart/2005/8/layout/orgChart1"/>
+    <dgm:cxn modelId="{1EE72695-3CC9-4184-A196-56FEA83EF35C}" type="presParOf" srcId="{544848E6-201D-49BA-B605-36BC8D556FA3}" destId="{0CAE7EAD-69D8-4563-ACAD-C4E5A11B6CD4}" srcOrd="0" destOrd="0" presId="urn:microsoft.com/office/officeart/2005/8/layout/orgChart1"/>
+    <dgm:cxn modelId="{E380433F-9B3E-496A-81F3-F19EFD00687D}" type="presParOf" srcId="{544848E6-201D-49BA-B605-36BC8D556FA3}" destId="{EE91C983-9195-4392-AF5B-D98B75460070}" srcOrd="1" destOrd="0" presId="urn:microsoft.com/office/officeart/2005/8/layout/orgChart1"/>
+    <dgm:cxn modelId="{B9054C22-4A08-48A3-9A8B-FFEE51F7D865}" type="presParOf" srcId="{EE91C983-9195-4392-AF5B-D98B75460070}" destId="{8B9F85F0-F23F-49A7-A772-D27187AE51F4}" srcOrd="0" destOrd="0" presId="urn:microsoft.com/office/officeart/2005/8/layout/orgChart1"/>
+    <dgm:cxn modelId="{5EB1C3E8-8153-42E7-809A-E37661300F79}" type="presParOf" srcId="{8B9F85F0-F23F-49A7-A772-D27187AE51F4}" destId="{FFA77138-7C6B-4E8F-96A7-FBF936A961B9}" srcOrd="0" destOrd="0" presId="urn:microsoft.com/office/officeart/2005/8/layout/orgChart1"/>
+    <dgm:cxn modelId="{A99DF058-C091-4ABD-B7A0-53D7A7D3F8F8}" type="presParOf" srcId="{8B9F85F0-F23F-49A7-A772-D27187AE51F4}" destId="{027547FB-36D7-414F-924B-47485B8DB0CC}" srcOrd="1" destOrd="0" presId="urn:microsoft.com/office/officeart/2005/8/layout/orgChart1"/>
+    <dgm:cxn modelId="{96039A25-8BC4-477E-86A8-C99C7559980F}" type="presParOf" srcId="{EE91C983-9195-4392-AF5B-D98B75460070}" destId="{768D4ACA-7265-48A0-891C-ED3B2A292746}" srcOrd="1" destOrd="0" presId="urn:microsoft.com/office/officeart/2005/8/layout/orgChart1"/>
+    <dgm:cxn modelId="{5CF7B170-C079-4CCB-A960-3057B1E92E55}" type="presParOf" srcId="{EE91C983-9195-4392-AF5B-D98B75460070}" destId="{7B369AB1-72FF-4660-ACE7-7C452D23FA15}" srcOrd="2" destOrd="0" presId="urn:microsoft.com/office/officeart/2005/8/layout/orgChart1"/>
+    <dgm:cxn modelId="{4E693544-E9D7-406E-91DD-69BAEDE38021}" type="presParOf" srcId="{544848E6-201D-49BA-B605-36BC8D556FA3}" destId="{701355B2-AD5B-4471-8CFA-CBBE73437DC3}" srcOrd="2" destOrd="0" presId="urn:microsoft.com/office/officeart/2005/8/layout/orgChart1"/>
+    <dgm:cxn modelId="{D4854D79-A95E-4701-AA7F-84AEB2552EE9}" type="presParOf" srcId="{544848E6-201D-49BA-B605-36BC8D556FA3}" destId="{132D7EA8-6DE6-47B1-9654-2FF99101D312}" srcOrd="3" destOrd="0" presId="urn:microsoft.com/office/officeart/2005/8/layout/orgChart1"/>
+    <dgm:cxn modelId="{F730AB1E-029E-4DCA-A718-930C253F5496}" type="presParOf" srcId="{132D7EA8-6DE6-47B1-9654-2FF99101D312}" destId="{A0A46F81-E73C-4029-879C-71CCDC35025B}" srcOrd="0" destOrd="0" presId="urn:microsoft.com/office/officeart/2005/8/layout/orgChart1"/>
+    <dgm:cxn modelId="{3AD94341-093E-4239-881F-38478FB70110}" type="presParOf" srcId="{A0A46F81-E73C-4029-879C-71CCDC35025B}" destId="{B05913EA-5DCF-4BE4-A07D-EBF0956CDFCC}" srcOrd="0" destOrd="0" presId="urn:microsoft.com/office/officeart/2005/8/layout/orgChart1"/>
+    <dgm:cxn modelId="{7FB80FE4-2BD5-45F2-973B-8E288E670929}" type="presParOf" srcId="{A0A46F81-E73C-4029-879C-71CCDC35025B}" destId="{77415BF9-DE9D-48C4-A846-494E6EF8EE97}" srcOrd="1" destOrd="0" presId="urn:microsoft.com/office/officeart/2005/8/layout/orgChart1"/>
+    <dgm:cxn modelId="{5604A659-7AF5-48BC-938F-B0F2C6AE70A0}" type="presParOf" srcId="{132D7EA8-6DE6-47B1-9654-2FF99101D312}" destId="{AD3D2FA2-B604-4EF9-8EBF-B30948A1000A}" srcOrd="1" destOrd="0" presId="urn:microsoft.com/office/officeart/2005/8/layout/orgChart1"/>
+    <dgm:cxn modelId="{FE49DB81-DD19-4446-8114-EEB76453C701}" type="presParOf" srcId="{132D7EA8-6DE6-47B1-9654-2FF99101D312}" destId="{58B32939-4F86-4F01-958D-A62658D39CA1}" srcOrd="2" destOrd="0" presId="urn:microsoft.com/office/officeart/2005/8/layout/orgChart1"/>
+    <dgm:cxn modelId="{CD7F701A-0685-4704-AEFA-77D992E88E67}" type="presParOf" srcId="{82CE7623-D3B7-4715-B87E-A166A24A2581}" destId="{CAFB129D-63EF-4F62-BAB8-23BF81CE42F4}" srcOrd="2" destOrd="0" presId="urn:microsoft.com/office/officeart/2005/8/layout/orgChart1"/>
+    <dgm:cxn modelId="{5EBC8615-B3A8-4D7B-9D88-0961568983D9}" type="presParOf" srcId="{82CE7623-D3B7-4715-B87E-A166A24A2581}" destId="{ED501AF7-4F65-4517-98DB-AD0C96CC3910}" srcOrd="3" destOrd="0" presId="urn:microsoft.com/office/officeart/2005/8/layout/orgChart1"/>
+    <dgm:cxn modelId="{766548C6-870D-4ACB-B304-B433CF15DB18}" type="presParOf" srcId="{ED501AF7-4F65-4517-98DB-AD0C96CC3910}" destId="{BDC2095E-52C1-429C-AD2D-09F19B8648EB}" srcOrd="0" destOrd="0" presId="urn:microsoft.com/office/officeart/2005/8/layout/orgChart1"/>
+    <dgm:cxn modelId="{FCC20E05-775F-4B23-A081-11D3006167F5}" type="presParOf" srcId="{BDC2095E-52C1-429C-AD2D-09F19B8648EB}" destId="{2EC4DB48-1859-4E9A-B760-1A9C10F157D4}" srcOrd="0" destOrd="0" presId="urn:microsoft.com/office/officeart/2005/8/layout/orgChart1"/>
+    <dgm:cxn modelId="{B5C23F0E-6EE1-42E5-B586-43FACAF8F9E2}" type="presParOf" srcId="{BDC2095E-52C1-429C-AD2D-09F19B8648EB}" destId="{09887A68-2D49-40F8-9F9B-52DB5840B25B}" srcOrd="1" destOrd="0" presId="urn:microsoft.com/office/officeart/2005/8/layout/orgChart1"/>
+    <dgm:cxn modelId="{8D7C0A11-21CA-492B-AC6F-88514A33DBF2}" type="presParOf" srcId="{ED501AF7-4F65-4517-98DB-AD0C96CC3910}" destId="{0863B438-7D11-46C5-949A-0CF5E495C16C}" srcOrd="1" destOrd="0" presId="urn:microsoft.com/office/officeart/2005/8/layout/orgChart1"/>
+    <dgm:cxn modelId="{9B850D28-533B-4133-BAC9-A239815D7DE6}" type="presParOf" srcId="{ED501AF7-4F65-4517-98DB-AD0C96CC3910}" destId="{3B0EAE57-3192-4561-9B8C-3DBF01D91EF1}" srcOrd="2" destOrd="0" presId="urn:microsoft.com/office/officeart/2005/8/layout/orgChart1"/>
+    <dgm:cxn modelId="{36FEF231-483A-4A2C-AB7F-7BE74507D686}" type="presParOf" srcId="{3B0EAE57-3192-4561-9B8C-3DBF01D91EF1}" destId="{966D76F2-A9A2-4076-9380-C39D47F82B01}" srcOrd="0" destOrd="0" presId="urn:microsoft.com/office/officeart/2005/8/layout/orgChart1"/>
+    <dgm:cxn modelId="{055A63C5-4D5E-49C1-9426-09EC94B07DAC}" type="presParOf" srcId="{3B0EAE57-3192-4561-9B8C-3DBF01D91EF1}" destId="{A9492E78-A36A-4C40-B827-14C8E48C59A9}" srcOrd="1" destOrd="0" presId="urn:microsoft.com/office/officeart/2005/8/layout/orgChart1"/>
+    <dgm:cxn modelId="{C4792F6D-4096-4A95-BD20-1F9E8316807C}" type="presParOf" srcId="{A9492E78-A36A-4C40-B827-14C8E48C59A9}" destId="{AA6E1334-112C-4CB1-A392-C9C5950E27DA}" srcOrd="0" destOrd="0" presId="urn:microsoft.com/office/officeart/2005/8/layout/orgChart1"/>
+    <dgm:cxn modelId="{5FFB05C5-C564-4188-8701-695504ABDA07}" type="presParOf" srcId="{AA6E1334-112C-4CB1-A392-C9C5950E27DA}" destId="{87D7A803-3C33-4ECD-8295-7578CF5A526E}" srcOrd="0" destOrd="0" presId="urn:microsoft.com/office/officeart/2005/8/layout/orgChart1"/>
+    <dgm:cxn modelId="{A8345845-85DA-4F08-8A42-7B89E5152117}" type="presParOf" srcId="{AA6E1334-112C-4CB1-A392-C9C5950E27DA}" destId="{80167625-3586-4C55-ACBB-B7ADEE49E391}" srcOrd="1" destOrd="0" presId="urn:microsoft.com/office/officeart/2005/8/layout/orgChart1"/>
+    <dgm:cxn modelId="{4F20BC66-2AA1-4BF3-97F3-97824BED0F40}" type="presParOf" srcId="{A9492E78-A36A-4C40-B827-14C8E48C59A9}" destId="{E3BC665E-7270-4D24-ADF3-9FA457F9FA05}" srcOrd="1" destOrd="0" presId="urn:microsoft.com/office/officeart/2005/8/layout/orgChart1"/>
+    <dgm:cxn modelId="{2EB46549-0BA4-4483-B6F7-7A31A93DACB5}" type="presParOf" srcId="{A9492E78-A36A-4C40-B827-14C8E48C59A9}" destId="{E229DA1B-F99F-4976-B3B4-73408FD8CB0D}" srcOrd="2" destOrd="0" presId="urn:microsoft.com/office/officeart/2005/8/layout/orgChart1"/>
+    <dgm:cxn modelId="{CA6F5594-B75F-4F79-840D-5AFA71FDCF79}" type="presParOf" srcId="{E229DA1B-F99F-4976-B3B4-73408FD8CB0D}" destId="{B3116614-74BB-4C02-9007-2E3F673F839B}" srcOrd="0" destOrd="0" presId="urn:microsoft.com/office/officeart/2005/8/layout/orgChart1"/>
+    <dgm:cxn modelId="{6F623FCF-6583-4E8D-AFCC-22601AEAF57A}" type="presParOf" srcId="{E229DA1B-F99F-4976-B3B4-73408FD8CB0D}" destId="{A8E068D9-7840-4165-9A75-BF7975C52D84}" srcOrd="1" destOrd="0" presId="urn:microsoft.com/office/officeart/2005/8/layout/orgChart1"/>
+    <dgm:cxn modelId="{49254944-265E-4170-BCA5-B9F3FD6721F6}" type="presParOf" srcId="{A8E068D9-7840-4165-9A75-BF7975C52D84}" destId="{64E1AE92-AF54-40EB-A91D-B83C68F6D02C}" srcOrd="0" destOrd="0" presId="urn:microsoft.com/office/officeart/2005/8/layout/orgChart1"/>
+    <dgm:cxn modelId="{D0C470D5-9747-4C73-905C-2994D8A61D22}" type="presParOf" srcId="{64E1AE92-AF54-40EB-A91D-B83C68F6D02C}" destId="{0C88E0C5-9A04-441D-8C3A-BE90E4F663F5}" srcOrd="0" destOrd="0" presId="urn:microsoft.com/office/officeart/2005/8/layout/orgChart1"/>
+    <dgm:cxn modelId="{D7DB9B4C-9280-4B9E-B953-B4A74AFC16E4}" type="presParOf" srcId="{64E1AE92-AF54-40EB-A91D-B83C68F6D02C}" destId="{BD90EC25-3BD4-41BE-A553-3DED4C733589}" srcOrd="1" destOrd="0" presId="urn:microsoft.com/office/officeart/2005/8/layout/orgChart1"/>
+    <dgm:cxn modelId="{027E66FA-489D-40E5-89CB-EB2141978561}" type="presParOf" srcId="{A8E068D9-7840-4165-9A75-BF7975C52D84}" destId="{419CCD56-51C9-43F3-A900-C159CC98B614}" srcOrd="1" destOrd="0" presId="urn:microsoft.com/office/officeart/2005/8/layout/orgChart1"/>
+    <dgm:cxn modelId="{A17AC3A6-5F4B-4A77-BBCE-D4C53E88BDBF}" type="presParOf" srcId="{A8E068D9-7840-4165-9A75-BF7975C52D84}" destId="{C8CA321A-1943-4B8A-A564-6E1F7462BA2A}" srcOrd="2" destOrd="0" presId="urn:microsoft.com/office/officeart/2005/8/layout/orgChart1"/>
+    <dgm:cxn modelId="{BAA8FDAC-577F-4566-899B-D9DAC6F9ADE3}" type="presParOf" srcId="{E229DA1B-F99F-4976-B3B4-73408FD8CB0D}" destId="{5E270EDD-E070-4168-808D-E5A31CAB39DF}" srcOrd="2" destOrd="0" presId="urn:microsoft.com/office/officeart/2005/8/layout/orgChart1"/>
+    <dgm:cxn modelId="{D5C68524-E214-4A66-88D7-BEAB1F82151B}" type="presParOf" srcId="{E229DA1B-F99F-4976-B3B4-73408FD8CB0D}" destId="{08D3B834-44EA-4016-B17C-5A931C90E442}" srcOrd="3" destOrd="0" presId="urn:microsoft.com/office/officeart/2005/8/layout/orgChart1"/>
+    <dgm:cxn modelId="{E9575B6B-D42F-4DA0-A5F6-24B511C464F0}" type="presParOf" srcId="{08D3B834-44EA-4016-B17C-5A931C90E442}" destId="{189151BC-A733-4565-9CDC-AA3622FEE4B2}" srcOrd="0" destOrd="0" presId="urn:microsoft.com/office/officeart/2005/8/layout/orgChart1"/>
+    <dgm:cxn modelId="{EF8348AC-4E15-40EE-8C5C-C9A125901B6D}" type="presParOf" srcId="{189151BC-A733-4565-9CDC-AA3622FEE4B2}" destId="{D7FFEBC9-F48C-4D09-B37A-0031D79C7B82}" srcOrd="0" destOrd="0" presId="urn:microsoft.com/office/officeart/2005/8/layout/orgChart1"/>
+    <dgm:cxn modelId="{89C96492-5375-4C99-A83F-5549CCA9685A}" type="presParOf" srcId="{189151BC-A733-4565-9CDC-AA3622FEE4B2}" destId="{9597DDAC-B6D1-424E-B55C-03DCFAA9B786}" srcOrd="1" destOrd="0" presId="urn:microsoft.com/office/officeart/2005/8/layout/orgChart1"/>
+    <dgm:cxn modelId="{9EAE46A8-1166-4CA3-95BA-0357233FA3DE}" type="presParOf" srcId="{08D3B834-44EA-4016-B17C-5A931C90E442}" destId="{FF78D9B0-BCE1-414D-9948-D85B2DECA8BF}" srcOrd="1" destOrd="0" presId="urn:microsoft.com/office/officeart/2005/8/layout/orgChart1"/>
+    <dgm:cxn modelId="{BCC68285-E8CB-469C-BF81-AD8E3E8A9C7A}" type="presParOf" srcId="{08D3B834-44EA-4016-B17C-5A931C90E442}" destId="{1B7F9457-905C-454C-AB49-90E3FE92A442}" srcOrd="2" destOrd="0" presId="urn:microsoft.com/office/officeart/2005/8/layout/orgChart1"/>
+    <dgm:cxn modelId="{BCC56473-16F7-4582-9B19-113ABB9F367F}" type="presParOf" srcId="{3B0EAE57-3192-4561-9B8C-3DBF01D91EF1}" destId="{FE793A0D-4283-4210-A83E-BE1396128707}" srcOrd="2" destOrd="0" presId="urn:microsoft.com/office/officeart/2005/8/layout/orgChart1"/>
+    <dgm:cxn modelId="{A545DA41-3529-4ACC-A742-7E13462EC146}" type="presParOf" srcId="{3B0EAE57-3192-4561-9B8C-3DBF01D91EF1}" destId="{858D828A-D737-4452-925D-AC814A8E88FB}" srcOrd="3" destOrd="0" presId="urn:microsoft.com/office/officeart/2005/8/layout/orgChart1"/>
+    <dgm:cxn modelId="{B5A44C5D-12AA-4D28-8C5F-21A09269E056}" type="presParOf" srcId="{858D828A-D737-4452-925D-AC814A8E88FB}" destId="{6BE0E2FC-F603-4E39-9BA4-2C67A8B850C2}" srcOrd="0" destOrd="0" presId="urn:microsoft.com/office/officeart/2005/8/layout/orgChart1"/>
+    <dgm:cxn modelId="{D14FF807-7843-4427-B74F-A405745BE74B}" type="presParOf" srcId="{6BE0E2FC-F603-4E39-9BA4-2C67A8B850C2}" destId="{4191F868-E4B9-4CD3-8035-0656BB7B25C6}" srcOrd="0" destOrd="0" presId="urn:microsoft.com/office/officeart/2005/8/layout/orgChart1"/>
+    <dgm:cxn modelId="{BE205A2F-70EA-4907-8553-57B2866023E6}" type="presParOf" srcId="{6BE0E2FC-F603-4E39-9BA4-2C67A8B850C2}" destId="{CF0D9248-D255-4730-B941-08D8505D8807}" srcOrd="1" destOrd="0" presId="urn:microsoft.com/office/officeart/2005/8/layout/orgChart1"/>
+    <dgm:cxn modelId="{447C6B8F-9DB4-42CA-B9DC-AD701EA51B97}" type="presParOf" srcId="{858D828A-D737-4452-925D-AC814A8E88FB}" destId="{B717321C-D85F-49BC-8193-3E7E2C837107}" srcOrd="1" destOrd="0" presId="urn:microsoft.com/office/officeart/2005/8/layout/orgChart1"/>
+    <dgm:cxn modelId="{A7103683-447B-44B2-86E4-66532FC7333D}" type="presParOf" srcId="{858D828A-D737-4452-925D-AC814A8E88FB}" destId="{0D7A6DCF-1DBE-496F-B406-C4DCF23EB34A}" srcOrd="2" destOrd="0" presId="urn:microsoft.com/office/officeart/2005/8/layout/orgChart1"/>
+    <dgm:cxn modelId="{F7C8581C-2BE7-4B49-8AF1-01DD9B93DD1A}" type="presParOf" srcId="{0D7A6DCF-1DBE-496F-B406-C4DCF23EB34A}" destId="{69061E62-2D4D-41E6-AE76-C24509733244}" srcOrd="0" destOrd="0" presId="urn:microsoft.com/office/officeart/2005/8/layout/orgChart1"/>
+    <dgm:cxn modelId="{B7D6E87C-66BA-4E24-AC1D-A95A7FB2BB57}" type="presParOf" srcId="{0D7A6DCF-1DBE-496F-B406-C4DCF23EB34A}" destId="{0D8875DC-1A85-42CA-96D7-C1918BA58D75}" srcOrd="1" destOrd="0" presId="urn:microsoft.com/office/officeart/2005/8/layout/orgChart1"/>
+    <dgm:cxn modelId="{968FB11E-7587-482D-80EF-1A50AE08E0AC}" type="presParOf" srcId="{0D8875DC-1A85-42CA-96D7-C1918BA58D75}" destId="{29AF3D8C-A040-4051-A57E-8ED97FA7D361}" srcOrd="0" destOrd="0" presId="urn:microsoft.com/office/officeart/2005/8/layout/orgChart1"/>
+    <dgm:cxn modelId="{94485AAB-4508-4411-9023-7B99CC4E0824}" type="presParOf" srcId="{29AF3D8C-A040-4051-A57E-8ED97FA7D361}" destId="{E25C63F8-79C2-4428-981E-9C8DE12C9A7E}" srcOrd="0" destOrd="0" presId="urn:microsoft.com/office/officeart/2005/8/layout/orgChart1"/>
+    <dgm:cxn modelId="{95D56AB1-F0FF-4B8B-91D7-F6FAFF7EA82F}" type="presParOf" srcId="{29AF3D8C-A040-4051-A57E-8ED97FA7D361}" destId="{9DC969DA-3E1A-4C93-9DB4-67512C08ADBC}" srcOrd="1" destOrd="0" presId="urn:microsoft.com/office/officeart/2005/8/layout/orgChart1"/>
+    <dgm:cxn modelId="{EA7FF1B6-04C8-43D0-B812-72B25C37886E}" type="presParOf" srcId="{0D8875DC-1A85-42CA-96D7-C1918BA58D75}" destId="{CAEC5407-CC80-4A31-A3DC-F6084EDE7084}" srcOrd="1" destOrd="0" presId="urn:microsoft.com/office/officeart/2005/8/layout/orgChart1"/>
+    <dgm:cxn modelId="{CD290186-6B0D-4361-A9AE-1EB24E24DBAE}" type="presParOf" srcId="{0D8875DC-1A85-42CA-96D7-C1918BA58D75}" destId="{B15DDE2A-A59B-4573-99DF-BDF26F86DE25}" srcOrd="2" destOrd="0" presId="urn:microsoft.com/office/officeart/2005/8/layout/orgChart1"/>
+    <dgm:cxn modelId="{4A219203-DCC1-4CB5-8C38-91B7996C5E68}" type="presParOf" srcId="{0D7A6DCF-1DBE-496F-B406-C4DCF23EB34A}" destId="{F9AD43D6-A6D4-49B9-BA3A-6B090E59A794}" srcOrd="2" destOrd="0" presId="urn:microsoft.com/office/officeart/2005/8/layout/orgChart1"/>
+    <dgm:cxn modelId="{516199A8-BA75-4F0E-B91D-3E22D35A837D}" type="presParOf" srcId="{0D7A6DCF-1DBE-496F-B406-C4DCF23EB34A}" destId="{55FCE68E-2C34-4D3A-9967-45F2E6CCC5F3}" srcOrd="3" destOrd="0" presId="urn:microsoft.com/office/officeart/2005/8/layout/orgChart1"/>
+    <dgm:cxn modelId="{D9765DDB-F7EC-40FB-BB52-3DAFE50252A3}" type="presParOf" srcId="{55FCE68E-2C34-4D3A-9967-45F2E6CCC5F3}" destId="{CCA71B52-1CC9-4E5C-A485-9F07C0C37486}" srcOrd="0" destOrd="0" presId="urn:microsoft.com/office/officeart/2005/8/layout/orgChart1"/>
+    <dgm:cxn modelId="{84D1CC77-EF8D-402E-ABFE-72059AC286C7}" type="presParOf" srcId="{CCA71B52-1CC9-4E5C-A485-9F07C0C37486}" destId="{EB3F80F7-7EF5-4331-8E24-D336342F0E06}" srcOrd="0" destOrd="0" presId="urn:microsoft.com/office/officeart/2005/8/layout/orgChart1"/>
+    <dgm:cxn modelId="{068076E8-A79A-4C4C-B62A-3B9CCC5BBD92}" type="presParOf" srcId="{CCA71B52-1CC9-4E5C-A485-9F07C0C37486}" destId="{090338D9-6B05-43BA-AA10-71C3C7381F7F}" srcOrd="1" destOrd="0" presId="urn:microsoft.com/office/officeart/2005/8/layout/orgChart1"/>
+    <dgm:cxn modelId="{EA07F53B-A6D8-4F7D-86F0-9FDC474DDDA6}" type="presParOf" srcId="{55FCE68E-2C34-4D3A-9967-45F2E6CCC5F3}" destId="{75824266-85D1-4A3E-A188-470A8EF5924C}" srcOrd="1" destOrd="0" presId="urn:microsoft.com/office/officeart/2005/8/layout/orgChart1"/>
+    <dgm:cxn modelId="{A8593013-0612-4EE2-9F54-D9085A1F3EC0}" type="presParOf" srcId="{55FCE68E-2C34-4D3A-9967-45F2E6CCC5F3}" destId="{241C7C51-7AA9-4EE7-9B4E-600175FE6D11}" srcOrd="2" destOrd="0" presId="urn:microsoft.com/office/officeart/2005/8/layout/orgChart1"/>
+  </dgm:cxnLst>
+  <dgm:bg/>
+  <dgm:whole/>
+  <dgm:extLst>
+    <a:ext uri="http://schemas.microsoft.com/office/drawing/2008/diagram">
+      <dsp:dataModelExt xmlns:dsp="http://schemas.microsoft.com/office/drawing/2008/diagram" relId="rId6" minVer="http://schemas.openxmlformats.org/drawingml/2006/diagram"/>
+    </a:ext>
+  </dgm:extLst>
+</dgm:dataModel>
+</file>
+
+<file path=ppt/diagrams/drawing1.xml><?xml version="1.0" encoding="utf-8"?>
+<dsp:drawing xmlns:dgm="http://schemas.openxmlformats.org/drawingml/2006/diagram" xmlns:dsp="http://schemas.microsoft.com/office/drawing/2008/diagram" xmlns:a="http://schemas.openxmlformats.org/drawingml/2006/main">
+  <dsp:spTree>
+    <dsp:nvGrpSpPr>
+      <dsp:cNvPr id="0" name=""/>
+      <dsp:cNvGrpSpPr/>
+    </dsp:nvGrpSpPr>
+    <dsp:grpSpPr/>
+    <dsp:sp modelId="{F9AD43D6-A6D4-49B9-BA3A-6B090E59A794}">
+      <dsp:nvSpPr>
+        <dsp:cNvPr id="0" name=""/>
+        <dsp:cNvSpPr/>
+      </dsp:nvSpPr>
+      <dsp:spPr>
+        <a:xfrm>
+          <a:off x="7931605" y="3664316"/>
+          <a:ext cx="99556" cy="436153"/>
+        </a:xfrm>
+        <a:custGeom>
+          <a:avLst/>
+          <a:gdLst/>
+          <a:ahLst/>
+          <a:cxnLst/>
+          <a:rect l="0" t="0" r="0" b="0"/>
+          <a:pathLst>
+            <a:path>
+              <a:moveTo>
+                <a:pt x="0" y="0"/>
+              </a:moveTo>
+              <a:lnTo>
+                <a:pt x="0" y="436153"/>
+              </a:lnTo>
+              <a:lnTo>
+                <a:pt x="99556" y="436153"/>
+              </a:lnTo>
+            </a:path>
+          </a:pathLst>
+        </a:custGeom>
+        <a:noFill/>
+        <a:ln w="25400" cap="flat" cmpd="sng" algn="ctr">
+          <a:solidFill>
+            <a:schemeClr val="dk1">
+              <a:shade val="80000"/>
+              <a:hueOff val="0"/>
+              <a:satOff val="0"/>
+              <a:lumOff val="0"/>
+              <a:alphaOff val="0"/>
+            </a:schemeClr>
+          </a:solidFill>
+          <a:prstDash val="solid"/>
+        </a:ln>
+        <a:effectLst/>
+      </dsp:spPr>
+      <dsp:style>
+        <a:lnRef idx="2">
+          <a:scrgbClr r="0" g="0" b="0"/>
+        </a:lnRef>
+        <a:fillRef idx="0">
+          <a:scrgbClr r="0" g="0" b="0"/>
+        </a:fillRef>
+        <a:effectRef idx="0">
+          <a:scrgbClr r="0" g="0" b="0"/>
+        </a:effectRef>
+        <a:fontRef idx="minor"/>
+      </dsp:style>
+    </dsp:sp>
+    <dsp:sp modelId="{69061E62-2D4D-41E6-AE76-C24509733244}">
+      <dsp:nvSpPr>
+        <dsp:cNvPr id="0" name=""/>
+        <dsp:cNvSpPr/>
+      </dsp:nvSpPr>
+      <dsp:spPr>
+        <a:xfrm>
+          <a:off x="7832048" y="3664316"/>
+          <a:ext cx="99556" cy="436153"/>
+        </a:xfrm>
+        <a:custGeom>
+          <a:avLst/>
+          <a:gdLst/>
+          <a:ahLst/>
+          <a:cxnLst/>
+          <a:rect l="0" t="0" r="0" b="0"/>
+          <a:pathLst>
+            <a:path>
+              <a:moveTo>
+                <a:pt x="99556" y="0"/>
+              </a:moveTo>
+              <a:lnTo>
+                <a:pt x="99556" y="436153"/>
+              </a:lnTo>
+              <a:lnTo>
+                <a:pt x="0" y="436153"/>
+              </a:lnTo>
+            </a:path>
+          </a:pathLst>
+        </a:custGeom>
+        <a:noFill/>
+        <a:ln w="25400" cap="flat" cmpd="sng" algn="ctr">
+          <a:solidFill>
+            <a:schemeClr val="dk1">
+              <a:shade val="80000"/>
+              <a:hueOff val="0"/>
+              <a:satOff val="0"/>
+              <a:lumOff val="0"/>
+              <a:alphaOff val="0"/>
+            </a:schemeClr>
+          </a:solidFill>
+          <a:prstDash val="solid"/>
+        </a:ln>
+        <a:effectLst/>
+      </dsp:spPr>
+      <dsp:style>
+        <a:lnRef idx="2">
+          <a:scrgbClr r="0" g="0" b="0"/>
+        </a:lnRef>
+        <a:fillRef idx="0">
+          <a:scrgbClr r="0" g="0" b="0"/>
+        </a:fillRef>
+        <a:effectRef idx="0">
+          <a:scrgbClr r="0" g="0" b="0"/>
+        </a:effectRef>
+        <a:fontRef idx="minor"/>
+      </dsp:style>
+    </dsp:sp>
+    <dsp:sp modelId="{FE793A0D-4283-4210-A83E-BE1396128707}">
+      <dsp:nvSpPr>
+        <dsp:cNvPr id="0" name=""/>
+        <dsp:cNvSpPr/>
+      </dsp:nvSpPr>
+      <dsp:spPr>
+        <a:xfrm>
+          <a:off x="6784331" y="2991122"/>
+          <a:ext cx="673193" cy="436153"/>
+        </a:xfrm>
+        <a:custGeom>
+          <a:avLst/>
+          <a:gdLst/>
+          <a:ahLst/>
+          <a:cxnLst/>
+          <a:rect l="0" t="0" r="0" b="0"/>
+          <a:pathLst>
+            <a:path>
+              <a:moveTo>
+                <a:pt x="0" y="0"/>
+              </a:moveTo>
+              <a:lnTo>
+                <a:pt x="0" y="436153"/>
+              </a:lnTo>
+              <a:lnTo>
+                <a:pt x="673193" y="436153"/>
+              </a:lnTo>
+            </a:path>
+          </a:pathLst>
+        </a:custGeom>
+        <a:noFill/>
+        <a:ln w="25400" cap="flat" cmpd="sng" algn="ctr">
+          <a:solidFill>
+            <a:schemeClr val="dk1">
+              <a:shade val="80000"/>
+              <a:hueOff val="0"/>
+              <a:satOff val="0"/>
+              <a:lumOff val="0"/>
+              <a:alphaOff val="0"/>
+            </a:schemeClr>
+          </a:solidFill>
+          <a:prstDash val="solid"/>
+        </a:ln>
+        <a:effectLst/>
+      </dsp:spPr>
+      <dsp:style>
+        <a:lnRef idx="2">
+          <a:scrgbClr r="0" g="0" b="0"/>
+        </a:lnRef>
+        <a:fillRef idx="0">
+          <a:scrgbClr r="0" g="0" b="0"/>
+        </a:fillRef>
+        <a:effectRef idx="0">
+          <a:scrgbClr r="0" g="0" b="0"/>
+        </a:effectRef>
+        <a:fontRef idx="minor"/>
+      </dsp:style>
+    </dsp:sp>
+    <dsp:sp modelId="{5E270EDD-E070-4168-808D-E5A31CAB39DF}">
+      <dsp:nvSpPr>
+        <dsp:cNvPr id="0" name=""/>
+        <dsp:cNvSpPr/>
+      </dsp:nvSpPr>
+      <dsp:spPr>
+        <a:xfrm>
+          <a:off x="5637058" y="3664316"/>
+          <a:ext cx="99556" cy="436153"/>
+        </a:xfrm>
+        <a:custGeom>
+          <a:avLst/>
+          <a:gdLst/>
+          <a:ahLst/>
+          <a:cxnLst/>
+          <a:rect l="0" t="0" r="0" b="0"/>
+          <a:pathLst>
+            <a:path>
+              <a:moveTo>
+                <a:pt x="0" y="0"/>
+              </a:moveTo>
+              <a:lnTo>
+                <a:pt x="0" y="436153"/>
+              </a:lnTo>
+              <a:lnTo>
+                <a:pt x="99556" y="436153"/>
+              </a:lnTo>
+            </a:path>
+          </a:pathLst>
+        </a:custGeom>
+        <a:noFill/>
+        <a:ln w="25400" cap="flat" cmpd="sng" algn="ctr">
+          <a:solidFill>
+            <a:schemeClr val="dk1">
+              <a:shade val="80000"/>
+              <a:hueOff val="0"/>
+              <a:satOff val="0"/>
+              <a:lumOff val="0"/>
+              <a:alphaOff val="0"/>
+            </a:schemeClr>
+          </a:solidFill>
+          <a:prstDash val="solid"/>
+        </a:ln>
+        <a:effectLst/>
+      </dsp:spPr>
+      <dsp:style>
+        <a:lnRef idx="2">
+          <a:scrgbClr r="0" g="0" b="0"/>
+        </a:lnRef>
+        <a:fillRef idx="0">
+          <a:scrgbClr r="0" g="0" b="0"/>
+        </a:fillRef>
+        <a:effectRef idx="0">
+          <a:scrgbClr r="0" g="0" b="0"/>
+        </a:effectRef>
+        <a:fontRef idx="minor"/>
+      </dsp:style>
+    </dsp:sp>
+    <dsp:sp modelId="{B3116614-74BB-4C02-9007-2E3F673F839B}">
+      <dsp:nvSpPr>
+        <dsp:cNvPr id="0" name=""/>
+        <dsp:cNvSpPr/>
+      </dsp:nvSpPr>
+      <dsp:spPr>
+        <a:xfrm>
+          <a:off x="5537501" y="3664316"/>
+          <a:ext cx="99556" cy="436153"/>
+        </a:xfrm>
+        <a:custGeom>
+          <a:avLst/>
+          <a:gdLst/>
+          <a:ahLst/>
+          <a:cxnLst/>
+          <a:rect l="0" t="0" r="0" b="0"/>
+          <a:pathLst>
+            <a:path>
+              <a:moveTo>
+                <a:pt x="99556" y="0"/>
+              </a:moveTo>
+              <a:lnTo>
+                <a:pt x="99556" y="436153"/>
+              </a:lnTo>
+              <a:lnTo>
+                <a:pt x="0" y="436153"/>
+              </a:lnTo>
+            </a:path>
+          </a:pathLst>
+        </a:custGeom>
+        <a:noFill/>
+        <a:ln w="25400" cap="flat" cmpd="sng" algn="ctr">
+          <a:solidFill>
+            <a:schemeClr val="dk1">
+              <a:shade val="80000"/>
+              <a:hueOff val="0"/>
+              <a:satOff val="0"/>
+              <a:lumOff val="0"/>
+              <a:alphaOff val="0"/>
+            </a:schemeClr>
+          </a:solidFill>
+          <a:prstDash val="solid"/>
+        </a:ln>
+        <a:effectLst/>
+      </dsp:spPr>
+      <dsp:style>
+        <a:lnRef idx="2">
+          <a:scrgbClr r="0" g="0" b="0"/>
+        </a:lnRef>
+        <a:fillRef idx="0">
+          <a:scrgbClr r="0" g="0" b="0"/>
+        </a:fillRef>
+        <a:effectRef idx="0">
+          <a:scrgbClr r="0" g="0" b="0"/>
+        </a:effectRef>
+        <a:fontRef idx="minor"/>
+      </dsp:style>
+    </dsp:sp>
+    <dsp:sp modelId="{966D76F2-A9A2-4076-9380-C39D47F82B01}">
+      <dsp:nvSpPr>
+        <dsp:cNvPr id="0" name=""/>
+        <dsp:cNvSpPr/>
+      </dsp:nvSpPr>
+      <dsp:spPr>
+        <a:xfrm>
+          <a:off x="6111138" y="2991122"/>
+          <a:ext cx="673193" cy="436153"/>
+        </a:xfrm>
+        <a:custGeom>
+          <a:avLst/>
+          <a:gdLst/>
+          <a:ahLst/>
+          <a:cxnLst/>
+          <a:rect l="0" t="0" r="0" b="0"/>
+          <a:pathLst>
+            <a:path>
+              <a:moveTo>
+                <a:pt x="673193" y="0"/>
+              </a:moveTo>
+              <a:lnTo>
+                <a:pt x="673193" y="436153"/>
+              </a:lnTo>
+              <a:lnTo>
+                <a:pt x="0" y="436153"/>
+              </a:lnTo>
+            </a:path>
+          </a:pathLst>
+        </a:custGeom>
+        <a:noFill/>
+        <a:ln w="25400" cap="flat" cmpd="sng" algn="ctr">
+          <a:solidFill>
+            <a:schemeClr val="dk1">
+              <a:shade val="80000"/>
+              <a:hueOff val="0"/>
+              <a:satOff val="0"/>
+              <a:lumOff val="0"/>
+              <a:alphaOff val="0"/>
+            </a:schemeClr>
+          </a:solidFill>
+          <a:prstDash val="solid"/>
+        </a:ln>
+        <a:effectLst/>
+      </dsp:spPr>
+      <dsp:style>
+        <a:lnRef idx="2">
+          <a:scrgbClr r="0" g="0" b="0"/>
+        </a:lnRef>
+        <a:fillRef idx="0">
+          <a:scrgbClr r="0" g="0" b="0"/>
+        </a:fillRef>
+        <a:effectRef idx="0">
+          <a:scrgbClr r="0" g="0" b="0"/>
+        </a:effectRef>
+        <a:fontRef idx="minor"/>
+      </dsp:style>
+    </dsp:sp>
+    <dsp:sp modelId="{CAFB129D-63EF-4F62-BAB8-23BF81CE42F4}">
+      <dsp:nvSpPr>
+        <dsp:cNvPr id="0" name=""/>
+        <dsp:cNvSpPr/>
+      </dsp:nvSpPr>
+      <dsp:spPr>
+        <a:xfrm>
+          <a:off x="4489784" y="2317929"/>
+          <a:ext cx="1820467" cy="436153"/>
+        </a:xfrm>
+        <a:custGeom>
+          <a:avLst/>
+          <a:gdLst/>
+          <a:ahLst/>
+          <a:cxnLst/>
+          <a:rect l="0" t="0" r="0" b="0"/>
+          <a:pathLst>
+            <a:path>
+              <a:moveTo>
+                <a:pt x="0" y="0"/>
+              </a:moveTo>
+              <a:lnTo>
+                <a:pt x="0" y="436153"/>
+              </a:lnTo>
+              <a:lnTo>
+                <a:pt x="1820467" y="436153"/>
+              </a:lnTo>
+            </a:path>
+          </a:pathLst>
+        </a:custGeom>
+        <a:noFill/>
+        <a:ln w="25400" cap="flat" cmpd="sng" algn="ctr">
+          <a:solidFill>
+            <a:schemeClr val="dk1">
+              <a:shade val="60000"/>
+              <a:hueOff val="0"/>
+              <a:satOff val="0"/>
+              <a:lumOff val="0"/>
+              <a:alphaOff val="0"/>
+            </a:schemeClr>
+          </a:solidFill>
+          <a:prstDash val="solid"/>
+        </a:ln>
+        <a:effectLst/>
+      </dsp:spPr>
+      <dsp:style>
+        <a:lnRef idx="2">
+          <a:scrgbClr r="0" g="0" b="0"/>
+        </a:lnRef>
+        <a:fillRef idx="0">
+          <a:scrgbClr r="0" g="0" b="0"/>
+        </a:fillRef>
+        <a:effectRef idx="0">
+          <a:scrgbClr r="0" g="0" b="0"/>
+        </a:effectRef>
+        <a:fontRef idx="minor"/>
+      </dsp:style>
+    </dsp:sp>
+    <dsp:sp modelId="{701355B2-AD5B-4471-8CFA-CBBE73437DC3}">
+      <dsp:nvSpPr>
+        <dsp:cNvPr id="0" name=""/>
+        <dsp:cNvSpPr/>
+      </dsp:nvSpPr>
+      <dsp:spPr>
+        <a:xfrm>
+          <a:off x="3342510" y="3664316"/>
+          <a:ext cx="99556" cy="436153"/>
+        </a:xfrm>
+        <a:custGeom>
+          <a:avLst/>
+          <a:gdLst/>
+          <a:ahLst/>
+          <a:cxnLst/>
+          <a:rect l="0" t="0" r="0" b="0"/>
+          <a:pathLst>
+            <a:path>
+              <a:moveTo>
+                <a:pt x="0" y="0"/>
+              </a:moveTo>
+              <a:lnTo>
+                <a:pt x="0" y="436153"/>
+              </a:lnTo>
+              <a:lnTo>
+                <a:pt x="99556" y="436153"/>
+              </a:lnTo>
+            </a:path>
+          </a:pathLst>
+        </a:custGeom>
+        <a:noFill/>
+        <a:ln w="25400" cap="flat" cmpd="sng" algn="ctr">
+          <a:solidFill>
+            <a:schemeClr val="dk1">
+              <a:shade val="80000"/>
+              <a:hueOff val="0"/>
+              <a:satOff val="0"/>
+              <a:lumOff val="0"/>
+              <a:alphaOff val="0"/>
+            </a:schemeClr>
+          </a:solidFill>
+          <a:prstDash val="solid"/>
+        </a:ln>
+        <a:effectLst/>
+      </dsp:spPr>
+      <dsp:style>
+        <a:lnRef idx="2">
+          <a:scrgbClr r="0" g="0" b="0"/>
+        </a:lnRef>
+        <a:fillRef idx="0">
+          <a:scrgbClr r="0" g="0" b="0"/>
+        </a:fillRef>
+        <a:effectRef idx="0">
+          <a:scrgbClr r="0" g="0" b="0"/>
+        </a:effectRef>
+        <a:fontRef idx="minor"/>
+      </dsp:style>
+    </dsp:sp>
+    <dsp:sp modelId="{0CAE7EAD-69D8-4563-ACAD-C4E5A11B6CD4}">
+      <dsp:nvSpPr>
+        <dsp:cNvPr id="0" name=""/>
+        <dsp:cNvSpPr/>
+      </dsp:nvSpPr>
+      <dsp:spPr>
+        <a:xfrm>
+          <a:off x="3242954" y="3664316"/>
+          <a:ext cx="99556" cy="436153"/>
+        </a:xfrm>
+        <a:custGeom>
+          <a:avLst/>
+          <a:gdLst/>
+          <a:ahLst/>
+          <a:cxnLst/>
+          <a:rect l="0" t="0" r="0" b="0"/>
+          <a:pathLst>
+            <a:path>
+              <a:moveTo>
+                <a:pt x="99556" y="0"/>
+              </a:moveTo>
+              <a:lnTo>
+                <a:pt x="99556" y="436153"/>
+              </a:lnTo>
+              <a:lnTo>
+                <a:pt x="0" y="436153"/>
+              </a:lnTo>
+            </a:path>
+          </a:pathLst>
+        </a:custGeom>
+        <a:noFill/>
+        <a:ln w="25400" cap="flat" cmpd="sng" algn="ctr">
+          <a:solidFill>
+            <a:schemeClr val="dk1">
+              <a:shade val="80000"/>
+              <a:hueOff val="0"/>
+              <a:satOff val="0"/>
+              <a:lumOff val="0"/>
+              <a:alphaOff val="0"/>
+            </a:schemeClr>
+          </a:solidFill>
+          <a:prstDash val="solid"/>
+        </a:ln>
+        <a:effectLst/>
+      </dsp:spPr>
+      <dsp:style>
+        <a:lnRef idx="2">
+          <a:scrgbClr r="0" g="0" b="0"/>
+        </a:lnRef>
+        <a:fillRef idx="0">
+          <a:scrgbClr r="0" g="0" b="0"/>
+        </a:fillRef>
+        <a:effectRef idx="0">
+          <a:scrgbClr r="0" g="0" b="0"/>
+        </a:effectRef>
+        <a:fontRef idx="minor"/>
+      </dsp:style>
+    </dsp:sp>
+    <dsp:sp modelId="{148F80BB-6684-4E62-8F6E-7FF0311EA8E1}">
+      <dsp:nvSpPr>
+        <dsp:cNvPr id="0" name=""/>
+        <dsp:cNvSpPr/>
+      </dsp:nvSpPr>
+      <dsp:spPr>
+        <a:xfrm>
+          <a:off x="1811184" y="2991122"/>
+          <a:ext cx="1057245" cy="436153"/>
+        </a:xfrm>
+        <a:custGeom>
+          <a:avLst/>
+          <a:gdLst/>
+          <a:ahLst/>
+          <a:cxnLst/>
+          <a:rect l="0" t="0" r="0" b="0"/>
+          <a:pathLst>
+            <a:path>
+              <a:moveTo>
+                <a:pt x="0" y="0"/>
+              </a:moveTo>
+              <a:lnTo>
+                <a:pt x="0" y="436153"/>
+              </a:lnTo>
+              <a:lnTo>
+                <a:pt x="1057245" y="436153"/>
+              </a:lnTo>
+            </a:path>
+          </a:pathLst>
+        </a:custGeom>
+        <a:noFill/>
+        <a:ln w="25400" cap="flat" cmpd="sng" algn="ctr">
+          <a:solidFill>
+            <a:schemeClr val="dk1">
+              <a:shade val="80000"/>
+              <a:hueOff val="0"/>
+              <a:satOff val="0"/>
+              <a:lumOff val="0"/>
+              <a:alphaOff val="0"/>
+            </a:schemeClr>
+          </a:solidFill>
+          <a:prstDash val="solid"/>
+        </a:ln>
+        <a:effectLst/>
+      </dsp:spPr>
+      <dsp:style>
+        <a:lnRef idx="2">
+          <a:scrgbClr r="0" g="0" b="0"/>
+        </a:lnRef>
+        <a:fillRef idx="0">
+          <a:scrgbClr r="0" g="0" b="0"/>
+        </a:fillRef>
+        <a:effectRef idx="0">
+          <a:scrgbClr r="0" g="0" b="0"/>
+        </a:effectRef>
+        <a:fontRef idx="minor"/>
+      </dsp:style>
+    </dsp:sp>
+    <dsp:sp modelId="{240D1F81-E605-4E7F-8169-A1172ED9846F}">
+      <dsp:nvSpPr>
+        <dsp:cNvPr id="0" name=""/>
+        <dsp:cNvSpPr/>
+      </dsp:nvSpPr>
+      <dsp:spPr>
+        <a:xfrm>
+          <a:off x="1047963" y="3664316"/>
+          <a:ext cx="99556" cy="436153"/>
+        </a:xfrm>
+        <a:custGeom>
+          <a:avLst/>
+          <a:gdLst/>
+          <a:ahLst/>
+          <a:cxnLst/>
+          <a:rect l="0" t="0" r="0" b="0"/>
+          <a:pathLst>
+            <a:path>
+              <a:moveTo>
+                <a:pt x="0" y="0"/>
+              </a:moveTo>
+              <a:lnTo>
+                <a:pt x="0" y="436153"/>
+              </a:lnTo>
+              <a:lnTo>
+                <a:pt x="99556" y="436153"/>
+              </a:lnTo>
+            </a:path>
+          </a:pathLst>
+        </a:custGeom>
+        <a:noFill/>
+        <a:ln w="25400" cap="flat" cmpd="sng" algn="ctr">
+          <a:solidFill>
+            <a:schemeClr val="dk1">
+              <a:shade val="80000"/>
+              <a:hueOff val="0"/>
+              <a:satOff val="0"/>
+              <a:lumOff val="0"/>
+              <a:alphaOff val="0"/>
+            </a:schemeClr>
+          </a:solidFill>
+          <a:prstDash val="solid"/>
+        </a:ln>
+        <a:effectLst/>
+      </dsp:spPr>
+      <dsp:style>
+        <a:lnRef idx="2">
+          <a:scrgbClr r="0" g="0" b="0"/>
+        </a:lnRef>
+        <a:fillRef idx="0">
+          <a:scrgbClr r="0" g="0" b="0"/>
+        </a:fillRef>
+        <a:effectRef idx="0">
+          <a:scrgbClr r="0" g="0" b="0"/>
+        </a:effectRef>
+        <a:fontRef idx="minor"/>
+      </dsp:style>
+    </dsp:sp>
+    <dsp:sp modelId="{B3002096-2867-45D6-8069-2D466B5EC252}">
+      <dsp:nvSpPr>
+        <dsp:cNvPr id="0" name=""/>
+        <dsp:cNvSpPr/>
+      </dsp:nvSpPr>
+      <dsp:spPr>
+        <a:xfrm>
+          <a:off x="948406" y="3664316"/>
+          <a:ext cx="99556" cy="436153"/>
+        </a:xfrm>
+        <a:custGeom>
+          <a:avLst/>
+          <a:gdLst/>
+          <a:ahLst/>
+          <a:cxnLst/>
+          <a:rect l="0" t="0" r="0" b="0"/>
+          <a:pathLst>
+            <a:path>
+              <a:moveTo>
+                <a:pt x="99556" y="0"/>
+              </a:moveTo>
+              <a:lnTo>
+                <a:pt x="99556" y="436153"/>
+              </a:lnTo>
+              <a:lnTo>
+                <a:pt x="0" y="436153"/>
+              </a:lnTo>
+            </a:path>
+          </a:pathLst>
+        </a:custGeom>
+        <a:noFill/>
+        <a:ln w="25400" cap="flat" cmpd="sng" algn="ctr">
+          <a:solidFill>
+            <a:schemeClr val="dk1">
+              <a:shade val="80000"/>
+              <a:hueOff val="0"/>
+              <a:satOff val="0"/>
+              <a:lumOff val="0"/>
+              <a:alphaOff val="0"/>
+            </a:schemeClr>
+          </a:solidFill>
+          <a:prstDash val="solid"/>
+        </a:ln>
+        <a:effectLst/>
+      </dsp:spPr>
+      <dsp:style>
+        <a:lnRef idx="2">
+          <a:scrgbClr r="0" g="0" b="0"/>
+        </a:lnRef>
+        <a:fillRef idx="0">
+          <a:scrgbClr r="0" g="0" b="0"/>
+        </a:fillRef>
+        <a:effectRef idx="0">
+          <a:scrgbClr r="0" g="0" b="0"/>
+        </a:effectRef>
+        <a:fontRef idx="minor"/>
+      </dsp:style>
+    </dsp:sp>
+    <dsp:sp modelId="{B3598354-D6C2-4A7B-BA63-37376C84C98C}">
+      <dsp:nvSpPr>
+        <dsp:cNvPr id="0" name=""/>
+        <dsp:cNvSpPr/>
+      </dsp:nvSpPr>
+      <dsp:spPr>
+        <a:xfrm>
+          <a:off x="1522043" y="2991122"/>
+          <a:ext cx="289141" cy="436153"/>
+        </a:xfrm>
+        <a:custGeom>
+          <a:avLst/>
+          <a:gdLst/>
+          <a:ahLst/>
+          <a:cxnLst/>
+          <a:rect l="0" t="0" r="0" b="0"/>
+          <a:pathLst>
+            <a:path>
+              <a:moveTo>
+                <a:pt x="289141" y="0"/>
+              </a:moveTo>
+              <a:lnTo>
+                <a:pt x="289141" y="436153"/>
+              </a:lnTo>
+              <a:lnTo>
+                <a:pt x="0" y="436153"/>
+              </a:lnTo>
+            </a:path>
+          </a:pathLst>
+        </a:custGeom>
+        <a:noFill/>
+        <a:ln w="25400" cap="flat" cmpd="sng" algn="ctr">
+          <a:solidFill>
+            <a:schemeClr val="dk1">
+              <a:shade val="80000"/>
+              <a:hueOff val="0"/>
+              <a:satOff val="0"/>
+              <a:lumOff val="0"/>
+              <a:alphaOff val="0"/>
+            </a:schemeClr>
+          </a:solidFill>
+          <a:prstDash val="solid"/>
+        </a:ln>
+        <a:effectLst/>
+      </dsp:spPr>
+      <dsp:style>
+        <a:lnRef idx="2">
+          <a:scrgbClr r="0" g="0" b="0"/>
+        </a:lnRef>
+        <a:fillRef idx="0">
+          <a:scrgbClr r="0" g="0" b="0"/>
+        </a:fillRef>
+        <a:effectRef idx="0">
+          <a:scrgbClr r="0" g="0" b="0"/>
+        </a:effectRef>
+        <a:fontRef idx="minor"/>
+      </dsp:style>
+    </dsp:sp>
+    <dsp:sp modelId="{176C78C6-B520-4CD3-AA08-B146EA5B0019}">
+      <dsp:nvSpPr>
+        <dsp:cNvPr id="0" name=""/>
+        <dsp:cNvSpPr/>
+      </dsp:nvSpPr>
+      <dsp:spPr>
+        <a:xfrm>
+          <a:off x="2285264" y="2317929"/>
+          <a:ext cx="2204519" cy="436153"/>
+        </a:xfrm>
+        <a:custGeom>
+          <a:avLst/>
+          <a:gdLst/>
+          <a:ahLst/>
+          <a:cxnLst/>
+          <a:rect l="0" t="0" r="0" b="0"/>
+          <a:pathLst>
+            <a:path>
+              <a:moveTo>
+                <a:pt x="2204519" y="0"/>
+              </a:moveTo>
+              <a:lnTo>
+                <a:pt x="2204519" y="436153"/>
+              </a:lnTo>
+              <a:lnTo>
+                <a:pt x="0" y="436153"/>
+              </a:lnTo>
+            </a:path>
+          </a:pathLst>
+        </a:custGeom>
+        <a:noFill/>
+        <a:ln w="25400" cap="flat" cmpd="sng" algn="ctr">
+          <a:solidFill>
+            <a:schemeClr val="dk1">
+              <a:shade val="60000"/>
+              <a:hueOff val="0"/>
+              <a:satOff val="0"/>
+              <a:lumOff val="0"/>
+              <a:alphaOff val="0"/>
+            </a:schemeClr>
+          </a:solidFill>
+          <a:prstDash val="solid"/>
+        </a:ln>
+        <a:effectLst/>
+      </dsp:spPr>
+      <dsp:style>
+        <a:lnRef idx="2">
+          <a:scrgbClr r="0" g="0" b="0"/>
+        </a:lnRef>
+        <a:fillRef idx="0">
+          <a:scrgbClr r="0" g="0" b="0"/>
+        </a:fillRef>
+        <a:effectRef idx="0">
+          <a:scrgbClr r="0" g="0" b="0"/>
+        </a:effectRef>
+        <a:fontRef idx="minor"/>
+      </dsp:style>
+    </dsp:sp>
+    <dsp:sp modelId="{5CACC183-9DB5-4E47-976D-49A4EAAB878B}">
+      <dsp:nvSpPr>
+        <dsp:cNvPr id="0" name=""/>
+        <dsp:cNvSpPr/>
+      </dsp:nvSpPr>
+      <dsp:spPr>
+        <a:xfrm>
+          <a:off x="4015704" y="1843849"/>
+          <a:ext cx="948160" cy="474080"/>
+        </a:xfrm>
+        <a:prstGeom prst="rect">
+          <a:avLst/>
+        </a:prstGeom>
+        <a:solidFill>
+          <a:schemeClr val="lt1">
+            <a:hueOff val="0"/>
+            <a:satOff val="0"/>
+            <a:lumOff val="0"/>
+            <a:alphaOff val="0"/>
+          </a:schemeClr>
+        </a:solidFill>
+        <a:ln w="25400" cap="flat" cmpd="sng" algn="ctr">
+          <a:solidFill>
+            <a:schemeClr val="dk1">
+              <a:shade val="80000"/>
+              <a:hueOff val="0"/>
+              <a:satOff val="0"/>
+              <a:lumOff val="0"/>
+              <a:alphaOff val="0"/>
+            </a:schemeClr>
+          </a:solidFill>
+          <a:prstDash val="solid"/>
+        </a:ln>
+        <a:effectLst/>
+      </dsp:spPr>
+      <dsp:style>
+        <a:lnRef idx="2">
+          <a:scrgbClr r="0" g="0" b="0"/>
+        </a:lnRef>
+        <a:fillRef idx="1">
+          <a:scrgbClr r="0" g="0" b="0"/>
+        </a:fillRef>
+        <a:effectRef idx="0">
+          <a:scrgbClr r="0" g="0" b="0"/>
+        </a:effectRef>
+        <a:fontRef idx="minor">
+          <a:schemeClr val="lt1"/>
+        </a:fontRef>
+      </dsp:style>
+      <dsp:txBody>
+        <a:bodyPr spcFirstLastPara="0" vert="horz" wrap="square" lIns="6350" tIns="6350" rIns="6350" bIns="6350" numCol="1" spcCol="1270" anchor="ctr" anchorCtr="0">
+          <a:noAutofit/>
+        </a:bodyPr>
+        <a:lstStyle/>
+        <a:p>
+          <a:pPr marL="0" lvl="0" indent="0" algn="ctr" defTabSz="444500">
+            <a:lnSpc>
+              <a:spcPct val="90000"/>
+            </a:lnSpc>
+            <a:spcBef>
+              <a:spcPct val="0"/>
+            </a:spcBef>
+            <a:spcAft>
+              <a:spcPct val="35000"/>
+            </a:spcAft>
+            <a:buNone/>
+          </a:pPr>
+          <a:r>
+            <a:rPr lang="cs-CZ" sz="1000" kern="1200" dirty="0"/>
+            <a:t>V675 &lt;= 0,549</a:t>
+          </a:r>
+        </a:p>
+        <a:p>
+          <a:pPr marL="0" lvl="0" indent="0" algn="ctr" defTabSz="444500">
+            <a:lnSpc>
+              <a:spcPct val="90000"/>
+            </a:lnSpc>
+            <a:spcBef>
+              <a:spcPct val="0"/>
+            </a:spcBef>
+            <a:spcAft>
+              <a:spcPct val="35000"/>
+            </a:spcAft>
+            <a:buNone/>
+          </a:pPr>
+          <a:r>
+            <a:rPr lang="cs-CZ" sz="1000" kern="1200" dirty="0"/>
+            <a:t>100 %  TECH</a:t>
+          </a:r>
+        </a:p>
+      </dsp:txBody>
+      <dsp:txXfrm>
+        <a:off x="4015704" y="1843849"/>
+        <a:ext cx="948160" cy="474080"/>
+      </dsp:txXfrm>
+    </dsp:sp>
+    <dsp:sp modelId="{D432FF6F-D866-45BD-9C83-87B73B58484C}">
+      <dsp:nvSpPr>
+        <dsp:cNvPr id="0" name=""/>
+        <dsp:cNvSpPr/>
+      </dsp:nvSpPr>
+      <dsp:spPr>
+        <a:xfrm>
+          <a:off x="1337104" y="2517042"/>
+          <a:ext cx="948160" cy="474080"/>
+        </a:xfrm>
+        <a:prstGeom prst="rect">
+          <a:avLst/>
+        </a:prstGeom>
+        <a:solidFill>
+          <a:schemeClr val="lt1">
+            <a:hueOff val="0"/>
+            <a:satOff val="0"/>
+            <a:lumOff val="0"/>
+            <a:alphaOff val="0"/>
+          </a:schemeClr>
+        </a:solidFill>
+        <a:ln w="25400" cap="flat" cmpd="sng" algn="ctr">
+          <a:solidFill>
+            <a:schemeClr val="dk1">
+              <a:shade val="80000"/>
+              <a:hueOff val="0"/>
+              <a:satOff val="0"/>
+              <a:lumOff val="0"/>
+              <a:alphaOff val="0"/>
+            </a:schemeClr>
+          </a:solidFill>
+          <a:prstDash val="solid"/>
+        </a:ln>
+        <a:effectLst/>
+      </dsp:spPr>
+      <dsp:style>
+        <a:lnRef idx="2">
+          <a:scrgbClr r="0" g="0" b="0"/>
+        </a:lnRef>
+        <a:fillRef idx="1">
+          <a:scrgbClr r="0" g="0" b="0"/>
+        </a:fillRef>
+        <a:effectRef idx="0">
+          <a:scrgbClr r="0" g="0" b="0"/>
+        </a:effectRef>
+        <a:fontRef idx="minor">
+          <a:schemeClr val="lt1"/>
+        </a:fontRef>
+      </dsp:style>
+      <dsp:txBody>
+        <a:bodyPr spcFirstLastPara="0" vert="horz" wrap="square" lIns="6350" tIns="6350" rIns="6350" bIns="6350" numCol="1" spcCol="1270" anchor="ctr" anchorCtr="0">
+          <a:noAutofit/>
+        </a:bodyPr>
+        <a:lstStyle/>
+        <a:p>
+          <a:pPr marL="0" lvl="0" indent="0" algn="ctr" defTabSz="444500">
+            <a:lnSpc>
+              <a:spcPct val="90000"/>
+            </a:lnSpc>
+            <a:spcBef>
+              <a:spcPct val="0"/>
+            </a:spcBef>
+            <a:spcAft>
+              <a:spcPct val="35000"/>
+            </a:spcAft>
+            <a:buNone/>
+          </a:pPr>
+          <a:r>
+            <a:rPr lang="cs-CZ" sz="1000" kern="1200" dirty="0"/>
+            <a:t>V475 &lt;= 0,479</a:t>
+          </a:r>
+        </a:p>
+        <a:p>
+          <a:pPr marL="0" lvl="0" indent="0" algn="ctr" defTabSz="444500">
+            <a:lnSpc>
+              <a:spcPct val="90000"/>
+            </a:lnSpc>
+            <a:spcBef>
+              <a:spcPct val="0"/>
+            </a:spcBef>
+            <a:spcAft>
+              <a:spcPct val="35000"/>
+            </a:spcAft>
+            <a:buNone/>
+          </a:pPr>
+          <a:r>
+            <a:rPr lang="cs-CZ" sz="1000" kern="1200" dirty="0"/>
+            <a:t>43,9 % BLUE</a:t>
+          </a:r>
+        </a:p>
+      </dsp:txBody>
+      <dsp:txXfrm>
+        <a:off x="1337104" y="2517042"/>
+        <a:ext cx="948160" cy="474080"/>
+      </dsp:txXfrm>
+    </dsp:sp>
+    <dsp:sp modelId="{E1955E00-F1E7-49F2-B6B1-AE9A49CEC10A}">
+      <dsp:nvSpPr>
+        <dsp:cNvPr id="0" name=""/>
+        <dsp:cNvSpPr/>
+      </dsp:nvSpPr>
+      <dsp:spPr>
+        <a:xfrm>
+          <a:off x="573883" y="3190236"/>
+          <a:ext cx="948160" cy="474080"/>
+        </a:xfrm>
+        <a:prstGeom prst="rect">
+          <a:avLst/>
+        </a:prstGeom>
+        <a:solidFill>
+          <a:schemeClr val="lt1">
+            <a:hueOff val="0"/>
+            <a:satOff val="0"/>
+            <a:lumOff val="0"/>
+            <a:alphaOff val="0"/>
+          </a:schemeClr>
+        </a:solidFill>
+        <a:ln w="25400" cap="flat" cmpd="sng" algn="ctr">
+          <a:solidFill>
+            <a:schemeClr val="dk1">
+              <a:shade val="80000"/>
+              <a:hueOff val="0"/>
+              <a:satOff val="0"/>
+              <a:lumOff val="0"/>
+              <a:alphaOff val="0"/>
+            </a:schemeClr>
+          </a:solidFill>
+          <a:prstDash val="solid"/>
+        </a:ln>
+        <a:effectLst/>
+      </dsp:spPr>
+      <dsp:style>
+        <a:lnRef idx="2">
+          <a:scrgbClr r="0" g="0" b="0"/>
+        </a:lnRef>
+        <a:fillRef idx="1">
+          <a:scrgbClr r="0" g="0" b="0"/>
+        </a:fillRef>
+        <a:effectRef idx="0">
+          <a:scrgbClr r="0" g="0" b="0"/>
+        </a:effectRef>
+        <a:fontRef idx="minor">
+          <a:schemeClr val="lt1"/>
+        </a:fontRef>
+      </dsp:style>
+      <dsp:txBody>
+        <a:bodyPr spcFirstLastPara="0" vert="horz" wrap="square" lIns="6350" tIns="6350" rIns="6350" bIns="6350" numCol="1" spcCol="1270" anchor="ctr" anchorCtr="0">
+          <a:noAutofit/>
+        </a:bodyPr>
+        <a:lstStyle/>
+        <a:p>
+          <a:pPr marL="0" lvl="0" indent="0" algn="ctr" defTabSz="444500">
+            <a:lnSpc>
+              <a:spcPct val="90000"/>
+            </a:lnSpc>
+            <a:spcBef>
+              <a:spcPct val="0"/>
+            </a:spcBef>
+            <a:spcAft>
+              <a:spcPct val="35000"/>
+            </a:spcAft>
+            <a:buNone/>
+          </a:pPr>
+          <a:r>
+            <a:rPr lang="cs-CZ" sz="1000" kern="1200" dirty="0"/>
+            <a:t>V790 &lt;= 0,868</a:t>
+          </a:r>
+        </a:p>
+        <a:p>
+          <a:pPr marL="0" lvl="0" indent="0" algn="ctr" defTabSz="444500">
+            <a:lnSpc>
+              <a:spcPct val="90000"/>
+            </a:lnSpc>
+            <a:spcBef>
+              <a:spcPct val="0"/>
+            </a:spcBef>
+            <a:spcAft>
+              <a:spcPct val="35000"/>
+            </a:spcAft>
+            <a:buNone/>
+          </a:pPr>
+          <a:r>
+            <a:rPr lang="cs-CZ" sz="1000" kern="1200" dirty="0"/>
+            <a:t>22,0 % GREEN</a:t>
+          </a:r>
+        </a:p>
+      </dsp:txBody>
+      <dsp:txXfrm>
+        <a:off x="573883" y="3190236"/>
+        <a:ext cx="948160" cy="474080"/>
+      </dsp:txXfrm>
+    </dsp:sp>
+    <dsp:sp modelId="{37F41527-BE7B-4687-BF8F-C3353C994091}">
+      <dsp:nvSpPr>
+        <dsp:cNvPr id="0" name=""/>
+        <dsp:cNvSpPr/>
+      </dsp:nvSpPr>
+      <dsp:spPr>
+        <a:xfrm>
+          <a:off x="246" y="3863429"/>
+          <a:ext cx="948160" cy="474080"/>
+        </a:xfrm>
+        <a:prstGeom prst="rect">
+          <a:avLst/>
+        </a:prstGeom>
+        <a:solidFill>
+          <a:schemeClr val="lt1">
+            <a:hueOff val="0"/>
+            <a:satOff val="0"/>
+            <a:lumOff val="0"/>
+            <a:alphaOff val="0"/>
+          </a:schemeClr>
+        </a:solidFill>
+        <a:ln w="25400" cap="flat" cmpd="sng" algn="ctr">
+          <a:solidFill>
+            <a:schemeClr val="dk1">
+              <a:shade val="80000"/>
+              <a:hueOff val="0"/>
+              <a:satOff val="0"/>
+              <a:lumOff val="0"/>
+              <a:alphaOff val="0"/>
+            </a:schemeClr>
+          </a:solidFill>
+          <a:prstDash val="solid"/>
+        </a:ln>
+        <a:effectLst/>
+      </dsp:spPr>
+      <dsp:style>
+        <a:lnRef idx="2">
+          <a:scrgbClr r="0" g="0" b="0"/>
+        </a:lnRef>
+        <a:fillRef idx="1">
+          <a:scrgbClr r="0" g="0" b="0"/>
+        </a:fillRef>
+        <a:effectRef idx="0">
+          <a:scrgbClr r="0" g="0" b="0"/>
+        </a:effectRef>
+        <a:fontRef idx="minor">
+          <a:schemeClr val="lt1"/>
+        </a:fontRef>
+      </dsp:style>
+      <dsp:txBody>
+        <a:bodyPr spcFirstLastPara="0" vert="horz" wrap="square" lIns="6350" tIns="6350" rIns="6350" bIns="6350" numCol="1" spcCol="1270" anchor="ctr" anchorCtr="0">
+          <a:noAutofit/>
+        </a:bodyPr>
+        <a:lstStyle/>
+        <a:p>
+          <a:pPr marL="0" lvl="0" indent="0" algn="ctr" defTabSz="444500">
+            <a:lnSpc>
+              <a:spcPct val="90000"/>
+            </a:lnSpc>
+            <a:spcBef>
+              <a:spcPct val="0"/>
+            </a:spcBef>
+            <a:spcAft>
+              <a:spcPct val="35000"/>
+            </a:spcAft>
+            <a:buNone/>
+          </a:pPr>
+          <a:r>
+            <a:rPr lang="cs-CZ" sz="1000" kern="1200" dirty="0"/>
+            <a:t>9,5 % SOIL</a:t>
+          </a:r>
+        </a:p>
+      </dsp:txBody>
+      <dsp:txXfrm>
+        <a:off x="246" y="3863429"/>
+        <a:ext cx="948160" cy="474080"/>
+      </dsp:txXfrm>
+    </dsp:sp>
+    <dsp:sp modelId="{658B21A5-0E22-4E2A-A939-3E53F69BD1E7}">
+      <dsp:nvSpPr>
+        <dsp:cNvPr id="0" name=""/>
+        <dsp:cNvSpPr/>
+      </dsp:nvSpPr>
+      <dsp:spPr>
+        <a:xfrm>
+          <a:off x="1147520" y="3863429"/>
+          <a:ext cx="948160" cy="474080"/>
+        </a:xfrm>
+        <a:prstGeom prst="rect">
+          <a:avLst/>
+        </a:prstGeom>
+        <a:solidFill>
+          <a:schemeClr val="lt1">
+            <a:hueOff val="0"/>
+            <a:satOff val="0"/>
+            <a:lumOff val="0"/>
+            <a:alphaOff val="0"/>
+          </a:schemeClr>
+        </a:solidFill>
+        <a:ln w="25400" cap="flat" cmpd="sng" algn="ctr">
+          <a:solidFill>
+            <a:schemeClr val="dk1">
+              <a:shade val="80000"/>
+              <a:hueOff val="0"/>
+              <a:satOff val="0"/>
+              <a:lumOff val="0"/>
+              <a:alphaOff val="0"/>
+            </a:schemeClr>
+          </a:solidFill>
+          <a:prstDash val="solid"/>
+        </a:ln>
+        <a:effectLst/>
+      </dsp:spPr>
+      <dsp:style>
+        <a:lnRef idx="2">
+          <a:scrgbClr r="0" g="0" b="0"/>
+        </a:lnRef>
+        <a:fillRef idx="1">
+          <a:scrgbClr r="0" g="0" b="0"/>
+        </a:fillRef>
+        <a:effectRef idx="0">
+          <a:scrgbClr r="0" g="0" b="0"/>
+        </a:effectRef>
+        <a:fontRef idx="minor">
+          <a:schemeClr val="lt1"/>
+        </a:fontRef>
+      </dsp:style>
+      <dsp:txBody>
+        <a:bodyPr spcFirstLastPara="0" vert="horz" wrap="square" lIns="6350" tIns="6350" rIns="6350" bIns="6350" numCol="1" spcCol="1270" anchor="ctr" anchorCtr="0">
+          <a:noAutofit/>
+        </a:bodyPr>
+        <a:lstStyle/>
+        <a:p>
+          <a:pPr marL="0" lvl="0" indent="0" algn="ctr" defTabSz="444500">
+            <a:lnSpc>
+              <a:spcPct val="90000"/>
+            </a:lnSpc>
+            <a:spcBef>
+              <a:spcPct val="0"/>
+            </a:spcBef>
+            <a:spcAft>
+              <a:spcPct val="35000"/>
+            </a:spcAft>
+            <a:buNone/>
+          </a:pPr>
+          <a:r>
+            <a:rPr lang="cs-CZ" sz="1000" kern="1200" dirty="0"/>
+            <a:t>12,5 % GREEN</a:t>
+          </a:r>
+        </a:p>
+      </dsp:txBody>
+      <dsp:txXfrm>
+        <a:off x="1147520" y="3863429"/>
+        <a:ext cx="948160" cy="474080"/>
+      </dsp:txXfrm>
+    </dsp:sp>
+    <dsp:sp modelId="{7D9EC23C-6F8B-4B5C-B55B-8BB1131B12B3}">
+      <dsp:nvSpPr>
+        <dsp:cNvPr id="0" name=""/>
+        <dsp:cNvSpPr/>
+      </dsp:nvSpPr>
+      <dsp:spPr>
+        <a:xfrm>
+          <a:off x="2868430" y="3190236"/>
+          <a:ext cx="948160" cy="474080"/>
+        </a:xfrm>
+        <a:prstGeom prst="rect">
+          <a:avLst/>
+        </a:prstGeom>
+        <a:solidFill>
+          <a:schemeClr val="lt1">
+            <a:hueOff val="0"/>
+            <a:satOff val="0"/>
+            <a:lumOff val="0"/>
+            <a:alphaOff val="0"/>
+          </a:schemeClr>
+        </a:solidFill>
+        <a:ln w="25400" cap="flat" cmpd="sng" algn="ctr">
+          <a:solidFill>
+            <a:schemeClr val="dk1">
+              <a:shade val="80000"/>
+              <a:hueOff val="0"/>
+              <a:satOff val="0"/>
+              <a:lumOff val="0"/>
+              <a:alphaOff val="0"/>
+            </a:schemeClr>
+          </a:solidFill>
+          <a:prstDash val="solid"/>
+        </a:ln>
+        <a:effectLst/>
+      </dsp:spPr>
+      <dsp:style>
+        <a:lnRef idx="2">
+          <a:scrgbClr r="0" g="0" b="0"/>
+        </a:lnRef>
+        <a:fillRef idx="1">
+          <a:scrgbClr r="0" g="0" b="0"/>
+        </a:fillRef>
+        <a:effectRef idx="0">
+          <a:scrgbClr r="0" g="0" b="0"/>
+        </a:effectRef>
+        <a:fontRef idx="minor">
+          <a:schemeClr val="lt1"/>
+        </a:fontRef>
+      </dsp:style>
+      <dsp:txBody>
+        <a:bodyPr spcFirstLastPara="0" vert="horz" wrap="square" lIns="6350" tIns="6350" rIns="6350" bIns="6350" numCol="1" spcCol="1270" anchor="ctr" anchorCtr="0">
+          <a:noAutofit/>
+        </a:bodyPr>
+        <a:lstStyle/>
+        <a:p>
+          <a:pPr marL="0" lvl="0" indent="0" algn="ctr" defTabSz="444500">
+            <a:lnSpc>
+              <a:spcPct val="90000"/>
+            </a:lnSpc>
+            <a:spcBef>
+              <a:spcPct val="0"/>
+            </a:spcBef>
+            <a:spcAft>
+              <a:spcPct val="35000"/>
+            </a:spcAft>
+            <a:buNone/>
+          </a:pPr>
+          <a:r>
+            <a:rPr lang="cs-CZ" sz="1000" kern="1200" dirty="0"/>
+            <a:t>X &lt;= 163,5</a:t>
+          </a:r>
+        </a:p>
+        <a:p>
+          <a:pPr marL="0" lvl="0" indent="0" algn="ctr" defTabSz="444500">
+            <a:lnSpc>
+              <a:spcPct val="90000"/>
+            </a:lnSpc>
+            <a:spcBef>
+              <a:spcPct val="0"/>
+            </a:spcBef>
+            <a:spcAft>
+              <a:spcPct val="35000"/>
+            </a:spcAft>
+            <a:buNone/>
+          </a:pPr>
+          <a:r>
+            <a:rPr lang="cs-CZ" sz="1000" kern="1200" dirty="0"/>
+            <a:t>21,9 % BLUE</a:t>
+          </a:r>
+        </a:p>
+      </dsp:txBody>
+      <dsp:txXfrm>
+        <a:off x="2868430" y="3190236"/>
+        <a:ext cx="948160" cy="474080"/>
+      </dsp:txXfrm>
+    </dsp:sp>
+    <dsp:sp modelId="{FFA77138-7C6B-4E8F-96A7-FBF936A961B9}">
+      <dsp:nvSpPr>
+        <dsp:cNvPr id="0" name=""/>
+        <dsp:cNvSpPr/>
+      </dsp:nvSpPr>
+      <dsp:spPr>
+        <a:xfrm>
+          <a:off x="2294793" y="3863429"/>
+          <a:ext cx="948160" cy="474080"/>
+        </a:xfrm>
+        <a:prstGeom prst="rect">
+          <a:avLst/>
+        </a:prstGeom>
+        <a:solidFill>
+          <a:schemeClr val="lt1">
+            <a:hueOff val="0"/>
+            <a:satOff val="0"/>
+            <a:lumOff val="0"/>
+            <a:alphaOff val="0"/>
+          </a:schemeClr>
+        </a:solidFill>
+        <a:ln w="25400" cap="flat" cmpd="sng" algn="ctr">
+          <a:solidFill>
+            <a:schemeClr val="dk1">
+              <a:shade val="80000"/>
+              <a:hueOff val="0"/>
+              <a:satOff val="0"/>
+              <a:lumOff val="0"/>
+              <a:alphaOff val="0"/>
+            </a:schemeClr>
+          </a:solidFill>
+          <a:prstDash val="solid"/>
+        </a:ln>
+        <a:effectLst/>
+      </dsp:spPr>
+      <dsp:style>
+        <a:lnRef idx="2">
+          <a:scrgbClr r="0" g="0" b="0"/>
+        </a:lnRef>
+        <a:fillRef idx="1">
+          <a:scrgbClr r="0" g="0" b="0"/>
+        </a:fillRef>
+        <a:effectRef idx="0">
+          <a:scrgbClr r="0" g="0" b="0"/>
+        </a:effectRef>
+        <a:fontRef idx="minor">
+          <a:schemeClr val="lt1"/>
+        </a:fontRef>
+      </dsp:style>
+      <dsp:txBody>
+        <a:bodyPr spcFirstLastPara="0" vert="horz" wrap="square" lIns="6350" tIns="6350" rIns="6350" bIns="6350" numCol="1" spcCol="1270" anchor="ctr" anchorCtr="0">
+          <a:noAutofit/>
+        </a:bodyPr>
+        <a:lstStyle/>
+        <a:p>
+          <a:pPr marL="0" lvl="0" indent="0" algn="ctr" defTabSz="444500">
+            <a:lnSpc>
+              <a:spcPct val="90000"/>
+            </a:lnSpc>
+            <a:spcBef>
+              <a:spcPct val="0"/>
+            </a:spcBef>
+            <a:spcAft>
+              <a:spcPct val="35000"/>
+            </a:spcAft>
+            <a:buNone/>
+          </a:pPr>
+          <a:r>
+            <a:rPr lang="cs-CZ" sz="1000" kern="1200" dirty="0"/>
+            <a:t>0,5 % TECH</a:t>
+          </a:r>
+        </a:p>
+      </dsp:txBody>
+      <dsp:txXfrm>
+        <a:off x="2294793" y="3863429"/>
+        <a:ext cx="948160" cy="474080"/>
+      </dsp:txXfrm>
+    </dsp:sp>
+    <dsp:sp modelId="{B05913EA-5DCF-4BE4-A07D-EBF0956CDFCC}">
+      <dsp:nvSpPr>
+        <dsp:cNvPr id="0" name=""/>
+        <dsp:cNvSpPr/>
+      </dsp:nvSpPr>
+      <dsp:spPr>
+        <a:xfrm>
+          <a:off x="3442067" y="3863429"/>
+          <a:ext cx="948160" cy="474080"/>
+        </a:xfrm>
+        <a:prstGeom prst="rect">
+          <a:avLst/>
+        </a:prstGeom>
+        <a:solidFill>
+          <a:schemeClr val="lt1">
+            <a:hueOff val="0"/>
+            <a:satOff val="0"/>
+            <a:lumOff val="0"/>
+            <a:alphaOff val="0"/>
+          </a:schemeClr>
+        </a:solidFill>
+        <a:ln w="25400" cap="flat" cmpd="sng" algn="ctr">
+          <a:solidFill>
+            <a:schemeClr val="dk1">
+              <a:shade val="80000"/>
+              <a:hueOff val="0"/>
+              <a:satOff val="0"/>
+              <a:lumOff val="0"/>
+              <a:alphaOff val="0"/>
+            </a:schemeClr>
+          </a:solidFill>
+          <a:prstDash val="solid"/>
+        </a:ln>
+        <a:effectLst/>
+      </dsp:spPr>
+      <dsp:style>
+        <a:lnRef idx="2">
+          <a:scrgbClr r="0" g="0" b="0"/>
+        </a:lnRef>
+        <a:fillRef idx="1">
+          <a:scrgbClr r="0" g="0" b="0"/>
+        </a:fillRef>
+        <a:effectRef idx="0">
+          <a:scrgbClr r="0" g="0" b="0"/>
+        </a:effectRef>
+        <a:fontRef idx="minor">
+          <a:schemeClr val="lt1"/>
+        </a:fontRef>
+      </dsp:style>
+      <dsp:txBody>
+        <a:bodyPr spcFirstLastPara="0" vert="horz" wrap="square" lIns="6350" tIns="6350" rIns="6350" bIns="6350" numCol="1" spcCol="1270" anchor="ctr" anchorCtr="0">
+          <a:noAutofit/>
+        </a:bodyPr>
+        <a:lstStyle/>
+        <a:p>
+          <a:pPr marL="0" lvl="0" indent="0" algn="ctr" defTabSz="444500">
+            <a:lnSpc>
+              <a:spcPct val="90000"/>
+            </a:lnSpc>
+            <a:spcBef>
+              <a:spcPct val="0"/>
+            </a:spcBef>
+            <a:spcAft>
+              <a:spcPct val="35000"/>
+            </a:spcAft>
+            <a:buNone/>
+          </a:pPr>
+          <a:r>
+            <a:rPr lang="cs-CZ" sz="1000" kern="1200" dirty="0"/>
+            <a:t>21,4 % BLUE</a:t>
+          </a:r>
+        </a:p>
+      </dsp:txBody>
+      <dsp:txXfrm>
+        <a:off x="3442067" y="3863429"/>
+        <a:ext cx="948160" cy="474080"/>
+      </dsp:txXfrm>
+    </dsp:sp>
+    <dsp:sp modelId="{2EC4DB48-1859-4E9A-B760-1A9C10F157D4}">
+      <dsp:nvSpPr>
+        <dsp:cNvPr id="0" name=""/>
+        <dsp:cNvSpPr/>
+      </dsp:nvSpPr>
+      <dsp:spPr>
+        <a:xfrm>
+          <a:off x="6310251" y="2517042"/>
+          <a:ext cx="948160" cy="474080"/>
+        </a:xfrm>
+        <a:prstGeom prst="rect">
+          <a:avLst/>
+        </a:prstGeom>
+        <a:solidFill>
+          <a:schemeClr val="lt1">
+            <a:hueOff val="0"/>
+            <a:satOff val="0"/>
+            <a:lumOff val="0"/>
+            <a:alphaOff val="0"/>
+          </a:schemeClr>
+        </a:solidFill>
+        <a:ln w="25400" cap="flat" cmpd="sng" algn="ctr">
+          <a:solidFill>
+            <a:schemeClr val="dk1">
+              <a:shade val="80000"/>
+              <a:hueOff val="0"/>
+              <a:satOff val="0"/>
+              <a:lumOff val="0"/>
+              <a:alphaOff val="0"/>
+            </a:schemeClr>
+          </a:solidFill>
+          <a:prstDash val="solid"/>
+        </a:ln>
+        <a:effectLst/>
+      </dsp:spPr>
+      <dsp:style>
+        <a:lnRef idx="2">
+          <a:scrgbClr r="0" g="0" b="0"/>
+        </a:lnRef>
+        <a:fillRef idx="1">
+          <a:scrgbClr r="0" g="0" b="0"/>
+        </a:fillRef>
+        <a:effectRef idx="0">
+          <a:scrgbClr r="0" g="0" b="0"/>
+        </a:effectRef>
+        <a:fontRef idx="minor">
+          <a:schemeClr val="lt1"/>
+        </a:fontRef>
+      </dsp:style>
+      <dsp:txBody>
+        <a:bodyPr spcFirstLastPara="0" vert="horz" wrap="square" lIns="6350" tIns="6350" rIns="6350" bIns="6350" numCol="1" spcCol="1270" anchor="ctr" anchorCtr="0">
+          <a:noAutofit/>
+        </a:bodyPr>
+        <a:lstStyle/>
+        <a:p>
+          <a:pPr marL="0" lvl="0" indent="0" algn="ctr" defTabSz="444500">
+            <a:lnSpc>
+              <a:spcPct val="90000"/>
+            </a:lnSpc>
+            <a:spcBef>
+              <a:spcPct val="0"/>
+            </a:spcBef>
+            <a:spcAft>
+              <a:spcPct val="35000"/>
+            </a:spcAft>
+            <a:buNone/>
+          </a:pPr>
+          <a:r>
+            <a:rPr lang="cs-CZ" sz="1000" kern="1200" dirty="0"/>
+            <a:t>V475 &lt;= 0,569</a:t>
+          </a:r>
+        </a:p>
+        <a:p>
+          <a:pPr marL="0" lvl="0" indent="0" algn="ctr" defTabSz="444500">
+            <a:lnSpc>
+              <a:spcPct val="90000"/>
+            </a:lnSpc>
+            <a:spcBef>
+              <a:spcPct val="0"/>
+            </a:spcBef>
+            <a:spcAft>
+              <a:spcPct val="35000"/>
+            </a:spcAft>
+            <a:buNone/>
+          </a:pPr>
+          <a:r>
+            <a:rPr lang="cs-CZ" sz="1000" kern="1200" dirty="0"/>
+            <a:t>56,1 % TECH</a:t>
+          </a:r>
+        </a:p>
+      </dsp:txBody>
+      <dsp:txXfrm>
+        <a:off x="6310251" y="2517042"/>
+        <a:ext cx="948160" cy="474080"/>
+      </dsp:txXfrm>
+    </dsp:sp>
+    <dsp:sp modelId="{87D7A803-3C33-4ECD-8295-7578CF5A526E}">
+      <dsp:nvSpPr>
+        <dsp:cNvPr id="0" name=""/>
+        <dsp:cNvSpPr/>
+      </dsp:nvSpPr>
+      <dsp:spPr>
+        <a:xfrm>
+          <a:off x="5162978" y="3190236"/>
+          <a:ext cx="948160" cy="474080"/>
+        </a:xfrm>
+        <a:prstGeom prst="rect">
+          <a:avLst/>
+        </a:prstGeom>
+        <a:solidFill>
+          <a:schemeClr val="lt1">
+            <a:hueOff val="0"/>
+            <a:satOff val="0"/>
+            <a:lumOff val="0"/>
+            <a:alphaOff val="0"/>
+          </a:schemeClr>
+        </a:solidFill>
+        <a:ln w="25400" cap="flat" cmpd="sng" algn="ctr">
+          <a:solidFill>
+            <a:schemeClr val="dk1">
+              <a:shade val="80000"/>
+              <a:hueOff val="0"/>
+              <a:satOff val="0"/>
+              <a:lumOff val="0"/>
+              <a:alphaOff val="0"/>
+            </a:schemeClr>
+          </a:solidFill>
+          <a:prstDash val="solid"/>
+        </a:ln>
+        <a:effectLst/>
+      </dsp:spPr>
+      <dsp:style>
+        <a:lnRef idx="2">
+          <a:scrgbClr r="0" g="0" b="0"/>
+        </a:lnRef>
+        <a:fillRef idx="1">
+          <a:scrgbClr r="0" g="0" b="0"/>
+        </a:fillRef>
+        <a:effectRef idx="0">
+          <a:scrgbClr r="0" g="0" b="0"/>
+        </a:effectRef>
+        <a:fontRef idx="minor">
+          <a:schemeClr val="lt1"/>
+        </a:fontRef>
+      </dsp:style>
+      <dsp:txBody>
+        <a:bodyPr spcFirstLastPara="0" vert="horz" wrap="square" lIns="6350" tIns="6350" rIns="6350" bIns="6350" numCol="1" spcCol="1270" anchor="ctr" anchorCtr="0">
+          <a:noAutofit/>
+        </a:bodyPr>
+        <a:lstStyle/>
+        <a:p>
+          <a:pPr marL="0" lvl="0" indent="0" algn="ctr" defTabSz="444500">
+            <a:lnSpc>
+              <a:spcPct val="90000"/>
+            </a:lnSpc>
+            <a:spcBef>
+              <a:spcPct val="0"/>
+            </a:spcBef>
+            <a:spcAft>
+              <a:spcPct val="35000"/>
+            </a:spcAft>
+            <a:buNone/>
+          </a:pPr>
+          <a:r>
+            <a:rPr lang="cs-CZ" sz="1000" kern="1200" dirty="0"/>
+            <a:t>X &lt;= 311,5</a:t>
+          </a:r>
+        </a:p>
+        <a:p>
+          <a:pPr marL="0" lvl="0" indent="0" algn="ctr" defTabSz="444500">
+            <a:lnSpc>
+              <a:spcPct val="90000"/>
+            </a:lnSpc>
+            <a:spcBef>
+              <a:spcPct val="0"/>
+            </a:spcBef>
+            <a:spcAft>
+              <a:spcPct val="35000"/>
+            </a:spcAft>
+            <a:buNone/>
+          </a:pPr>
+          <a:r>
+            <a:rPr lang="cs-CZ" sz="1000" kern="1200" dirty="0"/>
+            <a:t>10,7 % DRY</a:t>
+          </a:r>
+        </a:p>
+      </dsp:txBody>
+      <dsp:txXfrm>
+        <a:off x="5162978" y="3190236"/>
+        <a:ext cx="948160" cy="474080"/>
+      </dsp:txXfrm>
+    </dsp:sp>
+    <dsp:sp modelId="{0C88E0C5-9A04-441D-8C3A-BE90E4F663F5}">
+      <dsp:nvSpPr>
+        <dsp:cNvPr id="0" name=""/>
+        <dsp:cNvSpPr/>
+      </dsp:nvSpPr>
+      <dsp:spPr>
+        <a:xfrm>
+          <a:off x="4589341" y="3863429"/>
+          <a:ext cx="948160" cy="474080"/>
+        </a:xfrm>
+        <a:prstGeom prst="rect">
+          <a:avLst/>
+        </a:prstGeom>
+        <a:solidFill>
+          <a:schemeClr val="lt1">
+            <a:hueOff val="0"/>
+            <a:satOff val="0"/>
+            <a:lumOff val="0"/>
+            <a:alphaOff val="0"/>
+          </a:schemeClr>
+        </a:solidFill>
+        <a:ln w="25400" cap="flat" cmpd="sng" algn="ctr">
+          <a:solidFill>
+            <a:schemeClr val="dk1">
+              <a:shade val="80000"/>
+              <a:hueOff val="0"/>
+              <a:satOff val="0"/>
+              <a:lumOff val="0"/>
+              <a:alphaOff val="0"/>
+            </a:schemeClr>
+          </a:solidFill>
+          <a:prstDash val="solid"/>
+        </a:ln>
+        <a:effectLst/>
+      </dsp:spPr>
+      <dsp:style>
+        <a:lnRef idx="2">
+          <a:scrgbClr r="0" g="0" b="0"/>
+        </a:lnRef>
+        <a:fillRef idx="1">
+          <a:scrgbClr r="0" g="0" b="0"/>
+        </a:fillRef>
+        <a:effectRef idx="0">
+          <a:scrgbClr r="0" g="0" b="0"/>
+        </a:effectRef>
+        <a:fontRef idx="minor">
+          <a:schemeClr val="lt1"/>
+        </a:fontRef>
+      </dsp:style>
+      <dsp:txBody>
+        <a:bodyPr spcFirstLastPara="0" vert="horz" wrap="square" lIns="6350" tIns="6350" rIns="6350" bIns="6350" numCol="1" spcCol="1270" anchor="ctr" anchorCtr="0">
+          <a:noAutofit/>
+        </a:bodyPr>
+        <a:lstStyle/>
+        <a:p>
+          <a:pPr marL="0" lvl="0" indent="0" algn="ctr" defTabSz="444500">
+            <a:lnSpc>
+              <a:spcPct val="90000"/>
+            </a:lnSpc>
+            <a:spcBef>
+              <a:spcPct val="0"/>
+            </a:spcBef>
+            <a:spcAft>
+              <a:spcPct val="35000"/>
+            </a:spcAft>
+            <a:buNone/>
+          </a:pPr>
+          <a:r>
+            <a:rPr lang="cs-CZ" sz="1000" kern="1200" dirty="0"/>
+            <a:t>7,5 % DRY</a:t>
+          </a:r>
+        </a:p>
+      </dsp:txBody>
+      <dsp:txXfrm>
+        <a:off x="4589341" y="3863429"/>
+        <a:ext cx="948160" cy="474080"/>
+      </dsp:txXfrm>
+    </dsp:sp>
+    <dsp:sp modelId="{D7FFEBC9-F48C-4D09-B37A-0031D79C7B82}">
+      <dsp:nvSpPr>
+        <dsp:cNvPr id="0" name=""/>
+        <dsp:cNvSpPr/>
+      </dsp:nvSpPr>
+      <dsp:spPr>
+        <a:xfrm>
+          <a:off x="5736614" y="3863429"/>
+          <a:ext cx="948160" cy="474080"/>
+        </a:xfrm>
+        <a:prstGeom prst="rect">
+          <a:avLst/>
+        </a:prstGeom>
+        <a:solidFill>
+          <a:schemeClr val="lt1">
+            <a:hueOff val="0"/>
+            <a:satOff val="0"/>
+            <a:lumOff val="0"/>
+            <a:alphaOff val="0"/>
+          </a:schemeClr>
+        </a:solidFill>
+        <a:ln w="25400" cap="flat" cmpd="sng" algn="ctr">
+          <a:solidFill>
+            <a:schemeClr val="dk1">
+              <a:shade val="80000"/>
+              <a:hueOff val="0"/>
+              <a:satOff val="0"/>
+              <a:lumOff val="0"/>
+              <a:alphaOff val="0"/>
+            </a:schemeClr>
+          </a:solidFill>
+          <a:prstDash val="solid"/>
+        </a:ln>
+        <a:effectLst/>
+      </dsp:spPr>
+      <dsp:style>
+        <a:lnRef idx="2">
+          <a:scrgbClr r="0" g="0" b="0"/>
+        </a:lnRef>
+        <a:fillRef idx="1">
+          <a:scrgbClr r="0" g="0" b="0"/>
+        </a:fillRef>
+        <a:effectRef idx="0">
+          <a:scrgbClr r="0" g="0" b="0"/>
+        </a:effectRef>
+        <a:fontRef idx="minor">
+          <a:schemeClr val="lt1"/>
+        </a:fontRef>
+      </dsp:style>
+      <dsp:txBody>
+        <a:bodyPr spcFirstLastPara="0" vert="horz" wrap="square" lIns="6350" tIns="6350" rIns="6350" bIns="6350" numCol="1" spcCol="1270" anchor="ctr" anchorCtr="0">
+          <a:noAutofit/>
+        </a:bodyPr>
+        <a:lstStyle/>
+        <a:p>
+          <a:pPr marL="0" lvl="0" indent="0" algn="ctr" defTabSz="444500">
+            <a:lnSpc>
+              <a:spcPct val="90000"/>
+            </a:lnSpc>
+            <a:spcBef>
+              <a:spcPct val="0"/>
+            </a:spcBef>
+            <a:spcAft>
+              <a:spcPct val="35000"/>
+            </a:spcAft>
+            <a:buNone/>
+          </a:pPr>
+          <a:r>
+            <a:rPr lang="cs-CZ" sz="1000" kern="1200" dirty="0"/>
+            <a:t>3,2 % TECH</a:t>
+          </a:r>
+        </a:p>
+      </dsp:txBody>
+      <dsp:txXfrm>
+        <a:off x="5736614" y="3863429"/>
+        <a:ext cx="948160" cy="474080"/>
+      </dsp:txXfrm>
+    </dsp:sp>
+    <dsp:sp modelId="{4191F868-E4B9-4CD3-8035-0656BB7B25C6}">
+      <dsp:nvSpPr>
+        <dsp:cNvPr id="0" name=""/>
+        <dsp:cNvSpPr/>
+      </dsp:nvSpPr>
+      <dsp:spPr>
+        <a:xfrm>
+          <a:off x="7457525" y="3190236"/>
+          <a:ext cx="948160" cy="474080"/>
+        </a:xfrm>
+        <a:prstGeom prst="rect">
+          <a:avLst/>
+        </a:prstGeom>
+        <a:solidFill>
+          <a:schemeClr val="lt1">
+            <a:hueOff val="0"/>
+            <a:satOff val="0"/>
+            <a:lumOff val="0"/>
+            <a:alphaOff val="0"/>
+          </a:schemeClr>
+        </a:solidFill>
+        <a:ln w="25400" cap="flat" cmpd="sng" algn="ctr">
+          <a:solidFill>
+            <a:schemeClr val="dk1">
+              <a:shade val="80000"/>
+              <a:hueOff val="0"/>
+              <a:satOff val="0"/>
+              <a:lumOff val="0"/>
+              <a:alphaOff val="0"/>
+            </a:schemeClr>
+          </a:solidFill>
+          <a:prstDash val="solid"/>
+        </a:ln>
+        <a:effectLst/>
+      </dsp:spPr>
+      <dsp:style>
+        <a:lnRef idx="2">
+          <a:scrgbClr r="0" g="0" b="0"/>
+        </a:lnRef>
+        <a:fillRef idx="1">
+          <a:scrgbClr r="0" g="0" b="0"/>
+        </a:fillRef>
+        <a:effectRef idx="0">
+          <a:scrgbClr r="0" g="0" b="0"/>
+        </a:effectRef>
+        <a:fontRef idx="minor">
+          <a:schemeClr val="lt1"/>
+        </a:fontRef>
+      </dsp:style>
+      <dsp:txBody>
+        <a:bodyPr spcFirstLastPara="0" vert="horz" wrap="square" lIns="6350" tIns="6350" rIns="6350" bIns="6350" numCol="1" spcCol="1270" anchor="ctr" anchorCtr="0">
+          <a:noAutofit/>
+        </a:bodyPr>
+        <a:lstStyle/>
+        <a:p>
+          <a:pPr marL="0" lvl="0" indent="0" algn="ctr" defTabSz="444500">
+            <a:lnSpc>
+              <a:spcPct val="90000"/>
+            </a:lnSpc>
+            <a:spcBef>
+              <a:spcPct val="0"/>
+            </a:spcBef>
+            <a:spcAft>
+              <a:spcPct val="35000"/>
+            </a:spcAft>
+            <a:buNone/>
+          </a:pPr>
+          <a:r>
+            <a:rPr lang="cs-CZ" sz="1000" kern="1200" dirty="0"/>
+            <a:t>V460 &lt;= 0,632</a:t>
+          </a:r>
+        </a:p>
+        <a:p>
+          <a:pPr marL="0" lvl="0" indent="0" algn="ctr" defTabSz="444500">
+            <a:lnSpc>
+              <a:spcPct val="90000"/>
+            </a:lnSpc>
+            <a:spcBef>
+              <a:spcPct val="0"/>
+            </a:spcBef>
+            <a:spcAft>
+              <a:spcPct val="35000"/>
+            </a:spcAft>
+            <a:buNone/>
+          </a:pPr>
+          <a:r>
+            <a:rPr lang="cs-CZ" sz="1000" kern="1200" dirty="0"/>
+            <a:t>45,4 % TECH</a:t>
+          </a:r>
+        </a:p>
+      </dsp:txBody>
+      <dsp:txXfrm>
+        <a:off x="7457525" y="3190236"/>
+        <a:ext cx="948160" cy="474080"/>
+      </dsp:txXfrm>
+    </dsp:sp>
+    <dsp:sp modelId="{E25C63F8-79C2-4428-981E-9C8DE12C9A7E}">
+      <dsp:nvSpPr>
+        <dsp:cNvPr id="0" name=""/>
+        <dsp:cNvSpPr/>
+      </dsp:nvSpPr>
+      <dsp:spPr>
+        <a:xfrm>
+          <a:off x="6883888" y="3863429"/>
+          <a:ext cx="948160" cy="474080"/>
+        </a:xfrm>
+        <a:prstGeom prst="rect">
+          <a:avLst/>
+        </a:prstGeom>
+        <a:solidFill>
+          <a:schemeClr val="lt1">
+            <a:hueOff val="0"/>
+            <a:satOff val="0"/>
+            <a:lumOff val="0"/>
+            <a:alphaOff val="0"/>
+          </a:schemeClr>
+        </a:solidFill>
+        <a:ln w="25400" cap="flat" cmpd="sng" algn="ctr">
+          <a:solidFill>
+            <a:schemeClr val="dk1">
+              <a:shade val="80000"/>
+              <a:hueOff val="0"/>
+              <a:satOff val="0"/>
+              <a:lumOff val="0"/>
+              <a:alphaOff val="0"/>
+            </a:schemeClr>
+          </a:solidFill>
+          <a:prstDash val="solid"/>
+        </a:ln>
+        <a:effectLst/>
+      </dsp:spPr>
+      <dsp:style>
+        <a:lnRef idx="2">
+          <a:scrgbClr r="0" g="0" b="0"/>
+        </a:lnRef>
+        <a:fillRef idx="1">
+          <a:scrgbClr r="0" g="0" b="0"/>
+        </a:fillRef>
+        <a:effectRef idx="0">
+          <a:scrgbClr r="0" g="0" b="0"/>
+        </a:effectRef>
+        <a:fontRef idx="minor">
+          <a:schemeClr val="lt1"/>
+        </a:fontRef>
+      </dsp:style>
+      <dsp:txBody>
+        <a:bodyPr spcFirstLastPara="0" vert="horz" wrap="square" lIns="6350" tIns="6350" rIns="6350" bIns="6350" numCol="1" spcCol="1270" anchor="ctr" anchorCtr="0">
+          <a:noAutofit/>
+        </a:bodyPr>
+        <a:lstStyle/>
+        <a:p>
+          <a:pPr marL="0" lvl="0" indent="0" algn="ctr" defTabSz="444500">
+            <a:lnSpc>
+              <a:spcPct val="90000"/>
+            </a:lnSpc>
+            <a:spcBef>
+              <a:spcPct val="0"/>
+            </a:spcBef>
+            <a:spcAft>
+              <a:spcPct val="35000"/>
+            </a:spcAft>
+            <a:buNone/>
+          </a:pPr>
+          <a:r>
+            <a:rPr lang="cs-CZ" sz="1000" kern="1200" dirty="0"/>
+            <a:t>1,0 % TECH</a:t>
+          </a:r>
+        </a:p>
+      </dsp:txBody>
+      <dsp:txXfrm>
+        <a:off x="6883888" y="3863429"/>
+        <a:ext cx="948160" cy="474080"/>
+      </dsp:txXfrm>
+    </dsp:sp>
+    <dsp:sp modelId="{EB3F80F7-7EF5-4331-8E24-D336342F0E06}">
+      <dsp:nvSpPr>
+        <dsp:cNvPr id="0" name=""/>
+        <dsp:cNvSpPr/>
+      </dsp:nvSpPr>
+      <dsp:spPr>
+        <a:xfrm>
+          <a:off x="8031162" y="3863429"/>
+          <a:ext cx="948160" cy="474080"/>
+        </a:xfrm>
+        <a:prstGeom prst="rect">
+          <a:avLst/>
+        </a:prstGeom>
+        <a:solidFill>
+          <a:schemeClr val="lt1">
+            <a:hueOff val="0"/>
+            <a:satOff val="0"/>
+            <a:lumOff val="0"/>
+            <a:alphaOff val="0"/>
+          </a:schemeClr>
+        </a:solidFill>
+        <a:ln w="25400" cap="flat" cmpd="sng" algn="ctr">
+          <a:solidFill>
+            <a:schemeClr val="dk1">
+              <a:shade val="80000"/>
+              <a:hueOff val="0"/>
+              <a:satOff val="0"/>
+              <a:lumOff val="0"/>
+              <a:alphaOff val="0"/>
+            </a:schemeClr>
+          </a:solidFill>
+          <a:prstDash val="solid"/>
+        </a:ln>
+        <a:effectLst/>
+      </dsp:spPr>
+      <dsp:style>
+        <a:lnRef idx="2">
+          <a:scrgbClr r="0" g="0" b="0"/>
+        </a:lnRef>
+        <a:fillRef idx="1">
+          <a:scrgbClr r="0" g="0" b="0"/>
+        </a:fillRef>
+        <a:effectRef idx="0">
+          <a:scrgbClr r="0" g="0" b="0"/>
+        </a:effectRef>
+        <a:fontRef idx="minor">
+          <a:schemeClr val="lt1"/>
+        </a:fontRef>
+      </dsp:style>
+      <dsp:txBody>
+        <a:bodyPr spcFirstLastPara="0" vert="horz" wrap="square" lIns="6350" tIns="6350" rIns="6350" bIns="6350" numCol="1" spcCol="1270" anchor="ctr" anchorCtr="0">
+          <a:noAutofit/>
+        </a:bodyPr>
+        <a:lstStyle/>
+        <a:p>
+          <a:pPr marL="0" lvl="0" indent="0" algn="ctr" defTabSz="444500">
+            <a:lnSpc>
+              <a:spcPct val="90000"/>
+            </a:lnSpc>
+            <a:spcBef>
+              <a:spcPct val="0"/>
+            </a:spcBef>
+            <a:spcAft>
+              <a:spcPct val="35000"/>
+            </a:spcAft>
+            <a:buNone/>
+          </a:pPr>
+          <a:r>
+            <a:rPr lang="cs-CZ" sz="1000" kern="1200" dirty="0"/>
+            <a:t>44,4 % TECH</a:t>
+          </a:r>
+        </a:p>
+      </dsp:txBody>
+      <dsp:txXfrm>
+        <a:off x="8031162" y="3863429"/>
+        <a:ext cx="948160" cy="474080"/>
+      </dsp:txXfrm>
+    </dsp:sp>
+  </dsp:spTree>
+</dsp:drawing>
+</file>
+
+<file path=ppt/diagrams/layout1.xml><?xml version="1.0" encoding="utf-8"?>
+<dgm:layoutDef xmlns:dgm="http://schemas.openxmlformats.org/drawingml/2006/diagram" xmlns:a="http://schemas.openxmlformats.org/drawingml/2006/main" uniqueId="urn:microsoft.com/office/officeart/2005/8/layout/orgChart1">
+  <dgm:title val=""/>
+  <dgm:desc val=""/>
+  <dgm:catLst>
+    <dgm:cat type="hierarchy" pri="1000"/>
+    <dgm:cat type="convert" pri="6000"/>
+  </dgm:catLst>
+  <dgm:sampData>
+    <dgm:dataModel>
+      <dgm:ptLst>
+        <dgm:pt modelId="0" type="doc"/>
+        <dgm:pt modelId="1">
+          <dgm:prSet phldr="1"/>
+        </dgm:pt>
+        <dgm:pt modelId="2" type="asst">
+          <dgm:prSet phldr="1"/>
+        </dgm:pt>
+        <dgm:pt modelId="3">
+          <dgm:prSet phldr="1"/>
+        </dgm:pt>
+        <dgm:pt modelId="4">
+          <dgm:prSet phldr="1"/>
+        </dgm:pt>
+        <dgm:pt modelId="5">
+          <dgm:prSet phldr="1"/>
+        </dgm:pt>
+      </dgm:ptLst>
+      <dgm:cxnLst>
+        <dgm:cxn modelId="5" srcId="0" destId="1" srcOrd="0" destOrd="0"/>
+        <dgm:cxn modelId="6" srcId="1" destId="2" srcOrd="0" destOrd="0"/>
+        <dgm:cxn modelId="7" srcId="1" destId="3" srcOrd="1" destOrd="0"/>
+        <dgm:cxn modelId="8" srcId="1" destId="4" srcOrd="2" destOrd="0"/>
+        <dgm:cxn modelId="9" srcId="1" destId="5" srcOrd="3" destOrd="0"/>
+      </dgm:cxnLst>
+      <dgm:bg/>
+      <dgm:whole/>
+    </dgm:dataModel>
+  </dgm:sampData>
+  <dgm:styleData>
+    <dgm:dataModel>
+      <dgm:ptLst>
+        <dgm:pt modelId="0" type="doc"/>
+        <dgm:pt modelId="1"/>
+        <dgm:pt modelId="12"/>
+        <dgm:pt modelId="13"/>
+      </dgm:ptLst>
+      <dgm:cxnLst>
+        <dgm:cxn modelId="2" srcId="0" destId="1" srcOrd="0" destOrd="0"/>
+        <dgm:cxn modelId="16" srcId="1" destId="12" srcOrd="1" destOrd="0"/>
+        <dgm:cxn modelId="17" srcId="1" destId="13" srcOrd="2" destOrd="0"/>
+      </dgm:cxnLst>
+      <dgm:bg/>
+      <dgm:whole/>
+    </dgm:dataModel>
+  </dgm:styleData>
+  <dgm:clrData>
+    <dgm:dataModel>
+      <dgm:ptLst>
+        <dgm:pt modelId="0" type="doc"/>
+        <dgm:pt modelId="1"/>
+        <dgm:pt modelId="11" type="asst"/>
+        <dgm:pt modelId="12"/>
+        <dgm:pt modelId="13"/>
+        <dgm:pt modelId="14"/>
+      </dgm:ptLst>
+      <dgm:cxnLst>
+        <dgm:cxn modelId="2" srcId="0" destId="1" srcOrd="0" destOrd="0"/>
+        <dgm:cxn modelId="15" srcId="1" destId="11" srcOrd="0" destOrd="0"/>
+        <dgm:cxn modelId="16" srcId="1" destId="12" srcOrd="1" destOrd="0"/>
+        <dgm:cxn modelId="17" srcId="1" destId="13" srcOrd="2" destOrd="0"/>
+        <dgm:cxn modelId="18" srcId="1" destId="14" srcOrd="2" destOrd="0"/>
+      </dgm:cxnLst>
+      <dgm:bg/>
+      <dgm:whole/>
+    </dgm:dataModel>
+  </dgm:clrData>
+  <dgm:layoutNode name="hierChild1">
+    <dgm:varLst>
+      <dgm:orgChart val="1"/>
+      <dgm:chPref val="1"/>
+      <dgm:dir/>
+      <dgm:animOne val="branch"/>
+      <dgm:animLvl val="lvl"/>
+      <dgm:resizeHandles/>
+    </dgm:varLst>
+    <dgm:choose name="Name0">
+      <dgm:if name="Name1" func="var" arg="dir" op="equ" val="norm">
+        <dgm:alg type="hierChild">
+          <dgm:param type="linDir" val="fromL"/>
+        </dgm:alg>
+      </dgm:if>
+      <dgm:else name="Name2">
+        <dgm:alg type="hierChild">
+          <dgm:param type="linDir" val="fromR"/>
+        </dgm:alg>
+      </dgm:else>
+    </dgm:choose>
+    <dgm:shape xmlns:r="http://schemas.openxmlformats.org/officeDocument/2006/relationships" r:blip="">
+      <dgm:adjLst/>
+    </dgm:shape>
+    <dgm:presOf/>
+    <dgm:constrLst>
+      <dgm:constr type="w" for="des" forName="rootComposite1" refType="w" fact="10"/>
+      <dgm:constr type="h" for="des" forName="rootComposite1" refType="w" refFor="des" refForName="rootComposite1" fact="0.5"/>
+      <dgm:constr type="w" for="des" forName="rootComposite" refType="w" fact="10"/>
+      <dgm:constr type="h" for="des" forName="rootComposite" refType="w" refFor="des" refForName="rootComposite1" fact="0.5"/>
+      <dgm:constr type="w" for="des" forName="rootComposite3" refType="w" fact="10"/>
+      <dgm:constr type="h" for="des" forName="rootComposite3" refType="w" refFor="des" refForName="rootComposite1" fact="0.5"/>
+      <dgm:constr type="primFontSz" for="des" ptType="node" op="equ"/>
+      <dgm:constr type="sp" for="des" op="equ"/>
+      <dgm:constr type="sp" for="des" forName="hierRoot1" refType="w" refFor="des" refForName="rootComposite1" fact="0.21"/>
+      <dgm:constr type="sp" for="des" forName="hierRoot2" refType="sp" refFor="des" refForName="hierRoot1"/>
+      <dgm:constr type="sp" for="des" forName="hierRoot3" refType="sp" refFor="des" refForName="hierRoot1"/>
+      <dgm:constr type="sibSp" refType="w" refFor="des" refForName="rootComposite1" fact="0.21"/>
+      <dgm:constr type="sibSp" for="des" forName="hierChild2" refType="sibSp"/>
+      <dgm:constr type="sibSp" for="des" forName="hierChild3" refType="sibSp"/>
+      <dgm:constr type="sibSp" for="des" forName="hierChild4" refType="sibSp"/>
+      <dgm:constr type="sibSp" for="des" forName="hierChild5" refType="sibSp"/>
+      <dgm:constr type="sibSp" for="des" forName="hierChild6" refType="sibSp"/>
+      <dgm:constr type="sibSp" for="des" forName="hierChild7" refType="sibSp"/>
+      <dgm:constr type="secSibSp" refType="w" refFor="des" refForName="rootComposite1" fact="0.21"/>
+      <dgm:constr type="secSibSp" for="des" forName="hierChild2" refType="secSibSp"/>
+      <dgm:constr type="secSibSp" for="des" forName="hierChild3" refType="secSibSp"/>
+      <dgm:constr type="secSibSp" for="des" forName="hierChild4" refType="secSibSp"/>
+      <dgm:constr type="secSibSp" for="des" forName="hierChild5" refType="secSibSp"/>
+      <dgm:constr type="secSibSp" for="des" forName="hierChild6" refType="secSibSp"/>
+      <dgm:constr type="secSibSp" for="des" forName="hierChild7" refType="secSibSp"/>
+    </dgm:constrLst>
+    <dgm:ruleLst/>
+    <dgm:forEach name="Name3" axis="ch">
+      <dgm:forEach name="Name4" axis="self" ptType="node">
+        <dgm:layoutNode name="hierRoot1">
+          <dgm:varLst>
+            <dgm:hierBranch val="init"/>
+          </dgm:varLst>
+          <dgm:choose name="Name5">
+            <dgm:if name="Name6" func="var" arg="hierBranch" op="equ" val="l">
+              <dgm:choose name="Name7">
+                <dgm:if name="Name8" axis="ch" ptType="asst" func="cnt" op="gte" val="1">
+                  <dgm:alg type="hierRoot">
+                    <dgm:param type="hierAlign" val="tR"/>
+                  </dgm:alg>
+                  <dgm:constrLst>
+                    <dgm:constr type="alignOff" val="0.65"/>
+                  </dgm:constrLst>
+                </dgm:if>
+                <dgm:else name="Name9">
+                  <dgm:alg type="hierRoot">
+                    <dgm:param type="hierAlign" val="tR"/>
+                  </dgm:alg>
+                  <dgm:constrLst>
+                    <dgm:constr type="alignOff" val="0.25"/>
+                  </dgm:constrLst>
+                </dgm:else>
+              </dgm:choose>
+            </dgm:if>
+            <dgm:if name="Name10" func="var" arg="hierBranch" op="equ" val="r">
+              <dgm:choose name="Name11">
+                <dgm:if name="Name12" axis="ch" ptType="asst" func="cnt" op="gte" val="1">
+                  <dgm:alg type="hierRoot">
+                    <dgm:param type="hierAlign" val="tL"/>
+                  </dgm:alg>
+                  <dgm:constrLst>
+                    <dgm:constr type="alignOff" val="0.65"/>
+                  </dgm:constrLst>
+                </dgm:if>
+                <dgm:else name="Name13">
+                  <dgm:alg type="hierRoot">
+                    <dgm:param type="hierAlign" val="tL"/>
+                  </dgm:alg>
+                  <dgm:constrLst>
+                    <dgm:constr type="alignOff" val="0.25"/>
+                  </dgm:constrLst>
+                </dgm:else>
+              </dgm:choose>
+            </dgm:if>
+            <dgm:if name="Name14" func="var" arg="hierBranch" op="equ" val="hang">
+              <dgm:alg type="hierRoot"/>
+              <dgm:constrLst>
+                <dgm:constr type="alignOff" val="0.65"/>
+              </dgm:constrLst>
+            </dgm:if>
+            <dgm:else name="Name15">
+              <dgm:alg type="hierRoot"/>
+              <dgm:constrLst>
+                <dgm:constr type="alignOff"/>
+                <dgm:constr type="bendDist" for="des" ptType="parTrans" refType="sp" fact="0.5"/>
+              </dgm:constrLst>
+            </dgm:else>
+          </dgm:choose>
+          <dgm:shape xmlns:r="http://schemas.openxmlformats.org/officeDocument/2006/relationships" r:blip="">
+            <dgm:adjLst/>
+          </dgm:shape>
+          <dgm:presOf/>
+          <dgm:ruleLst/>
+          <dgm:layoutNode name="rootComposite1">
+            <dgm:alg type="composite"/>
+            <dgm:shape xmlns:r="http://schemas.openxmlformats.org/officeDocument/2006/relationships" r:blip="">
+              <dgm:adjLst/>
+            </dgm:shape>
+            <dgm:presOf axis="self" ptType="node" cnt="1"/>
+            <dgm:choose name="Name16">
+              <dgm:if name="Name17" func="var" arg="hierBranch" op="equ" val="init">
+                <dgm:constrLst>
+                  <dgm:constr type="l" for="ch" forName="rootText1"/>
+                  <dgm:constr type="t" for="ch" forName="rootText1"/>
+                  <dgm:constr type="w" for="ch" forName="rootText1" refType="w"/>
+                  <dgm:constr type="h" for="ch" forName="rootText1" refType="h"/>
+                  <dgm:constr type="l" for="ch" forName="rootConnector1"/>
+                  <dgm:constr type="t" for="ch" forName="rootConnector1"/>
+                  <dgm:constr type="w" for="ch" forName="rootConnector1" refType="w" refFor="ch" refForName="rootText1" fact="0.2"/>
+                  <dgm:constr type="h" for="ch" forName="rootConnector1" refType="h" refFor="ch" refForName="rootText1"/>
+                </dgm:constrLst>
+              </dgm:if>
+              <dgm:if name="Name18" func="var" arg="hierBranch" op="equ" val="l">
+                <dgm:constrLst>
+                  <dgm:constr type="l" for="ch" forName="rootText1"/>
+                  <dgm:constr type="t" for="ch" forName="rootText1"/>
+                  <dgm:constr type="w" for="ch" forName="rootText1" refType="w"/>
+                  <dgm:constr type="h" for="ch" forName="rootText1" refType="h"/>
+                  <dgm:constr type="r" for="ch" forName="rootConnector1" refType="w"/>
+                  <dgm:constr type="t" for="ch" forName="rootConnector1"/>
+                  <dgm:constr type="w" for="ch" forName="rootConnector1" refType="w" refFor="ch" refForName="rootText1" fact="0.2"/>
+                  <dgm:constr type="h" for="ch" forName="rootConnector1" refType="h" refFor="ch" refForName="rootText1"/>
+                </dgm:constrLst>
+              </dgm:if>
+              <dgm:if name="Name19" func="var" arg="hierBranch" op="equ" val="r">
+                <dgm:constrLst>
+                  <dgm:constr type="l" for="ch" forName="rootText1"/>
+                  <dgm:constr type="t" for="ch" forName="rootText1"/>
+                  <dgm:constr type="w" for="ch" forName="rootText1" refType="w"/>
+                  <dgm:constr type="h" for="ch" forName="rootText1" refType="h"/>
+                  <dgm:constr type="l" for="ch" forName="rootConnector1"/>
+                  <dgm:constr type="t" for="ch" forName="rootConnector1"/>
+                  <dgm:constr type="w" for="ch" forName="rootConnector1" refType="w" refFor="ch" refForName="rootText1" fact="0.2"/>
+                  <dgm:constr type="h" for="ch" forName="rootConnector1" refType="h" refFor="ch" refForName="rootText1"/>
+                </dgm:constrLst>
+              </dgm:if>
+              <dgm:else name="Name20">
+                <dgm:constrLst>
+                  <dgm:constr type="l" for="ch" forName="rootText1"/>
+                  <dgm:constr type="t" for="ch" forName="rootText1"/>
+                  <dgm:constr type="w" for="ch" forName="rootText1" refType="w"/>
+                  <dgm:constr type="h" for="ch" forName="rootText1" refType="h"/>
+                  <dgm:constr type="r" for="ch" forName="rootConnector1" refType="w"/>
+                  <dgm:constr type="t" for="ch" forName="rootConnector1"/>
+                  <dgm:constr type="w" for="ch" forName="rootConnector1" refType="w" refFor="ch" refForName="rootText1" fact="0.2"/>
+                  <dgm:constr type="h" for="ch" forName="rootConnector1" refType="h" refFor="ch" refForName="rootText1"/>
+                </dgm:constrLst>
+              </dgm:else>
+            </dgm:choose>
+            <dgm:ruleLst/>
+            <dgm:layoutNode name="rootText1" styleLbl="node0">
+              <dgm:varLst>
+                <dgm:chPref val="3"/>
+              </dgm:varLst>
+              <dgm:alg type="tx"/>
+              <dgm:shape xmlns:r="http://schemas.openxmlformats.org/officeDocument/2006/relationships" type="rect" r:blip="">
+                <dgm:adjLst/>
+              </dgm:shape>
+              <dgm:presOf axis="self" ptType="node" cnt="1"/>
+              <dgm:constrLst>
+                <dgm:constr type="primFontSz" val="65"/>
+                <dgm:constr type="lMarg" refType="primFontSz" fact="0.05"/>
+                <dgm:constr type="rMarg" refType="primFontSz" fact="0.05"/>
+                <dgm:constr type="tMarg" refType="primFontSz" fact="0.05"/>
+                <dgm:constr type="bMarg" refType="primFontSz" fact="0.05"/>
+              </dgm:constrLst>
+              <dgm:ruleLst>
+                <dgm:rule type="primFontSz" val="5" fact="NaN" max="NaN"/>
+              </dgm:ruleLst>
+            </dgm:layoutNode>
+            <dgm:layoutNode name="rootConnector1" moveWith="rootText1">
+              <dgm:alg type="sp"/>
+              <dgm:shape xmlns:r="http://schemas.openxmlformats.org/officeDocument/2006/relationships" type="rect" r:blip="" hideGeom="1">
+                <dgm:adjLst/>
+              </dgm:shape>
+              <dgm:presOf axis="self" ptType="node" cnt="1"/>
+              <dgm:constrLst/>
+              <dgm:ruleLst/>
+            </dgm:layoutNode>
+          </dgm:layoutNode>
+          <dgm:layoutNode name="hierChild2">
+            <dgm:choose name="Name21">
+              <dgm:if name="Name22" func="var" arg="hierBranch" op="equ" val="l">
+                <dgm:alg type="hierChild">
+                  <dgm:param type="chAlign" val="r"/>
+                  <dgm:param type="linDir" val="fromT"/>
+                </dgm:alg>
+              </dgm:if>
+              <dgm:if name="Name23" func="var" arg="hierBranch" op="equ" val="r">
+                <dgm:alg type="hierChild">
+                  <dgm:param type="chAlign" val="l"/>
+                  <dgm:param type="linDir" val="fromT"/>
+                </dgm:alg>
+              </dgm:if>
+              <dgm:if name="Name24" func="var" arg="hierBranch" op="equ" val="hang">
+                <dgm:choose name="Name25">
+                  <dgm:if name="Name26" func="var" arg="dir" op="equ" val="norm">
+                    <dgm:alg type="hierChild">
+                      <dgm:param type="chAlign" val="l"/>
+                      <dgm:param type="linDir" val="fromL"/>
+                      <dgm:param type="secChAlign" val="t"/>
+                      <dgm:param type="secLinDir" val="fromT"/>
+                    </dgm:alg>
+                  </dgm:if>
+                  <dgm:else name="Name27">
+                    <dgm:alg type="hierChild">
+                      <dgm:param type="chAlign" val="l"/>
+                      <dgm:param type="linDir" val="fromR"/>
+                      <dgm:param type="secChAlign" val="t"/>
+                      <dgm:param type="secLinDir" val="fromT"/>
+                    </dgm:alg>
+                  </dgm:else>
+                </dgm:choose>
+              </dgm:if>
+              <dgm:else name="Name28">
+                <dgm:choose name="Name29">
+                  <dgm:if name="Name30" func="var" arg="dir" op="equ" val="norm">
+                    <dgm:alg type="hierChild"/>
+                  </dgm:if>
+                  <dgm:else name="Name31">
+                    <dgm:alg type="hierChild">
+                      <dgm:param type="linDir" val="fromR"/>
+                    </dgm:alg>
+                  </dgm:else>
+                </dgm:choose>
+              </dgm:else>
+            </dgm:choose>
+            <dgm:shape xmlns:r="http://schemas.openxmlformats.org/officeDocument/2006/relationships" r:blip="">
+              <dgm:adjLst/>
+            </dgm:shape>
+            <dgm:presOf/>
+            <dgm:constrLst/>
+            <dgm:ruleLst/>
+            <dgm:forEach name="rep2a" axis="ch" ptType="nonAsst">
+              <dgm:forEach name="Name32" axis="precedSib" ptType="parTrans" st="-1" cnt="1">
+                <dgm:choose name="Name33">
+                  <dgm:if name="Name34" func="var" arg="hierBranch" op="equ" val="std">
+                    <dgm:layoutNode name="Name35">
+                      <dgm:alg type="conn">
+                        <dgm:param type="connRout" val="bend"/>
+                        <dgm:param type="dim" val="1D"/>
+                        <dgm:param type="endSty" val="noArr"/>
+                        <dgm:param type="begPts" val="bCtr"/>
+                        <dgm:param type="endPts" val="tCtr"/>
+                        <dgm:param type="bendPt" val="end"/>
+                      </dgm:alg>
+                      <dgm:shape xmlns:r="http://schemas.openxmlformats.org/officeDocument/2006/relationships" type="conn" r:blip="" zOrderOff="-99999">
+                        <dgm:adjLst/>
+                      </dgm:shape>
+                      <dgm:presOf axis="self"/>
+                      <dgm:constrLst>
+                        <dgm:constr type="begPad"/>
+                        <dgm:constr type="endPad"/>
+                      </dgm:constrLst>
+                      <dgm:ruleLst/>
+                    </dgm:layoutNode>
+                  </dgm:if>
+                  <dgm:if name="Name36" func="var" arg="hierBranch" op="equ" val="init">
+                    <dgm:layoutNode name="Name37">
+                      <dgm:choose name="Name38">
+                        <dgm:if name="Name39" axis="self" func="depth" op="lte" val="2">
+                          <dgm:alg type="conn">
+                            <dgm:param type="connRout" val="bend"/>
+                            <dgm:param type="dim" val="1D"/>
+                            <dgm:param type="endSty" val="noArr"/>
+                            <dgm:param type="begPts" val="bCtr"/>
+                            <dgm:param type="endPts" val="tCtr"/>
+                            <dgm:param type="bendPt" val="end"/>
+                          </dgm:alg>
+                        </dgm:if>
+                        <dgm:else name="Name40">
+                          <dgm:choose name="Name41">
+                            <dgm:if name="Name42" axis="par des" func="maxDepth" op="lte" val="1">
+                              <dgm:choose name="Name43">
+                                <dgm:if name="Name44" axis="par ch" ptType="node asst" func="cnt" op="gte" val="1">
+                                  <dgm:alg type="conn">
+                                    <dgm:param type="connRout" val="bend"/>
+                                    <dgm:param type="dim" val="1D"/>
+                                    <dgm:param type="endSty" val="noArr"/>
+                                    <dgm:param type="begPts" val="bCtr"/>
+                                    <dgm:param type="endPts" val="midL midR"/>
+                                  </dgm:alg>
+                                </dgm:if>
+                                <dgm:else name="Name45">
+                                  <dgm:alg type="conn">
+                                    <dgm:param type="connRout" val="bend"/>
+                                    <dgm:param type="dim" val="1D"/>
+                                    <dgm:param type="endSty" val="noArr"/>
+                                    <dgm:param type="begPts" val="bCtr"/>
+                                    <dgm:param type="endPts" val="midL midR"/>
+                                    <dgm:param type="srcNode" val="rootConnector"/>
+                                  </dgm:alg>
+                                </dgm:else>
+                              </dgm:choose>
+                            </dgm:if>
+                            <dgm:else name="Name46">
+                              <dgm:alg type="conn">
+                                <dgm:param type="connRout" val="bend"/>
+                                <dgm:param type="dim" val="1D"/>
+                                <dgm:param type="endSty" val="noArr"/>
+                                <dgm:param type="begPts" val="bCtr"/>
+                                <dgm:param type="endPts" val="tCtr"/>
+                                <dgm:param type="bendPt" val="end"/>
+                              </dgm:alg>
+                            </dgm:else>
+                          </dgm:choose>
+                        </dgm:else>
+                      </dgm:choose>
+                      <dgm:shape xmlns:r="http://schemas.openxmlformats.org/officeDocument/2006/relationships" type="conn" r:blip="" zOrderOff="-99999">
+                        <dgm:adjLst/>
+                      </dgm:shape>
+                      <dgm:presOf axis="self"/>
+                      <dgm:constrLst>
+                        <dgm:constr type="begPad"/>
+                        <dgm:constr type="endPad"/>
+                      </dgm:constrLst>
+                      <dgm:ruleLst/>
+                    </dgm:layoutNode>
+                  </dgm:if>
+                  <dgm:if name="Name47" func="var" arg="hierBranch" op="equ" val="hang">
+                    <dgm:layoutNode name="Name48">
+                      <dgm:alg type="conn">
+                        <dgm:param type="connRout" val="bend"/>
+                        <dgm:param type="dim" val="1D"/>
+                        <dgm:param type="endSty" val="noArr"/>
+                        <dgm:param type="begPts" val="bCtr"/>
+                        <dgm:param type="endPts" val="midL midR"/>
+                      </dgm:alg>
+                      <dgm:shape xmlns:r="http://schemas.openxmlformats.org/officeDocument/2006/relationships" type="conn" r:blip="" zOrderOff="-99999">
+                        <dgm:adjLst/>
+                      </dgm:shape>
+                      <dgm:presOf axis="self"/>
+                      <dgm:constrLst>
+                        <dgm:constr type="begPad"/>
+                        <dgm:constr type="endPad"/>
+                      </dgm:constrLst>
+                      <dgm:ruleLst/>
+                    </dgm:layoutNode>
+                  </dgm:if>
+                  <dgm:else name="Name49">
+                    <dgm:layoutNode name="Name50">
+                      <dgm:choose name="Name51">
+                        <dgm:if name="Name52" axis="self" func="depth" op="lte" val="2">
+                          <dgm:choose name="Name53">
+                            <dgm:if name="Name54" axis="par ch" ptType="node asst" func="cnt" op="gte" val="1">
+                              <dgm:alg type="conn">
+                                <dgm:param type="connRout" val="bend"/>
+                                <dgm:param type="dim" val="1D"/>
+                                <dgm:param type="endSty" val="noArr"/>
+                                <dgm:param type="begPts" val="bCtr"/>
+                                <dgm:param type="endPts" val="midL midR"/>
+                              </dgm:alg>
+                            </dgm:if>
+                            <dgm:else name="Name55">
+                              <dgm:alg type="conn">
+                                <dgm:param type="connRout" val="bend"/>
+                                <dgm:param type="dim" val="1D"/>
+                                <dgm:param type="endSty" val="noArr"/>
+                                <dgm:param type="begPts" val="bCtr"/>
+                                <dgm:param type="endPts" val="midL midR"/>
+                                <dgm:param type="srcNode" val="rootConnector1"/>
+                              </dgm:alg>
+                            </dgm:else>
+                          </dgm:choose>
+                        </dgm:if>
+                        <dgm:else name="Name56">
+                          <dgm:choose name="Name57">
+                            <dgm:if name="Name58" axis="par ch" ptType="node asst" func="cnt" op="gte" val="1">
+                              <dgm:alg type="conn">
+                                <dgm:param type="connRout" val="bend"/>
+                                <dgm:param type="dim" val="1D"/>
+                                <dgm:param type="endSty" val="noArr"/>
+                                <dgm:param type="begPts" val="bCtr"/>
+                                <dgm:param type="endPts" val="midL midR"/>
+                              </dgm:alg>
+                            </dgm:if>
+                            <dgm:else name="Name59">
+                              <dgm:alg type="conn">
+                                <dgm:param type="connRout" val="bend"/>
+                                <dgm:param type="dim" val="1D"/>
+                                <dgm:param type="endSty" val="noArr"/>
+                                <dgm:param type="begPts" val="bCtr"/>
+                                <dgm:param type="endPts" val="midL midR"/>
+                                <dgm:param type="srcNode" val="rootConnector"/>
+                              </dgm:alg>
+                            </dgm:else>
+                          </dgm:choose>
+                        </dgm:else>
+                      </dgm:choose>
+                      <dgm:shape xmlns:r="http://schemas.openxmlformats.org/officeDocument/2006/relationships" type="conn" r:blip="" zOrderOff="-99999">
+                        <dgm:adjLst/>
+                      </dgm:shape>
+                      <dgm:presOf axis="self"/>
+                      <dgm:constrLst>
+                        <dgm:constr type="begPad"/>
+                        <dgm:constr type="endPad"/>
+                      </dgm:constrLst>
+                      <dgm:ruleLst/>
+                    </dgm:layoutNode>
+                  </dgm:else>
+                </dgm:choose>
+              </dgm:forEach>
+              <dgm:layoutNode name="hierRoot2">
+                <dgm:varLst>
+                  <dgm:hierBranch val="init"/>
+                </dgm:varLst>
+                <dgm:choose name="Name60">
+                  <dgm:if name="Name61" func="var" arg="hierBranch" op="equ" val="l">
+                    <dgm:choose name="Name62">
+                      <dgm:if name="Name63" axis="ch" ptType="asst" func="cnt" op="gte" val="1">
+                        <dgm:alg type="hierRoot">
+                          <dgm:param type="hierAlign" val="tR"/>
+                        </dgm:alg>
+                        <dgm:shape xmlns:r="http://schemas.openxmlformats.org/officeDocument/2006/relationships" r:blip="">
+                          <dgm:adjLst/>
+                        </dgm:shape>
+                        <dgm:presOf/>
+                        <dgm:constrLst>
+                          <dgm:constr type="alignOff" val="0.65"/>
+                        </dgm:constrLst>
+                      </dgm:if>
+                      <dgm:else name="Name64">
+                        <dgm:alg type="hierRoot">
+                          <dgm:param type="hierAlign" val="tR"/>
+                        </dgm:alg>
+                        <dgm:shape xmlns:r="http://schemas.openxmlformats.org/officeDocument/2006/relationships" r:blip="">
+                          <dgm:adjLst/>
+                        </dgm:shape>
+                        <dgm:presOf/>
+                        <dgm:constrLst>
+                          <dgm:constr type="alignOff" val="0.25"/>
+                        </dgm:constrLst>
+                      </dgm:else>
+                    </dgm:choose>
+                  </dgm:if>
+                  <dgm:if name="Name65" func="var" arg="hierBranch" op="equ" val="r">
+                    <dgm:choose name="Name66">
+                      <dgm:if name="Name67" axis="ch" ptType="asst" func="cnt" op="gte" val="1">
+                        <dgm:alg type="hierRoot">
+                          <dgm:param type="hierAlign" val="tL"/>
+                        </dgm:alg>
+                        <dgm:shape xmlns:r="http://schemas.openxmlformats.org/officeDocument/2006/relationships" r:blip="">
+                          <dgm:adjLst/>
+                        </dgm:shape>
+                        <dgm:presOf/>
+                        <dgm:constrLst>
+                          <dgm:constr type="alignOff" val="0.65"/>
+                        </dgm:constrLst>
+                      </dgm:if>
+                      <dgm:else name="Name68">
+                        <dgm:alg type="hierRoot">
+                          <dgm:param type="hierAlign" val="tL"/>
+                        </dgm:alg>
+                        <dgm:shape xmlns:r="http://schemas.openxmlformats.org/officeDocument/2006/relationships" r:blip="">
+                          <dgm:adjLst/>
+                        </dgm:shape>
+                        <dgm:presOf/>
+                        <dgm:constrLst>
+                          <dgm:constr type="alignOff" val="0.25"/>
+                        </dgm:constrLst>
+                      </dgm:else>
+                    </dgm:choose>
+                  </dgm:if>
+                  <dgm:if name="Name69" func="var" arg="hierBranch" op="equ" val="std">
+                    <dgm:alg type="hierRoot"/>
+                    <dgm:shape xmlns:r="http://schemas.openxmlformats.org/officeDocument/2006/relationships" r:blip="">
+                      <dgm:adjLst/>
+                    </dgm:shape>
+                    <dgm:presOf/>
+                    <dgm:constrLst>
+                      <dgm:constr type="alignOff"/>
+                      <dgm:constr type="bendDist" for="des" ptType="parTrans" refType="sp" fact="0.5"/>
+                    </dgm:constrLst>
+                  </dgm:if>
+                  <dgm:if name="Name70" func="var" arg="hierBranch" op="equ" val="init">
+                    <dgm:choose name="Name71">
+                      <dgm:if name="Name72" axis="des" func="maxDepth" op="lte" val="1">
+                        <dgm:choose name="Name73">
+                          <dgm:if name="Name74" axis="ch" ptType="asst" func="cnt" op="gte" val="1">
+                            <dgm:alg type="hierRoot">
+                              <dgm:param type="hierAlign" val="tL"/>
+                            </dgm:alg>
+                            <dgm:shape xmlns:r="http://schemas.openxmlformats.org/officeDocument/2006/relationships" r:blip="">
+                              <dgm:adjLst/>
+                            </dgm:shape>
+                            <dgm:presOf/>
+                            <dgm:constrLst>
+                              <dgm:constr type="alignOff" val="0.65"/>
+                            </dgm:constrLst>
+                          </dgm:if>
+                          <dgm:else name="Name75">
+                            <dgm:alg type="hierRoot">
+                              <dgm:param type="hierAlign" val="tL"/>
+                            </dgm:alg>
+                            <dgm:shape xmlns:r="http://schemas.openxmlformats.org/officeDocument/2006/relationships" r:blip="">
+                              <dgm:adjLst/>
+                            </dgm:shape>
+                            <dgm:presOf/>
+                            <dgm:constrLst>
+                              <dgm:constr type="alignOff" val="0.25"/>
+                            </dgm:constrLst>
+                          </dgm:else>
+                        </dgm:choose>
+                      </dgm:if>
+                      <dgm:else name="Name76">
+                        <dgm:alg type="hierRoot"/>
+                        <dgm:shape xmlns:r="http://schemas.openxmlformats.org/officeDocument/2006/relationships" r:blip="">
+                          <dgm:adjLst/>
+                        </dgm:shape>
+                        <dgm:presOf/>
+                        <dgm:constrLst>
+                          <dgm:constr type="alignOff"/>
+                          <dgm:constr type="bendDist" for="des" ptType="parTrans" refType="sp" fact="0.5"/>
+                        </dgm:constrLst>
+                      </dgm:else>
+                    </dgm:choose>
+                  </dgm:if>
+                  <dgm:else name="Name77">
+                    <dgm:alg type="hierRoot"/>
+                    <dgm:shape xmlns:r="http://schemas.openxmlformats.org/officeDocument/2006/relationships" r:blip="">
+                      <dgm:adjLst/>
+                    </dgm:shape>
+                    <dgm:presOf/>
+                    <dgm:constrLst>
+                      <dgm:constr type="alignOff" val="0.65"/>
+                    </dgm:constrLst>
+                  </dgm:else>
+                </dgm:choose>
+                <dgm:ruleLst/>
+                <dgm:layoutNode name="rootComposite">
+                  <dgm:alg type="composite"/>
+                  <dgm:shape xmlns:r="http://schemas.openxmlformats.org/officeDocument/2006/relationships" r:blip="">
+                    <dgm:adjLst/>
+                  </dgm:shape>
+                  <dgm:presOf axis="self" ptType="node" cnt="1"/>
+                  <dgm:choose name="Name78">
+                    <dgm:if name="Name79" func="var" arg="hierBranch" op="equ" val="init">
+                      <dgm:constrLst>
+                        <dgm:constr type="l" for="ch" forName="rootText"/>
+                        <dgm:constr type="t" for="ch" forName="rootText"/>
+                        <dgm:constr type="w" for="ch" forName="rootText" refType="w"/>
+                        <dgm:constr type="h" for="ch" forName="rootText" refType="h"/>
+                        <dgm:constr type="l" for="ch" forName="rootConnector"/>
+                        <dgm:constr type="t" for="ch" forName="rootConnector"/>
+                        <dgm:constr type="w" for="ch" forName="rootConnector" refType="w" refFor="ch" refForName="rootText" fact="0.2"/>
+                        <dgm:constr type="h" for="ch" forName="rootConnector" refType="h" refFor="ch" refForName="rootText"/>
+                      </dgm:constrLst>
+                    </dgm:if>
+                    <dgm:if name="Name80" func="var" arg="hierBranch" op="equ" val="l">
+                      <dgm:constrLst>
+                        <dgm:constr type="l" for="ch" forName="rootText"/>
+                        <dgm:constr type="t" for="ch" forName="rootText"/>
+                        <dgm:constr type="w" for="ch" forName="rootText" refType="w"/>
+                        <dgm:constr type="h" for="ch" forName="rootText" refType="h"/>
+                        <dgm:constr type="r" for="ch" forName="rootConnector" refType="w"/>
+                        <dgm:constr type="t" for="ch" forName="rootConnector"/>
+                        <dgm:constr type="w" for="ch" forName="rootConnector" refType="w" refFor="ch" refForName="rootText" fact="0.2"/>
+                        <dgm:constr type="h" for="ch" forName="rootConnector" refType="h" refFor="ch" refForName="rootText"/>
+                      </dgm:constrLst>
+                    </dgm:if>
+                    <dgm:if name="Name81" func="var" arg="hierBranch" op="equ" val="r">
+                      <dgm:constrLst>
+                        <dgm:constr type="l" for="ch" forName="rootText"/>
+                        <dgm:constr type="t" for="ch" forName="rootText"/>
+                        <dgm:constr type="w" for="ch" forName="rootText" refType="w"/>
+                        <dgm:constr type="h" for="ch" forName="rootText" refType="h"/>
+                        <dgm:constr type="l" for="ch" forName="rootConnector"/>
+                        <dgm:constr type="t" for="ch" forName="rootConnector"/>
+                        <dgm:constr type="w" for="ch" forName="rootConnector" refType="w" refFor="ch" refForName="rootText" fact="0.2"/>
+                        <dgm:constr type="h" for="ch" forName="rootConnector" refType="h" refFor="ch" refForName="rootText"/>
+                      </dgm:constrLst>
+                    </dgm:if>
+                    <dgm:else name="Name82">
+                      <dgm:constrLst>
+                        <dgm:constr type="l" for="ch" forName="rootText"/>
+                        <dgm:constr type="t" for="ch" forName="rootText"/>
+                        <dgm:constr type="w" for="ch" forName="rootText" refType="w"/>
+                        <dgm:constr type="h" for="ch" forName="rootText" refType="h"/>
+                        <dgm:constr type="r" for="ch" forName="rootConnector" refType="w"/>
+                        <dgm:constr type="t" for="ch" forName="rootConnector"/>
+                        <dgm:constr type="w" for="ch" forName="rootConnector" refType="w" refFor="ch" refForName="rootText" fact="0.2"/>
+                        <dgm:constr type="h" for="ch" forName="rootConnector" refType="h" refFor="ch" refForName="rootText"/>
+                      </dgm:constrLst>
+                    </dgm:else>
+                  </dgm:choose>
+                  <dgm:ruleLst/>
+                  <dgm:layoutNode name="rootText">
+                    <dgm:varLst>
+                      <dgm:chPref val="3"/>
+                    </dgm:varLst>
+                    <dgm:alg type="tx"/>
+                    <dgm:shape xmlns:r="http://schemas.openxmlformats.org/officeDocument/2006/relationships" type="rect" r:blip="">
+                      <dgm:adjLst/>
+                    </dgm:shape>
+                    <dgm:presOf axis="self" ptType="node" cnt="1"/>
+                    <dgm:constrLst>
+                      <dgm:constr type="primFontSz" val="65"/>
+                      <dgm:constr type="lMarg" refType="primFontSz" fact="0.05"/>
+                      <dgm:constr type="rMarg" refType="primFontSz" fact="0.05"/>
+                      <dgm:constr type="tMarg" refType="primFontSz" fact="0.05"/>
+                      <dgm:constr type="bMarg" refType="primFontSz" fact="0.05"/>
+                    </dgm:constrLst>
+                    <dgm:ruleLst>
+                      <dgm:rule type="primFontSz" val="5" fact="NaN" max="NaN"/>
+                    </dgm:ruleLst>
+                  </dgm:layoutNode>
+                  <dgm:layoutNode name="rootConnector" moveWith="rootText">
+                    <dgm:alg type="sp"/>
+                    <dgm:shape xmlns:r="http://schemas.openxmlformats.org/officeDocument/2006/relationships" type="rect" r:blip="" hideGeom="1">
+                      <dgm:adjLst/>
+                    </dgm:shape>
+                    <dgm:presOf axis="self" ptType="node" cnt="1"/>
+                    <dgm:constrLst/>
+                    <dgm:ruleLst/>
+                  </dgm:layoutNode>
+                </dgm:layoutNode>
+                <dgm:layoutNode name="hierChild4">
+                  <dgm:choose name="Name83">
+                    <dgm:if name="Name84" func="var" arg="hierBranch" op="equ" val="l">
+                      <dgm:alg type="hierChild">
+                        <dgm:param type="chAlign" val="r"/>
+                        <dgm:param type="linDir" val="fromT"/>
+                      </dgm:alg>
+                    </dgm:if>
+                    <dgm:if name="Name85" func="var" arg="hierBranch" op="equ" val="r">
+                      <dgm:alg type="hierChild">
+                        <dgm:param type="chAlign" val="l"/>
+                        <dgm:param type="linDir" val="fromT"/>
+                      </dgm:alg>
+                    </dgm:if>
+                    <dgm:if name="Name86" func="var" arg="hierBranch" op="equ" val="hang">
+                      <dgm:choose name="Name87">
+                        <dgm:if name="Name88" func="var" arg="dir" op="equ" val="norm">
+                          <dgm:alg type="hierChild">
+                            <dgm:param type="chAlign" val="l"/>
+                            <dgm:param type="linDir" val="fromL"/>
+                            <dgm:param type="secChAlign" val="t"/>
+                            <dgm:param type="secLinDir" val="fromT"/>
+                          </dgm:alg>
+                        </dgm:if>
+                        <dgm:else name="Name89">
+                          <dgm:alg type="hierChild">
+                            <dgm:param type="chAlign" val="l"/>
+                            <dgm:param type="linDir" val="fromR"/>
+                            <dgm:param type="secChAlign" val="t"/>
+                            <dgm:param type="secLinDir" val="fromT"/>
+                          </dgm:alg>
+                        </dgm:else>
+                      </dgm:choose>
+                    </dgm:if>
+                    <dgm:if name="Name90" func="var" arg="hierBranch" op="equ" val="std">
+                      <dgm:choose name="Name91">
+                        <dgm:if name="Name92" func="var" arg="dir" op="equ" val="norm">
+                          <dgm:alg type="hierChild"/>
+                        </dgm:if>
+                        <dgm:else name="Name93">
+                          <dgm:alg type="hierChild">
+                            <dgm:param type="linDir" val="fromR"/>
+                          </dgm:alg>
+                        </dgm:else>
+                      </dgm:choose>
+                    </dgm:if>
+                    <dgm:if name="Name94" func="var" arg="hierBranch" op="equ" val="init">
+                      <dgm:choose name="Name95">
+                        <dgm:if name="Name96" axis="des" func="maxDepth" op="lte" val="1">
+                          <dgm:alg type="hierChild">
+                            <dgm:param type="chAlign" val="l"/>
+                            <dgm:param type="linDir" val="fromT"/>
+                          </dgm:alg>
+                        </dgm:if>
+                        <dgm:else name="Name97">
+                          <dgm:choose name="Name98">
+                            <dgm:if name="Name99" func="var" arg="dir" op="equ" val="norm">
+                              <dgm:alg type="hierChild"/>
+                            </dgm:if>
+                            <dgm:else name="Name100">
+                              <dgm:alg type="hierChild">
+                                <dgm:param type="linDir" val="fromR"/>
+                              </dgm:alg>
+                            </dgm:else>
+                          </dgm:choose>
+                        </dgm:else>
+                      </dgm:choose>
+                    </dgm:if>
+                    <dgm:else name="Name101"/>
+                  </dgm:choose>
+                  <dgm:shape xmlns:r="http://schemas.openxmlformats.org/officeDocument/2006/relationships" r:blip="">
+                    <dgm:adjLst/>
+                  </dgm:shape>
+                  <dgm:presOf/>
+                  <dgm:constrLst/>
+                  <dgm:ruleLst/>
+                  <dgm:forEach name="Name102" ref="rep2a"/>
+                </dgm:layoutNode>
+                <dgm:layoutNode name="hierChild5">
+                  <dgm:choose name="Name103">
+                    <dgm:if name="Name104" func="var" arg="dir" op="equ" val="norm">
+                      <dgm:alg type="hierChild">
+                        <dgm:param type="chAlign" val="l"/>
+                        <dgm:param type="linDir" val="fromL"/>
+                        <dgm:param type="secChAlign" val="t"/>
+                        <dgm:param type="secLinDir" val="fromT"/>
+                      </dgm:alg>
+                    </dgm:if>
+                    <dgm:else name="Name105">
+                      <dgm:alg type="hierChild">
+                        <dgm:param type="chAlign" val="l"/>
+                        <dgm:param type="linDir" val="fromR"/>
+                        <dgm:param type="secChAlign" val="t"/>
+                        <dgm:param type="secLinDir" val="fromT"/>
+                      </dgm:alg>
+                    </dgm:else>
+                  </dgm:choose>
+                  <dgm:shape xmlns:r="http://schemas.openxmlformats.org/officeDocument/2006/relationships" r:blip="">
+                    <dgm:adjLst/>
+                  </dgm:shape>
+                  <dgm:presOf/>
+                  <dgm:constrLst/>
+                  <dgm:ruleLst/>
+                  <dgm:forEach name="Name106" ref="rep2b"/>
+                </dgm:layoutNode>
+              </dgm:layoutNode>
+            </dgm:forEach>
+          </dgm:layoutNode>
+          <dgm:layoutNode name="hierChild3">
+            <dgm:choose name="Name107">
+              <dgm:if name="Name108" func="var" arg="dir" op="equ" val="norm">
+                <dgm:alg type="hierChild">
+                  <dgm:param type="chAlign" val="l"/>
+                  <dgm:param type="linDir" val="fromL"/>
+                  <dgm:param type="secChAlign" val="t"/>
+                  <dgm:param type="secLinDir" val="fromT"/>
+                </dgm:alg>
+              </dgm:if>
+              <dgm:else name="Name109">
+                <dgm:alg type="hierChild">
+                  <dgm:param type="chAlign" val="l"/>
+                  <dgm:param type="linDir" val="fromR"/>
+                  <dgm:param type="secChAlign" val="t"/>
+                  <dgm:param type="secLinDir" val="fromT"/>
+                </dgm:alg>
+              </dgm:else>
+            </dgm:choose>
+            <dgm:shape xmlns:r="http://schemas.openxmlformats.org/officeDocument/2006/relationships" r:blip="">
+              <dgm:adjLst/>
+            </dgm:shape>
+            <dgm:presOf/>
+            <dgm:constrLst/>
+            <dgm:ruleLst/>
+            <dgm:forEach name="rep2b" axis="ch" ptType="asst">
+              <dgm:forEach name="Name110" axis="precedSib" ptType="parTrans" st="-1" cnt="1">
+                <dgm:layoutNode name="Name111">
+                  <dgm:alg type="conn">
+                    <dgm:param type="connRout" val="bend"/>
+                    <dgm:param type="dim" val="1D"/>
+                    <dgm:param type="endSty" val="noArr"/>
+                    <dgm:param type="begPts" val="bCtr"/>
+                    <dgm:param type="endPts" val="midL midR"/>
+                  </dgm:alg>
+                  <dgm:shape xmlns:r="http://schemas.openxmlformats.org/officeDocument/2006/relationships" type="conn" r:blip="" zOrderOff="-99999">
+                    <dgm:adjLst/>
+                  </dgm:shape>
+                  <dgm:presOf axis="self"/>
+                  <dgm:constrLst>
+                    <dgm:constr type="begPad"/>
+                    <dgm:constr type="endPad"/>
+                  </dgm:constrLst>
+                  <dgm:ruleLst/>
+                </dgm:layoutNode>
+              </dgm:forEach>
+              <dgm:layoutNode name="hierRoot3">
+                <dgm:varLst>
+                  <dgm:hierBranch val="init"/>
+                </dgm:varLst>
+                <dgm:choose name="Name112">
+                  <dgm:if name="Name113" func="var" arg="hierBranch" op="equ" val="l">
+                    <dgm:alg type="hierRoot">
+                      <dgm:param type="hierAlign" val="tR"/>
+                    </dgm:alg>
+                    <dgm:shape xmlns:r="http://schemas.openxmlformats.org/officeDocument/2006/relationships" r:blip="">
+                      <dgm:adjLst/>
+                    </dgm:shape>
+                    <dgm:presOf/>
+                    <dgm:constrLst>
+                      <dgm:constr type="alignOff" val="0.65"/>
+                    </dgm:constrLst>
+                  </dgm:if>
+                  <dgm:if name="Name114" func="var" arg="hierBranch" op="equ" val="r">
+                    <dgm:alg type="hierRoot">
+                      <dgm:param type="hierAlign" val="tL"/>
+                    </dgm:alg>
+                    <dgm:shape xmlns:r="http://schemas.openxmlformats.org/officeDocument/2006/relationships" r:blip="">
+                      <dgm:adjLst/>
+                    </dgm:shape>
+                    <dgm:presOf/>
+                    <dgm:constrLst>
+                      <dgm:constr type="alignOff" val="0.65"/>
+                    </dgm:constrLst>
+                  </dgm:if>
+                  <dgm:if name="Name115" func="var" arg="hierBranch" op="equ" val="hang">
+                    <dgm:alg type="hierRoot"/>
+                    <dgm:shape xmlns:r="http://schemas.openxmlformats.org/officeDocument/2006/relationships" r:blip="">
+                      <dgm:adjLst/>
+                    </dgm:shape>
+                    <dgm:presOf/>
+                    <dgm:constrLst>
+                      <dgm:constr type="alignOff" val="0.65"/>
+                    </dgm:constrLst>
+                  </dgm:if>
+                  <dgm:if name="Name116" func="var" arg="hierBranch" op="equ" val="std">
+                    <dgm:alg type="hierRoot"/>
+                    <dgm:shape xmlns:r="http://schemas.openxmlformats.org/officeDocument/2006/relationships" r:blip="">
+                      <dgm:adjLst/>
+                    </dgm:shape>
+                    <dgm:presOf/>
+                    <dgm:constrLst>
+                      <dgm:constr type="alignOff"/>
+                      <dgm:constr type="bendDist" for="des" ptType="parTrans" refType="sp" fact="0.5"/>
+                    </dgm:constrLst>
+                  </dgm:if>
+                  <dgm:if name="Name117" func="var" arg="hierBranch" op="equ" val="init">
+                    <dgm:choose name="Name118">
+                      <dgm:if name="Name119" axis="des" func="maxDepth" op="lte" val="1">
+                        <dgm:alg type="hierRoot">
+                          <dgm:param type="hierAlign" val="tL"/>
+                        </dgm:alg>
+                        <dgm:shape xmlns:r="http://schemas.openxmlformats.org/officeDocument/2006/relationships" r:blip="">
+                          <dgm:adjLst/>
+                        </dgm:shape>
+                        <dgm:presOf/>
+                        <dgm:constrLst>
+                          <dgm:constr type="alignOff" val="0.65"/>
+                        </dgm:constrLst>
+                      </dgm:if>
+                      <dgm:else name="Name120">
+                        <dgm:alg type="hierRoot"/>
+                        <dgm:shape xmlns:r="http://schemas.openxmlformats.org/officeDocument/2006/relationships" r:blip="">
+                          <dgm:adjLst/>
+                        </dgm:shape>
+                        <dgm:presOf/>
+                        <dgm:constrLst>
+                          <dgm:constr type="alignOff"/>
+                          <dgm:constr type="bendDist" for="des" ptType="parTrans" refType="sp" fact="0.5"/>
+                        </dgm:constrLst>
+                      </dgm:else>
+                    </dgm:choose>
+                  </dgm:if>
+                  <dgm:else name="Name121"/>
+                </dgm:choose>
+                <dgm:ruleLst/>
+                <dgm:layoutNode name="rootComposite3">
+                  <dgm:alg type="composite"/>
+                  <dgm:shape xmlns:r="http://schemas.openxmlformats.org/officeDocument/2006/relationships" r:blip="">
+                    <dgm:adjLst/>
+                  </dgm:shape>
+                  <dgm:presOf axis="self" ptType="node" cnt="1"/>
+                  <dgm:choose name="Name122">
+                    <dgm:if name="Name123" func="var" arg="hierBranch" op="equ" val="init">
+                      <dgm:constrLst>
+                        <dgm:constr type="l" for="ch" forName="rootText3"/>
+                        <dgm:constr type="t" for="ch" forName="rootText3"/>
+                        <dgm:constr type="w" for="ch" forName="rootText3" refType="w"/>
+                        <dgm:constr type="h" for="ch" forName="rootText3" refType="h"/>
+                        <dgm:constr type="l" for="ch" forName="rootConnector3"/>
+                        <dgm:constr type="t" for="ch" forName="rootConnector3"/>
+                        <dgm:constr type="w" for="ch" forName="rootConnector3" refType="w" refFor="ch" refForName="rootText3" fact="0.2"/>
+                        <dgm:constr type="h" for="ch" forName="rootConnector3" refType="h" refFor="ch" refForName="rootText3"/>
+                      </dgm:constrLst>
+                    </dgm:if>
+                    <dgm:if name="Name124" func="var" arg="hierBranch" op="equ" val="l">
+                      <dgm:constrLst>
+                        <dgm:constr type="l" for="ch" forName="rootText3"/>
+                        <dgm:constr type="t" for="ch" forName="rootText3"/>
+                        <dgm:constr type="w" for="ch" forName="rootText3" refType="w"/>
+                        <dgm:constr type="h" for="ch" forName="rootText3" refType="h"/>
+                        <dgm:constr type="r" for="ch" forName="rootConnector3" refType="w"/>
+                        <dgm:constr type="t" for="ch" forName="rootConnector3"/>
+                        <dgm:constr type="w" for="ch" forName="rootConnector3" refType="w" refFor="ch" refForName="rootText3" fact="0.2"/>
+                        <dgm:constr type="h" for="ch" forName="rootConnector3" refType="h" refFor="ch" refForName="rootText3"/>
+                      </dgm:constrLst>
+                    </dgm:if>
+                    <dgm:if name="Name125" func="var" arg="hierBranch" op="equ" val="r">
+                      <dgm:constrLst>
+                        <dgm:constr type="l" for="ch" forName="rootText3"/>
+                        <dgm:constr type="t" for="ch" forName="rootText3"/>
+                        <dgm:constr type="w" for="ch" forName="rootText3" refType="w"/>
+                        <dgm:constr type="h" for="ch" forName="rootText3" refType="h"/>
+                        <dgm:constr type="l" for="ch" forName="rootConnector3"/>
+                        <dgm:constr type="t" for="ch" forName="rootConnector3"/>
+                        <dgm:constr type="w" for="ch" forName="rootConnector3" refType="w" refFor="ch" refForName="rootText3" fact="0.2"/>
+                        <dgm:constr type="h" for="ch" forName="rootConnector3" refType="h" refFor="ch" refForName="rootText3"/>
+                      </dgm:constrLst>
+                    </dgm:if>
+                    <dgm:else name="Name126">
+                      <dgm:constrLst>
+                        <dgm:constr type="l" for="ch" forName="rootText3"/>
+                        <dgm:constr type="t" for="ch" forName="rootText3"/>
+                        <dgm:constr type="w" for="ch" forName="rootText3" refType="w"/>
+                        <dgm:constr type="h" for="ch" forName="rootText3" refType="h"/>
+                        <dgm:constr type="r" for="ch" forName="rootConnector3" refType="w"/>
+                        <dgm:constr type="t" for="ch" forName="rootConnector3"/>
+                        <dgm:constr type="w" for="ch" forName="rootConnector3" refType="w" refFor="ch" refForName="rootText3" fact="0.2"/>
+                        <dgm:constr type="h" for="ch" forName="rootConnector3" refType="h" refFor="ch" refForName="rootText3"/>
+                      </dgm:constrLst>
+                    </dgm:else>
+                  </dgm:choose>
+                  <dgm:ruleLst/>
+                  <dgm:layoutNode name="rootText3">
+                    <dgm:varLst>
+                      <dgm:chPref val="3"/>
+                    </dgm:varLst>
+                    <dgm:alg type="tx"/>
+                    <dgm:shape xmlns:r="http://schemas.openxmlformats.org/officeDocument/2006/relationships" type="rect" r:blip="">
+                      <dgm:adjLst/>
+                    </dgm:shape>
+                    <dgm:presOf axis="self" ptType="node" cnt="1"/>
+                    <dgm:constrLst>
+                      <dgm:constr type="primFontSz" val="65"/>
+                      <dgm:constr type="lMarg" refType="primFontSz" fact="0.05"/>
+                      <dgm:constr type="rMarg" refType="primFontSz" fact="0.05"/>
+                      <dgm:constr type="tMarg" refType="primFontSz" fact="0.05"/>
+                      <dgm:constr type="bMarg" refType="primFontSz" fact="0.05"/>
+                    </dgm:constrLst>
+                    <dgm:ruleLst>
+                      <dgm:rule type="primFontSz" val="5" fact="NaN" max="NaN"/>
+                    </dgm:ruleLst>
+                  </dgm:layoutNode>
+                  <dgm:layoutNode name="rootConnector3" moveWith="rootText1">
+                    <dgm:alg type="sp"/>
+                    <dgm:shape xmlns:r="http://schemas.openxmlformats.org/officeDocument/2006/relationships" type="rect" r:blip="" hideGeom="1">
+                      <dgm:adjLst/>
+                    </dgm:shape>
+                    <dgm:presOf axis="self" ptType="node" cnt="1"/>
+                    <dgm:constrLst/>
+                    <dgm:ruleLst/>
+                  </dgm:layoutNode>
+                </dgm:layoutNode>
+                <dgm:layoutNode name="hierChild6">
+                  <dgm:choose name="Name127">
+                    <dgm:if name="Name128" func="var" arg="hierBranch" op="equ" val="l">
+                      <dgm:alg type="hierChild">
+                        <dgm:param type="chAlign" val="r"/>
+                        <dgm:param type="linDir" val="fromT"/>
+                      </dgm:alg>
+                    </dgm:if>
+                    <dgm:if name="Name129" func="var" arg="hierBranch" op="equ" val="r">
+                      <dgm:alg type="hierChild">
+                        <dgm:param type="chAlign" val="l"/>
+                        <dgm:param type="linDir" val="fromT"/>
+                      </dgm:alg>
+                    </dgm:if>
+                    <dgm:if name="Name130" func="var" arg="hierBranch" op="equ" val="hang">
+                      <dgm:choose name="Name131">
+                        <dgm:if name="Name132" func="var" arg="dir" op="equ" val="norm">
+                          <dgm:alg type="hierChild">
+                            <dgm:param type="chAlign" val="l"/>
+                            <dgm:param type="linDir" val="fromL"/>
+                            <dgm:param type="secChAlign" val="t"/>
+                            <dgm:param type="secLinDir" val="fromT"/>
+                          </dgm:alg>
+                        </dgm:if>
+                        <dgm:else name="Name133">
+                          <dgm:alg type="hierChild">
+                            <dgm:param type="chAlign" val="l"/>
+                            <dgm:param type="linDir" val="fromR"/>
+                            <dgm:param type="secChAlign" val="t"/>
+                            <dgm:param type="secLinDir" val="fromT"/>
+                          </dgm:alg>
+                        </dgm:else>
+                      </dgm:choose>
+                    </dgm:if>
+                    <dgm:if name="Name134" func="var" arg="hierBranch" op="equ" val="std">
+                      <dgm:choose name="Name135">
+                        <dgm:if name="Name136" func="var" arg="dir" op="equ" val="norm">
+                          <dgm:alg type="hierChild"/>
+                        </dgm:if>
+                        <dgm:else name="Name137">
+                          <dgm:alg type="hierChild">
+                            <dgm:param type="linDir" val="fromR"/>
+                          </dgm:alg>
+                        </dgm:else>
+                      </dgm:choose>
+                    </dgm:if>
+                    <dgm:if name="Name138" func="var" arg="hierBranch" op="equ" val="init">
+                      <dgm:choose name="Name139">
+                        <dgm:if name="Name140" axis="des" func="maxDepth" op="lte" val="1">
+                          <dgm:alg type="hierChild">
+                            <dgm:param type="chAlign" val="l"/>
+                            <dgm:param type="linDir" val="fromT"/>
+                          </dgm:alg>
+                        </dgm:if>
+                        <dgm:else name="Name141">
+                          <dgm:alg type="hierChild"/>
+                        </dgm:else>
+                      </dgm:choose>
+                    </dgm:if>
+                    <dgm:else name="Name142"/>
+                  </dgm:choose>
+                  <dgm:shape xmlns:r="http://schemas.openxmlformats.org/officeDocument/2006/relationships" r:blip="">
+                    <dgm:adjLst/>
+                  </dgm:shape>
+                  <dgm:presOf/>
+                  <dgm:constrLst/>
+                  <dgm:ruleLst/>
+                  <dgm:forEach name="Name143" ref="rep2a"/>
+                </dgm:layoutNode>
+                <dgm:layoutNode name="hierChild7">
+                  <dgm:choose name="Name144">
+                    <dgm:if name="Name145" func="var" arg="dir" op="equ" val="norm">
+                      <dgm:alg type="hierChild">
+                        <dgm:param type="chAlign" val="l"/>
+                        <dgm:param type="linDir" val="fromL"/>
+                        <dgm:param type="secChAlign" val="t"/>
+                        <dgm:param type="secLinDir" val="fromT"/>
+                      </dgm:alg>
+                    </dgm:if>
+                    <dgm:else name="Name146">
+                      <dgm:alg type="hierChild">
+                        <dgm:param type="chAlign" val="l"/>
+                        <dgm:param type="linDir" val="fromR"/>
+                        <dgm:param type="secChAlign" val="t"/>
+                        <dgm:param type="secLinDir" val="fromT"/>
+                      </dgm:alg>
+                    </dgm:else>
+                  </dgm:choose>
+                  <dgm:shape xmlns:r="http://schemas.openxmlformats.org/officeDocument/2006/relationships" r:blip="">
+                    <dgm:adjLst/>
+                  </dgm:shape>
+                  <dgm:presOf/>
+                  <dgm:constrLst/>
+                  <dgm:ruleLst/>
+                  <dgm:forEach name="Name147" ref="rep2b"/>
+                </dgm:layoutNode>
+              </dgm:layoutNode>
+            </dgm:forEach>
+          </dgm:layoutNode>
+        </dgm:layoutNode>
+      </dgm:forEach>
+    </dgm:forEach>
+  </dgm:layoutNode>
+</dgm:layoutDef>
+</file>
+
+<file path=ppt/diagrams/quickStyle1.xml><?xml version="1.0" encoding="utf-8"?>
+<dgm:styleDef xmlns:dgm="http://schemas.openxmlformats.org/drawingml/2006/diagram" xmlns:a="http://schemas.openxmlformats.org/drawingml/2006/main" uniqueId="urn:microsoft.com/office/officeart/2005/8/quickstyle/simple1">
+  <dgm:title val=""/>
+  <dgm:desc val=""/>
+  <dgm:catLst>
+    <dgm:cat type="simple" pri="10100"/>
+  </dgm:catLst>
+  <dgm:scene3d>
+    <a:camera prst="orthographicFront"/>
+    <a:lightRig rig="threePt" dir="t"/>
+  </dgm:scene3d>
+  <dgm:styleLbl name="node0">
+    <dgm:scene3d>
+      <a:camera prst="orthographicFront"/>
+      <a:lightRig rig="threePt" dir="t"/>
+    </dgm:scene3d>
+    <dgm:sp3d/>
+    <dgm:txPr/>
+    <dgm:style>
+      <a:lnRef idx="2">
+        <a:scrgbClr r="0" g="0" b="0"/>
+      </a:lnRef>
+      <a:fillRef idx="1">
+        <a:scrgbClr r="0" g="0" b="0"/>
+      </a:fillRef>
+      <a:effectRef idx="0">
+        <a:scrgbClr r="0" g="0" b="0"/>
+      </a:effectRef>
+      <a:fontRef idx="minor">
+        <a:schemeClr val="lt1"/>
+      </a:fontRef>
+    </dgm:style>
+  </dgm:styleLbl>
+  <dgm:styleLbl name="lnNode1">
+    <dgm:scene3d>
+      <a:camera prst="orthographicFront"/>
+      <a:lightRig rig="threePt" dir="t"/>
+    </dgm:scene3d>
+    <dgm:sp3d/>
+    <dgm:txPr/>
+    <dgm:style>
+      <a:lnRef idx="2">
+        <a:scrgbClr r="0" g="0" b="0"/>
+      </a:lnRef>
+      <a:fillRef idx="1">
+        <a:scrgbClr r="0" g="0" b="0"/>
+      </a:fillRef>
+      <a:effectRef idx="0">
+        <a:scrgbClr r="0" g="0" b="0"/>
+      </a:effectRef>
+      <a:fontRef idx="minor">
+        <a:schemeClr val="lt1"/>
+      </a:fontRef>
+    </dgm:style>
+  </dgm:styleLbl>
+  <dgm:styleLbl name="vennNode1">
+    <dgm:scene3d>
+      <a:camera prst="orthographicFront"/>
+      <a:lightRig rig="threePt" dir="t"/>
+    </dgm:scene3d>
+    <dgm:sp3d/>
+    <dgm:txPr/>
+    <dgm:style>
+      <a:lnRef idx="2">
+        <a:scrgbClr r="0" g="0" b="0"/>
+      </a:lnRef>
+      <a:fillRef idx="1">
+        <a:scrgbClr r="0" g="0" b="0"/>
+      </a:fillRef>
+      <a:effectRef idx="0">
+        <a:scrgbClr r="0" g="0" b="0"/>
+      </a:effectRef>
+      <a:fontRef idx="minor">
+        <a:schemeClr val="tx1"/>
+      </a:fontRef>
+    </dgm:style>
+  </dgm:styleLbl>
+  <dgm:styleLbl name="alignNode1">
+    <dgm:scene3d>
+      <a:camera prst="orthographicFront"/>
+      <a:lightRig rig="threePt" dir="t"/>
+    </dgm:scene3d>
+    <dgm:sp3d/>
+    <dgm:txPr/>
+    <dgm:style>
+      <a:lnRef idx="2">
+        <a:scrgbClr r="0" g="0" b="0"/>
+      </a:lnRef>
+      <a:fillRef idx="1">
+        <a:scrgbClr r="0" g="0" b="0"/>
+      </a:fillRef>
+      <a:effectRef idx="0">
+        <a:scrgbClr r="0" g="0" b="0"/>
+      </a:effectRef>
+      <a:fontRef idx="minor">
+        <a:schemeClr val="lt1"/>
+      </a:fontRef>
+    </dgm:style>
+  </dgm:styleLbl>
+  <dgm:styleLbl name="node1">
+    <dgm:scene3d>
+      <a:camera prst="orthographicFront"/>
+      <a:lightRig rig="threePt" dir="t"/>
+    </dgm:scene3d>
+    <dgm:sp3d/>
+    <dgm:txPr/>
+    <dgm:style>
+      <a:lnRef idx="2">
+        <a:scrgbClr r="0" g="0" b="0"/>
+      </a:lnRef>
+      <a:fillRef idx="1">
+        <a:scrgbClr r="0" g="0" b="0"/>
+      </a:fillRef>
+      <a:effectRef idx="0">
+        <a:scrgbClr r="0" g="0" b="0"/>
+      </a:effectRef>
+      <a:fontRef idx="minor">
+        <a:schemeClr val="lt1"/>
+      </a:fontRef>
+    </dgm:style>
+  </dgm:styleLbl>
+  <dgm:styleLbl name="node2">
+    <dgm:scene3d>
+      <a:camera prst="orthographicFront"/>
+      <a:lightRig rig="threePt" dir="t"/>
+    </dgm:scene3d>
+    <dgm:sp3d/>
+    <dgm:txPr/>
+    <dgm:style>
+      <a:lnRef idx="2">
+        <a:scrgbClr r="0" g="0" b="0"/>
+      </a:lnRef>
+      <a:fillRef idx="1">
+        <a:scrgbClr r="0" g="0" b="0"/>
+      </a:fillRef>
+      <a:effectRef idx="0">
+        <a:scrgbClr r="0" g="0" b="0"/>
+      </a:effectRef>
+      <a:fontRef idx="minor">
+        <a:schemeClr val="lt1"/>
+      </a:fontRef>
+    </dgm:style>
+  </dgm:styleLbl>
+  <dgm:styleLbl name="node3">
+    <dgm:scene3d>
+      <a:camera prst="orthographicFront"/>
+      <a:lightRig rig="threePt" dir="t"/>
+    </dgm:scene3d>
+    <dgm:sp3d/>
+    <dgm:txPr/>
+    <dgm:style>
+      <a:lnRef idx="2">
+        <a:scrgbClr r="0" g="0" b="0"/>
+      </a:lnRef>
+      <a:fillRef idx="1">
+        <a:scrgbClr r="0" g="0" b="0"/>
+      </a:fillRef>
+      <a:effectRef idx="0">
+        <a:scrgbClr r="0" g="0" b="0"/>
+      </a:effectRef>
+      <a:fontRef idx="minor">
+        <a:schemeClr val="lt1"/>
+      </a:fontRef>
+    </dgm:style>
+  </dgm:styleLbl>
+  <dgm:styleLbl name="node4">
+    <dgm:scene3d>
+      <a:camera prst="orthographicFront"/>
+      <a:lightRig rig="threePt" dir="t"/>
+    </dgm:scene3d>
+    <dgm:sp3d/>
+    <dgm:txPr/>
+    <dgm:style>
+      <a:lnRef idx="2">
+        <a:scrgbClr r="0" g="0" b="0"/>
+      </a:lnRef>
+      <a:fillRef idx="1">
+        <a:scrgbClr r="0" g="0" b="0"/>
+      </a:fillRef>
+      <a:effectRef idx="0">
+        <a:scrgbClr r="0" g="0" b="0"/>
+      </a:effectRef>
+      <a:fontRef idx="minor">
+        <a:schemeClr val="lt1"/>
+      </a:fontRef>
+    </dgm:style>
+  </dgm:styleLbl>
+  <dgm:styleLbl name="fgImgPlace1">
+    <dgm:scene3d>
+      <a:camera prst="orthographicFront"/>
+      <a:lightRig rig="threePt" dir="t"/>
+    </dgm:scene3d>
+    <dgm:sp3d/>
+    <dgm:txPr/>
+    <dgm:style>
+      <a:lnRef idx="2">
+        <a:scrgbClr r="0" g="0" b="0"/>
+      </a:lnRef>
+      <a:fillRef idx="1">
+        <a:scrgbClr r="0" g="0" b="0"/>
+      </a:fillRef>
+      <a:effectRef idx="0">
+        <a:scrgbClr r="0" g="0" b="0"/>
+      </a:effectRef>
+      <a:fontRef idx="minor"/>
+    </dgm:style>
+  </dgm:styleLbl>
+  <dgm:styleLbl name="alignImgPlace1">
+    <dgm:scene3d>
+      <a:camera prst="orthographicFront"/>
+      <a:lightRig rig="threePt" dir="t"/>
+    </dgm:scene3d>
+    <dgm:sp3d/>
+    <dgm:txPr/>
+    <dgm:style>
+      <a:lnRef idx="2">
+        <a:scrgbClr r="0" g="0" b="0"/>
+      </a:lnRef>
+      <a:fillRef idx="1">
+        <a:scrgbClr r="0" g="0" b="0"/>
+      </a:fillRef>
+      <a:effectRef idx="0">
+        <a:scrgbClr r="0" g="0" b="0"/>
+      </a:effectRef>
+      <a:fontRef idx="minor"/>
+    </dgm:style>
+  </dgm:styleLbl>
+  <dgm:styleLbl name="bgImgPlace1">
+    <dgm:scene3d>
+      <a:camera prst="orthographicFront"/>
+      <a:lightRig rig="threePt" dir="t"/>
+    </dgm:scene3d>
+    <dgm:sp3d/>
+    <dgm:txPr/>
+    <dgm:style>
+      <a:lnRef idx="2">
+        <a:scrgbClr r="0" g="0" b="0"/>
+      </a:lnRef>
+      <a:fillRef idx="1">
+        <a:scrgbClr r="0" g="0" b="0"/>
+      </a:fillRef>
+      <a:effectRef idx="0">
+        <a:scrgbClr r="0" g="0" b="0"/>
+      </a:effectRef>
+      <a:fontRef idx="minor"/>
+    </dgm:style>
+  </dgm:styleLbl>
+  <dgm:styleLbl name="sibTrans2D1">
+    <dgm:scene3d>
+      <a:camera prst="orthographicFront"/>
+      <a:lightRig rig="threePt" dir="t"/>
+    </dgm:scene3d>
+    <dgm:sp3d/>
+    <dgm:txPr/>
+    <dgm:style>
+      <a:lnRef idx="0">
+        <a:scrgbClr r="0" g="0" b="0"/>
+      </a:lnRef>
+      <a:fillRef idx="1">
+        <a:scrgbClr r="0" g="0" b="0"/>
+      </a:fillRef>
+      <a:effectRef idx="0">
+        <a:scrgbClr r="0" g="0" b="0"/>
+      </a:effectRef>
+      <a:fontRef idx="minor">
+        <a:schemeClr val="lt1"/>
+      </a:fontRef>
+    </dgm:style>
+  </dgm:styleLbl>
+  <dgm:styleLbl name="fgSibTrans2D1">
+    <dgm:scene3d>
+      <a:camera prst="orthographicFront"/>
+      <a:lightRig rig="threePt" dir="t"/>
+    </dgm:scene3d>
+    <dgm:sp3d/>
+    <dgm:txPr/>
+    <dgm:style>
+      <a:lnRef idx="0">
+        <a:scrgbClr r="0" g="0" b="0"/>
+      </a:lnRef>
+      <a:fillRef idx="1">
+        <a:scrgbClr r="0" g="0" b="0"/>
+      </a:fillRef>
+      <a:effectRef idx="0">
+        <a:scrgbClr r="0" g="0" b="0"/>
+      </a:effectRef>
+      <a:fontRef idx="minor">
+        <a:schemeClr val="lt1"/>
+      </a:fontRef>
+    </dgm:style>
+  </dgm:styleLbl>
+  <dgm:styleLbl name="bgSibTrans2D1">
+    <dgm:scene3d>
+      <a:camera prst="orthographicFront"/>
+      <a:lightRig rig="threePt" dir="t"/>
+    </dgm:scene3d>
+    <dgm:sp3d/>
+    <dgm:txPr/>
+    <dgm:style>
+      <a:lnRef idx="0">
+        <a:scrgbClr r="0" g="0" b="0"/>
+      </a:lnRef>
+      <a:fillRef idx="1">
+        <a:scrgbClr r="0" g="0" b="0"/>
+      </a:fillRef>
+      <a:effectRef idx="0">
+        <a:scrgbClr r="0" g="0" b="0"/>
+      </a:effectRef>
+      <a:fontRef idx="minor">
+        <a:schemeClr val="lt1"/>
+      </a:fontRef>
+    </dgm:style>
+  </dgm:styleLbl>
+  <dgm:styleLbl name="sibTrans1D1">
+    <dgm:scene3d>
+      <a:camera prst="orthographicFront"/>
+      <a:lightRig rig="threePt" dir="t"/>
+    </dgm:scene3d>
+    <dgm:sp3d/>
+    <dgm:txPr/>
+    <dgm:style>
+      <a:lnRef idx="1">
+        <a:scrgbClr r="0" g="0" b="0"/>
+      </a:lnRef>
+      <a:fillRef idx="0">
+        <a:scrgbClr r="0" g="0" b="0"/>
+      </a:fillRef>
+      <a:effectRef idx="0">
+        <a:scrgbClr r="0" g="0" b="0"/>
+      </a:effectRef>
+      <a:fontRef idx="minor"/>
+    </dgm:style>
+  </dgm:styleLbl>
+  <dgm:styleLbl name="callout">
+    <dgm:scene3d>
+      <a:camera prst="orthographicFront"/>
+      <a:lightRig rig="threePt" dir="t"/>
+    </dgm:scene3d>
+    <dgm:sp3d/>
+    <dgm:txPr/>
+    <dgm:style>
+      <a:lnRef idx="2">
+        <a:scrgbClr r="0" g="0" b="0"/>
+      </a:lnRef>
+      <a:fillRef idx="1">
+        <a:scrgbClr r="0" g="0" b="0"/>
+      </a:fillRef>
+      <a:effectRef idx="0">
+        <a:scrgbClr r="0" g="0" b="0"/>
+      </a:effectRef>
+      <a:fontRef idx="minor"/>
+    </dgm:style>
+  </dgm:styleLbl>
+  <dgm:styleLbl name="asst0">
+    <dgm:scene3d>
+      <a:camera prst="orthographicFront"/>
+      <a:lightRig rig="threePt" dir="t"/>
+    </dgm:scene3d>
+    <dgm:sp3d/>
+    <dgm:txPr/>
+    <dgm:style>
+      <a:lnRef idx="2">
+        <a:scrgbClr r="0" g="0" b="0"/>
+      </a:lnRef>
+      <a:fillRef idx="1">
+        <a:scrgbClr r="0" g="0" b="0"/>
+      </a:fillRef>
+      <a:effectRef idx="0">
+        <a:scrgbClr r="0" g="0" b="0"/>
+      </a:effectRef>
+      <a:fontRef idx="minor">
+        <a:schemeClr val="lt1"/>
+      </a:fontRef>
+    </dgm:style>
+  </dgm:styleLbl>
+  <dgm:styleLbl name="asst1">
+    <dgm:scene3d>
+      <a:camera prst="orthographicFront"/>
+      <a:lightRig rig="threePt" dir="t"/>
+    </dgm:scene3d>
+    <dgm:sp3d/>
+    <dgm:txPr/>
+    <dgm:style>
+      <a:lnRef idx="2">
+        <a:scrgbClr r="0" g="0" b="0"/>
+      </a:lnRef>
+      <a:fillRef idx="1">
+        <a:scrgbClr r="0" g="0" b="0"/>
+      </a:fillRef>
+      <a:effectRef idx="0">
+        <a:scrgbClr r="0" g="0" b="0"/>
+      </a:effectRef>
+      <a:fontRef idx="minor">
+        <a:schemeClr val="lt1"/>
+      </a:fontRef>
+    </dgm:style>
+  </dgm:styleLbl>
+  <dgm:styleLbl name="asst2">
+    <dgm:scene3d>
+      <a:camera prst="orthographicFront"/>
+      <a:lightRig rig="threePt" dir="t"/>
+    </dgm:scene3d>
+    <dgm:sp3d/>
+    <dgm:txPr/>
+    <dgm:style>
+      <a:lnRef idx="2">
+        <a:scrgbClr r="0" g="0" b="0"/>
+      </a:lnRef>
+      <a:fillRef idx="1">
+        <a:scrgbClr r="0" g="0" b="0"/>
+      </a:fillRef>
+      <a:effectRef idx="0">
+        <a:scrgbClr r="0" g="0" b="0"/>
+      </a:effectRef>
+      <a:fontRef idx="minor">
+        <a:schemeClr val="lt1"/>
+      </a:fontRef>
+    </dgm:style>
+  </dgm:styleLbl>
+  <dgm:styleLbl name="asst3">
+    <dgm:scene3d>
+      <a:camera prst="orthographicFront"/>
+      <a:lightRig rig="threePt" dir="t"/>
+    </dgm:scene3d>
+    <dgm:sp3d/>
+    <dgm:txPr/>
+    <dgm:style>
+      <a:lnRef idx="2">
+        <a:scrgbClr r="0" g="0" b="0"/>
+      </a:lnRef>
+      <a:fillRef idx="1">
+        <a:scrgbClr r="0" g="0" b="0"/>
+      </a:fillRef>
+      <a:effectRef idx="0">
+        <a:scrgbClr r="0" g="0" b="0"/>
+      </a:effectRef>
+      <a:fontRef idx="minor">
+        <a:schemeClr val="lt1"/>
+      </a:fontRef>
+    </dgm:style>
+  </dgm:styleLbl>
+  <dgm:styleLbl name="asst4">
+    <dgm:scene3d>
+      <a:camera prst="orthographicFront"/>
+      <a:lightRig rig="threePt" dir="t"/>
+    </dgm:scene3d>
+    <dgm:sp3d/>
+    <dgm:txPr/>
+    <dgm:style>
+      <a:lnRef idx="2">
+        <a:scrgbClr r="0" g="0" b="0"/>
+      </a:lnRef>
+      <a:fillRef idx="1">
+        <a:scrgbClr r="0" g="0" b="0"/>
+      </a:fillRef>
+      <a:effectRef idx="0">
+        <a:scrgbClr r="0" g="0" b="0"/>
+      </a:effectRef>
+      <a:fontRef idx="minor">
+        <a:schemeClr val="lt1"/>
+      </a:fontRef>
+    </dgm:style>
+  </dgm:styleLbl>
+  <dgm:styleLbl name="parChTrans2D1">
+    <dgm:scene3d>
+      <a:camera prst="orthographicFront"/>
+      <a:lightRig rig="threePt" dir="t"/>
+    </dgm:scene3d>
+    <dgm:sp3d/>
+    <dgm:txPr/>
+    <dgm:style>
+      <a:lnRef idx="2">
+        <a:scrgbClr r="0" g="0" b="0"/>
+      </a:lnRef>
+      <a:fillRef idx="1">
+        <a:scrgbClr r="0" g="0" b="0"/>
+      </a:fillRef>
+      <a:effectRef idx="0">
+        <a:scrgbClr r="0" g="0" b="0"/>
+      </a:effectRef>
+      <a:fontRef idx="minor">
+        <a:schemeClr val="lt1"/>
+      </a:fontRef>
+    </dgm:style>
+  </dgm:styleLbl>
+  <dgm:styleLbl name="parChTrans2D2">
+    <dgm:scene3d>
+      <a:camera prst="orthographicFront"/>
+      <a:lightRig rig="threePt" dir="t"/>
+    </dgm:scene3d>
+    <dgm:sp3d/>
+    <dgm:txPr/>
+    <dgm:style>
+      <a:lnRef idx="2">
+        <a:scrgbClr r="0" g="0" b="0"/>
+      </a:lnRef>
+      <a:fillRef idx="1">
+        <a:scrgbClr r="0" g="0" b="0"/>
+      </a:fillRef>
+      <a:effectRef idx="0">
+        <a:scrgbClr r="0" g="0" b="0"/>
+      </a:effectRef>
+      <a:fontRef idx="minor">
+        <a:schemeClr val="lt1"/>
+      </a:fontRef>
+    </dgm:style>
+  </dgm:styleLbl>
+  <dgm:styleLbl name="parChTrans2D3">
+    <dgm:scene3d>
+      <a:camera prst="orthographicFront"/>
+      <a:lightRig rig="threePt" dir="t"/>
+    </dgm:scene3d>
+    <dgm:sp3d/>
+    <dgm:txPr/>
+    <dgm:style>
+      <a:lnRef idx="2">
+        <a:scrgbClr r="0" g="0" b="0"/>
+      </a:lnRef>
+      <a:fillRef idx="1">
+        <a:scrgbClr r="0" g="0" b="0"/>
+      </a:fillRef>
+      <a:effectRef idx="0">
+        <a:scrgbClr r="0" g="0" b="0"/>
+      </a:effectRef>
+      <a:fontRef idx="minor">
+        <a:schemeClr val="lt1"/>
+      </a:fontRef>
+    </dgm:style>
+  </dgm:styleLbl>
+  <dgm:styleLbl name="parChTrans2D4">
+    <dgm:scene3d>
+      <a:camera prst="orthographicFront"/>
+      <a:lightRig rig="threePt" dir="t"/>
+    </dgm:scene3d>
+    <dgm:sp3d/>
+    <dgm:txPr/>
+    <dgm:style>
+      <a:lnRef idx="2">
+        <a:scrgbClr r="0" g="0" b="0"/>
+      </a:lnRef>
+      <a:fillRef idx="1">
+        <a:scrgbClr r="0" g="0" b="0"/>
+      </a:fillRef>
+      <a:effectRef idx="0">
+        <a:scrgbClr r="0" g="0" b="0"/>
+      </a:effectRef>
+      <a:fontRef idx="minor">
+        <a:schemeClr val="lt1"/>
+      </a:fontRef>
+    </dgm:style>
+  </dgm:styleLbl>
+  <dgm:styleLbl name="parChTrans1D1">
+    <dgm:scene3d>
+      <a:camera prst="orthographicFront"/>
+      <a:lightRig rig="threePt" dir="t"/>
+    </dgm:scene3d>
+    <dgm:sp3d/>
+    <dgm:txPr/>
+    <dgm:style>
+      <a:lnRef idx="2">
+        <a:scrgbClr r="0" g="0" b="0"/>
+      </a:lnRef>
+      <a:fillRef idx="0">
+        <a:scrgbClr r="0" g="0" b="0"/>
+      </a:fillRef>
+      <a:effectRef idx="0">
+        <a:scrgbClr r="0" g="0" b="0"/>
+      </a:effectRef>
+      <a:fontRef idx="minor"/>
+    </dgm:style>
+  </dgm:styleLbl>
+  <dgm:styleLbl name="parChTrans1D2">
+    <dgm:scene3d>
+      <a:camera prst="orthographicFront"/>
+      <a:lightRig rig="threePt" dir="t"/>
+    </dgm:scene3d>
+    <dgm:sp3d/>
+    <dgm:txPr/>
+    <dgm:style>
+      <a:lnRef idx="2">
+        <a:scrgbClr r="0" g="0" b="0"/>
+      </a:lnRef>
+      <a:fillRef idx="0">
+        <a:scrgbClr r="0" g="0" b="0"/>
+      </a:fillRef>
+      <a:effectRef idx="0">
+        <a:scrgbClr r="0" g="0" b="0"/>
+      </a:effectRef>
+      <a:fontRef idx="minor"/>
+    </dgm:style>
+  </dgm:styleLbl>
+  <dgm:styleLbl name="parChTrans1D3">
+    <dgm:scene3d>
+      <a:camera prst="orthographicFront"/>
+      <a:lightRig rig="threePt" dir="t"/>
+    </dgm:scene3d>
+    <dgm:sp3d/>
+    <dgm:txPr/>
+    <dgm:style>
+      <a:lnRef idx="2">
+        <a:scrgbClr r="0" g="0" b="0"/>
+      </a:lnRef>
+      <a:fillRef idx="0">
+        <a:scrgbClr r="0" g="0" b="0"/>
+      </a:fillRef>
+      <a:effectRef idx="0">
+        <a:scrgbClr r="0" g="0" b="0"/>
+      </a:effectRef>
+      <a:fontRef idx="minor"/>
+    </dgm:style>
+  </dgm:styleLbl>
+  <dgm:styleLbl name="parChTrans1D4">
+    <dgm:scene3d>
+      <a:camera prst="orthographicFront"/>
+      <a:lightRig rig="threePt" dir="t"/>
+    </dgm:scene3d>
+    <dgm:sp3d/>
+    <dgm:txPr/>
+    <dgm:style>
+      <a:lnRef idx="2">
+        <a:scrgbClr r="0" g="0" b="0"/>
+      </a:lnRef>
+      <a:fillRef idx="0">
+        <a:scrgbClr r="0" g="0" b="0"/>
+      </a:fillRef>
+      <a:effectRef idx="0">
+        <a:scrgbClr r="0" g="0" b="0"/>
+      </a:effectRef>
+      <a:fontRef idx="minor"/>
+    </dgm:style>
+  </dgm:styleLbl>
+  <dgm:styleLbl name="fgAcc1">
+    <dgm:scene3d>
+      <a:camera prst="orthographicFront"/>
+      <a:lightRig rig="threePt" dir="t"/>
+    </dgm:scene3d>
+    <dgm:sp3d/>
+    <dgm:txPr/>
+    <dgm:style>
+      <a:lnRef idx="2">
+        <a:scrgbClr r="0" g="0" b="0"/>
+      </a:lnRef>
+      <a:fillRef idx="1">
+        <a:scrgbClr r="0" g="0" b="0"/>
+      </a:fillRef>
+      <a:effectRef idx="0">
+        <a:scrgbClr r="0" g="0" b="0"/>
+      </a:effectRef>
+      <a:fontRef idx="minor"/>
+    </dgm:style>
+  </dgm:styleLbl>
+  <dgm:styleLbl name="conFgAcc1">
+    <dgm:scene3d>
+      <a:camera prst="orthographicFront"/>
+      <a:lightRig rig="threePt" dir="t"/>
+    </dgm:scene3d>
+    <dgm:sp3d/>
+    <dgm:txPr/>
+    <dgm:style>
+      <a:lnRef idx="2">
+        <a:scrgbClr r="0" g="0" b="0"/>
+      </a:lnRef>
+      <a:fillRef idx="1">
+        <a:scrgbClr r="0" g="0" b="0"/>
+      </a:fillRef>
+      <a:effectRef idx="0">
+        <a:scrgbClr r="0" g="0" b="0"/>
+      </a:effectRef>
+      <a:fontRef idx="minor"/>
+    </dgm:style>
+  </dgm:styleLbl>
+  <dgm:styleLbl name="alignAcc1">
+    <dgm:scene3d>
+      <a:camera prst="orthographicFront"/>
+      <a:lightRig rig="threePt" dir="t"/>
+    </dgm:scene3d>
+    <dgm:sp3d/>
+    <dgm:txPr/>
+    <dgm:style>
+      <a:lnRef idx="2">
+        <a:scrgbClr r="0" g="0" b="0"/>
+      </a:lnRef>
+      <a:fillRef idx="1">
+        <a:scrgbClr r="0" g="0" b="0"/>
+      </a:fillRef>
+      <a:effectRef idx="0">
+        <a:scrgbClr r="0" g="0" b="0"/>
+      </a:effectRef>
+      <a:fontRef idx="minor"/>
+    </dgm:style>
+  </dgm:styleLbl>
+  <dgm:styleLbl name="trAlignAcc1">
+    <dgm:scene3d>
+      <a:camera prst="orthographicFront"/>
+      <a:lightRig rig="threePt" dir="t"/>
+    </dgm:scene3d>
+    <dgm:sp3d/>
+    <dgm:txPr/>
+    <dgm:style>
+      <a:lnRef idx="1">
+        <a:scrgbClr r="0" g="0" b="0"/>
+      </a:lnRef>
+      <a:fillRef idx="1">
+        <a:scrgbClr r="0" g="0" b="0"/>
+      </a:fillRef>
+      <a:effectRef idx="0">
+        <a:scrgbClr r="0" g="0" b="0"/>
+      </a:effectRef>
+      <a:fontRef idx="minor"/>
+    </dgm:style>
+  </dgm:styleLbl>
+  <dgm:styleLbl name="bgAcc1">
+    <dgm:scene3d>
+      <a:camera prst="orthographicFront"/>
+      <a:lightRig rig="threePt" dir="t"/>
+    </dgm:scene3d>
+    <dgm:sp3d/>
+    <dgm:txPr/>
+    <dgm:style>
+      <a:lnRef idx="2">
+        <a:scrgbClr r="0" g="0" b="0"/>
+      </a:lnRef>
+      <a:fillRef idx="1">
+        <a:scrgbClr r="0" g="0" b="0"/>
+      </a:fillRef>
+      <a:effectRef idx="0">
+        <a:scrgbClr r="0" g="0" b="0"/>
+      </a:effectRef>
+      <a:fontRef idx="minor"/>
+    </dgm:style>
+  </dgm:styleLbl>
+  <dgm:styleLbl name="solidFgAcc1">
+    <dgm:scene3d>
+      <a:camera prst="orthographicFront"/>
+      <a:lightRig rig="threePt" dir="t"/>
+    </dgm:scene3d>
+    <dgm:sp3d/>
+    <dgm:txPr/>
+    <dgm:style>
+      <a:lnRef idx="2">
+        <a:scrgbClr r="0" g="0" b="0"/>
+      </a:lnRef>
+      <a:fillRef idx="1">
+        <a:scrgbClr r="0" g="0" b="0"/>
+      </a:fillRef>
+      <a:effectRef idx="0">
+        <a:scrgbClr r="0" g="0" b="0"/>
+      </a:effectRef>
+      <a:fontRef idx="minor"/>
+    </dgm:style>
+  </dgm:styleLbl>
+  <dgm:styleLbl name="solidAlignAcc1">
+    <dgm:scene3d>
+      <a:camera prst="orthographicFront"/>
+      <a:lightRig rig="threePt" dir="t"/>
+    </dgm:scene3d>
+    <dgm:sp3d/>
+    <dgm:txPr/>
+    <dgm:style>
+      <a:lnRef idx="2">
+        <a:scrgbClr r="0" g="0" b="0"/>
+      </a:lnRef>
+      <a:fillRef idx="1">
+        <a:scrgbClr r="0" g="0" b="0"/>
+      </a:fillRef>
+      <a:effectRef idx="0">
+        <a:scrgbClr r="0" g="0" b="0"/>
+      </a:effectRef>
+      <a:fontRef idx="minor"/>
+    </dgm:style>
+  </dgm:styleLbl>
+  <dgm:styleLbl name="solidBgAcc1">
+    <dgm:scene3d>
+      <a:camera prst="orthographicFront"/>
+      <a:lightRig rig="threePt" dir="t"/>
+    </dgm:scene3d>
+    <dgm:sp3d/>
+    <dgm:txPr/>
+    <dgm:style>
+      <a:lnRef idx="2">
+        <a:scrgbClr r="0" g="0" b="0"/>
+      </a:lnRef>
+      <a:fillRef idx="1">
+        <a:scrgbClr r="0" g="0" b="0"/>
+      </a:fillRef>
+      <a:effectRef idx="0">
+        <a:scrgbClr r="0" g="0" b="0"/>
+      </a:effectRef>
+      <a:fontRef idx="minor"/>
+    </dgm:style>
+  </dgm:styleLbl>
+  <dgm:styleLbl name="fgAccFollowNode1">
+    <dgm:scene3d>
+      <a:camera prst="orthographicFront"/>
+      <a:lightRig rig="threePt" dir="t"/>
+    </dgm:scene3d>
+    <dgm:sp3d/>
+    <dgm:txPr/>
+    <dgm:style>
+      <a:lnRef idx="2">
+        <a:scrgbClr r="0" g="0" b="0"/>
+      </a:lnRef>
+      <a:fillRef idx="1">
+        <a:scrgbClr r="0" g="0" b="0"/>
+      </a:fillRef>
+      <a:effectRef idx="0">
+        <a:scrgbClr r="0" g="0" b="0"/>
+      </a:effectRef>
+      <a:fontRef idx="minor"/>
+    </dgm:style>
+  </dgm:styleLbl>
+  <dgm:styleLbl name="alignAccFollowNode1">
+    <dgm:scene3d>
+      <a:camera prst="orthographicFront"/>
+      <a:lightRig rig="threePt" dir="t"/>
+    </dgm:scene3d>
+    <dgm:sp3d/>
+    <dgm:txPr/>
+    <dgm:style>
+      <a:lnRef idx="2">
+        <a:scrgbClr r="0" g="0" b="0"/>
+      </a:lnRef>
+      <a:fillRef idx="1">
+        <a:scrgbClr r="0" g="0" b="0"/>
+      </a:fillRef>
+      <a:effectRef idx="0">
+        <a:scrgbClr r="0" g="0" b="0"/>
+      </a:effectRef>
+      <a:fontRef idx="minor"/>
+    </dgm:style>
+  </dgm:styleLbl>
+  <dgm:styleLbl name="bgAccFollowNode1">
+    <dgm:scene3d>
+      <a:camera prst="orthographicFront"/>
+      <a:lightRig rig="threePt" dir="t"/>
+    </dgm:scene3d>
+    <dgm:sp3d/>
+    <dgm:txPr/>
+    <dgm:style>
+      <a:lnRef idx="2">
+        <a:scrgbClr r="0" g="0" b="0"/>
+      </a:lnRef>
+      <a:fillRef idx="1">
+        <a:scrgbClr r="0" g="0" b="0"/>
+      </a:fillRef>
+      <a:effectRef idx="0">
+        <a:scrgbClr r="0" g="0" b="0"/>
+      </a:effectRef>
+      <a:fontRef idx="minor"/>
+    </dgm:style>
+  </dgm:styleLbl>
+  <dgm:styleLbl name="fgAcc0">
+    <dgm:scene3d>
+      <a:camera prst="orthographicFront"/>
+      <a:lightRig rig="threePt" dir="t"/>
+    </dgm:scene3d>
+    <dgm:sp3d/>
+    <dgm:txPr/>
+    <dgm:style>
+      <a:lnRef idx="2">
+        <a:scrgbClr r="0" g="0" b="0"/>
+      </a:lnRef>
+      <a:fillRef idx="1">
+        <a:scrgbClr r="0" g="0" b="0"/>
+      </a:fillRef>
+      <a:effectRef idx="0">
+        <a:scrgbClr r="0" g="0" b="0"/>
+      </a:effectRef>
+      <a:fontRef idx="minor"/>
+    </dgm:style>
+  </dgm:styleLbl>
+  <dgm:styleLbl name="fgAcc2">
+    <dgm:scene3d>
+      <a:camera prst="orthographicFront"/>
+      <a:lightRig rig="threePt" dir="t"/>
+    </dgm:scene3d>
+    <dgm:sp3d/>
+    <dgm:txPr/>
+    <dgm:style>
+      <a:lnRef idx="2">
+        <a:scrgbClr r="0" g="0" b="0"/>
+      </a:lnRef>
+      <a:fillRef idx="1">
+        <a:scrgbClr r="0" g="0" b="0"/>
+      </a:fillRef>
+      <a:effectRef idx="0">
+        <a:scrgbClr r="0" g="0" b="0"/>
+      </a:effectRef>
+      <a:fontRef idx="minor"/>
+    </dgm:style>
+  </dgm:styleLbl>
+  <dgm:styleLbl name="fgAcc3">
+    <dgm:scene3d>
+      <a:camera prst="orthographicFront"/>
+      <a:lightRig rig="threePt" dir="t"/>
+    </dgm:scene3d>
+    <dgm:sp3d/>
+    <dgm:txPr/>
+    <dgm:style>
+      <a:lnRef idx="2">
+        <a:scrgbClr r="0" g="0" b="0"/>
+      </a:lnRef>
+      <a:fillRef idx="1">
+        <a:scrgbClr r="0" g="0" b="0"/>
+      </a:fillRef>
+      <a:effectRef idx="0">
+        <a:scrgbClr r="0" g="0" b="0"/>
+      </a:effectRef>
+      <a:fontRef idx="minor"/>
+    </dgm:style>
+  </dgm:styleLbl>
+  <dgm:styleLbl name="fgAcc4">
+    <dgm:scene3d>
+      <a:camera prst="orthographicFront"/>
+      <a:lightRig rig="threePt" dir="t"/>
+    </dgm:scene3d>
+    <dgm:sp3d/>
+    <dgm:txPr/>
+    <dgm:style>
+      <a:lnRef idx="2">
+        <a:scrgbClr r="0" g="0" b="0"/>
+      </a:lnRef>
+      <a:fillRef idx="1">
+        <a:scrgbClr r="0" g="0" b="0"/>
+      </a:fillRef>
+      <a:effectRef idx="0">
+        <a:scrgbClr r="0" g="0" b="0"/>
+      </a:effectRef>
+      <a:fontRef idx="minor"/>
+    </dgm:style>
+  </dgm:styleLbl>
+  <dgm:styleLbl name="bgShp">
+    <dgm:scene3d>
+      <a:camera prst="orthographicFront"/>
+      <a:lightRig rig="threePt" dir="t"/>
+    </dgm:scene3d>
+    <dgm:sp3d/>
+    <dgm:txPr/>
+    <dgm:style>
+      <a:lnRef idx="0">
+        <a:scrgbClr r="0" g="0" b="0"/>
+      </a:lnRef>
+      <a:fillRef idx="1">
+        <a:scrgbClr r="0" g="0" b="0"/>
+      </a:fillRef>
+      <a:effectRef idx="0">
+        <a:scrgbClr r="0" g="0" b="0"/>
+      </a:effectRef>
+      <a:fontRef idx="minor"/>
+    </dgm:style>
+  </dgm:styleLbl>
+  <dgm:styleLbl name="dkBgShp">
+    <dgm:scene3d>
+      <a:camera prst="orthographicFront"/>
+      <a:lightRig rig="threePt" dir="t"/>
+    </dgm:scene3d>
+    <dgm:sp3d/>
+    <dgm:txPr/>
+    <dgm:style>
+      <a:lnRef idx="0">
+        <a:scrgbClr r="0" g="0" b="0"/>
+      </a:lnRef>
+      <a:fillRef idx="1">
+        <a:scrgbClr r="0" g="0" b="0"/>
+      </a:fillRef>
+      <a:effectRef idx="0">
+        <a:scrgbClr r="0" g="0" b="0"/>
+      </a:effectRef>
+      <a:fontRef idx="minor"/>
+    </dgm:style>
+  </dgm:styleLbl>
+  <dgm:styleLbl name="trBgShp">
+    <dgm:scene3d>
+      <a:camera prst="orthographicFront"/>
+      <a:lightRig rig="threePt" dir="t"/>
+    </dgm:scene3d>
+    <dgm:sp3d/>
+    <dgm:txPr/>
+    <dgm:style>
+      <a:lnRef idx="0">
+        <a:scrgbClr r="0" g="0" b="0"/>
+      </a:lnRef>
+      <a:fillRef idx="1">
+        <a:scrgbClr r="0" g="0" b="0"/>
+      </a:fillRef>
+      <a:effectRef idx="0">
+        <a:scrgbClr r="0" g="0" b="0"/>
+      </a:effectRef>
+      <a:fontRef idx="minor"/>
+    </dgm:style>
+  </dgm:styleLbl>
+  <dgm:styleLbl name="fgShp">
+    <dgm:scene3d>
+      <a:camera prst="orthographicFront"/>
+      <a:lightRig rig="threePt" dir="t"/>
+    </dgm:scene3d>
+    <dgm:sp3d/>
+    <dgm:txPr/>
+    <dgm:style>
+      <a:lnRef idx="2">
+        <a:scrgbClr r="0" g="0" b="0"/>
+      </a:lnRef>
+      <a:fillRef idx="1">
+        <a:scrgbClr r="0" g="0" b="0"/>
+      </a:fillRef>
+      <a:effectRef idx="0">
+        <a:scrgbClr r="0" g="0" b="0"/>
+      </a:effectRef>
+      <a:fontRef idx="minor"/>
+    </dgm:style>
+  </dgm:styleLbl>
+  <dgm:styleLbl name="revTx">
+    <dgm:scene3d>
+      <a:camera prst="orthographicFront"/>
+      <a:lightRig rig="threePt" dir="t"/>
+    </dgm:scene3d>
+    <dgm:sp3d/>
+    <dgm:txPr/>
+    <dgm:style>
+      <a:lnRef idx="0">
+        <a:scrgbClr r="0" g="0" b="0"/>
+      </a:lnRef>
+      <a:fillRef idx="0">
+        <a:scrgbClr r="0" g="0" b="0"/>
+      </a:fillRef>
+      <a:effectRef idx="0">
+        <a:scrgbClr r="0" g="0" b="0"/>
+      </a:effectRef>
+      <a:fontRef idx="minor"/>
+    </dgm:style>
+  </dgm:styleLbl>
+</dgm:styleDef>
 </file>
 
 <file path=ppt/handoutMasters/handoutMaster1.xml><?xml version="1.0" encoding="utf-8"?>
@@ -6837,7 +13268,7 @@
             </a:r>
             <a:r>
               <a:rPr lang="cs-CZ" dirty="0"/>
-              <a:t> metody</a:t>
+              <a:t> metoda</a:t>
             </a:r>
           </a:p>
         </p:txBody>
@@ -6863,7 +13294,47 @@
           <a:bodyPr/>
           <a:lstStyle/>
           <a:p>
-            <a:endParaRPr lang="cs-CZ"/>
+            <a:r>
+              <a:rPr lang="cs-CZ" dirty="0"/>
+              <a:t>Nejbližší </a:t>
+            </a:r>
+            <a:r>
+              <a:rPr lang="cs-CZ" dirty="0" err="1"/>
+              <a:t>centroid</a:t>
+            </a:r>
+            <a:r>
+              <a:rPr lang="cs-CZ" dirty="0"/>
+              <a:t> = střed shluku objektů (nemusí jít o reálný objekt, na rozdíl od </a:t>
+            </a:r>
+            <a:r>
+              <a:rPr lang="cs-CZ" dirty="0" err="1"/>
+              <a:t>medoidu</a:t>
+            </a:r>
+            <a:r>
+              <a:rPr lang="cs-CZ" dirty="0"/>
+              <a:t>)</a:t>
+            </a:r>
+          </a:p>
+          <a:p>
+            <a:r>
+              <a:rPr lang="cs-CZ" dirty="0"/>
+              <a:t>Opět využita euklidovská vzdálenost</a:t>
+            </a:r>
+          </a:p>
+          <a:p>
+            <a:r>
+              <a:rPr lang="cs-CZ" dirty="0"/>
+              <a:t>Řeší problém metody k nejbližších sousedů: nevyváženost skupin</a:t>
+            </a:r>
+          </a:p>
+          <a:p>
+            <a:endParaRPr lang="cs-CZ" dirty="0"/>
+          </a:p>
+          <a:p>
+            <a:r>
+              <a:rPr lang="cs-CZ" dirty="0"/>
+              <a:t>V tomto případě nejslabší výsledky ze všech ostatních metod (ale pořád uspokojivé, cca 89%)</a:t>
+            </a:r>
           </a:p>
         </p:txBody>
       </p:sp>
@@ -6902,6 +13373,138 @@
           <p:cNvPr id="2" name="Zástupný symbol pro číslo snímku 1">
             <a:extLst>
               <a:ext uri="{FF2B5EF4-FFF2-40B4-BE49-F238E27FC236}">
+                <a16:creationId xmlns:a16="http://schemas.microsoft.com/office/drawing/2014/main" id="{6F34D20B-FE06-4268-F233-DBE8ACD1310D}"/>
+              </a:ext>
+            </a:extLst>
+          </p:cNvPr>
+          <p:cNvSpPr>
+            <a:spLocks noGrp="1"/>
+          </p:cNvSpPr>
+          <p:nvPr>
+            <p:ph type="sldNum" sz="quarter" idx="11"/>
+          </p:nvPr>
+        </p:nvSpPr>
+        <p:spPr/>
+        <p:txBody>
+          <a:bodyPr/>
+          <a:lstStyle/>
+          <a:p>
+            <a:fld id="{0970407D-EE58-4A0B-824B-1D3AE42DD9CF}" type="slidenum">
+              <a:rPr lang="cs-CZ" altLang="cs-CZ" smtClean="0"/>
+              <a:pPr/>
+              <a:t>13</a:t>
+            </a:fld>
+            <a:endParaRPr lang="cs-CZ" altLang="cs-CZ" dirty="0"/>
+          </a:p>
+        </p:txBody>
+      </p:sp>
+      <p:sp>
+        <p:nvSpPr>
+          <p:cNvPr id="3" name="Nadpis 2">
+            <a:extLst>
+              <a:ext uri="{FF2B5EF4-FFF2-40B4-BE49-F238E27FC236}">
+                <a16:creationId xmlns:a16="http://schemas.microsoft.com/office/drawing/2014/main" id="{07D29B24-912C-04B0-E849-E635BA7E0BFC}"/>
+              </a:ext>
+            </a:extLst>
+          </p:cNvPr>
+          <p:cNvSpPr>
+            <a:spLocks noGrp="1"/>
+          </p:cNvSpPr>
+          <p:nvPr>
+            <p:ph type="title"/>
+          </p:nvPr>
+        </p:nvSpPr>
+        <p:spPr/>
+        <p:txBody>
+          <a:bodyPr/>
+          <a:lstStyle/>
+          <a:p>
+            <a:r>
+              <a:rPr lang="cs-CZ" dirty="0"/>
+              <a:t>SVM (support </a:t>
+            </a:r>
+            <a:r>
+              <a:rPr lang="cs-CZ" dirty="0" err="1"/>
+              <a:t>vector</a:t>
+            </a:r>
+            <a:r>
+              <a:rPr lang="cs-CZ" dirty="0"/>
+              <a:t> </a:t>
+            </a:r>
+            <a:r>
+              <a:rPr lang="cs-CZ" dirty="0" err="1"/>
+              <a:t>machine</a:t>
+            </a:r>
+            <a:r>
+              <a:rPr lang="cs-CZ" dirty="0"/>
+              <a:t>)</a:t>
+            </a:r>
+          </a:p>
+        </p:txBody>
+      </p:sp>
+      <p:sp>
+        <p:nvSpPr>
+          <p:cNvPr id="4" name="Zástupný obsah 3">
+            <a:extLst>
+              <a:ext uri="{FF2B5EF4-FFF2-40B4-BE49-F238E27FC236}">
+                <a16:creationId xmlns:a16="http://schemas.microsoft.com/office/drawing/2014/main" id="{8D28CF83-FB2B-F6D0-3BDC-A043890AFFF6}"/>
+              </a:ext>
+            </a:extLst>
+          </p:cNvPr>
+          <p:cNvSpPr>
+            <a:spLocks noGrp="1"/>
+          </p:cNvSpPr>
+          <p:nvPr>
+            <p:ph idx="1"/>
+          </p:nvPr>
+        </p:nvSpPr>
+        <p:spPr/>
+        <p:txBody>
+          <a:bodyPr/>
+          <a:lstStyle/>
+          <a:p>
+            <a:r>
+              <a:rPr lang="cs-CZ" dirty="0"/>
+              <a:t>?????????</a:t>
+            </a:r>
+          </a:p>
+        </p:txBody>
+      </p:sp>
+    </p:spTree>
+    <p:extLst>
+      <p:ext uri="{BB962C8B-B14F-4D97-AF65-F5344CB8AC3E}">
+        <p14:creationId xmlns:p14="http://schemas.microsoft.com/office/powerpoint/2010/main" val="2819870597"/>
+      </p:ext>
+    </p:extLst>
+  </p:cSld>
+  <p:clrMapOvr>
+    <a:masterClrMapping/>
+  </p:clrMapOvr>
+</p:sld>
+</file>
+
+<file path=ppt/slides/slide14.xml><?xml version="1.0" encoding="utf-8"?>
+<p:sld xmlns:a="http://schemas.openxmlformats.org/drawingml/2006/main" xmlns:r="http://schemas.openxmlformats.org/officeDocument/2006/relationships" xmlns:p="http://schemas.openxmlformats.org/presentationml/2006/main">
+  <p:cSld>
+    <p:spTree>
+      <p:nvGrpSpPr>
+        <p:cNvPr id="1" name=""/>
+        <p:cNvGrpSpPr/>
+        <p:nvPr/>
+      </p:nvGrpSpPr>
+      <p:grpSpPr>
+        <a:xfrm>
+          <a:off x="0" y="0"/>
+          <a:ext cx="0" cy="0"/>
+          <a:chOff x="0" y="0"/>
+          <a:chExt cx="0" cy="0"/>
+        </a:xfrm>
+      </p:grpSpPr>
+      <p:sp>
+        <p:nvSpPr>
+          <p:cNvPr id="2" name="Zástupný symbol pro číslo snímku 1">
+            <a:extLst>
+              <a:ext uri="{FF2B5EF4-FFF2-40B4-BE49-F238E27FC236}">
                 <a16:creationId xmlns:a16="http://schemas.microsoft.com/office/drawing/2014/main" id="{CD1E9A6B-22B4-2D22-C725-3EDDDEB6EEAD}"/>
               </a:ext>
             </a:extLst>
@@ -6921,7 +13524,7 @@
             <a:fld id="{0970407D-EE58-4A0B-824B-1D3AE42DD9CF}" type="slidenum">
               <a:rPr lang="cs-CZ" altLang="cs-CZ" smtClean="0"/>
               <a:pPr/>
-              <a:t>13</a:t>
+              <a:t>14</a:t>
             </a:fld>
             <a:endParaRPr lang="cs-CZ" altLang="cs-CZ" dirty="0"/>
           </a:p>
@@ -6971,7 +13574,11 @@
             <p:ph idx="1"/>
           </p:nvPr>
         </p:nvSpPr>
-        <p:spPr/>
+        <p:spPr>
+          <a:solidFill>
+            <a:schemeClr val="bg1"/>
+          </a:solidFill>
+        </p:spPr>
         <p:txBody>
           <a:bodyPr/>
           <a:lstStyle/>
@@ -7003,13 +13610,76 @@
             <a:endParaRPr lang="cs-CZ" dirty="0"/>
           </a:p>
           <a:p>
-            <a:r>
-              <a:rPr lang="cs-CZ" dirty="0"/>
-              <a:t>Sem nakreslit strom z pythonu</a:t>
-            </a:r>
-          </a:p>
-          <a:p>
+            <a:pPr marL="54000" indent="0">
+              <a:buNone/>
+            </a:pPr>
             <a:endParaRPr lang="cs-CZ" dirty="0"/>
+          </a:p>
+        </p:txBody>
+      </p:sp>
+      <p:graphicFrame>
+        <p:nvGraphicFramePr>
+          <p:cNvPr id="13" name="Diagram 12">
+            <a:extLst>
+              <a:ext uri="{FF2B5EF4-FFF2-40B4-BE49-F238E27FC236}">
+                <a16:creationId xmlns:a16="http://schemas.microsoft.com/office/drawing/2014/main" id="{51588672-758D-3D0F-8085-667E42A043B4}"/>
+              </a:ext>
+            </a:extLst>
+          </p:cNvPr>
+          <p:cNvGraphicFramePr/>
+          <p:nvPr>
+            <p:extLst>
+              <p:ext uri="{D42A27DB-BD31-4B8C-83A1-F6EECF244321}">
+                <p14:modId xmlns:p14="http://schemas.microsoft.com/office/powerpoint/2010/main" val="2301506824"/>
+              </p:ext>
+            </p:extLst>
+          </p:nvPr>
+        </p:nvGraphicFramePr>
+        <p:xfrm>
+          <a:off x="82215" y="1542403"/>
+          <a:ext cx="8979569" cy="6181359"/>
+        </p:xfrm>
+        <a:graphic>
+          <a:graphicData uri="http://schemas.openxmlformats.org/drawingml/2006/diagram">
+            <dgm:relIds xmlns:dgm="http://schemas.openxmlformats.org/drawingml/2006/diagram" xmlns:r="http://schemas.openxmlformats.org/officeDocument/2006/relationships" r:dm="rId2" r:lo="rId3" r:qs="rId4" r:cs="rId5"/>
+          </a:graphicData>
+        </a:graphic>
+      </p:graphicFrame>
+      <p:sp>
+        <p:nvSpPr>
+          <p:cNvPr id="14" name="TextovéPole 13">
+            <a:extLst>
+              <a:ext uri="{FF2B5EF4-FFF2-40B4-BE49-F238E27FC236}">
+                <a16:creationId xmlns:a16="http://schemas.microsoft.com/office/drawing/2014/main" id="{23688006-C796-38DD-5FB0-C951ABCA8E2C}"/>
+              </a:ext>
+            </a:extLst>
+          </p:cNvPr>
+          <p:cNvSpPr txBox="1"/>
+          <p:nvPr/>
+        </p:nvSpPr>
+        <p:spPr>
+          <a:xfrm>
+            <a:off x="1789890" y="6031149"/>
+            <a:ext cx="5564221" cy="369332"/>
+          </a:xfrm>
+          <a:prstGeom prst="rect">
+            <a:avLst/>
+          </a:prstGeom>
+          <a:noFill/>
+        </p:spPr>
+        <p:txBody>
+          <a:bodyPr wrap="square" rtlCol="0">
+            <a:spAutoFit/>
+          </a:bodyPr>
+          <a:lstStyle/>
+          <a:p>
+            <a:pPr algn="ctr"/>
+            <a:r>
+              <a:rPr lang="cs-CZ" sz="1800" dirty="0">
+                <a:latin typeface="+mn-lt"/>
+              </a:rPr>
+              <a:t>Rozhodovací strom při použití všech proměnných</a:t>
+            </a:r>
           </a:p>
         </p:txBody>
       </p:sp>
@@ -7026,7 +13696,7 @@
 </p:sld>
 </file>
 
-<file path=ppt/slides/slide14.xml><?xml version="1.0" encoding="utf-8"?>
+<file path=ppt/slides/slide15.xml><?xml version="1.0" encoding="utf-8"?>
 <p:sld xmlns:a="http://schemas.openxmlformats.org/drawingml/2006/main" xmlns:r="http://schemas.openxmlformats.org/officeDocument/2006/relationships" xmlns:p="http://schemas.openxmlformats.org/presentationml/2006/main">
   <p:cSld>
     <p:spTree>
@@ -7067,7 +13737,7 @@
             <a:fld id="{0970407D-EE58-4A0B-824B-1D3AE42DD9CF}" type="slidenum">
               <a:rPr lang="cs-CZ" altLang="cs-CZ" smtClean="0"/>
               <a:pPr/>
-              <a:t>14</a:t>
+              <a:t>15</a:t>
             </a:fld>
             <a:endParaRPr lang="cs-CZ" altLang="cs-CZ" dirty="0"/>
           </a:p>
@@ -7139,7 +13809,7 @@
 </p:sld>
 </file>
 
-<file path=ppt/slides/slide15.xml><?xml version="1.0" encoding="utf-8"?>
+<file path=ppt/slides/slide16.xml><?xml version="1.0" encoding="utf-8"?>
 <p:sld xmlns:a="http://schemas.openxmlformats.org/drawingml/2006/main" xmlns:r="http://schemas.openxmlformats.org/officeDocument/2006/relationships" xmlns:p="http://schemas.openxmlformats.org/presentationml/2006/main">
   <p:cSld>
     <p:spTree>
@@ -7193,7 +13863,7 @@
                 </a:solidFill>
                 <a:latin typeface="Arial"/>
               </a:rPr>
-              <a:t>15</a:t>
+              <a:t>16</a:t>
             </a:fld>
             <a:endParaRPr lang="en-US" sz="900" b="0" strike="noStrike" spc="-1">
               <a:latin typeface="Times New Roman"/>
@@ -7355,7 +14025,7 @@
 </p:sld>
 </file>
 
-<file path=ppt/slides/slide16.xml><?xml version="1.0" encoding="utf-8"?>
+<file path=ppt/slides/slide17.xml><?xml version="1.0" encoding="utf-8"?>
 <p:sld xmlns:a="http://schemas.openxmlformats.org/drawingml/2006/main" xmlns:r="http://schemas.openxmlformats.org/officeDocument/2006/relationships" xmlns:p="http://schemas.openxmlformats.org/presentationml/2006/main">
   <p:cSld>
     <p:spTree>
@@ -7902,7 +14572,7 @@
 </p:sld>
 </file>
 
-<file path=ppt/slides/slide17.xml><?xml version="1.0" encoding="utf-8"?>
+<file path=ppt/slides/slide18.xml><?xml version="1.0" encoding="utf-8"?>
 <p:sld xmlns:a="http://schemas.openxmlformats.org/drawingml/2006/main" xmlns:r="http://schemas.openxmlformats.org/officeDocument/2006/relationships" xmlns:p="http://schemas.openxmlformats.org/presentationml/2006/main">
   <p:cSld>
     <p:spTree>
@@ -8416,7 +15086,7 @@
 </p:sld>
 </file>
 
-<file path=ppt/slides/slide18.xml><?xml version="1.0" encoding="utf-8"?>
+<file path=ppt/slides/slide19.xml><?xml version="1.0" encoding="utf-8"?>
 <p:sld xmlns:a="http://schemas.openxmlformats.org/drawingml/2006/main" xmlns:r="http://schemas.openxmlformats.org/officeDocument/2006/relationships" xmlns:p="http://schemas.openxmlformats.org/presentationml/2006/main">
   <p:cSld>
     <p:spTree>
@@ -8457,7 +15127,7 @@
             <a:fld id="{0970407D-EE58-4A0B-824B-1D3AE42DD9CF}" type="slidenum">
               <a:rPr lang="cs-CZ" altLang="cs-CZ" smtClean="0"/>
               <a:pPr/>
-              <a:t>18</a:t>
+              <a:t>19</a:t>
             </a:fld>
             <a:endParaRPr lang="cs-CZ" altLang="cs-CZ" dirty="0"/>
           </a:p>
@@ -8522,229 +15192,40 @@
           </a:p>
         </p:txBody>
       </p:sp>
+      <p:pic>
+        <p:nvPicPr>
+          <p:cNvPr id="6" name="Obrázek 5">
+            <a:extLst>
+              <a:ext uri="{FF2B5EF4-FFF2-40B4-BE49-F238E27FC236}">
+                <a16:creationId xmlns:a16="http://schemas.microsoft.com/office/drawing/2014/main" id="{286449BC-5DFE-3EBC-36C2-722F48E2AD4C}"/>
+              </a:ext>
+            </a:extLst>
+          </p:cNvPr>
+          <p:cNvPicPr>
+            <a:picLocks noChangeAspect="1"/>
+          </p:cNvPicPr>
+          <p:nvPr/>
+        </p:nvPicPr>
+        <p:blipFill>
+          <a:blip r:embed="rId2"/>
+          <a:stretch>
+            <a:fillRect/>
+          </a:stretch>
+        </p:blipFill>
+        <p:spPr>
+          <a:xfrm>
+            <a:off x="73559" y="2995222"/>
+            <a:ext cx="8802328" cy="2676899"/>
+          </a:xfrm>
+          <a:prstGeom prst="rect">
+            <a:avLst/>
+          </a:prstGeom>
+        </p:spPr>
+      </p:pic>
     </p:spTree>
     <p:extLst>
       <p:ext uri="{BB962C8B-B14F-4D97-AF65-F5344CB8AC3E}">
         <p14:creationId xmlns:p14="http://schemas.microsoft.com/office/powerpoint/2010/main" val="546692990"/>
-      </p:ext>
-    </p:extLst>
-  </p:cSld>
-  <p:clrMapOvr>
-    <a:masterClrMapping/>
-  </p:clrMapOvr>
-</p:sld>
-</file>
-
-<file path=ppt/slides/slide19.xml><?xml version="1.0" encoding="utf-8"?>
-<p:sld xmlns:a="http://schemas.openxmlformats.org/drawingml/2006/main" xmlns:r="http://schemas.openxmlformats.org/officeDocument/2006/relationships" xmlns:p="http://schemas.openxmlformats.org/presentationml/2006/main">
-  <p:cSld>
-    <p:spTree>
-      <p:nvGrpSpPr>
-        <p:cNvPr id="1" name=""/>
-        <p:cNvGrpSpPr/>
-        <p:nvPr/>
-      </p:nvGrpSpPr>
-      <p:grpSpPr>
-        <a:xfrm>
-          <a:off x="0" y="0"/>
-          <a:ext cx="0" cy="0"/>
-          <a:chOff x="0" y="0"/>
-          <a:chExt cx="0" cy="0"/>
-        </a:xfrm>
-      </p:grpSpPr>
-      <p:sp>
-        <p:nvSpPr>
-          <p:cNvPr id="2" name="Zástupný symbol pro číslo snímku 1">
-            <a:extLst>
-              <a:ext uri="{FF2B5EF4-FFF2-40B4-BE49-F238E27FC236}">
-                <a16:creationId xmlns:a16="http://schemas.microsoft.com/office/drawing/2014/main" id="{A774A720-607F-23CB-C296-E9FAB56ABE9F}"/>
-              </a:ext>
-            </a:extLst>
-          </p:cNvPr>
-          <p:cNvSpPr>
-            <a:spLocks noGrp="1"/>
-          </p:cNvSpPr>
-          <p:nvPr>
-            <p:ph type="sldNum" sz="quarter" idx="11"/>
-          </p:nvPr>
-        </p:nvSpPr>
-        <p:spPr/>
-        <p:txBody>
-          <a:bodyPr/>
-          <a:lstStyle/>
-          <a:p>
-            <a:fld id="{D6D6C118-631F-4A80-9886-907009361577}" type="slidenum">
-              <a:rPr lang="cs-CZ" altLang="cs-CZ" smtClean="0"/>
-              <a:pPr/>
-              <a:t>19</a:t>
-            </a:fld>
-            <a:endParaRPr lang="cs-CZ" altLang="cs-CZ" dirty="0"/>
-          </a:p>
-        </p:txBody>
-      </p:sp>
-      <p:sp>
-        <p:nvSpPr>
-          <p:cNvPr id="3" name="Nadpis 2">
-            <a:extLst>
-              <a:ext uri="{FF2B5EF4-FFF2-40B4-BE49-F238E27FC236}">
-                <a16:creationId xmlns:a16="http://schemas.microsoft.com/office/drawing/2014/main" id="{FCD28BEE-A24C-13DC-692C-D6179083E7AB}"/>
-              </a:ext>
-            </a:extLst>
-          </p:cNvPr>
-          <p:cNvSpPr>
-            <a:spLocks noGrp="1"/>
-          </p:cNvSpPr>
-          <p:nvPr>
-            <p:ph type="title"/>
-          </p:nvPr>
-        </p:nvSpPr>
-        <p:spPr/>
-        <p:txBody>
-          <a:bodyPr/>
-          <a:lstStyle/>
-          <a:p>
-            <a:r>
-              <a:rPr lang="cs-CZ" dirty="0"/>
-              <a:t>Zdroje</a:t>
-            </a:r>
-          </a:p>
-        </p:txBody>
-      </p:sp>
-      <p:sp>
-        <p:nvSpPr>
-          <p:cNvPr id="4" name="Zástupný obsah 3">
-            <a:extLst>
-              <a:ext uri="{FF2B5EF4-FFF2-40B4-BE49-F238E27FC236}">
-                <a16:creationId xmlns:a16="http://schemas.microsoft.com/office/drawing/2014/main" id="{B9690890-CF09-1273-2893-B91B28E59E3F}"/>
-              </a:ext>
-            </a:extLst>
-          </p:cNvPr>
-          <p:cNvSpPr>
-            <a:spLocks noGrp="1"/>
-          </p:cNvSpPr>
-          <p:nvPr>
-            <p:ph idx="1"/>
-          </p:nvPr>
-        </p:nvSpPr>
-        <p:spPr/>
-        <p:txBody>
-          <a:bodyPr vert="horz" lIns="0" tIns="0" rIns="0" bIns="0" rtlCol="0" anchor="t">
-            <a:noAutofit/>
-          </a:bodyPr>
-          <a:lstStyle/>
-          <a:p>
-            <a:pPr marL="188595" indent="-134620"/>
-            <a:r>
-              <a:rPr lang="cs-CZ" dirty="0"/>
-              <a:t>Youtube.com – </a:t>
-            </a:r>
-            <a:r>
-              <a:rPr lang="cs-CZ" dirty="0" err="1"/>
-              <a:t>SpecimSpectral</a:t>
-            </a:r>
-            <a:endParaRPr lang="cs-CZ" dirty="0">
-              <a:cs typeface="Arial"/>
-            </a:endParaRPr>
-          </a:p>
-          <a:p>
-            <a:pPr marL="188595" indent="-134620"/>
-            <a:r>
-              <a:rPr lang="cs-CZ" dirty="0">
-                <a:hlinkClick r:id="rId2"/>
-              </a:rPr>
-              <a:t>https://www.l3harrisgeospatial.com/docs/ENVIHeaderFiles.html</a:t>
-            </a:r>
-            <a:endParaRPr lang="cs-CZ" dirty="0">
-              <a:cs typeface="Arial"/>
-            </a:endParaRPr>
-          </a:p>
-          <a:p>
-            <a:pPr marL="188595" indent="-134620"/>
-            <a:r>
-              <a:rPr lang="cs-CZ" dirty="0">
-                <a:hlinkClick r:id="rId3"/>
-              </a:rPr>
-              <a:t>https://www.mathworks.com/help/images/getting-started-with-hyperspectral-image-analysis.html</a:t>
-            </a:r>
-            <a:endParaRPr lang="cs-CZ" dirty="0">
-              <a:cs typeface="Arial"/>
-            </a:endParaRPr>
-          </a:p>
-          <a:p>
-            <a:pPr marL="188595" indent="-134620"/>
-            <a:r>
-              <a:rPr lang="cs-CZ" dirty="0">
-                <a:hlinkClick r:id="rId4"/>
-              </a:rPr>
-              <a:t>https://www.sciencedirect.com/topics/medicine-and-dentistry/hyperspectral-imaging</a:t>
-            </a:r>
-            <a:endParaRPr lang="cs-CZ" dirty="0">
-              <a:cs typeface="Arial"/>
-            </a:endParaRPr>
-          </a:p>
-          <a:p>
-            <a:pPr marL="188595" indent="-134620"/>
-            <a:r>
-              <a:rPr lang="cs-CZ" dirty="0">
-                <a:hlinkClick r:id="rId5"/>
-              </a:rPr>
-              <a:t>https://towardsdatascience.com/what-are-hyper-spectral-images-a5de5d9fa91</a:t>
-            </a:r>
-            <a:endParaRPr lang="cs-CZ" dirty="0">
-              <a:cs typeface="Arial"/>
-              <a:hlinkClick r:id="rId5"/>
-            </a:endParaRPr>
-          </a:p>
-          <a:p>
-            <a:pPr marL="188595" indent="-134620"/>
-            <a:r>
-              <a:rPr lang="cs-CZ" dirty="0">
-                <a:ea typeface="+mn-lt"/>
-                <a:cs typeface="+mn-lt"/>
-              </a:rPr>
-              <a:t>IB031, PV021</a:t>
-            </a:r>
-          </a:p>
-          <a:p>
-            <a:pPr marL="188595" indent="-134620"/>
-            <a:r>
-              <a:rPr lang="cs-CZ" dirty="0">
-                <a:ea typeface="+mn-lt"/>
-                <a:cs typeface="+mn-lt"/>
-                <a:hlinkClick r:id="rId6"/>
-              </a:rPr>
-              <a:t>https://arxiv.org/pdf/2008.02481.pdf</a:t>
-            </a:r>
-            <a:endParaRPr lang="cs-CZ" dirty="0">
-              <a:ea typeface="+mn-lt"/>
-              <a:cs typeface="+mn-lt"/>
-            </a:endParaRPr>
-          </a:p>
-          <a:p>
-            <a:pPr marL="188595" indent="-134620"/>
-            <a:r>
-              <a:rPr lang="cs-CZ" dirty="0">
-                <a:cs typeface="Arial"/>
-                <a:hlinkClick r:id="rId7"/>
-              </a:rPr>
-              <a:t>https://www.upgrad.com/blog/neural-network-architecture-components-algorithms/</a:t>
-            </a:r>
-            <a:endParaRPr lang="cs-CZ" dirty="0">
-              <a:cs typeface="Arial"/>
-            </a:endParaRPr>
-          </a:p>
-          <a:p>
-            <a:pPr marL="188595" indent="-134620"/>
-            <a:endParaRPr lang="cs-CZ" dirty="0">
-              <a:cs typeface="Arial"/>
-            </a:endParaRPr>
-          </a:p>
-        </p:txBody>
-      </p:sp>
-    </p:spTree>
-    <p:extLst>
-      <p:ext uri="{BB962C8B-B14F-4D97-AF65-F5344CB8AC3E}">
-        <p14:creationId xmlns:p14="http://schemas.microsoft.com/office/powerpoint/2010/main" val="1689748750"/>
       </p:ext>
     </p:extLst>
   </p:cSld>
@@ -9006,6 +15487,225 @@
           <p:cNvPr id="2" name="Zástupný symbol pro číslo snímku 1">
             <a:extLst>
               <a:ext uri="{FF2B5EF4-FFF2-40B4-BE49-F238E27FC236}">
+                <a16:creationId xmlns:a16="http://schemas.microsoft.com/office/drawing/2014/main" id="{A774A720-607F-23CB-C296-E9FAB56ABE9F}"/>
+              </a:ext>
+            </a:extLst>
+          </p:cNvPr>
+          <p:cNvSpPr>
+            <a:spLocks noGrp="1"/>
+          </p:cNvSpPr>
+          <p:nvPr>
+            <p:ph type="sldNum" sz="quarter" idx="11"/>
+          </p:nvPr>
+        </p:nvSpPr>
+        <p:spPr/>
+        <p:txBody>
+          <a:bodyPr/>
+          <a:lstStyle/>
+          <a:p>
+            <a:fld id="{D6D6C118-631F-4A80-9886-907009361577}" type="slidenum">
+              <a:rPr lang="cs-CZ" altLang="cs-CZ" smtClean="0"/>
+              <a:pPr/>
+              <a:t>20</a:t>
+            </a:fld>
+            <a:endParaRPr lang="cs-CZ" altLang="cs-CZ" dirty="0"/>
+          </a:p>
+        </p:txBody>
+      </p:sp>
+      <p:sp>
+        <p:nvSpPr>
+          <p:cNvPr id="3" name="Nadpis 2">
+            <a:extLst>
+              <a:ext uri="{FF2B5EF4-FFF2-40B4-BE49-F238E27FC236}">
+                <a16:creationId xmlns:a16="http://schemas.microsoft.com/office/drawing/2014/main" id="{FCD28BEE-A24C-13DC-692C-D6179083E7AB}"/>
+              </a:ext>
+            </a:extLst>
+          </p:cNvPr>
+          <p:cNvSpPr>
+            <a:spLocks noGrp="1"/>
+          </p:cNvSpPr>
+          <p:nvPr>
+            <p:ph type="title"/>
+          </p:nvPr>
+        </p:nvSpPr>
+        <p:spPr/>
+        <p:txBody>
+          <a:bodyPr/>
+          <a:lstStyle/>
+          <a:p>
+            <a:r>
+              <a:rPr lang="cs-CZ" dirty="0"/>
+              <a:t>Zdroje</a:t>
+            </a:r>
+          </a:p>
+        </p:txBody>
+      </p:sp>
+      <p:sp>
+        <p:nvSpPr>
+          <p:cNvPr id="4" name="Zástupný obsah 3">
+            <a:extLst>
+              <a:ext uri="{FF2B5EF4-FFF2-40B4-BE49-F238E27FC236}">
+                <a16:creationId xmlns:a16="http://schemas.microsoft.com/office/drawing/2014/main" id="{B9690890-CF09-1273-2893-B91B28E59E3F}"/>
+              </a:ext>
+            </a:extLst>
+          </p:cNvPr>
+          <p:cNvSpPr>
+            <a:spLocks noGrp="1"/>
+          </p:cNvSpPr>
+          <p:nvPr>
+            <p:ph idx="1"/>
+          </p:nvPr>
+        </p:nvSpPr>
+        <p:spPr/>
+        <p:txBody>
+          <a:bodyPr vert="horz" lIns="0" tIns="0" rIns="0" bIns="0" rtlCol="0" anchor="t">
+            <a:noAutofit/>
+          </a:bodyPr>
+          <a:lstStyle/>
+          <a:p>
+            <a:pPr marL="188595" indent="-134620"/>
+            <a:r>
+              <a:rPr lang="cs-CZ" dirty="0"/>
+              <a:t>Youtube.com – </a:t>
+            </a:r>
+            <a:r>
+              <a:rPr lang="cs-CZ" dirty="0" err="1"/>
+              <a:t>SpecimSpectral</a:t>
+            </a:r>
+            <a:endParaRPr lang="cs-CZ" dirty="0">
+              <a:cs typeface="Arial"/>
+            </a:endParaRPr>
+          </a:p>
+          <a:p>
+            <a:pPr marL="188595" indent="-134620"/>
+            <a:r>
+              <a:rPr lang="cs-CZ" dirty="0">
+                <a:hlinkClick r:id="rId2"/>
+              </a:rPr>
+              <a:t>https://www.l3harrisgeospatial.com/docs/ENVIHeaderFiles.html</a:t>
+            </a:r>
+            <a:endParaRPr lang="cs-CZ" dirty="0">
+              <a:cs typeface="Arial"/>
+            </a:endParaRPr>
+          </a:p>
+          <a:p>
+            <a:pPr marL="188595" indent="-134620"/>
+            <a:r>
+              <a:rPr lang="cs-CZ" dirty="0">
+                <a:hlinkClick r:id="rId3"/>
+              </a:rPr>
+              <a:t>https://www.mathworks.com/help/images/getting-started-with-hyperspectral-image-analysis.html</a:t>
+            </a:r>
+            <a:endParaRPr lang="cs-CZ" dirty="0">
+              <a:cs typeface="Arial"/>
+            </a:endParaRPr>
+          </a:p>
+          <a:p>
+            <a:pPr marL="188595" indent="-134620"/>
+            <a:r>
+              <a:rPr lang="cs-CZ" dirty="0">
+                <a:hlinkClick r:id="rId4"/>
+              </a:rPr>
+              <a:t>https://www.sciencedirect.com/topics/medicine-and-dentistry/hyperspectral-imaging</a:t>
+            </a:r>
+            <a:endParaRPr lang="cs-CZ" dirty="0">
+              <a:cs typeface="Arial"/>
+            </a:endParaRPr>
+          </a:p>
+          <a:p>
+            <a:pPr marL="188595" indent="-134620"/>
+            <a:r>
+              <a:rPr lang="cs-CZ" dirty="0">
+                <a:hlinkClick r:id="rId5"/>
+              </a:rPr>
+              <a:t>https://towardsdatascience.com/what-are-hyper-spectral-images-a5de5d9fa91</a:t>
+            </a:r>
+            <a:endParaRPr lang="cs-CZ" dirty="0">
+              <a:cs typeface="Arial"/>
+              <a:hlinkClick r:id="rId5"/>
+            </a:endParaRPr>
+          </a:p>
+          <a:p>
+            <a:pPr marL="188595" indent="-134620"/>
+            <a:r>
+              <a:rPr lang="cs-CZ" dirty="0">
+                <a:ea typeface="+mn-lt"/>
+                <a:cs typeface="+mn-lt"/>
+              </a:rPr>
+              <a:t>IB031, PV021</a:t>
+            </a:r>
+          </a:p>
+          <a:p>
+            <a:pPr marL="188595" indent="-134620"/>
+            <a:r>
+              <a:rPr lang="cs-CZ" dirty="0">
+                <a:ea typeface="+mn-lt"/>
+                <a:cs typeface="+mn-lt"/>
+                <a:hlinkClick r:id="rId6"/>
+              </a:rPr>
+              <a:t>https://arxiv.org/pdf/2008.02481.pdf</a:t>
+            </a:r>
+            <a:endParaRPr lang="cs-CZ" dirty="0">
+              <a:ea typeface="+mn-lt"/>
+              <a:cs typeface="+mn-lt"/>
+            </a:endParaRPr>
+          </a:p>
+          <a:p>
+            <a:pPr marL="188595" indent="-134620"/>
+            <a:r>
+              <a:rPr lang="cs-CZ" dirty="0">
+                <a:cs typeface="Arial"/>
+                <a:hlinkClick r:id="rId7"/>
+              </a:rPr>
+              <a:t>https://www.upgrad.com/blog/neural-network-architecture-components-algorithms/</a:t>
+            </a:r>
+            <a:endParaRPr lang="cs-CZ" dirty="0">
+              <a:cs typeface="Arial"/>
+            </a:endParaRPr>
+          </a:p>
+          <a:p>
+            <a:pPr marL="188595" indent="-134620"/>
+            <a:endParaRPr lang="cs-CZ" dirty="0">
+              <a:cs typeface="Arial"/>
+            </a:endParaRPr>
+          </a:p>
+        </p:txBody>
+      </p:sp>
+    </p:spTree>
+    <p:extLst>
+      <p:ext uri="{BB962C8B-B14F-4D97-AF65-F5344CB8AC3E}">
+        <p14:creationId xmlns:p14="http://schemas.microsoft.com/office/powerpoint/2010/main" val="1689748750"/>
+      </p:ext>
+    </p:extLst>
+  </p:cSld>
+  <p:clrMapOvr>
+    <a:masterClrMapping/>
+  </p:clrMapOvr>
+</p:sld>
+</file>
+
+<file path=ppt/slides/slide21.xml><?xml version="1.0" encoding="utf-8"?>
+<p:sld xmlns:a="http://schemas.openxmlformats.org/drawingml/2006/main" xmlns:r="http://schemas.openxmlformats.org/officeDocument/2006/relationships" xmlns:p="http://schemas.openxmlformats.org/presentationml/2006/main">
+  <p:cSld>
+    <p:spTree>
+      <p:nvGrpSpPr>
+        <p:cNvPr id="1" name=""/>
+        <p:cNvGrpSpPr/>
+        <p:nvPr/>
+      </p:nvGrpSpPr>
+      <p:grpSpPr>
+        <a:xfrm>
+          <a:off x="0" y="0"/>
+          <a:ext cx="0" cy="0"/>
+          <a:chOff x="0" y="0"/>
+          <a:chExt cx="0" cy="0"/>
+        </a:xfrm>
+      </p:grpSpPr>
+      <p:sp>
+        <p:nvSpPr>
+          <p:cNvPr id="2" name="Zástupný symbol pro číslo snímku 1">
+            <a:extLst>
+              <a:ext uri="{FF2B5EF4-FFF2-40B4-BE49-F238E27FC236}">
                 <a16:creationId xmlns:a16="http://schemas.microsoft.com/office/drawing/2014/main" id="{D3EA143C-A8E1-E82E-319A-F2713D24FA49}"/>
               </a:ext>
             </a:extLst>
@@ -9025,7 +15725,7 @@
             <a:fld id="{0970407D-EE58-4A0B-824B-1D3AE42DD9CF}" type="slidenum">
               <a:rPr lang="cs-CZ" altLang="cs-CZ" smtClean="0"/>
               <a:pPr/>
-              <a:t>20</a:t>
+              <a:t>21</a:t>
             </a:fld>
             <a:endParaRPr lang="cs-CZ" altLang="cs-CZ" dirty="0"/>
           </a:p>

--- a/KAPHS.pptx
+++ b/KAPHS.pptx
@@ -5,10 +5,10 @@
     <p:sldMasterId id="2147483657" r:id="rId4"/>
   </p:sldMasterIdLst>
   <p:notesMasterIdLst>
-    <p:notesMasterId r:id="rId26"/>
+    <p:notesMasterId r:id="rId22"/>
   </p:notesMasterIdLst>
   <p:handoutMasterIdLst>
-    <p:handoutMasterId r:id="rId27"/>
+    <p:handoutMasterId r:id="rId23"/>
   </p:handoutMasterIdLst>
   <p:sldIdLst>
     <p:sldId id="256" r:id="rId5"/>
@@ -19,19 +19,15 @@
     <p:sldId id="259" r:id="rId10"/>
     <p:sldId id="273" r:id="rId11"/>
     <p:sldId id="274" r:id="rId12"/>
-    <p:sldId id="272" r:id="rId13"/>
+    <p:sldId id="276" r:id="rId13"/>
     <p:sldId id="275" r:id="rId14"/>
     <p:sldId id="279" r:id="rId15"/>
-    <p:sldId id="276" r:id="rId16"/>
-    <p:sldId id="281" r:id="rId17"/>
-    <p:sldId id="277" r:id="rId18"/>
-    <p:sldId id="278" r:id="rId19"/>
-    <p:sldId id="268" r:id="rId20"/>
-    <p:sldId id="269" r:id="rId21"/>
-    <p:sldId id="270" r:id="rId22"/>
-    <p:sldId id="280" r:id="rId23"/>
-    <p:sldId id="267" r:id="rId24"/>
-    <p:sldId id="262" r:id="rId25"/>
+    <p:sldId id="281" r:id="rId16"/>
+    <p:sldId id="277" r:id="rId17"/>
+    <p:sldId id="278" r:id="rId18"/>
+    <p:sldId id="280" r:id="rId19"/>
+    <p:sldId id="267" r:id="rId20"/>
+    <p:sldId id="262" r:id="rId21"/>
   </p:sldIdLst>
   <p:sldSz cx="9144000" cy="6858000" type="screen4x3"/>
   <p:notesSz cx="6858000" cy="9144000"/>
@@ -173,16 +169,12 @@
             <p14:sldId id="259"/>
             <p14:sldId id="273"/>
             <p14:sldId id="274"/>
-            <p14:sldId id="272"/>
+            <p14:sldId id="276"/>
             <p14:sldId id="275"/>
             <p14:sldId id="279"/>
-            <p14:sldId id="276"/>
             <p14:sldId id="281"/>
             <p14:sldId id="277"/>
             <p14:sldId id="278"/>
-            <p14:sldId id="268"/>
-            <p14:sldId id="269"/>
-            <p14:sldId id="270"/>
             <p14:sldId id="280"/>
             <p14:sldId id="267"/>
             <p14:sldId id="262"/>
@@ -9575,36 +9567,6 @@
 </p:sldLayout>
 </file>
 
-<file path=ppt/slideLayouts/slideLayout18.xml><?xml version="1.0" encoding="utf-8"?>
-<p:sldLayout xmlns:a="http://schemas.openxmlformats.org/drawingml/2006/main" xmlns:r="http://schemas.openxmlformats.org/officeDocument/2006/relationships" xmlns:p="http://schemas.openxmlformats.org/presentationml/2006/main" type="blank">
-  <p:cSld name="Blank Slide">
-    <p:spTree>
-      <p:nvGrpSpPr>
-        <p:cNvPr id="1" name=""/>
-        <p:cNvGrpSpPr/>
-        <p:nvPr/>
-      </p:nvGrpSpPr>
-      <p:grpSpPr>
-        <a:xfrm>
-          <a:off x="0" y="0"/>
-          <a:ext cx="0" cy="0"/>
-          <a:chOff x="0" y="0"/>
-          <a:chExt cx="0" cy="0"/>
-        </a:xfrm>
-      </p:grpSpPr>
-    </p:spTree>
-    <p:extLst>
-      <p:ext uri="{BB962C8B-B14F-4D97-AF65-F5344CB8AC3E}">
-        <p14:creationId xmlns:p14="http://schemas.microsoft.com/office/powerpoint/2010/main" val="281354776"/>
-      </p:ext>
-    </p:extLst>
-  </p:cSld>
-  <p:clrMapOvr>
-    <a:masterClrMapping/>
-  </p:clrMapOvr>
-</p:sldLayout>
-</file>
-
 <file path=ppt/slideLayouts/slideLayout2.xml><?xml version="1.0" encoding="utf-8"?>
 <p:sldLayout xmlns:a="http://schemas.openxmlformats.org/drawingml/2006/main" xmlns:r="http://schemas.openxmlformats.org/officeDocument/2006/relationships" xmlns:p="http://schemas.openxmlformats.org/presentationml/2006/main" preserve="1" userDrawn="1">
   <p:cSld name="Nadpis a obsah">
@@ -12209,7 +12171,6 @@
     <p:sldLayoutId id="2147483694" r:id="rId15"/>
     <p:sldLayoutId id="2147483692" r:id="rId16"/>
     <p:sldLayoutId id="2147483693" r:id="rId17"/>
-    <p:sldLayoutId id="2147483699" r:id="rId18"/>
   </p:sldLayoutIdLst>
   <p:hf hdr="0" dt="0"/>
   <p:txStyles>
@@ -12476,7 +12437,7 @@
         </a:buClr>
         <a:buFont typeface="Wingdings" pitchFamily="2" charset="2"/>
         <a:buBlip>
-          <a:blip r:embed="rId20"/>
+          <a:blip r:embed="rId19"/>
         </a:buBlip>
         <a:defRPr>
           <a:solidFill>
@@ -13216,163 +13177,6 @@
           <p:cNvPr id="2" name="Zástupný symbol pro číslo snímku 1">
             <a:extLst>
               <a:ext uri="{FF2B5EF4-FFF2-40B4-BE49-F238E27FC236}">
-                <a16:creationId xmlns:a16="http://schemas.microsoft.com/office/drawing/2014/main" id="{E2B5AE1D-07F1-3F95-9158-E7ECE1B7B04A}"/>
-              </a:ext>
-            </a:extLst>
-          </p:cNvPr>
-          <p:cNvSpPr>
-            <a:spLocks noGrp="1"/>
-          </p:cNvSpPr>
-          <p:nvPr>
-            <p:ph type="sldNum" sz="quarter" idx="11"/>
-          </p:nvPr>
-        </p:nvSpPr>
-        <p:spPr/>
-        <p:txBody>
-          <a:bodyPr/>
-          <a:lstStyle/>
-          <a:p>
-            <a:fld id="{0970407D-EE58-4A0B-824B-1D3AE42DD9CF}" type="slidenum">
-              <a:rPr lang="cs-CZ" altLang="cs-CZ" smtClean="0"/>
-              <a:pPr/>
-              <a:t>12</a:t>
-            </a:fld>
-            <a:endParaRPr lang="cs-CZ" altLang="cs-CZ" dirty="0"/>
-          </a:p>
-        </p:txBody>
-      </p:sp>
-      <p:sp>
-        <p:nvSpPr>
-          <p:cNvPr id="3" name="Nadpis 2">
-            <a:extLst>
-              <a:ext uri="{FF2B5EF4-FFF2-40B4-BE49-F238E27FC236}">
-                <a16:creationId xmlns:a16="http://schemas.microsoft.com/office/drawing/2014/main" id="{1CF226C1-5855-A221-8826-9F742A5EFA37}"/>
-              </a:ext>
-            </a:extLst>
-          </p:cNvPr>
-          <p:cNvSpPr>
-            <a:spLocks noGrp="1"/>
-          </p:cNvSpPr>
-          <p:nvPr>
-            <p:ph type="title"/>
-          </p:nvPr>
-        </p:nvSpPr>
-        <p:spPr/>
-        <p:txBody>
-          <a:bodyPr/>
-          <a:lstStyle/>
-          <a:p>
-            <a:r>
-              <a:rPr lang="cs-CZ" dirty="0" err="1"/>
-              <a:t>Centroidová</a:t>
-            </a:r>
-            <a:r>
-              <a:rPr lang="cs-CZ" dirty="0"/>
-              <a:t> metoda</a:t>
-            </a:r>
-          </a:p>
-        </p:txBody>
-      </p:sp>
-      <p:sp>
-        <p:nvSpPr>
-          <p:cNvPr id="4" name="Zástupný obsah 3">
-            <a:extLst>
-              <a:ext uri="{FF2B5EF4-FFF2-40B4-BE49-F238E27FC236}">
-                <a16:creationId xmlns:a16="http://schemas.microsoft.com/office/drawing/2014/main" id="{6947B269-BF7E-0517-640C-E2697EB5FCC4}"/>
-              </a:ext>
-            </a:extLst>
-          </p:cNvPr>
-          <p:cNvSpPr>
-            <a:spLocks noGrp="1"/>
-          </p:cNvSpPr>
-          <p:nvPr>
-            <p:ph idx="1"/>
-          </p:nvPr>
-        </p:nvSpPr>
-        <p:spPr/>
-        <p:txBody>
-          <a:bodyPr/>
-          <a:lstStyle/>
-          <a:p>
-            <a:r>
-              <a:rPr lang="cs-CZ" dirty="0"/>
-              <a:t>Nejbližší </a:t>
-            </a:r>
-            <a:r>
-              <a:rPr lang="cs-CZ" dirty="0" err="1"/>
-              <a:t>centroid</a:t>
-            </a:r>
-            <a:r>
-              <a:rPr lang="cs-CZ" dirty="0"/>
-              <a:t> = střed shluku objektů (nemusí jít o reálný objekt, na rozdíl od </a:t>
-            </a:r>
-            <a:r>
-              <a:rPr lang="cs-CZ" dirty="0" err="1"/>
-              <a:t>medoidu</a:t>
-            </a:r>
-            <a:r>
-              <a:rPr lang="cs-CZ" dirty="0"/>
-              <a:t>)</a:t>
-            </a:r>
-          </a:p>
-          <a:p>
-            <a:r>
-              <a:rPr lang="cs-CZ" dirty="0"/>
-              <a:t>Opět využita euklidovská vzdálenost</a:t>
-            </a:r>
-          </a:p>
-          <a:p>
-            <a:r>
-              <a:rPr lang="cs-CZ" dirty="0"/>
-              <a:t>Řeší problém metody k nejbližších sousedů: nevyváženost skupin</a:t>
-            </a:r>
-          </a:p>
-          <a:p>
-            <a:endParaRPr lang="cs-CZ" dirty="0"/>
-          </a:p>
-          <a:p>
-            <a:r>
-              <a:rPr lang="cs-CZ" dirty="0"/>
-              <a:t>V tomto případě nejslabší výsledky ze všech ostatních metod (ale pořád uspokojivé, cca 89%)</a:t>
-            </a:r>
-          </a:p>
-        </p:txBody>
-      </p:sp>
-    </p:spTree>
-    <p:extLst>
-      <p:ext uri="{BB962C8B-B14F-4D97-AF65-F5344CB8AC3E}">
-        <p14:creationId xmlns:p14="http://schemas.microsoft.com/office/powerpoint/2010/main" val="2493379449"/>
-      </p:ext>
-    </p:extLst>
-  </p:cSld>
-  <p:clrMapOvr>
-    <a:masterClrMapping/>
-  </p:clrMapOvr>
-</p:sld>
-</file>
-
-<file path=ppt/slides/slide13.xml><?xml version="1.0" encoding="utf-8"?>
-<p:sld xmlns:a="http://schemas.openxmlformats.org/drawingml/2006/main" xmlns:r="http://schemas.openxmlformats.org/officeDocument/2006/relationships" xmlns:p="http://schemas.openxmlformats.org/presentationml/2006/main">
-  <p:cSld>
-    <p:spTree>
-      <p:nvGrpSpPr>
-        <p:cNvPr id="1" name=""/>
-        <p:cNvGrpSpPr/>
-        <p:nvPr/>
-      </p:nvGrpSpPr>
-      <p:grpSpPr>
-        <a:xfrm>
-          <a:off x="0" y="0"/>
-          <a:ext cx="0" cy="0"/>
-          <a:chOff x="0" y="0"/>
-          <a:chExt cx="0" cy="0"/>
-        </a:xfrm>
-      </p:grpSpPr>
-      <p:sp>
-        <p:nvSpPr>
-          <p:cNvPr id="2" name="Zástupný symbol pro číslo snímku 1">
-            <a:extLst>
-              <a:ext uri="{FF2B5EF4-FFF2-40B4-BE49-F238E27FC236}">
                 <a16:creationId xmlns:a16="http://schemas.microsoft.com/office/drawing/2014/main" id="{6F34D20B-FE06-4268-F233-DBE8ACD1310D}"/>
               </a:ext>
             </a:extLst>
@@ -13392,7 +13196,7 @@
             <a:fld id="{0970407D-EE58-4A0B-824B-1D3AE42DD9CF}" type="slidenum">
               <a:rPr lang="cs-CZ" altLang="cs-CZ" smtClean="0"/>
               <a:pPr/>
-              <a:t>13</a:t>
+              <a:t>12</a:t>
             </a:fld>
             <a:endParaRPr lang="cs-CZ" altLang="cs-CZ" dirty="0"/>
           </a:p>
@@ -13421,19 +13225,19 @@
           <a:p>
             <a:r>
               <a:rPr lang="cs-CZ" dirty="0"/>
-              <a:t>SVM (support </a:t>
+              <a:t>SVM (</a:t>
             </a:r>
             <a:r>
-              <a:rPr lang="cs-CZ" dirty="0" err="1"/>
-              <a:t>vector</a:t>
+              <a:rPr lang="en-001" dirty="0" err="1"/>
+              <a:t>metoda</a:t>
             </a:r>
             <a:r>
-              <a:rPr lang="cs-CZ" dirty="0"/>
+              <a:rPr lang="en-001" dirty="0"/>
               <a:t> </a:t>
             </a:r>
             <a:r>
-              <a:rPr lang="cs-CZ" dirty="0" err="1"/>
-              <a:t>machine</a:t>
+              <a:rPr lang="sk-SK" b="1" dirty="0"/>
+              <a:t>podpůrných vektorů</a:t>
             </a:r>
             <a:r>
               <a:rPr lang="cs-CZ" dirty="0"/>
@@ -13464,12 +13268,81 @@
           <a:lstStyle/>
           <a:p>
             <a:r>
-              <a:rPr lang="cs-CZ" dirty="0"/>
-              <a:t>?????????</a:t>
+              <a:rPr lang="en-001" dirty="0" err="1"/>
+              <a:t>Algoritmus</a:t>
             </a:r>
+            <a:r>
+              <a:rPr lang="en-001" dirty="0"/>
+              <a:t> </a:t>
+            </a:r>
+            <a:r>
+              <a:rPr lang="en-001" dirty="0" err="1"/>
+              <a:t>hled</a:t>
+            </a:r>
+            <a:r>
+              <a:rPr lang="sk-SK" dirty="0"/>
+              <a:t>á takové nadroviny mezi jednotlivými třídamy v prostoru, které vytváří mezi třídami největší odstup</a:t>
+            </a:r>
+          </a:p>
+          <a:p>
+            <a:r>
+              <a:rPr lang="sk-SK" dirty="0"/>
+              <a:t>Podpůrné vektory – vektory popisující nadrovinu</a:t>
+            </a:r>
+          </a:p>
+          <a:p>
+            <a:r>
+              <a:rPr lang="sk-SK" dirty="0"/>
+              <a:t>Výpočtově náročné, často redukce dimenzí</a:t>
+            </a:r>
+          </a:p>
+          <a:p>
+            <a:endParaRPr lang="sk-SK" dirty="0"/>
+          </a:p>
+          <a:p>
+            <a:endParaRPr lang="sk-SK" dirty="0"/>
+          </a:p>
+          <a:p>
+            <a:endParaRPr lang="cs-CZ" dirty="0"/>
           </a:p>
         </p:txBody>
       </p:sp>
+      <p:pic>
+        <p:nvPicPr>
+          <p:cNvPr id="6" name="Picture 5" descr="A picture containing light&#10;&#10;Description automatically generated">
+            <a:extLst>
+              <a:ext uri="{FF2B5EF4-FFF2-40B4-BE49-F238E27FC236}">
+                <a16:creationId xmlns:a16="http://schemas.microsoft.com/office/drawing/2014/main" id="{C5D90F20-9A27-9EBC-7A5D-A1206BC5EC14}"/>
+              </a:ext>
+            </a:extLst>
+          </p:cNvPr>
+          <p:cNvPicPr>
+            <a:picLocks noChangeAspect="1"/>
+          </p:cNvPicPr>
+          <p:nvPr/>
+        </p:nvPicPr>
+        <p:blipFill>
+          <a:blip r:embed="rId2">
+            <a:extLst>
+              <a:ext uri="{28A0092B-C50C-407E-A947-70E740481C1C}">
+                <a14:useLocalDpi xmlns:a14="http://schemas.microsoft.com/office/drawing/2010/main" val="0"/>
+              </a:ext>
+            </a:extLst>
+          </a:blip>
+          <a:stretch>
+            <a:fillRect/>
+          </a:stretch>
+        </p:blipFill>
+        <p:spPr>
+          <a:xfrm>
+            <a:off x="865662" y="3394854"/>
+            <a:ext cx="3517338" cy="2957572"/>
+          </a:xfrm>
+          <a:prstGeom prst="rect">
+            <a:avLst/>
+          </a:prstGeom>
+        </p:spPr>
+      </p:pic>
     </p:spTree>
     <p:extLst>
       <p:ext uri="{BB962C8B-B14F-4D97-AF65-F5344CB8AC3E}">
@@ -13483,7 +13356,7 @@
 </p:sld>
 </file>
 
-<file path=ppt/slides/slide14.xml><?xml version="1.0" encoding="utf-8"?>
+<file path=ppt/slides/slide13.xml><?xml version="1.0" encoding="utf-8"?>
 <p:sld xmlns:a="http://schemas.openxmlformats.org/drawingml/2006/main" xmlns:r="http://schemas.openxmlformats.org/officeDocument/2006/relationships" xmlns:p="http://schemas.openxmlformats.org/presentationml/2006/main">
   <p:cSld>
     <p:spTree>
@@ -13524,7 +13397,7 @@
             <a:fld id="{0970407D-EE58-4A0B-824B-1D3AE42DD9CF}" type="slidenum">
               <a:rPr lang="cs-CZ" altLang="cs-CZ" smtClean="0"/>
               <a:pPr/>
-              <a:t>14</a:t>
+              <a:t>13</a:t>
             </a:fld>
             <a:endParaRPr lang="cs-CZ" altLang="cs-CZ" dirty="0"/>
           </a:p>
@@ -13696,7 +13569,7 @@
 </p:sld>
 </file>
 
-<file path=ppt/slides/slide15.xml><?xml version="1.0" encoding="utf-8"?>
+<file path=ppt/slides/slide14.xml><?xml version="1.0" encoding="utf-8"?>
 <p:sld xmlns:a="http://schemas.openxmlformats.org/drawingml/2006/main" xmlns:r="http://schemas.openxmlformats.org/officeDocument/2006/relationships" xmlns:p="http://schemas.openxmlformats.org/presentationml/2006/main">
   <p:cSld>
     <p:spTree>
@@ -13737,7 +13610,7 @@
             <a:fld id="{0970407D-EE58-4A0B-824B-1D3AE42DD9CF}" type="slidenum">
               <a:rPr lang="cs-CZ" altLang="cs-CZ" smtClean="0"/>
               <a:pPr/>
-              <a:t>15</a:t>
+              <a:t>14</a:t>
             </a:fld>
             <a:endParaRPr lang="cs-CZ" altLang="cs-CZ" dirty="0"/>
           </a:p>
@@ -13792,7 +13665,29 @@
           <a:bodyPr/>
           <a:lstStyle/>
           <a:p>
-            <a:endParaRPr lang="cs-CZ"/>
+            <a:r>
+              <a:rPr lang="cs-CZ" dirty="0"/>
+              <a:t>Změna dat v tom zmyslu, aby byla pro každý pixel brána v úvahu nejen jeho hodnota, ale i hodnota sousedících pixel</a:t>
+            </a:r>
+            <a:r>
+              <a:rPr lang="sk-SK" dirty="0"/>
+              <a:t>ů</a:t>
+            </a:r>
+          </a:p>
+          <a:p>
+            <a:r>
+              <a:rPr lang="sk-SK" dirty="0"/>
+              <a:t>Pro naše účely jsme použili hodnotu pouze z nejbližších sousedů</a:t>
+            </a:r>
+          </a:p>
+          <a:p>
+            <a:r>
+              <a:rPr lang="sk-SK" dirty="0"/>
+              <a:t>Aplikování na modely přineslo malé zlepšení přesnosti </a:t>
+            </a:r>
+          </a:p>
+          <a:p>
+            <a:endParaRPr lang="cs-CZ" dirty="0"/>
           </a:p>
         </p:txBody>
       </p:sp>
@@ -13809,1284 +13704,7 @@
 </p:sld>
 </file>
 
-<file path=ppt/slides/slide16.xml><?xml version="1.0" encoding="utf-8"?>
-<p:sld xmlns:a="http://schemas.openxmlformats.org/drawingml/2006/main" xmlns:r="http://schemas.openxmlformats.org/officeDocument/2006/relationships" xmlns:p="http://schemas.openxmlformats.org/presentationml/2006/main">
-  <p:cSld>
-    <p:spTree>
-      <p:nvGrpSpPr>
-        <p:cNvPr id="1" name=""/>
-        <p:cNvGrpSpPr/>
-        <p:nvPr/>
-      </p:nvGrpSpPr>
-      <p:grpSpPr>
-        <a:xfrm>
-          <a:off x="0" y="0"/>
-          <a:ext cx="0" cy="0"/>
-          <a:chOff x="0" y="0"/>
-          <a:chExt cx="0" cy="0"/>
-        </a:xfrm>
-      </p:grpSpPr>
-      <p:sp>
-        <p:nvSpPr>
-          <p:cNvPr id="183" name="TextShape 1"/>
-          <p:cNvSpPr txBox="1"/>
-          <p:nvPr/>
-        </p:nvSpPr>
-        <p:spPr>
-          <a:xfrm>
-            <a:off x="310680" y="6228000"/>
-            <a:ext cx="188640" cy="251640"/>
-          </a:xfrm>
-          <a:prstGeom prst="rect">
-            <a:avLst/>
-          </a:prstGeom>
-          <a:noFill/>
-          <a:ln>
-            <a:noFill/>
-          </a:ln>
-        </p:spPr>
-        <p:txBody>
-          <a:bodyPr lIns="0" tIns="0" rIns="0" bIns="0" anchor="ctr">
-            <a:noAutofit/>
-          </a:bodyPr>
-          <a:lstStyle/>
-          <a:p>
-            <a:pPr>
-              <a:lnSpc>
-                <a:spcPct val="100000"/>
-              </a:lnSpc>
-            </a:pPr>
-            <a:fld id="{951C0CB5-6AE9-4D83-881A-CD458A5A83AC}" type="slidenum">
-              <a:rPr lang="cs-CZ" sz="900" b="0" strike="noStrike" spc="-1">
-                <a:solidFill>
-                  <a:srgbClr val="0000DC"/>
-                </a:solidFill>
-                <a:latin typeface="Arial"/>
-              </a:rPr>
-              <a:t>16</a:t>
-            </a:fld>
-            <a:endParaRPr lang="en-US" sz="900" b="0" strike="noStrike" spc="-1">
-              <a:latin typeface="Times New Roman"/>
-            </a:endParaRPr>
-          </a:p>
-        </p:txBody>
-      </p:sp>
-      <p:sp>
-        <p:nvSpPr>
-          <p:cNvPr id="184" name="TextShape 2"/>
-          <p:cNvSpPr txBox="1"/>
-          <p:nvPr/>
-        </p:nvSpPr>
-        <p:spPr>
-          <a:xfrm>
-            <a:off x="540000" y="720000"/>
-            <a:ext cx="8064720" cy="451080"/>
-          </a:xfrm>
-          <a:prstGeom prst="rect">
-            <a:avLst/>
-          </a:prstGeom>
-          <a:noFill/>
-          <a:ln>
-            <a:noFill/>
-          </a:ln>
-        </p:spPr>
-        <p:txBody>
-          <a:bodyPr lIns="0" tIns="0" rIns="0" bIns="0">
-            <a:noAutofit/>
-          </a:bodyPr>
-          <a:lstStyle/>
-          <a:p>
-            <a:pPr>
-              <a:lnSpc>
-                <a:spcPts val="2999"/>
-              </a:lnSpc>
-            </a:pPr>
-            <a:r>
-              <a:rPr lang="cs-CZ" sz="3000" b="1" strike="noStrike" spc="-1">
-                <a:solidFill>
-                  <a:srgbClr val="0000DC"/>
-                </a:solidFill>
-                <a:latin typeface="Arial"/>
-              </a:rPr>
-              <a:t>Neuronové sítě</a:t>
-            </a:r>
-            <a:endParaRPr lang="en-US" sz="3000" b="0" strike="noStrike" spc="-1">
-              <a:solidFill>
-                <a:srgbClr val="000000"/>
-              </a:solidFill>
-              <a:latin typeface="Tahoma"/>
-            </a:endParaRPr>
-          </a:p>
-        </p:txBody>
-      </p:sp>
-      <p:sp>
-        <p:nvSpPr>
-          <p:cNvPr id="185" name="TextShape 3"/>
-          <p:cNvSpPr txBox="1"/>
-          <p:nvPr/>
-        </p:nvSpPr>
-        <p:spPr>
-          <a:xfrm>
-            <a:off x="548640" y="1621080"/>
-            <a:ext cx="8064720" cy="4139640"/>
-          </a:xfrm>
-          <a:prstGeom prst="rect">
-            <a:avLst/>
-          </a:prstGeom>
-          <a:noFill/>
-          <a:ln>
-            <a:noFill/>
-          </a:ln>
-        </p:spPr>
-        <p:txBody>
-          <a:bodyPr lIns="0" tIns="0" rIns="0" bIns="0">
-            <a:noAutofit/>
-          </a:bodyPr>
-          <a:lstStyle/>
-          <a:p>
-            <a:pPr marL="189000" indent="-134640">
-              <a:lnSpc>
-                <a:spcPts val="2701"/>
-              </a:lnSpc>
-              <a:buClr>
-                <a:srgbClr val="0000DC"/>
-              </a:buClr>
-              <a:buFont typeface="Arial"/>
-              <a:buChar char="̶"/>
-            </a:pPr>
-            <a:r>
-              <a:rPr lang="en-US" sz="2100" b="0" strike="noStrike" spc="-1">
-                <a:solidFill>
-                  <a:srgbClr val="000000"/>
-                </a:solidFill>
-                <a:latin typeface="Arial"/>
-              </a:rPr>
-              <a:t>V súčasnosti najpopulárnejšia forma algoritmov strojového učenia</a:t>
-            </a:r>
-          </a:p>
-          <a:p>
-            <a:pPr marL="189000" indent="-134640">
-              <a:lnSpc>
-                <a:spcPts val="2701"/>
-              </a:lnSpc>
-              <a:buClr>
-                <a:srgbClr val="0000DC"/>
-              </a:buClr>
-              <a:buFont typeface="Arial"/>
-              <a:buChar char="̶"/>
-            </a:pPr>
-            <a:r>
-              <a:rPr lang="en-US" sz="2100" b="0" strike="noStrike" spc="-1">
-                <a:solidFill>
-                  <a:srgbClr val="000000"/>
-                </a:solidFill>
-                <a:latin typeface="Arial"/>
-              </a:rPr>
-              <a:t>Základná jednotka: neurón</a:t>
-            </a:r>
-          </a:p>
-        </p:txBody>
-      </p:sp>
-      <p:pic>
-        <p:nvPicPr>
-          <p:cNvPr id="2" name="Obrázek 2">
-            <a:extLst>
-              <a:ext uri="{FF2B5EF4-FFF2-40B4-BE49-F238E27FC236}">
-                <a16:creationId xmlns:a16="http://schemas.microsoft.com/office/drawing/2014/main" id="{BE16B245-B26F-BD3C-EE35-E798F6309276}"/>
-              </a:ext>
-            </a:extLst>
-          </p:cNvPr>
-          <p:cNvPicPr>
-            <a:picLocks noChangeAspect="1"/>
-          </p:cNvPicPr>
-          <p:nvPr/>
-        </p:nvPicPr>
-        <p:blipFill>
-          <a:blip r:embed="rId2"/>
-          <a:stretch>
-            <a:fillRect/>
-          </a:stretch>
-        </p:blipFill>
-        <p:spPr>
-          <a:xfrm>
-            <a:off x="1219200" y="2633198"/>
-            <a:ext cx="6696634" cy="3178355"/>
-          </a:xfrm>
-          <a:prstGeom prst="rect">
-            <a:avLst/>
-          </a:prstGeom>
-        </p:spPr>
-      </p:pic>
-    </p:spTree>
-  </p:cSld>
-  <p:clrMapOvr>
-    <a:masterClrMapping/>
-  </p:clrMapOvr>
-</p:sld>
-</file>
-
-<file path=ppt/slides/slide17.xml><?xml version="1.0" encoding="utf-8"?>
-<p:sld xmlns:a="http://schemas.openxmlformats.org/drawingml/2006/main" xmlns:r="http://schemas.openxmlformats.org/officeDocument/2006/relationships" xmlns:p="http://schemas.openxmlformats.org/presentationml/2006/main">
-  <p:cSld>
-    <p:spTree>
-      <p:nvGrpSpPr>
-        <p:cNvPr id="1" name=""/>
-        <p:cNvGrpSpPr/>
-        <p:nvPr/>
-      </p:nvGrpSpPr>
-      <p:grpSpPr>
-        <a:xfrm>
-          <a:off x="0" y="0"/>
-          <a:ext cx="0" cy="0"/>
-          <a:chOff x="0" y="0"/>
-          <a:chExt cx="0" cy="0"/>
-        </a:xfrm>
-      </p:grpSpPr>
-      <p:sp>
-        <p:nvSpPr>
-          <p:cNvPr id="187" name="TextShape 1"/>
-          <p:cNvSpPr txBox="1"/>
-          <p:nvPr/>
-        </p:nvSpPr>
-        <p:spPr>
-          <a:xfrm>
-            <a:off x="457200" y="631800"/>
-            <a:ext cx="2932920" cy="515880"/>
-          </a:xfrm>
-          <a:prstGeom prst="rect">
-            <a:avLst/>
-          </a:prstGeom>
-          <a:noFill/>
-          <a:ln>
-            <a:noFill/>
-          </a:ln>
-        </p:spPr>
-        <p:txBody>
-          <a:bodyPr lIns="90000" tIns="45000" rIns="90000" bIns="45000">
-            <a:noAutofit/>
-          </a:bodyPr>
-          <a:lstStyle/>
-          <a:p>
-            <a:r>
-              <a:rPr lang="cs-CZ" sz="3000" b="1" strike="noStrike" spc="-1">
-                <a:solidFill>
-                  <a:srgbClr val="0000DC"/>
-                </a:solidFill>
-                <a:latin typeface="Arial"/>
-              </a:rPr>
-              <a:t>Neuronové sítě</a:t>
-            </a:r>
-            <a:endParaRPr lang="en-US" sz="3000" b="0" strike="noStrike" spc="-1">
-              <a:latin typeface="Arial"/>
-            </a:endParaRPr>
-          </a:p>
-        </p:txBody>
-      </p:sp>
-      <p:sp>
-        <p:nvSpPr>
-          <p:cNvPr id="188" name="TextShape 2"/>
-          <p:cNvSpPr txBox="1"/>
-          <p:nvPr/>
-        </p:nvSpPr>
-        <p:spPr>
-          <a:xfrm>
-            <a:off x="548640" y="1621440"/>
-            <a:ext cx="8064720" cy="4139640"/>
-          </a:xfrm>
-          <a:prstGeom prst="rect">
-            <a:avLst/>
-          </a:prstGeom>
-          <a:noFill/>
-          <a:ln>
-            <a:noFill/>
-          </a:ln>
-        </p:spPr>
-        <p:txBody>
-          <a:bodyPr lIns="0" tIns="0" rIns="0" bIns="0">
-            <a:noAutofit/>
-          </a:bodyPr>
-          <a:lstStyle/>
-          <a:p>
-            <a:pPr marL="189000" indent="-134640">
-              <a:lnSpc>
-                <a:spcPts val="2701"/>
-              </a:lnSpc>
-              <a:buClr>
-                <a:srgbClr val="0000DC"/>
-              </a:buClr>
-              <a:buFont typeface="Arial"/>
-              <a:buChar char="̶"/>
-            </a:pPr>
-            <a:r>
-              <a:rPr lang="en-US" sz="2100" b="0" strike="noStrike" spc="-1" dirty="0" err="1">
-                <a:solidFill>
-                  <a:srgbClr val="000000"/>
-                </a:solidFill>
-                <a:latin typeface="Arial"/>
-              </a:rPr>
-              <a:t>Neurónová</a:t>
-            </a:r>
-            <a:r>
-              <a:rPr lang="en-US" sz="2100" b="0" strike="noStrike" spc="-1" dirty="0">
-                <a:solidFill>
-                  <a:srgbClr val="000000"/>
-                </a:solidFill>
-                <a:latin typeface="Arial"/>
-              </a:rPr>
-              <a:t> </a:t>
-            </a:r>
-            <a:r>
-              <a:rPr lang="en-US" sz="2100" b="0" strike="noStrike" spc="-1" dirty="0" err="1">
-                <a:solidFill>
-                  <a:srgbClr val="000000"/>
-                </a:solidFill>
-                <a:latin typeface="Arial"/>
-              </a:rPr>
-              <a:t>sieť</a:t>
-            </a:r>
-            <a:r>
-              <a:rPr lang="en-US" sz="2100" b="0" strike="noStrike" spc="-1" dirty="0">
-                <a:solidFill>
-                  <a:srgbClr val="000000"/>
-                </a:solidFill>
-                <a:latin typeface="Arial"/>
-              </a:rPr>
-              <a:t>:</a:t>
-            </a:r>
-          </a:p>
-          <a:p>
-            <a:pPr marL="864000" lvl="1" indent="-324000">
-              <a:spcBef>
-                <a:spcPts val="1134"/>
-              </a:spcBef>
-              <a:buClr>
-                <a:srgbClr val="000000"/>
-              </a:buClr>
-              <a:buSzPct val="75000"/>
-              <a:buFont typeface="Symbol" charset="2"/>
-              <a:buChar char=""/>
-            </a:pPr>
-            <a:r>
-              <a:rPr lang="en-US" sz="1400" b="0" strike="noStrike" spc="-1" dirty="0" err="1">
-                <a:solidFill>
-                  <a:srgbClr val="000000"/>
-                </a:solidFill>
-                <a:latin typeface="Arial"/>
-              </a:rPr>
-              <a:t>Vstupná</a:t>
-            </a:r>
-            <a:r>
-              <a:rPr lang="en-US" sz="1400" b="0" strike="noStrike" spc="-1" dirty="0">
-                <a:solidFill>
-                  <a:srgbClr val="000000"/>
-                </a:solidFill>
-                <a:latin typeface="Arial"/>
-              </a:rPr>
-              <a:t> </a:t>
-            </a:r>
-            <a:r>
-              <a:rPr lang="en-US" sz="1400" b="0" strike="noStrike" spc="-1" dirty="0" err="1">
-                <a:solidFill>
-                  <a:srgbClr val="000000"/>
-                </a:solidFill>
-                <a:latin typeface="Arial"/>
-              </a:rPr>
-              <a:t>vrstva</a:t>
-            </a:r>
-            <a:endParaRPr lang="en-US" sz="1400" b="0" strike="noStrike" spc="-1" dirty="0">
-              <a:solidFill>
-                <a:srgbClr val="000000"/>
-              </a:solidFill>
-              <a:latin typeface="Arial"/>
-            </a:endParaRPr>
-          </a:p>
-          <a:p>
-            <a:pPr marL="864000" lvl="1" indent="-324000">
-              <a:spcBef>
-                <a:spcPts val="1134"/>
-              </a:spcBef>
-              <a:buClr>
-                <a:srgbClr val="000000"/>
-              </a:buClr>
-              <a:buSzPct val="75000"/>
-              <a:buFont typeface="Symbol" charset="2"/>
-              <a:buChar char=""/>
-            </a:pPr>
-            <a:r>
-              <a:rPr lang="en-US" sz="1400" b="0" strike="noStrike" spc="-1" dirty="0" err="1">
-                <a:solidFill>
-                  <a:srgbClr val="000000"/>
-                </a:solidFill>
-                <a:latin typeface="Arial"/>
-              </a:rPr>
-              <a:t>Skryté</a:t>
-            </a:r>
-            <a:r>
-              <a:rPr lang="en-US" sz="1400" b="0" strike="noStrike" spc="-1" dirty="0">
-                <a:solidFill>
-                  <a:srgbClr val="000000"/>
-                </a:solidFill>
-                <a:latin typeface="Arial"/>
-              </a:rPr>
-              <a:t> </a:t>
-            </a:r>
-            <a:r>
-              <a:rPr lang="en-US" sz="1400" b="0" strike="noStrike" spc="-1" dirty="0" err="1">
-                <a:solidFill>
-                  <a:srgbClr val="000000"/>
-                </a:solidFill>
-                <a:latin typeface="Arial"/>
-              </a:rPr>
-              <a:t>vnútorné</a:t>
-            </a:r>
-            <a:r>
-              <a:rPr lang="en-US" sz="1400" b="0" strike="noStrike" spc="-1" dirty="0">
-                <a:solidFill>
-                  <a:srgbClr val="000000"/>
-                </a:solidFill>
-                <a:latin typeface="Arial"/>
-              </a:rPr>
-              <a:t> </a:t>
-            </a:r>
-            <a:r>
-              <a:rPr lang="en-US" sz="1400" b="0" strike="noStrike" spc="-1" dirty="0" err="1">
-                <a:solidFill>
-                  <a:srgbClr val="000000"/>
-                </a:solidFill>
-                <a:latin typeface="Arial"/>
-              </a:rPr>
-              <a:t>vrstvy</a:t>
-            </a:r>
-            <a:endParaRPr lang="en-US" sz="1400" b="0" strike="noStrike" spc="-1" dirty="0">
-              <a:solidFill>
-                <a:srgbClr val="000000"/>
-              </a:solidFill>
-              <a:latin typeface="Arial"/>
-            </a:endParaRPr>
-          </a:p>
-          <a:p>
-            <a:pPr marL="864000" lvl="1" indent="-324000">
-              <a:spcBef>
-                <a:spcPts val="1134"/>
-              </a:spcBef>
-              <a:buClr>
-                <a:srgbClr val="000000"/>
-              </a:buClr>
-              <a:buSzPct val="75000"/>
-              <a:buFont typeface="Symbol" charset="2"/>
-              <a:buChar char=""/>
-            </a:pPr>
-            <a:r>
-              <a:rPr lang="en-US" sz="1400" b="0" strike="noStrike" spc="-1" dirty="0" err="1">
-                <a:solidFill>
-                  <a:srgbClr val="000000"/>
-                </a:solidFill>
-                <a:latin typeface="Arial"/>
-              </a:rPr>
-              <a:t>Výstupná</a:t>
-            </a:r>
-            <a:r>
-              <a:rPr lang="en-US" sz="1400" b="0" strike="noStrike" spc="-1" dirty="0">
-                <a:solidFill>
-                  <a:srgbClr val="000000"/>
-                </a:solidFill>
-                <a:latin typeface="Arial"/>
-              </a:rPr>
-              <a:t> </a:t>
-            </a:r>
-            <a:r>
-              <a:rPr lang="en-US" sz="1400" b="0" strike="noStrike" spc="-1" dirty="0" err="1">
-                <a:solidFill>
-                  <a:srgbClr val="000000"/>
-                </a:solidFill>
-                <a:latin typeface="Arial"/>
-              </a:rPr>
-              <a:t>vrstva</a:t>
-            </a:r>
-            <a:endParaRPr lang="en-US" sz="1400" b="0" strike="noStrike" spc="-1" dirty="0">
-              <a:solidFill>
-                <a:srgbClr val="000000"/>
-              </a:solidFill>
-              <a:latin typeface="Arial"/>
-            </a:endParaRPr>
-          </a:p>
-          <a:p>
-            <a:pPr marL="864000" lvl="1" indent="-324000">
-              <a:spcBef>
-                <a:spcPts val="1134"/>
-              </a:spcBef>
-              <a:buClr>
-                <a:srgbClr val="000000"/>
-              </a:buClr>
-              <a:buSzPct val="75000"/>
-              <a:buFont typeface="Symbol" charset="2"/>
-              <a:buChar char=""/>
-            </a:pPr>
-            <a:endParaRPr lang="en-US" sz="1130" b="0" strike="noStrike" spc="-1" dirty="0">
-              <a:solidFill>
-                <a:srgbClr val="000000"/>
-              </a:solidFill>
-              <a:latin typeface="Arial"/>
-            </a:endParaRPr>
-          </a:p>
-          <a:p>
-            <a:pPr marL="189000" indent="-134640">
-              <a:spcBef>
-                <a:spcPts val="1417"/>
-              </a:spcBef>
-              <a:buClr>
-                <a:srgbClr val="0000DC"/>
-              </a:buClr>
-              <a:buFont typeface="Arial"/>
-              <a:buChar char="̶"/>
-            </a:pPr>
-            <a:endParaRPr lang="en-US" sz="2100" b="0" strike="noStrike" spc="-1" dirty="0">
-              <a:solidFill>
-                <a:srgbClr val="000000"/>
-              </a:solidFill>
-              <a:latin typeface="Arial"/>
-            </a:endParaRPr>
-          </a:p>
-          <a:p>
-            <a:pPr marL="189000" indent="-134640">
-              <a:spcBef>
-                <a:spcPts val="1417"/>
-              </a:spcBef>
-              <a:buClr>
-                <a:srgbClr val="0000DC"/>
-              </a:buClr>
-              <a:buFont typeface="Arial"/>
-              <a:buChar char="̶"/>
-            </a:pPr>
-            <a:r>
-              <a:rPr lang="en-US" sz="2100" b="0" strike="noStrike" spc="-1" dirty="0" err="1">
-                <a:solidFill>
-                  <a:srgbClr val="000000"/>
-                </a:solidFill>
-                <a:latin typeface="Arial"/>
-              </a:rPr>
-              <a:t>Učenie</a:t>
-            </a:r>
-            <a:r>
-              <a:rPr lang="en-US" sz="2100" b="0" strike="noStrike" spc="-1" dirty="0">
-                <a:solidFill>
-                  <a:srgbClr val="000000"/>
-                </a:solidFill>
-                <a:latin typeface="Arial"/>
-              </a:rPr>
-              <a:t> </a:t>
-            </a:r>
-            <a:r>
-              <a:rPr lang="en-US" sz="2100" b="0" strike="noStrike" spc="-1" dirty="0" err="1">
-                <a:solidFill>
-                  <a:srgbClr val="000000"/>
-                </a:solidFill>
-                <a:latin typeface="Arial"/>
-              </a:rPr>
-              <a:t>prostredníctvom</a:t>
-            </a:r>
-            <a:r>
-              <a:rPr lang="en-US" sz="2100" b="0" strike="noStrike" spc="-1" dirty="0">
-                <a:solidFill>
-                  <a:srgbClr val="000000"/>
-                </a:solidFill>
-                <a:latin typeface="Arial"/>
-              </a:rPr>
-              <a:t> </a:t>
-            </a:r>
-            <a:r>
-              <a:rPr lang="en-US" sz="2100" b="0" strike="noStrike" spc="-1" dirty="0" err="1">
-                <a:solidFill>
-                  <a:srgbClr val="000000"/>
-                </a:solidFill>
-                <a:latin typeface="Arial"/>
-              </a:rPr>
-              <a:t>úpravy</a:t>
-            </a:r>
-            <a:r>
-              <a:rPr lang="en-US" sz="2100" b="0" strike="noStrike" spc="-1" dirty="0">
-                <a:solidFill>
-                  <a:srgbClr val="000000"/>
-                </a:solidFill>
-                <a:latin typeface="Arial"/>
-              </a:rPr>
-              <a:t> </a:t>
-            </a:r>
-            <a:r>
-              <a:rPr lang="en-US" sz="2100" b="0" strike="noStrike" spc="-1" dirty="0" err="1">
-                <a:solidFill>
-                  <a:srgbClr val="000000"/>
-                </a:solidFill>
-                <a:latin typeface="Arial"/>
-              </a:rPr>
-              <a:t>váh</a:t>
-            </a:r>
-            <a:r>
-              <a:rPr lang="en-US" sz="2100" b="0" strike="noStrike" spc="-1" dirty="0">
-                <a:solidFill>
-                  <a:srgbClr val="000000"/>
-                </a:solidFill>
-                <a:latin typeface="Arial"/>
-              </a:rPr>
-              <a:t> </a:t>
-            </a:r>
-            <a:r>
-              <a:rPr lang="en-US" sz="2100" b="0" strike="noStrike" spc="-1" dirty="0" err="1">
-                <a:solidFill>
-                  <a:srgbClr val="000000"/>
-                </a:solidFill>
-                <a:latin typeface="Arial"/>
-              </a:rPr>
-              <a:t>na</a:t>
-            </a:r>
-            <a:r>
-              <a:rPr lang="en-US" sz="2100" b="0" strike="noStrike" spc="-1" dirty="0">
-                <a:solidFill>
-                  <a:srgbClr val="000000"/>
-                </a:solidFill>
-                <a:latin typeface="Arial"/>
-              </a:rPr>
-              <a:t> </a:t>
-            </a:r>
-            <a:r>
-              <a:rPr lang="en-US" sz="2100" b="0" strike="noStrike" spc="-1" dirty="0" err="1">
-                <a:solidFill>
-                  <a:srgbClr val="000000"/>
-                </a:solidFill>
-                <a:latin typeface="Arial"/>
-              </a:rPr>
-              <a:t>základe</a:t>
-            </a:r>
-            <a:r>
-              <a:rPr lang="en-US" sz="2100" b="0" strike="noStrike" spc="-1" dirty="0">
-                <a:solidFill>
-                  <a:srgbClr val="000000"/>
-                </a:solidFill>
-                <a:latin typeface="Arial"/>
-              </a:rPr>
-              <a:t> </a:t>
-            </a:r>
-            <a:r>
-              <a:rPr lang="en-US" sz="2100" b="0" strike="noStrike" spc="-1" dirty="0" err="1">
-                <a:solidFill>
-                  <a:srgbClr val="000000"/>
-                </a:solidFill>
-                <a:latin typeface="Arial"/>
-              </a:rPr>
-              <a:t>poskytnutých</a:t>
-            </a:r>
-            <a:r>
-              <a:rPr lang="en-US" sz="2100" b="0" strike="noStrike" spc="-1" dirty="0">
-                <a:solidFill>
-                  <a:srgbClr val="000000"/>
-                </a:solidFill>
-                <a:latin typeface="Arial"/>
-              </a:rPr>
-              <a:t> “</a:t>
-            </a:r>
-            <a:r>
-              <a:rPr lang="en-US" sz="2100" b="0" strike="noStrike" spc="-1" dirty="0" err="1">
-                <a:solidFill>
-                  <a:srgbClr val="000000"/>
-                </a:solidFill>
-                <a:latin typeface="Arial"/>
-              </a:rPr>
-              <a:t>správnych</a:t>
-            </a:r>
-            <a:r>
-              <a:rPr lang="en-US" sz="2100" b="0" strike="noStrike" spc="-1" dirty="0">
-                <a:solidFill>
-                  <a:srgbClr val="000000"/>
-                </a:solidFill>
-                <a:latin typeface="Arial"/>
-              </a:rPr>
-              <a:t> </a:t>
-            </a:r>
-            <a:r>
-              <a:rPr lang="en-US" sz="2100" b="0" strike="noStrike" spc="-1" dirty="0" err="1">
-                <a:solidFill>
-                  <a:srgbClr val="000000"/>
-                </a:solidFill>
-                <a:latin typeface="Arial"/>
-              </a:rPr>
-              <a:t>odpovedí</a:t>
-            </a:r>
-            <a:r>
-              <a:rPr lang="en-US" sz="2100" b="0" strike="noStrike" spc="-1" dirty="0">
-                <a:solidFill>
-                  <a:srgbClr val="000000"/>
-                </a:solidFill>
-                <a:latin typeface="Arial"/>
-              </a:rPr>
-              <a:t>”</a:t>
-            </a:r>
-          </a:p>
-          <a:p>
-            <a:pPr marL="189000" indent="-134640">
-              <a:spcBef>
-                <a:spcPts val="1417"/>
-              </a:spcBef>
-              <a:buClr>
-                <a:srgbClr val="0000DC"/>
-              </a:buClr>
-              <a:buFont typeface="Arial"/>
-              <a:buChar char="̶"/>
-            </a:pPr>
-            <a:endParaRPr lang="en-US" sz="2100" b="0" strike="noStrike" spc="-1" dirty="0">
-              <a:solidFill>
-                <a:srgbClr val="000000"/>
-              </a:solidFill>
-              <a:latin typeface="Arial"/>
-            </a:endParaRPr>
-          </a:p>
-        </p:txBody>
-      </p:sp>
-      <p:pic>
-        <p:nvPicPr>
-          <p:cNvPr id="189" name="Picture 188"/>
-          <p:cNvPicPr/>
-          <p:nvPr/>
-        </p:nvPicPr>
-        <p:blipFill>
-          <a:blip r:embed="rId2"/>
-          <a:stretch/>
-        </p:blipFill>
-        <p:spPr>
-          <a:xfrm>
-            <a:off x="3891600" y="1005840"/>
-            <a:ext cx="4155120" cy="2717280"/>
-          </a:xfrm>
-          <a:prstGeom prst="rect">
-            <a:avLst/>
-          </a:prstGeom>
-          <a:ln>
-            <a:noFill/>
-          </a:ln>
-        </p:spPr>
-      </p:pic>
-    </p:spTree>
-  </p:cSld>
-  <p:clrMapOvr>
-    <a:masterClrMapping/>
-  </p:clrMapOvr>
-</p:sld>
-</file>
-
-<file path=ppt/slides/slide18.xml><?xml version="1.0" encoding="utf-8"?>
-<p:sld xmlns:a="http://schemas.openxmlformats.org/drawingml/2006/main" xmlns:r="http://schemas.openxmlformats.org/officeDocument/2006/relationships" xmlns:p="http://schemas.openxmlformats.org/presentationml/2006/main">
-  <p:cSld>
-    <p:spTree>
-      <p:nvGrpSpPr>
-        <p:cNvPr id="1" name=""/>
-        <p:cNvGrpSpPr/>
-        <p:nvPr/>
-      </p:nvGrpSpPr>
-      <p:grpSpPr>
-        <a:xfrm>
-          <a:off x="0" y="0"/>
-          <a:ext cx="0" cy="0"/>
-          <a:chOff x="0" y="0"/>
-          <a:chExt cx="0" cy="0"/>
-        </a:xfrm>
-      </p:grpSpPr>
-      <p:sp>
-        <p:nvSpPr>
-          <p:cNvPr id="190" name="TextShape 1"/>
-          <p:cNvSpPr txBox="1"/>
-          <p:nvPr/>
-        </p:nvSpPr>
-        <p:spPr>
-          <a:xfrm>
-            <a:off x="457200" y="631800"/>
-            <a:ext cx="5852160" cy="1365840"/>
-          </a:xfrm>
-          <a:prstGeom prst="rect">
-            <a:avLst/>
-          </a:prstGeom>
-          <a:noFill/>
-          <a:ln>
-            <a:noFill/>
-          </a:ln>
-        </p:spPr>
-        <p:txBody>
-          <a:bodyPr lIns="90000" tIns="45000" rIns="90000" bIns="45000">
-            <a:noAutofit/>
-          </a:bodyPr>
-          <a:lstStyle/>
-          <a:p>
-            <a:r>
-              <a:rPr lang="cs-CZ" sz="3000" b="1" strike="noStrike" spc="-1">
-                <a:solidFill>
-                  <a:srgbClr val="0000DC"/>
-                </a:solidFill>
-                <a:latin typeface="Arial"/>
-              </a:rPr>
-              <a:t>Proč neuronové sítě?</a:t>
-            </a:r>
-            <a:endParaRPr lang="en-US" sz="3000" b="0" strike="noStrike" spc="-1">
-              <a:latin typeface="Arial"/>
-            </a:endParaRPr>
-          </a:p>
-        </p:txBody>
-      </p:sp>
-      <p:sp>
-        <p:nvSpPr>
-          <p:cNvPr id="191" name="TextShape 2"/>
-          <p:cNvSpPr txBox="1"/>
-          <p:nvPr/>
-        </p:nvSpPr>
-        <p:spPr>
-          <a:xfrm>
-            <a:off x="548640" y="1621440"/>
-            <a:ext cx="8064720" cy="4139640"/>
-          </a:xfrm>
-          <a:prstGeom prst="rect">
-            <a:avLst/>
-          </a:prstGeom>
-          <a:noFill/>
-          <a:ln>
-            <a:noFill/>
-          </a:ln>
-        </p:spPr>
-        <p:txBody>
-          <a:bodyPr lIns="0" tIns="0" rIns="0" bIns="0">
-            <a:noAutofit/>
-          </a:bodyPr>
-          <a:lstStyle/>
-          <a:p>
-            <a:pPr marL="189000" indent="-134640">
-              <a:lnSpc>
-                <a:spcPts val="2701"/>
-              </a:lnSpc>
-              <a:buClr>
-                <a:srgbClr val="0000DC"/>
-              </a:buClr>
-              <a:buFont typeface="Arial"/>
-              <a:buChar char="̶"/>
-            </a:pPr>
-            <a:r>
-              <a:rPr lang="en-US" sz="2100" b="0" strike="noStrike" spc="-1" dirty="0">
-                <a:solidFill>
-                  <a:srgbClr val="000000"/>
-                </a:solidFill>
-                <a:latin typeface="Arial"/>
-              </a:rPr>
-              <a:t>State-of-the-art </a:t>
-            </a:r>
-            <a:r>
-              <a:rPr lang="en-US" sz="2100" b="0" strike="noStrike" spc="-1" dirty="0" err="1">
-                <a:solidFill>
-                  <a:srgbClr val="000000"/>
-                </a:solidFill>
-                <a:latin typeface="Arial"/>
-              </a:rPr>
-              <a:t>technika</a:t>
-            </a:r>
-            <a:r>
-              <a:rPr lang="en-US" sz="2100" b="0" strike="noStrike" spc="-1" dirty="0">
-                <a:solidFill>
-                  <a:srgbClr val="000000"/>
-                </a:solidFill>
-                <a:latin typeface="Arial"/>
-              </a:rPr>
-              <a:t> </a:t>
-            </a:r>
-            <a:r>
-              <a:rPr lang="en-US" sz="2100" b="0" strike="noStrike" spc="-1" dirty="0" err="1">
-                <a:solidFill>
-                  <a:srgbClr val="000000"/>
-                </a:solidFill>
-                <a:latin typeface="Arial"/>
-              </a:rPr>
-              <a:t>na</a:t>
-            </a:r>
-            <a:r>
-              <a:rPr lang="en-US" sz="2100" b="0" strike="noStrike" spc="-1" dirty="0">
-                <a:solidFill>
-                  <a:srgbClr val="000000"/>
-                </a:solidFill>
-                <a:latin typeface="Arial"/>
-              </a:rPr>
-              <a:t> </a:t>
-            </a:r>
-            <a:r>
-              <a:rPr lang="en-US" sz="2100" b="0" strike="noStrike" spc="-1" dirty="0" err="1">
-                <a:solidFill>
-                  <a:srgbClr val="000000"/>
-                </a:solidFill>
-                <a:latin typeface="Arial"/>
-              </a:rPr>
-              <a:t>spracovanie</a:t>
-            </a:r>
-            <a:r>
-              <a:rPr lang="en-US" sz="2100" b="0" strike="noStrike" spc="-1" dirty="0">
-                <a:solidFill>
-                  <a:srgbClr val="000000"/>
-                </a:solidFill>
-                <a:latin typeface="Arial"/>
-              </a:rPr>
-              <a:t> </a:t>
-            </a:r>
-            <a:r>
-              <a:rPr lang="en-US" sz="2100" b="0" strike="noStrike" spc="-1" dirty="0" err="1">
-                <a:solidFill>
-                  <a:srgbClr val="000000"/>
-                </a:solidFill>
-                <a:latin typeface="Arial"/>
-              </a:rPr>
-              <a:t>obrazu</a:t>
-            </a:r>
-            <a:endParaRPr lang="en-US" sz="2100" b="0" strike="noStrike" spc="-1" dirty="0">
-              <a:solidFill>
-                <a:srgbClr val="000000"/>
-              </a:solidFill>
-              <a:latin typeface="Arial"/>
-            </a:endParaRPr>
-          </a:p>
-          <a:p>
-            <a:pPr marL="189000" indent="-134640">
-              <a:spcBef>
-                <a:spcPts val="1417"/>
-              </a:spcBef>
-              <a:buClr>
-                <a:srgbClr val="0000DC"/>
-              </a:buClr>
-              <a:buFont typeface="Arial"/>
-              <a:buChar char="̶"/>
-            </a:pPr>
-            <a:r>
-              <a:rPr lang="en-US" sz="2100" b="0" strike="noStrike" spc="-1" dirty="0" err="1">
-                <a:solidFill>
-                  <a:srgbClr val="000000"/>
-                </a:solidFill>
-                <a:latin typeface="Arial"/>
-              </a:rPr>
-              <a:t>Výpočtová</a:t>
-            </a:r>
-            <a:r>
-              <a:rPr lang="en-US" sz="2100" b="0" strike="noStrike" spc="-1" dirty="0">
-                <a:solidFill>
-                  <a:srgbClr val="000000"/>
-                </a:solidFill>
-                <a:latin typeface="Arial"/>
-              </a:rPr>
-              <a:t> </a:t>
-            </a:r>
-            <a:r>
-              <a:rPr lang="en-US" sz="2100" b="0" strike="noStrike" spc="-1" dirty="0" err="1">
-                <a:solidFill>
-                  <a:srgbClr val="000000"/>
-                </a:solidFill>
-                <a:latin typeface="Arial"/>
-              </a:rPr>
-              <a:t>sila</a:t>
-            </a:r>
-            <a:r>
-              <a:rPr lang="en-US" sz="2100" b="0" strike="noStrike" spc="-1" dirty="0">
-                <a:solidFill>
-                  <a:srgbClr val="000000"/>
-                </a:solidFill>
-                <a:latin typeface="Arial"/>
-              </a:rPr>
-              <a:t> </a:t>
-            </a:r>
-            <a:r>
-              <a:rPr lang="en-US" sz="2100" b="0" strike="noStrike" spc="-1" dirty="0" err="1">
-                <a:solidFill>
-                  <a:srgbClr val="000000"/>
-                </a:solidFill>
-                <a:latin typeface="Arial"/>
-              </a:rPr>
-              <a:t>algoritmu</a:t>
-            </a:r>
-            <a:endParaRPr lang="en-US" sz="2100" b="0" strike="noStrike" spc="-1" dirty="0">
-              <a:solidFill>
-                <a:srgbClr val="000000"/>
-              </a:solidFill>
-              <a:latin typeface="Arial"/>
-            </a:endParaRPr>
-          </a:p>
-          <a:p>
-            <a:pPr marL="189000" indent="-134640">
-              <a:spcBef>
-                <a:spcPts val="1417"/>
-              </a:spcBef>
-              <a:buClr>
-                <a:srgbClr val="0000DC"/>
-              </a:buClr>
-              <a:buFont typeface="Arial"/>
-              <a:buChar char="̶"/>
-            </a:pPr>
-            <a:r>
-              <a:rPr lang="en-US" sz="2100" b="0" strike="noStrike" spc="-1" dirty="0" err="1">
-                <a:solidFill>
-                  <a:srgbClr val="000000"/>
-                </a:solidFill>
-                <a:latin typeface="Arial"/>
-              </a:rPr>
-              <a:t>Formát</a:t>
-            </a:r>
-            <a:r>
-              <a:rPr lang="en-US" sz="2100" b="0" strike="noStrike" spc="-1" dirty="0">
-                <a:solidFill>
-                  <a:srgbClr val="000000"/>
-                </a:solidFill>
-                <a:latin typeface="Arial"/>
-              </a:rPr>
-              <a:t> </a:t>
-            </a:r>
-            <a:r>
-              <a:rPr lang="en-US" sz="2100" b="0" strike="noStrike" spc="-1" dirty="0" err="1">
-                <a:solidFill>
-                  <a:srgbClr val="000000"/>
-                </a:solidFill>
-                <a:latin typeface="Arial"/>
-              </a:rPr>
-              <a:t>dát</a:t>
-            </a:r>
-            <a:r>
-              <a:rPr lang="en-US" sz="2100" b="0" strike="noStrike" spc="-1" dirty="0">
-                <a:solidFill>
-                  <a:srgbClr val="000000"/>
-                </a:solidFill>
-                <a:latin typeface="Arial"/>
-              </a:rPr>
-              <a:t> </a:t>
-            </a:r>
-            <a:r>
-              <a:rPr lang="en-US" sz="2100" b="0" strike="noStrike" spc="-1" dirty="0" err="1">
-                <a:solidFill>
-                  <a:srgbClr val="000000"/>
-                </a:solidFill>
-                <a:latin typeface="Arial"/>
-              </a:rPr>
-              <a:t>vo</a:t>
-            </a:r>
-            <a:r>
-              <a:rPr lang="en-US" sz="2100" b="0" strike="noStrike" spc="-1" dirty="0">
-                <a:solidFill>
-                  <a:srgbClr val="000000"/>
-                </a:solidFill>
-                <a:latin typeface="Arial"/>
-              </a:rPr>
-              <a:t> </a:t>
-            </a:r>
-            <a:r>
-              <a:rPr lang="en-US" sz="2100" b="0" strike="noStrike" spc="-1" dirty="0" err="1">
-                <a:solidFill>
-                  <a:srgbClr val="000000"/>
-                </a:solidFill>
-                <a:latin typeface="Arial"/>
-              </a:rPr>
-              <a:t>vhodnom</a:t>
-            </a:r>
-            <a:r>
-              <a:rPr lang="en-US" sz="2100" b="0" strike="noStrike" spc="-1" dirty="0">
-                <a:solidFill>
-                  <a:srgbClr val="000000"/>
-                </a:solidFill>
-                <a:latin typeface="Arial"/>
-              </a:rPr>
-              <a:t> </a:t>
-            </a:r>
-            <a:r>
-              <a:rPr lang="en-US" sz="2100" b="0" strike="noStrike" spc="-1" dirty="0" err="1">
-                <a:solidFill>
-                  <a:srgbClr val="000000"/>
-                </a:solidFill>
-                <a:latin typeface="Arial"/>
-              </a:rPr>
-              <a:t>tvare</a:t>
-            </a:r>
-            <a:r>
-              <a:rPr lang="en-US" sz="2100" b="0" strike="noStrike" spc="-1" dirty="0">
-                <a:solidFill>
-                  <a:srgbClr val="000000"/>
-                </a:solidFill>
-                <a:latin typeface="Arial"/>
-              </a:rPr>
-              <a:t> </a:t>
-            </a:r>
-            <a:r>
-              <a:rPr lang="en-US" sz="2100" b="0" strike="noStrike" spc="-1" dirty="0" err="1">
-                <a:solidFill>
-                  <a:srgbClr val="000000"/>
-                </a:solidFill>
-                <a:latin typeface="Arial"/>
-              </a:rPr>
-              <a:t>ako</a:t>
-            </a:r>
-            <a:r>
-              <a:rPr lang="en-US" sz="2100" b="0" strike="noStrike" spc="-1" dirty="0">
-                <a:solidFill>
-                  <a:srgbClr val="000000"/>
-                </a:solidFill>
-                <a:latin typeface="Arial"/>
-              </a:rPr>
-              <a:t> </a:t>
-            </a:r>
-            <a:r>
-              <a:rPr lang="en-US" sz="2100" b="0" strike="noStrike" spc="-1" dirty="0" err="1">
-                <a:solidFill>
-                  <a:srgbClr val="000000"/>
-                </a:solidFill>
-                <a:latin typeface="Arial"/>
-              </a:rPr>
-              <a:t>vstup</a:t>
-            </a:r>
-            <a:r>
-              <a:rPr lang="en-US" sz="2100" b="0" strike="noStrike" spc="-1" dirty="0">
-                <a:solidFill>
-                  <a:srgbClr val="000000"/>
-                </a:solidFill>
-                <a:latin typeface="Arial"/>
-              </a:rPr>
-              <a:t> pre </a:t>
-            </a:r>
-            <a:r>
-              <a:rPr lang="en-US" sz="2100" b="0" strike="noStrike" spc="-1" dirty="0" err="1">
-                <a:solidFill>
-                  <a:srgbClr val="000000"/>
-                </a:solidFill>
-                <a:latin typeface="Arial"/>
-              </a:rPr>
-              <a:t>sieť</a:t>
-            </a:r>
-            <a:endParaRPr lang="en-US" sz="2100" b="0" strike="noStrike" spc="-1" dirty="0">
-              <a:solidFill>
-                <a:srgbClr val="000000"/>
-              </a:solidFill>
-              <a:latin typeface="Arial"/>
-            </a:endParaRPr>
-          </a:p>
-          <a:p>
-            <a:pPr marL="189000" indent="-134640">
-              <a:spcBef>
-                <a:spcPts val="1417"/>
-              </a:spcBef>
-              <a:buClr>
-                <a:srgbClr val="0000DC"/>
-              </a:buClr>
-              <a:buFont typeface="Arial"/>
-              <a:buChar char="̶"/>
-            </a:pPr>
-            <a:r>
-              <a:rPr lang="en-US" sz="2100" b="0" strike="noStrike" spc="-1" dirty="0" err="1">
-                <a:solidFill>
-                  <a:srgbClr val="000000"/>
-                </a:solidFill>
-                <a:latin typeface="Arial"/>
-              </a:rPr>
-              <a:t>Relatívne</a:t>
-            </a:r>
-            <a:r>
-              <a:rPr lang="en-US" sz="2100" b="0" strike="noStrike" spc="-1" dirty="0">
-                <a:solidFill>
-                  <a:srgbClr val="000000"/>
-                </a:solidFill>
-                <a:latin typeface="Arial"/>
-              </a:rPr>
-              <a:t> </a:t>
-            </a:r>
-            <a:r>
-              <a:rPr lang="en-US" sz="2100" b="0" strike="noStrike" spc="-1" dirty="0" err="1">
-                <a:solidFill>
-                  <a:srgbClr val="000000"/>
-                </a:solidFill>
-                <a:latin typeface="Arial"/>
-              </a:rPr>
-              <a:t>jednoduché</a:t>
-            </a:r>
-            <a:r>
-              <a:rPr lang="en-US" sz="2100" b="0" strike="noStrike" spc="-1" dirty="0">
-                <a:solidFill>
-                  <a:srgbClr val="000000"/>
-                </a:solidFill>
-                <a:latin typeface="Arial"/>
-              </a:rPr>
-              <a:t> </a:t>
-            </a:r>
-            <a:r>
-              <a:rPr lang="en-US" sz="2100" b="0" strike="noStrike" spc="-1" dirty="0" err="1">
-                <a:solidFill>
-                  <a:srgbClr val="000000"/>
-                </a:solidFill>
-                <a:latin typeface="Arial"/>
-              </a:rPr>
-              <a:t>na</a:t>
-            </a:r>
-            <a:r>
-              <a:rPr lang="en-US" sz="2100" b="0" strike="noStrike" spc="-1" dirty="0">
-                <a:solidFill>
-                  <a:srgbClr val="000000"/>
-                </a:solidFill>
-                <a:latin typeface="Arial"/>
-              </a:rPr>
-              <a:t> </a:t>
-            </a:r>
-            <a:r>
-              <a:rPr lang="en-US" sz="2100" b="0" strike="noStrike" spc="-1" dirty="0" err="1">
-                <a:solidFill>
-                  <a:srgbClr val="000000"/>
-                </a:solidFill>
-                <a:latin typeface="Arial"/>
-              </a:rPr>
-              <a:t>pochopenie</a:t>
-            </a:r>
-            <a:r>
-              <a:rPr lang="en-US" sz="2100" b="0" strike="noStrike" spc="-1" dirty="0">
-                <a:solidFill>
-                  <a:srgbClr val="000000"/>
-                </a:solidFill>
-                <a:latin typeface="Arial"/>
-              </a:rPr>
-              <a:t> a </a:t>
-            </a:r>
-            <a:r>
-              <a:rPr lang="en-US" sz="2100" b="0" strike="noStrike" spc="-1" dirty="0" err="1">
-                <a:solidFill>
-                  <a:srgbClr val="000000"/>
-                </a:solidFill>
-                <a:latin typeface="Arial"/>
-              </a:rPr>
-              <a:t>základné</a:t>
-            </a:r>
-            <a:r>
-              <a:rPr lang="en-US" sz="2100" b="0" strike="noStrike" spc="-1" dirty="0">
-                <a:solidFill>
-                  <a:srgbClr val="000000"/>
-                </a:solidFill>
-                <a:latin typeface="Arial"/>
-              </a:rPr>
-              <a:t> </a:t>
-            </a:r>
-            <a:r>
-              <a:rPr lang="en-US" sz="2100" b="0" strike="noStrike" spc="-1" dirty="0" err="1">
-                <a:solidFill>
-                  <a:srgbClr val="000000"/>
-                </a:solidFill>
-                <a:latin typeface="Arial"/>
-              </a:rPr>
-              <a:t>použitie</a:t>
-            </a:r>
-            <a:endParaRPr lang="en-US" sz="2100" b="0" strike="noStrike" spc="-1" dirty="0">
-              <a:solidFill>
-                <a:srgbClr val="000000"/>
-              </a:solidFill>
-              <a:latin typeface="Arial"/>
-            </a:endParaRPr>
-          </a:p>
-        </p:txBody>
-      </p:sp>
-    </p:spTree>
-  </p:cSld>
-  <p:clrMapOvr>
-    <a:masterClrMapping/>
-  </p:clrMapOvr>
-</p:sld>
-</file>
-
-<file path=ppt/slides/slide19.xml><?xml version="1.0" encoding="utf-8"?>
+<file path=ppt/slides/slide15.xml><?xml version="1.0" encoding="utf-8"?>
 <p:sld xmlns:a="http://schemas.openxmlformats.org/drawingml/2006/main" xmlns:r="http://schemas.openxmlformats.org/officeDocument/2006/relationships" xmlns:p="http://schemas.openxmlformats.org/presentationml/2006/main">
   <p:cSld>
     <p:spTree>
@@ -15127,7 +13745,7 @@
             <a:fld id="{0970407D-EE58-4A0B-824B-1D3AE42DD9CF}" type="slidenum">
               <a:rPr lang="cs-CZ" altLang="cs-CZ" smtClean="0"/>
               <a:pPr/>
-              <a:t>19</a:t>
+              <a:t>15</a:t>
             </a:fld>
             <a:endParaRPr lang="cs-CZ" altLang="cs-CZ" dirty="0"/>
           </a:p>
@@ -15226,6 +13844,323 @@
     <p:extLst>
       <p:ext uri="{BB962C8B-B14F-4D97-AF65-F5344CB8AC3E}">
         <p14:creationId xmlns:p14="http://schemas.microsoft.com/office/powerpoint/2010/main" val="546692990"/>
+      </p:ext>
+    </p:extLst>
+  </p:cSld>
+  <p:clrMapOvr>
+    <a:masterClrMapping/>
+  </p:clrMapOvr>
+</p:sld>
+</file>
+
+<file path=ppt/slides/slide16.xml><?xml version="1.0" encoding="utf-8"?>
+<p:sld xmlns:a="http://schemas.openxmlformats.org/drawingml/2006/main" xmlns:r="http://schemas.openxmlformats.org/officeDocument/2006/relationships" xmlns:p="http://schemas.openxmlformats.org/presentationml/2006/main">
+  <p:cSld>
+    <p:spTree>
+      <p:nvGrpSpPr>
+        <p:cNvPr id="1" name=""/>
+        <p:cNvGrpSpPr/>
+        <p:nvPr/>
+      </p:nvGrpSpPr>
+      <p:grpSpPr>
+        <a:xfrm>
+          <a:off x="0" y="0"/>
+          <a:ext cx="0" cy="0"/>
+          <a:chOff x="0" y="0"/>
+          <a:chExt cx="0" cy="0"/>
+        </a:xfrm>
+      </p:grpSpPr>
+      <p:sp>
+        <p:nvSpPr>
+          <p:cNvPr id="2" name="Zástupný symbol pro číslo snímku 1">
+            <a:extLst>
+              <a:ext uri="{FF2B5EF4-FFF2-40B4-BE49-F238E27FC236}">
+                <a16:creationId xmlns:a16="http://schemas.microsoft.com/office/drawing/2014/main" id="{A774A720-607F-23CB-C296-E9FAB56ABE9F}"/>
+              </a:ext>
+            </a:extLst>
+          </p:cNvPr>
+          <p:cNvSpPr>
+            <a:spLocks noGrp="1"/>
+          </p:cNvSpPr>
+          <p:nvPr>
+            <p:ph type="sldNum" sz="quarter" idx="11"/>
+          </p:nvPr>
+        </p:nvSpPr>
+        <p:spPr/>
+        <p:txBody>
+          <a:bodyPr/>
+          <a:lstStyle/>
+          <a:p>
+            <a:fld id="{D6D6C118-631F-4A80-9886-907009361577}" type="slidenum">
+              <a:rPr lang="cs-CZ" altLang="cs-CZ" smtClean="0"/>
+              <a:pPr/>
+              <a:t>16</a:t>
+            </a:fld>
+            <a:endParaRPr lang="cs-CZ" altLang="cs-CZ" dirty="0"/>
+          </a:p>
+        </p:txBody>
+      </p:sp>
+      <p:sp>
+        <p:nvSpPr>
+          <p:cNvPr id="3" name="Nadpis 2">
+            <a:extLst>
+              <a:ext uri="{FF2B5EF4-FFF2-40B4-BE49-F238E27FC236}">
+                <a16:creationId xmlns:a16="http://schemas.microsoft.com/office/drawing/2014/main" id="{FCD28BEE-A24C-13DC-692C-D6179083E7AB}"/>
+              </a:ext>
+            </a:extLst>
+          </p:cNvPr>
+          <p:cNvSpPr>
+            <a:spLocks noGrp="1"/>
+          </p:cNvSpPr>
+          <p:nvPr>
+            <p:ph type="title"/>
+          </p:nvPr>
+        </p:nvSpPr>
+        <p:spPr/>
+        <p:txBody>
+          <a:bodyPr/>
+          <a:lstStyle/>
+          <a:p>
+            <a:r>
+              <a:rPr lang="cs-CZ" dirty="0"/>
+              <a:t>Zdroje</a:t>
+            </a:r>
+          </a:p>
+        </p:txBody>
+      </p:sp>
+      <p:sp>
+        <p:nvSpPr>
+          <p:cNvPr id="4" name="Zástupný obsah 3">
+            <a:extLst>
+              <a:ext uri="{FF2B5EF4-FFF2-40B4-BE49-F238E27FC236}">
+                <a16:creationId xmlns:a16="http://schemas.microsoft.com/office/drawing/2014/main" id="{B9690890-CF09-1273-2893-B91B28E59E3F}"/>
+              </a:ext>
+            </a:extLst>
+          </p:cNvPr>
+          <p:cNvSpPr>
+            <a:spLocks noGrp="1"/>
+          </p:cNvSpPr>
+          <p:nvPr>
+            <p:ph idx="1"/>
+          </p:nvPr>
+        </p:nvSpPr>
+        <p:spPr/>
+        <p:txBody>
+          <a:bodyPr vert="horz" lIns="0" tIns="0" rIns="0" bIns="0" rtlCol="0" anchor="t">
+            <a:noAutofit/>
+          </a:bodyPr>
+          <a:lstStyle/>
+          <a:p>
+            <a:pPr marL="188595" indent="-134620"/>
+            <a:r>
+              <a:rPr lang="cs-CZ" dirty="0"/>
+              <a:t>Youtube.com – </a:t>
+            </a:r>
+            <a:r>
+              <a:rPr lang="cs-CZ" dirty="0" err="1"/>
+              <a:t>SpecimSpectral</a:t>
+            </a:r>
+            <a:endParaRPr lang="cs-CZ" dirty="0">
+              <a:cs typeface="Arial"/>
+            </a:endParaRPr>
+          </a:p>
+          <a:p>
+            <a:pPr marL="188595" indent="-134620"/>
+            <a:r>
+              <a:rPr lang="cs-CZ" dirty="0">
+                <a:hlinkClick r:id="rId2"/>
+              </a:rPr>
+              <a:t>https://www.l3harrisgeospatial.com/docs/ENVIHeaderFiles.html</a:t>
+            </a:r>
+            <a:endParaRPr lang="cs-CZ" dirty="0">
+              <a:cs typeface="Arial"/>
+            </a:endParaRPr>
+          </a:p>
+          <a:p>
+            <a:pPr marL="188595" indent="-134620"/>
+            <a:r>
+              <a:rPr lang="cs-CZ" dirty="0">
+                <a:hlinkClick r:id="rId3"/>
+              </a:rPr>
+              <a:t>https://www.mathworks.com/help/images/getting-started-with-hyperspectral-image-analysis.html</a:t>
+            </a:r>
+            <a:endParaRPr lang="cs-CZ" dirty="0">
+              <a:cs typeface="Arial"/>
+            </a:endParaRPr>
+          </a:p>
+          <a:p>
+            <a:pPr marL="188595" indent="-134620"/>
+            <a:r>
+              <a:rPr lang="cs-CZ" dirty="0">
+                <a:hlinkClick r:id="rId4"/>
+              </a:rPr>
+              <a:t>https://www.sciencedirect.com/topics/medicine-and-dentistry/hyperspectral-imaging</a:t>
+            </a:r>
+            <a:endParaRPr lang="cs-CZ" dirty="0">
+              <a:cs typeface="Arial"/>
+            </a:endParaRPr>
+          </a:p>
+          <a:p>
+            <a:pPr marL="188595" indent="-134620"/>
+            <a:r>
+              <a:rPr lang="cs-CZ" dirty="0">
+                <a:hlinkClick r:id="rId5"/>
+              </a:rPr>
+              <a:t>https://towardsdatascience.com/what-are-hyper-spectral-images-a5de5d9fa91</a:t>
+            </a:r>
+            <a:endParaRPr lang="cs-CZ" dirty="0">
+              <a:cs typeface="Arial"/>
+              <a:hlinkClick r:id="rId5"/>
+            </a:endParaRPr>
+          </a:p>
+          <a:p>
+            <a:pPr marL="188595" indent="-134620"/>
+            <a:r>
+              <a:rPr lang="cs-CZ" dirty="0">
+                <a:ea typeface="+mn-lt"/>
+                <a:cs typeface="+mn-lt"/>
+              </a:rPr>
+              <a:t>IB031, PV021</a:t>
+            </a:r>
+          </a:p>
+          <a:p>
+            <a:pPr marL="188595" indent="-134620"/>
+            <a:r>
+              <a:rPr lang="cs-CZ" dirty="0">
+                <a:ea typeface="+mn-lt"/>
+                <a:cs typeface="+mn-lt"/>
+                <a:hlinkClick r:id="rId6"/>
+              </a:rPr>
+              <a:t>https://arxiv.org/pdf/2008.02481.pdf</a:t>
+            </a:r>
+            <a:endParaRPr lang="cs-CZ" dirty="0">
+              <a:ea typeface="+mn-lt"/>
+              <a:cs typeface="+mn-lt"/>
+            </a:endParaRPr>
+          </a:p>
+          <a:p>
+            <a:pPr marL="188595" indent="-134620"/>
+            <a:r>
+              <a:rPr lang="cs-CZ" dirty="0">
+                <a:cs typeface="Arial"/>
+                <a:hlinkClick r:id="rId7"/>
+              </a:rPr>
+              <a:t>https://www.upgrad.com/blog/neural-network-architecture-components-algorithms/</a:t>
+            </a:r>
+            <a:endParaRPr lang="cs-CZ" dirty="0">
+              <a:cs typeface="Arial"/>
+            </a:endParaRPr>
+          </a:p>
+          <a:p>
+            <a:pPr marL="188595" indent="-134620"/>
+            <a:endParaRPr lang="cs-CZ" dirty="0">
+              <a:cs typeface="Arial"/>
+            </a:endParaRPr>
+          </a:p>
+        </p:txBody>
+      </p:sp>
+    </p:spTree>
+    <p:extLst>
+      <p:ext uri="{BB962C8B-B14F-4D97-AF65-F5344CB8AC3E}">
+        <p14:creationId xmlns:p14="http://schemas.microsoft.com/office/powerpoint/2010/main" val="1689748750"/>
+      </p:ext>
+    </p:extLst>
+  </p:cSld>
+  <p:clrMapOvr>
+    <a:masterClrMapping/>
+  </p:clrMapOvr>
+</p:sld>
+</file>
+
+<file path=ppt/slides/slide17.xml><?xml version="1.0" encoding="utf-8"?>
+<p:sld xmlns:a="http://schemas.openxmlformats.org/drawingml/2006/main" xmlns:r="http://schemas.openxmlformats.org/officeDocument/2006/relationships" xmlns:p="http://schemas.openxmlformats.org/presentationml/2006/main">
+  <p:cSld>
+    <p:spTree>
+      <p:nvGrpSpPr>
+        <p:cNvPr id="1" name=""/>
+        <p:cNvGrpSpPr/>
+        <p:nvPr/>
+      </p:nvGrpSpPr>
+      <p:grpSpPr>
+        <a:xfrm>
+          <a:off x="0" y="0"/>
+          <a:ext cx="0" cy="0"/>
+          <a:chOff x="0" y="0"/>
+          <a:chExt cx="0" cy="0"/>
+        </a:xfrm>
+      </p:grpSpPr>
+      <p:sp>
+        <p:nvSpPr>
+          <p:cNvPr id="2" name="Zástupný symbol pro číslo snímku 1">
+            <a:extLst>
+              <a:ext uri="{FF2B5EF4-FFF2-40B4-BE49-F238E27FC236}">
+                <a16:creationId xmlns:a16="http://schemas.microsoft.com/office/drawing/2014/main" id="{D3EA143C-A8E1-E82E-319A-F2713D24FA49}"/>
+              </a:ext>
+            </a:extLst>
+          </p:cNvPr>
+          <p:cNvSpPr>
+            <a:spLocks noGrp="1"/>
+          </p:cNvSpPr>
+          <p:nvPr>
+            <p:ph type="sldNum" sz="quarter" idx="11"/>
+          </p:nvPr>
+        </p:nvSpPr>
+        <p:spPr/>
+        <p:txBody>
+          <a:bodyPr/>
+          <a:lstStyle/>
+          <a:p>
+            <a:fld id="{0970407D-EE58-4A0B-824B-1D3AE42DD9CF}" type="slidenum">
+              <a:rPr lang="cs-CZ" altLang="cs-CZ" smtClean="0"/>
+              <a:pPr/>
+              <a:t>17</a:t>
+            </a:fld>
+            <a:endParaRPr lang="cs-CZ" altLang="cs-CZ" dirty="0"/>
+          </a:p>
+        </p:txBody>
+      </p:sp>
+      <p:sp>
+        <p:nvSpPr>
+          <p:cNvPr id="5" name="Nadpis 4">
+            <a:extLst>
+              <a:ext uri="{FF2B5EF4-FFF2-40B4-BE49-F238E27FC236}">
+                <a16:creationId xmlns:a16="http://schemas.microsoft.com/office/drawing/2014/main" id="{E93D535B-E6B0-9C07-C449-88B3A463E05F}"/>
+              </a:ext>
+            </a:extLst>
+          </p:cNvPr>
+          <p:cNvSpPr>
+            <a:spLocks noGrp="1"/>
+          </p:cNvSpPr>
+          <p:nvPr>
+            <p:ph type="title"/>
+          </p:nvPr>
+        </p:nvSpPr>
+        <p:spPr>
+          <a:xfrm>
+            <a:off x="539550" y="2977424"/>
+            <a:ext cx="8064900" cy="451576"/>
+          </a:xfrm>
+        </p:spPr>
+        <p:txBody>
+          <a:bodyPr/>
+          <a:lstStyle/>
+          <a:p>
+            <a:pPr algn="ctr"/>
+            <a:r>
+              <a:rPr lang="cs-CZ" dirty="0"/>
+              <a:t>Děkujeme za pozornost.</a:t>
+            </a:r>
+            <a:br>
+              <a:rPr lang="cs-CZ" dirty="0"/>
+            </a:br>
+            <a:endParaRPr lang="cs-CZ" dirty="0"/>
+          </a:p>
+        </p:txBody>
+      </p:sp>
+    </p:spTree>
+    <p:extLst>
+      <p:ext uri="{BB962C8B-B14F-4D97-AF65-F5344CB8AC3E}">
+        <p14:creationId xmlns:p14="http://schemas.microsoft.com/office/powerpoint/2010/main" val="349949840"/>
       </p:ext>
     </p:extLst>
   </p:cSld>
@@ -15456,323 +14391,6 @@
     <p:extLst>
       <p:ext uri="{BB962C8B-B14F-4D97-AF65-F5344CB8AC3E}">
         <p14:creationId xmlns:p14="http://schemas.microsoft.com/office/powerpoint/2010/main" val="3674967619"/>
-      </p:ext>
-    </p:extLst>
-  </p:cSld>
-  <p:clrMapOvr>
-    <a:masterClrMapping/>
-  </p:clrMapOvr>
-</p:sld>
-</file>
-
-<file path=ppt/slides/slide20.xml><?xml version="1.0" encoding="utf-8"?>
-<p:sld xmlns:a="http://schemas.openxmlformats.org/drawingml/2006/main" xmlns:r="http://schemas.openxmlformats.org/officeDocument/2006/relationships" xmlns:p="http://schemas.openxmlformats.org/presentationml/2006/main">
-  <p:cSld>
-    <p:spTree>
-      <p:nvGrpSpPr>
-        <p:cNvPr id="1" name=""/>
-        <p:cNvGrpSpPr/>
-        <p:nvPr/>
-      </p:nvGrpSpPr>
-      <p:grpSpPr>
-        <a:xfrm>
-          <a:off x="0" y="0"/>
-          <a:ext cx="0" cy="0"/>
-          <a:chOff x="0" y="0"/>
-          <a:chExt cx="0" cy="0"/>
-        </a:xfrm>
-      </p:grpSpPr>
-      <p:sp>
-        <p:nvSpPr>
-          <p:cNvPr id="2" name="Zástupný symbol pro číslo snímku 1">
-            <a:extLst>
-              <a:ext uri="{FF2B5EF4-FFF2-40B4-BE49-F238E27FC236}">
-                <a16:creationId xmlns:a16="http://schemas.microsoft.com/office/drawing/2014/main" id="{A774A720-607F-23CB-C296-E9FAB56ABE9F}"/>
-              </a:ext>
-            </a:extLst>
-          </p:cNvPr>
-          <p:cNvSpPr>
-            <a:spLocks noGrp="1"/>
-          </p:cNvSpPr>
-          <p:nvPr>
-            <p:ph type="sldNum" sz="quarter" idx="11"/>
-          </p:nvPr>
-        </p:nvSpPr>
-        <p:spPr/>
-        <p:txBody>
-          <a:bodyPr/>
-          <a:lstStyle/>
-          <a:p>
-            <a:fld id="{D6D6C118-631F-4A80-9886-907009361577}" type="slidenum">
-              <a:rPr lang="cs-CZ" altLang="cs-CZ" smtClean="0"/>
-              <a:pPr/>
-              <a:t>20</a:t>
-            </a:fld>
-            <a:endParaRPr lang="cs-CZ" altLang="cs-CZ" dirty="0"/>
-          </a:p>
-        </p:txBody>
-      </p:sp>
-      <p:sp>
-        <p:nvSpPr>
-          <p:cNvPr id="3" name="Nadpis 2">
-            <a:extLst>
-              <a:ext uri="{FF2B5EF4-FFF2-40B4-BE49-F238E27FC236}">
-                <a16:creationId xmlns:a16="http://schemas.microsoft.com/office/drawing/2014/main" id="{FCD28BEE-A24C-13DC-692C-D6179083E7AB}"/>
-              </a:ext>
-            </a:extLst>
-          </p:cNvPr>
-          <p:cNvSpPr>
-            <a:spLocks noGrp="1"/>
-          </p:cNvSpPr>
-          <p:nvPr>
-            <p:ph type="title"/>
-          </p:nvPr>
-        </p:nvSpPr>
-        <p:spPr/>
-        <p:txBody>
-          <a:bodyPr/>
-          <a:lstStyle/>
-          <a:p>
-            <a:r>
-              <a:rPr lang="cs-CZ" dirty="0"/>
-              <a:t>Zdroje</a:t>
-            </a:r>
-          </a:p>
-        </p:txBody>
-      </p:sp>
-      <p:sp>
-        <p:nvSpPr>
-          <p:cNvPr id="4" name="Zástupný obsah 3">
-            <a:extLst>
-              <a:ext uri="{FF2B5EF4-FFF2-40B4-BE49-F238E27FC236}">
-                <a16:creationId xmlns:a16="http://schemas.microsoft.com/office/drawing/2014/main" id="{B9690890-CF09-1273-2893-B91B28E59E3F}"/>
-              </a:ext>
-            </a:extLst>
-          </p:cNvPr>
-          <p:cNvSpPr>
-            <a:spLocks noGrp="1"/>
-          </p:cNvSpPr>
-          <p:nvPr>
-            <p:ph idx="1"/>
-          </p:nvPr>
-        </p:nvSpPr>
-        <p:spPr/>
-        <p:txBody>
-          <a:bodyPr vert="horz" lIns="0" tIns="0" rIns="0" bIns="0" rtlCol="0" anchor="t">
-            <a:noAutofit/>
-          </a:bodyPr>
-          <a:lstStyle/>
-          <a:p>
-            <a:pPr marL="188595" indent="-134620"/>
-            <a:r>
-              <a:rPr lang="cs-CZ" dirty="0"/>
-              <a:t>Youtube.com – </a:t>
-            </a:r>
-            <a:r>
-              <a:rPr lang="cs-CZ" dirty="0" err="1"/>
-              <a:t>SpecimSpectral</a:t>
-            </a:r>
-            <a:endParaRPr lang="cs-CZ" dirty="0">
-              <a:cs typeface="Arial"/>
-            </a:endParaRPr>
-          </a:p>
-          <a:p>
-            <a:pPr marL="188595" indent="-134620"/>
-            <a:r>
-              <a:rPr lang="cs-CZ" dirty="0">
-                <a:hlinkClick r:id="rId2"/>
-              </a:rPr>
-              <a:t>https://www.l3harrisgeospatial.com/docs/ENVIHeaderFiles.html</a:t>
-            </a:r>
-            <a:endParaRPr lang="cs-CZ" dirty="0">
-              <a:cs typeface="Arial"/>
-            </a:endParaRPr>
-          </a:p>
-          <a:p>
-            <a:pPr marL="188595" indent="-134620"/>
-            <a:r>
-              <a:rPr lang="cs-CZ" dirty="0">
-                <a:hlinkClick r:id="rId3"/>
-              </a:rPr>
-              <a:t>https://www.mathworks.com/help/images/getting-started-with-hyperspectral-image-analysis.html</a:t>
-            </a:r>
-            <a:endParaRPr lang="cs-CZ" dirty="0">
-              <a:cs typeface="Arial"/>
-            </a:endParaRPr>
-          </a:p>
-          <a:p>
-            <a:pPr marL="188595" indent="-134620"/>
-            <a:r>
-              <a:rPr lang="cs-CZ" dirty="0">
-                <a:hlinkClick r:id="rId4"/>
-              </a:rPr>
-              <a:t>https://www.sciencedirect.com/topics/medicine-and-dentistry/hyperspectral-imaging</a:t>
-            </a:r>
-            <a:endParaRPr lang="cs-CZ" dirty="0">
-              <a:cs typeface="Arial"/>
-            </a:endParaRPr>
-          </a:p>
-          <a:p>
-            <a:pPr marL="188595" indent="-134620"/>
-            <a:r>
-              <a:rPr lang="cs-CZ" dirty="0">
-                <a:hlinkClick r:id="rId5"/>
-              </a:rPr>
-              <a:t>https://towardsdatascience.com/what-are-hyper-spectral-images-a5de5d9fa91</a:t>
-            </a:r>
-            <a:endParaRPr lang="cs-CZ" dirty="0">
-              <a:cs typeface="Arial"/>
-              <a:hlinkClick r:id="rId5"/>
-            </a:endParaRPr>
-          </a:p>
-          <a:p>
-            <a:pPr marL="188595" indent="-134620"/>
-            <a:r>
-              <a:rPr lang="cs-CZ" dirty="0">
-                <a:ea typeface="+mn-lt"/>
-                <a:cs typeface="+mn-lt"/>
-              </a:rPr>
-              <a:t>IB031, PV021</a:t>
-            </a:r>
-          </a:p>
-          <a:p>
-            <a:pPr marL="188595" indent="-134620"/>
-            <a:r>
-              <a:rPr lang="cs-CZ" dirty="0">
-                <a:ea typeface="+mn-lt"/>
-                <a:cs typeface="+mn-lt"/>
-                <a:hlinkClick r:id="rId6"/>
-              </a:rPr>
-              <a:t>https://arxiv.org/pdf/2008.02481.pdf</a:t>
-            </a:r>
-            <a:endParaRPr lang="cs-CZ" dirty="0">
-              <a:ea typeface="+mn-lt"/>
-              <a:cs typeface="+mn-lt"/>
-            </a:endParaRPr>
-          </a:p>
-          <a:p>
-            <a:pPr marL="188595" indent="-134620"/>
-            <a:r>
-              <a:rPr lang="cs-CZ" dirty="0">
-                <a:cs typeface="Arial"/>
-                <a:hlinkClick r:id="rId7"/>
-              </a:rPr>
-              <a:t>https://www.upgrad.com/blog/neural-network-architecture-components-algorithms/</a:t>
-            </a:r>
-            <a:endParaRPr lang="cs-CZ" dirty="0">
-              <a:cs typeface="Arial"/>
-            </a:endParaRPr>
-          </a:p>
-          <a:p>
-            <a:pPr marL="188595" indent="-134620"/>
-            <a:endParaRPr lang="cs-CZ" dirty="0">
-              <a:cs typeface="Arial"/>
-            </a:endParaRPr>
-          </a:p>
-        </p:txBody>
-      </p:sp>
-    </p:spTree>
-    <p:extLst>
-      <p:ext uri="{BB962C8B-B14F-4D97-AF65-F5344CB8AC3E}">
-        <p14:creationId xmlns:p14="http://schemas.microsoft.com/office/powerpoint/2010/main" val="1689748750"/>
-      </p:ext>
-    </p:extLst>
-  </p:cSld>
-  <p:clrMapOvr>
-    <a:masterClrMapping/>
-  </p:clrMapOvr>
-</p:sld>
-</file>
-
-<file path=ppt/slides/slide21.xml><?xml version="1.0" encoding="utf-8"?>
-<p:sld xmlns:a="http://schemas.openxmlformats.org/drawingml/2006/main" xmlns:r="http://schemas.openxmlformats.org/officeDocument/2006/relationships" xmlns:p="http://schemas.openxmlformats.org/presentationml/2006/main">
-  <p:cSld>
-    <p:spTree>
-      <p:nvGrpSpPr>
-        <p:cNvPr id="1" name=""/>
-        <p:cNvGrpSpPr/>
-        <p:nvPr/>
-      </p:nvGrpSpPr>
-      <p:grpSpPr>
-        <a:xfrm>
-          <a:off x="0" y="0"/>
-          <a:ext cx="0" cy="0"/>
-          <a:chOff x="0" y="0"/>
-          <a:chExt cx="0" cy="0"/>
-        </a:xfrm>
-      </p:grpSpPr>
-      <p:sp>
-        <p:nvSpPr>
-          <p:cNvPr id="2" name="Zástupný symbol pro číslo snímku 1">
-            <a:extLst>
-              <a:ext uri="{FF2B5EF4-FFF2-40B4-BE49-F238E27FC236}">
-                <a16:creationId xmlns:a16="http://schemas.microsoft.com/office/drawing/2014/main" id="{D3EA143C-A8E1-E82E-319A-F2713D24FA49}"/>
-              </a:ext>
-            </a:extLst>
-          </p:cNvPr>
-          <p:cNvSpPr>
-            <a:spLocks noGrp="1"/>
-          </p:cNvSpPr>
-          <p:nvPr>
-            <p:ph type="sldNum" sz="quarter" idx="11"/>
-          </p:nvPr>
-        </p:nvSpPr>
-        <p:spPr/>
-        <p:txBody>
-          <a:bodyPr/>
-          <a:lstStyle/>
-          <a:p>
-            <a:fld id="{0970407D-EE58-4A0B-824B-1D3AE42DD9CF}" type="slidenum">
-              <a:rPr lang="cs-CZ" altLang="cs-CZ" smtClean="0"/>
-              <a:pPr/>
-              <a:t>21</a:t>
-            </a:fld>
-            <a:endParaRPr lang="cs-CZ" altLang="cs-CZ" dirty="0"/>
-          </a:p>
-        </p:txBody>
-      </p:sp>
-      <p:sp>
-        <p:nvSpPr>
-          <p:cNvPr id="5" name="Nadpis 4">
-            <a:extLst>
-              <a:ext uri="{FF2B5EF4-FFF2-40B4-BE49-F238E27FC236}">
-                <a16:creationId xmlns:a16="http://schemas.microsoft.com/office/drawing/2014/main" id="{E93D535B-E6B0-9C07-C449-88B3A463E05F}"/>
-              </a:ext>
-            </a:extLst>
-          </p:cNvPr>
-          <p:cNvSpPr>
-            <a:spLocks noGrp="1"/>
-          </p:cNvSpPr>
-          <p:nvPr>
-            <p:ph type="title"/>
-          </p:nvPr>
-        </p:nvSpPr>
-        <p:spPr>
-          <a:xfrm>
-            <a:off x="539550" y="2977424"/>
-            <a:ext cx="8064900" cy="451576"/>
-          </a:xfrm>
-        </p:spPr>
-        <p:txBody>
-          <a:bodyPr/>
-          <a:lstStyle/>
-          <a:p>
-            <a:pPr algn="ctr"/>
-            <a:r>
-              <a:rPr lang="cs-CZ" dirty="0"/>
-              <a:t>Děkujeme za pozornost.</a:t>
-            </a:r>
-            <a:br>
-              <a:rPr lang="cs-CZ" dirty="0"/>
-            </a:br>
-            <a:endParaRPr lang="cs-CZ" dirty="0"/>
-          </a:p>
-        </p:txBody>
-      </p:sp>
-    </p:spTree>
-    <p:extLst>
-      <p:ext uri="{BB962C8B-B14F-4D97-AF65-F5344CB8AC3E}">
-        <p14:creationId xmlns:p14="http://schemas.microsoft.com/office/powerpoint/2010/main" val="349949840"/>
       </p:ext>
     </p:extLst>
   </p:cSld>
@@ -17712,7 +16330,7 @@
           <p:cNvPr id="2" name="Zástupný symbol pro číslo snímku 1">
             <a:extLst>
               <a:ext uri="{FF2B5EF4-FFF2-40B4-BE49-F238E27FC236}">
-                <a16:creationId xmlns:a16="http://schemas.microsoft.com/office/drawing/2014/main" id="{35EEE3DB-A1BD-F7F0-1CAF-ECBE93A733FE}"/>
+                <a16:creationId xmlns:a16="http://schemas.microsoft.com/office/drawing/2014/main" id="{E2B5AE1D-07F1-3F95-9158-E7ECE1B7B04A}"/>
               </a:ext>
             </a:extLst>
           </p:cNvPr>
@@ -17742,7 +16360,7 @@
           <p:cNvPr id="3" name="Nadpis 2">
             <a:extLst>
               <a:ext uri="{FF2B5EF4-FFF2-40B4-BE49-F238E27FC236}">
-                <a16:creationId xmlns:a16="http://schemas.microsoft.com/office/drawing/2014/main" id="{344FCB6B-DBF7-D9A3-B8B7-04C372761246}"/>
+                <a16:creationId xmlns:a16="http://schemas.microsoft.com/office/drawing/2014/main" id="{1CF226C1-5855-A221-8826-9F742A5EFA37}"/>
               </a:ext>
             </a:extLst>
           </p:cNvPr>
@@ -17759,8 +16377,12 @@
           <a:lstStyle/>
           <a:p>
             <a:r>
+              <a:rPr lang="cs-CZ" dirty="0" err="1"/>
+              <a:t>Centroidová</a:t>
+            </a:r>
+            <a:r>
               <a:rPr lang="cs-CZ" dirty="0"/>
-              <a:t>(Otevření souboru v pythonu)</a:t>
+              <a:t> metoda</a:t>
             </a:r>
           </a:p>
         </p:txBody>
@@ -17770,7 +16392,7 @@
           <p:cNvPr id="4" name="Zástupný obsah 3">
             <a:extLst>
               <a:ext uri="{FF2B5EF4-FFF2-40B4-BE49-F238E27FC236}">
-                <a16:creationId xmlns:a16="http://schemas.microsoft.com/office/drawing/2014/main" id="{7C032C98-BD39-A9A4-BEF8-83700327EB22}"/>
+                <a16:creationId xmlns:a16="http://schemas.microsoft.com/office/drawing/2014/main" id="{6947B269-BF7E-0517-640C-E2697EB5FCC4}"/>
               </a:ext>
             </a:extLst>
           </p:cNvPr>
@@ -17786,14 +16408,54 @@
           <a:bodyPr/>
           <a:lstStyle/>
           <a:p>
-            <a:endParaRPr lang="cs-CZ"/>
+            <a:r>
+              <a:rPr lang="cs-CZ" dirty="0"/>
+              <a:t>Nejbližší </a:t>
+            </a:r>
+            <a:r>
+              <a:rPr lang="cs-CZ" dirty="0" err="1"/>
+              <a:t>centroid</a:t>
+            </a:r>
+            <a:r>
+              <a:rPr lang="cs-CZ" dirty="0"/>
+              <a:t> = střed shluku objektů (nemusí jít o reálný objekt, na rozdíl od </a:t>
+            </a:r>
+            <a:r>
+              <a:rPr lang="cs-CZ" dirty="0" err="1"/>
+              <a:t>medoidu</a:t>
+            </a:r>
+            <a:r>
+              <a:rPr lang="cs-CZ" dirty="0"/>
+              <a:t>)</a:t>
+            </a:r>
+          </a:p>
+          <a:p>
+            <a:r>
+              <a:rPr lang="cs-CZ" dirty="0"/>
+              <a:t>Opět využita euklidovská vzdálenost</a:t>
+            </a:r>
+          </a:p>
+          <a:p>
+            <a:r>
+              <a:rPr lang="cs-CZ" dirty="0"/>
+              <a:t>Řeší problém metody k nejbližších sousedů: nevyváženost skupin</a:t>
+            </a:r>
+          </a:p>
+          <a:p>
+            <a:endParaRPr lang="cs-CZ" dirty="0"/>
+          </a:p>
+          <a:p>
+            <a:r>
+              <a:rPr lang="cs-CZ" dirty="0"/>
+              <a:t>V tomto případě nejslabší výsledky ze všech ostatních metod (ale pořád uspokojivé, cca 89%)</a:t>
+            </a:r>
           </a:p>
         </p:txBody>
       </p:sp>
     </p:spTree>
     <p:extLst>
       <p:ext uri="{BB962C8B-B14F-4D97-AF65-F5344CB8AC3E}">
-        <p14:creationId xmlns:p14="http://schemas.microsoft.com/office/powerpoint/2010/main" val="2819931310"/>
+        <p14:creationId xmlns:p14="http://schemas.microsoft.com/office/powerpoint/2010/main" val="2493379449"/>
       </p:ext>
     </p:extLst>
   </p:cSld>
@@ -19111,6 +17773,12 @@
 </file>
 
 <file path=customXml/item2.xml><?xml version="1.0" encoding="utf-8"?>
+<p:properties xmlns:p="http://schemas.microsoft.com/office/2006/metadata/properties" xmlns:xsi="http://www.w3.org/2001/XMLSchema-instance" xmlns:pc="http://schemas.microsoft.com/office/infopath/2007/PartnerControls">
+  <documentManagement/>
+</p:properties>
+</file>
+
+<file path=customXml/item3.xml><?xml version="1.0" encoding="utf-8"?>
 <ct:contentTypeSchema xmlns:ct="http://schemas.microsoft.com/office/2006/metadata/contentType" xmlns:ma="http://schemas.microsoft.com/office/2006/metadata/properties/metaAttributes" ct:_="" ma:_="" ma:contentTypeName="Document" ma:contentTypeID="0x0101008A8BAC94BA468D488F31B2478A655CDC" ma:contentTypeVersion="2" ma:contentTypeDescription="Create a new document." ma:contentTypeScope="" ma:versionID="ee33a842da3844a56f5f7ee8bb88b81c">
   <xsd:schema xmlns:xsd="http://www.w3.org/2001/XMLSchema" xmlns:xs="http://www.w3.org/2001/XMLSchema" xmlns:p="http://schemas.microsoft.com/office/2006/metadata/properties" xmlns:ns2="76d5652a-9cd3-465f-98c7-aa8090bd65c7" targetNamespace="http://schemas.microsoft.com/office/2006/metadata/properties" ma:root="true" ma:fieldsID="0e2306b8fccc60975f3c3727b2649f8a" ns2:_="">
     <xsd:import namespace="76d5652a-9cd3-465f-98c7-aa8090bd65c7"/>
@@ -19242,12 +17910,6 @@
 </ct:contentTypeSchema>
 </file>
 
-<file path=customXml/item3.xml><?xml version="1.0" encoding="utf-8"?>
-<p:properties xmlns:p="http://schemas.microsoft.com/office/2006/metadata/properties" xmlns:xsi="http://www.w3.org/2001/XMLSchema-instance" xmlns:pc="http://schemas.microsoft.com/office/infopath/2007/PartnerControls">
-  <documentManagement/>
-</p:properties>
-</file>
-
 <file path=customXml/itemProps1.xml><?xml version="1.0" encoding="utf-8"?>
 <ds:datastoreItem xmlns:ds="http://schemas.openxmlformats.org/officeDocument/2006/customXml" ds:itemID="{E36D0F24-56E8-4504-AA48-3EBCB5D54AD9}">
   <ds:schemaRefs>
@@ -19257,6 +17919,15 @@
 </file>
 
 <file path=customXml/itemProps2.xml><?xml version="1.0" encoding="utf-8"?>
+<ds:datastoreItem xmlns:ds="http://schemas.openxmlformats.org/officeDocument/2006/customXml" ds:itemID="{87FC99D9-F6DD-436D-99C9-1C611E60EF54}">
+  <ds:schemaRefs>
+    <ds:schemaRef ds:uri="http://schemas.microsoft.com/office/2006/metadata/properties"/>
+    <ds:schemaRef ds:uri="http://schemas.microsoft.com/office/infopath/2007/PartnerControls"/>
+  </ds:schemaRefs>
+</ds:datastoreItem>
+</file>
+
+<file path=customXml/itemProps3.xml><?xml version="1.0" encoding="utf-8"?>
 <ds:datastoreItem xmlns:ds="http://schemas.openxmlformats.org/officeDocument/2006/customXml" ds:itemID="{4EC91D47-DB37-41CD-95CA-CBBE4BBBFBDA}">
   <ds:schemaRefs>
     <ds:schemaRef ds:uri="http://schemas.microsoft.com/office/2006/metadata/contentType"/>
@@ -19272,13 +17943,4 @@
     <ds:schemaRef ds:uri="http://schemas.microsoft.com/internal/obd"/>
   </ds:schemaRefs>
 </ds:datastoreItem>
-</file>
-
-<file path=customXml/itemProps3.xml><?xml version="1.0" encoding="utf-8"?>
-<ds:datastoreItem xmlns:ds="http://schemas.openxmlformats.org/officeDocument/2006/customXml" ds:itemID="{87FC99D9-F6DD-436D-99C9-1C611E60EF54}">
-  <ds:schemaRefs>
-    <ds:schemaRef ds:uri="http://schemas.microsoft.com/office/2006/metadata/properties"/>
-    <ds:schemaRef ds:uri="http://schemas.microsoft.com/office/infopath/2007/PartnerControls"/>
-  </ds:schemaRefs>
-</ds:datastoreItem>
 </file>